--- a/ipsa/slides/recursion.pptx
+++ b/ipsa/slides/recursion.pptx
@@ -5,7 +5,7 @@
     <p:sldMasterId id="2147483648" r:id="rId1"/>
   </p:sldMasterIdLst>
   <p:notesMasterIdLst>
-    <p:notesMasterId r:id="rId20"/>
+    <p:notesMasterId r:id="rId21"/>
   </p:notesMasterIdLst>
   <p:sldIdLst>
     <p:sldId id="463" r:id="rId2"/>
@@ -26,6 +26,7 @@
     <p:sldId id="587" r:id="rId17"/>
     <p:sldId id="607" r:id="rId18"/>
     <p:sldId id="606" r:id="rId19"/>
+    <p:sldId id="609" r:id="rId20"/>
   </p:sldIdLst>
   <p:sldSz cx="12192000" cy="6858000"/>
   <p:notesSz cx="6858000" cy="9144000"/>
@@ -135,7 +136,7 @@
 <file path=ppt/revisionInfo.xml><?xml version="1.0" encoding="utf-8"?>
 <p1510:revInfo xmlns:a="http://schemas.openxmlformats.org/drawingml/2006/main" xmlns:r="http://schemas.openxmlformats.org/officeDocument/2006/relationships" xmlns:p1510="http://schemas.microsoft.com/office/powerpoint/2015/10/main">
   <p1510:revLst>
-    <p1510:client id="{1469466D-464E-4DC8-B62D-B95481E21BC1}" v="359" dt="2022-04-06T04:58:14.938"/>
+    <p1510:client id="{9197687F-18F0-42D4-9B72-DE14A28EAE5C}" v="15" dt="2023-02-22T11:01:21.967"/>
   </p1510:revLst>
 </p1510:revInfo>
 </file>
@@ -286,6 +287,210 @@
             <ac:graphicFrameMk id="9" creationId="{6B920E13-B858-4396-9BA7-39071AB1F606}"/>
           </ac:graphicFrameMkLst>
         </pc:graphicFrameChg>
+      </pc:sldChg>
+    </pc:docChg>
+  </pc:docChgLst>
+  <pc:docChgLst>
+    <pc:chgData name="Gerth Stølting Brodal" userId="04ef4784-6591-4f86-a140-f5c3b108582a" providerId="ADAL" clId="{9197687F-18F0-42D4-9B72-DE14A28EAE5C}"/>
+    <pc:docChg chg="undo custSel addSld modSld">
+      <pc:chgData name="Gerth Stølting Brodal" userId="04ef4784-6591-4f86-a140-f5c3b108582a" providerId="ADAL" clId="{9197687F-18F0-42D4-9B72-DE14A28EAE5C}" dt="2023-02-22T11:01:59.033" v="544" actId="20577"/>
+      <pc:docMkLst>
+        <pc:docMk/>
+      </pc:docMkLst>
+      <pc:sldChg chg="modNotesTx">
+        <pc:chgData name="Gerth Stølting Brodal" userId="04ef4784-6591-4f86-a140-f5c3b108582a" providerId="ADAL" clId="{9197687F-18F0-42D4-9B72-DE14A28EAE5C}" dt="2023-02-22T07:56:55.182" v="30" actId="20577"/>
+        <pc:sldMkLst>
+          <pc:docMk/>
+          <pc:sldMk cId="3801011593" sldId="463"/>
+        </pc:sldMkLst>
+      </pc:sldChg>
+      <pc:sldChg chg="modNotesTx">
+        <pc:chgData name="Gerth Stølting Brodal" userId="04ef4784-6591-4f86-a140-f5c3b108582a" providerId="ADAL" clId="{9197687F-18F0-42D4-9B72-DE14A28EAE5C}" dt="2023-02-22T10:41:49.903" v="501" actId="6549"/>
+        <pc:sldMkLst>
+          <pc:docMk/>
+          <pc:sldMk cId="2445053109" sldId="589"/>
+        </pc:sldMkLst>
+      </pc:sldChg>
+      <pc:sldChg chg="modSp mod">
+        <pc:chgData name="Gerth Stølting Brodal" userId="04ef4784-6591-4f86-a140-f5c3b108582a" providerId="ADAL" clId="{9197687F-18F0-42D4-9B72-DE14A28EAE5C}" dt="2023-02-22T10:34:41.254" v="392" actId="1037"/>
+        <pc:sldMkLst>
+          <pc:docMk/>
+          <pc:sldMk cId="930238539" sldId="595"/>
+        </pc:sldMkLst>
+        <pc:spChg chg="mod">
+          <ac:chgData name="Gerth Stølting Brodal" userId="04ef4784-6591-4f86-a140-f5c3b108582a" providerId="ADAL" clId="{9197687F-18F0-42D4-9B72-DE14A28EAE5C}" dt="2023-02-22T10:34:35.046" v="389" actId="1035"/>
+          <ac:spMkLst>
+            <pc:docMk/>
+            <pc:sldMk cId="930238539" sldId="595"/>
+            <ac:spMk id="2" creationId="{00000000-0000-0000-0000-000000000000}"/>
+          </ac:spMkLst>
+        </pc:spChg>
+        <pc:spChg chg="mod">
+          <ac:chgData name="Gerth Stølting Brodal" userId="04ef4784-6591-4f86-a140-f5c3b108582a" providerId="ADAL" clId="{9197687F-18F0-42D4-9B72-DE14A28EAE5C}" dt="2023-02-22T10:34:28.323" v="373" actId="1035"/>
+          <ac:spMkLst>
+            <pc:docMk/>
+            <pc:sldMk cId="930238539" sldId="595"/>
+            <ac:spMk id="80" creationId="{00000000-0000-0000-0000-000000000000}"/>
+          </ac:spMkLst>
+        </pc:spChg>
+        <pc:spChg chg="mod">
+          <ac:chgData name="Gerth Stølting Brodal" userId="04ef4784-6591-4f86-a140-f5c3b108582a" providerId="ADAL" clId="{9197687F-18F0-42D4-9B72-DE14A28EAE5C}" dt="2023-02-22T10:34:41.254" v="392" actId="1037"/>
+          <ac:spMkLst>
+            <pc:docMk/>
+            <pc:sldMk cId="930238539" sldId="595"/>
+            <ac:spMk id="81" creationId="{00000000-0000-0000-0000-000000000000}"/>
+          </ac:spMkLst>
+        </pc:spChg>
+        <pc:grpChg chg="mod">
+          <ac:chgData name="Gerth Stølting Brodal" userId="04ef4784-6591-4f86-a140-f5c3b108582a" providerId="ADAL" clId="{9197687F-18F0-42D4-9B72-DE14A28EAE5C}" dt="2023-02-22T10:34:28.323" v="373" actId="1035"/>
+          <ac:grpSpMkLst>
+            <pc:docMk/>
+            <pc:sldMk cId="930238539" sldId="595"/>
+            <ac:grpSpMk id="79" creationId="{00000000-0000-0000-0000-000000000000}"/>
+          </ac:grpSpMkLst>
+        </pc:grpChg>
+        <pc:graphicFrameChg chg="modGraphic">
+          <ac:chgData name="Gerth Stølting Brodal" userId="04ef4784-6591-4f86-a140-f5c3b108582a" providerId="ADAL" clId="{9197687F-18F0-42D4-9B72-DE14A28EAE5C}" dt="2023-02-22T10:33:59.482" v="344" actId="14100"/>
+          <ac:graphicFrameMkLst>
+            <pc:docMk/>
+            <pc:sldMk cId="930238539" sldId="595"/>
+            <ac:graphicFrameMk id="4" creationId="{00000000-0000-0000-0000-000000000000}"/>
+          </ac:graphicFrameMkLst>
+        </pc:graphicFrameChg>
+      </pc:sldChg>
+      <pc:sldChg chg="addSp modSp modAnim modNotesTx">
+        <pc:chgData name="Gerth Stølting Brodal" userId="04ef4784-6591-4f86-a140-f5c3b108582a" providerId="ADAL" clId="{9197687F-18F0-42D4-9B72-DE14A28EAE5C}" dt="2023-02-22T11:01:47.513" v="527" actId="20577"/>
+        <pc:sldMkLst>
+          <pc:docMk/>
+          <pc:sldMk cId="1220840155" sldId="606"/>
+        </pc:sldMkLst>
+        <pc:graphicFrameChg chg="add mod">
+          <ac:chgData name="Gerth Stølting Brodal" userId="04ef4784-6591-4f86-a140-f5c3b108582a" providerId="ADAL" clId="{9197687F-18F0-42D4-9B72-DE14A28EAE5C}" dt="2023-02-22T08:26:22.986" v="32"/>
+          <ac:graphicFrameMkLst>
+            <pc:docMk/>
+            <pc:sldMk cId="1220840155" sldId="606"/>
+            <ac:graphicFrameMk id="3" creationId="{7362E841-AEEF-44FA-AE72-54DCD9AF3B7D}"/>
+          </ac:graphicFrameMkLst>
+        </pc:graphicFrameChg>
+      </pc:sldChg>
+      <pc:sldChg chg="addSp delSp modSp add mod delAnim modNotesTx">
+        <pc:chgData name="Gerth Stølting Brodal" userId="04ef4784-6591-4f86-a140-f5c3b108582a" providerId="ADAL" clId="{9197687F-18F0-42D4-9B72-DE14A28EAE5C}" dt="2023-02-22T11:01:59.033" v="544" actId="20577"/>
+        <pc:sldMkLst>
+          <pc:docMk/>
+          <pc:sldMk cId="398569820" sldId="609"/>
+        </pc:sldMkLst>
+        <pc:spChg chg="mod">
+          <ac:chgData name="Gerth Stølting Brodal" userId="04ef4784-6591-4f86-a140-f5c3b108582a" providerId="ADAL" clId="{9197687F-18F0-42D4-9B72-DE14A28EAE5C}" dt="2023-02-22T09:31:16.668" v="334" actId="20577"/>
+          <ac:spMkLst>
+            <pc:docMk/>
+            <pc:sldMk cId="398569820" sldId="609"/>
+            <ac:spMk id="2" creationId="{00000000-0000-0000-0000-000000000000}"/>
+          </ac:spMkLst>
+        </pc:spChg>
+        <pc:spChg chg="add mod">
+          <ac:chgData name="Gerth Stølting Brodal" userId="04ef4784-6591-4f86-a140-f5c3b108582a" providerId="ADAL" clId="{9197687F-18F0-42D4-9B72-DE14A28EAE5C}" dt="2023-02-22T09:02:23.828" v="84" actId="1076"/>
+          <ac:spMkLst>
+            <pc:docMk/>
+            <pc:sldMk cId="398569820" sldId="609"/>
+            <ac:spMk id="5" creationId="{2541C217-2EC0-DD57-6EEE-F934237B9178}"/>
+          </ac:spMkLst>
+        </pc:spChg>
+        <pc:spChg chg="del">
+          <ac:chgData name="Gerth Stølting Brodal" userId="04ef4784-6591-4f86-a140-f5c3b108582a" providerId="ADAL" clId="{9197687F-18F0-42D4-9B72-DE14A28EAE5C}" dt="2023-02-22T08:27:58.751" v="40" actId="478"/>
+          <ac:spMkLst>
+            <pc:docMk/>
+            <pc:sldMk cId="398569820" sldId="609"/>
+            <ac:spMk id="8" creationId="{00000000-0000-0000-0000-000000000000}"/>
+          </ac:spMkLst>
+        </pc:spChg>
+        <pc:spChg chg="del">
+          <ac:chgData name="Gerth Stølting Brodal" userId="04ef4784-6591-4f86-a140-f5c3b108582a" providerId="ADAL" clId="{9197687F-18F0-42D4-9B72-DE14A28EAE5C}" dt="2023-02-22T08:27:56.914" v="39" actId="478"/>
+          <ac:spMkLst>
+            <pc:docMk/>
+            <pc:sldMk cId="398569820" sldId="609"/>
+            <ac:spMk id="9" creationId="{00000000-0000-0000-0000-000000000000}"/>
+          </ac:spMkLst>
+        </pc:spChg>
+        <pc:spChg chg="add mod">
+          <ac:chgData name="Gerth Stølting Brodal" userId="04ef4784-6591-4f86-a140-f5c3b108582a" providerId="ADAL" clId="{9197687F-18F0-42D4-9B72-DE14A28EAE5C}" dt="2023-02-22T09:26:35.752" v="182" actId="1037"/>
+          <ac:spMkLst>
+            <pc:docMk/>
+            <pc:sldMk cId="398569820" sldId="609"/>
+            <ac:spMk id="21" creationId="{1C11BD08-50AA-9CA2-657B-6D921A637146}"/>
+          </ac:spMkLst>
+        </pc:spChg>
+        <pc:spChg chg="add mod">
+          <ac:chgData name="Gerth Stølting Brodal" userId="04ef4784-6591-4f86-a140-f5c3b108582a" providerId="ADAL" clId="{9197687F-18F0-42D4-9B72-DE14A28EAE5C}" dt="2023-02-22T09:23:53.446" v="145" actId="1038"/>
+          <ac:spMkLst>
+            <pc:docMk/>
+            <pc:sldMk cId="398569820" sldId="609"/>
+            <ac:spMk id="22" creationId="{4FFDE4CD-FE19-AD67-DE79-062811FC6D9E}"/>
+          </ac:spMkLst>
+        </pc:spChg>
+        <pc:spChg chg="add mod">
+          <ac:chgData name="Gerth Stølting Brodal" userId="04ef4784-6591-4f86-a140-f5c3b108582a" providerId="ADAL" clId="{9197687F-18F0-42D4-9B72-DE14A28EAE5C}" dt="2023-02-22T09:26:32.379" v="178" actId="1035"/>
+          <ac:spMkLst>
+            <pc:docMk/>
+            <pc:sldMk cId="398569820" sldId="609"/>
+            <ac:spMk id="23" creationId="{EE91BB49-DC71-D43F-A921-10D69472B25C}"/>
+          </ac:spMkLst>
+        </pc:spChg>
+        <pc:grpChg chg="del mod">
+          <ac:chgData name="Gerth Stølting Brodal" userId="04ef4784-6591-4f86-a140-f5c3b108582a" providerId="ADAL" clId="{9197687F-18F0-42D4-9B72-DE14A28EAE5C}" dt="2023-02-22T09:23:01.298" v="114" actId="478"/>
+          <ac:grpSpMkLst>
+            <pc:docMk/>
+            <pc:sldMk cId="398569820" sldId="609"/>
+            <ac:grpSpMk id="10" creationId="{BDE896E9-67DA-4BF6-A480-25E4E3273B8B}"/>
+          </ac:grpSpMkLst>
+        </pc:grpChg>
+        <pc:graphicFrameChg chg="mod modGraphic">
+          <ac:chgData name="Gerth Stølting Brodal" userId="04ef4784-6591-4f86-a140-f5c3b108582a" providerId="ADAL" clId="{9197687F-18F0-42D4-9B72-DE14A28EAE5C}" dt="2023-02-22T09:43:57.623" v="337" actId="122"/>
+          <ac:graphicFrameMkLst>
+            <pc:docMk/>
+            <pc:sldMk cId="398569820" sldId="609"/>
+            <ac:graphicFrameMk id="4" creationId="{00000000-0000-0000-0000-000000000000}"/>
+          </ac:graphicFrameMkLst>
+        </pc:graphicFrameChg>
+        <pc:picChg chg="del">
+          <ac:chgData name="Gerth Stølting Brodal" userId="04ef4784-6591-4f86-a140-f5c3b108582a" providerId="ADAL" clId="{9197687F-18F0-42D4-9B72-DE14A28EAE5C}" dt="2023-02-22T09:03:58.625" v="91" actId="478"/>
+          <ac:picMkLst>
+            <pc:docMk/>
+            <pc:sldMk cId="398569820" sldId="609"/>
+            <ac:picMk id="7" creationId="{00000000-0000-0000-0000-000000000000}"/>
+          </ac:picMkLst>
+        </pc:picChg>
+        <pc:picChg chg="add del mod">
+          <ac:chgData name="Gerth Stølting Brodal" userId="04ef4784-6591-4f86-a140-f5c3b108582a" providerId="ADAL" clId="{9197687F-18F0-42D4-9B72-DE14A28EAE5C}" dt="2023-02-22T09:05:31.798" v="99" actId="478"/>
+          <ac:picMkLst>
+            <pc:docMk/>
+            <pc:sldMk cId="398569820" sldId="609"/>
+            <ac:picMk id="16" creationId="{8747843A-8FAB-81C9-56AD-50D1038BCA13}"/>
+          </ac:picMkLst>
+        </pc:picChg>
+        <pc:picChg chg="add del mod">
+          <ac:chgData name="Gerth Stølting Brodal" userId="04ef4784-6591-4f86-a140-f5c3b108582a" providerId="ADAL" clId="{9197687F-18F0-42D4-9B72-DE14A28EAE5C}" dt="2023-02-22T09:22:49.817" v="111" actId="478"/>
+          <ac:picMkLst>
+            <pc:docMk/>
+            <pc:sldMk cId="398569820" sldId="609"/>
+            <ac:picMk id="18" creationId="{7E4FFE26-5496-FF32-75FF-5533AA57AAC6}"/>
+          </ac:picMkLst>
+        </pc:picChg>
+        <pc:picChg chg="add del mod">
+          <ac:chgData name="Gerth Stølting Brodal" userId="04ef4784-6591-4f86-a140-f5c3b108582a" providerId="ADAL" clId="{9197687F-18F0-42D4-9B72-DE14A28EAE5C}" dt="2023-02-22T09:25:37.925" v="160" actId="478"/>
+          <ac:picMkLst>
+            <pc:docMk/>
+            <pc:sldMk cId="398569820" sldId="609"/>
+            <ac:picMk id="20" creationId="{239C1094-BFA8-7E26-7C51-DEC84B2278C9}"/>
+          </ac:picMkLst>
+        </pc:picChg>
+        <pc:picChg chg="add mod ord">
+          <ac:chgData name="Gerth Stølting Brodal" userId="04ef4784-6591-4f86-a140-f5c3b108582a" providerId="ADAL" clId="{9197687F-18F0-42D4-9B72-DE14A28EAE5C}" dt="2023-02-22T09:26:19.244" v="173" actId="1076"/>
+          <ac:picMkLst>
+            <pc:docMk/>
+            <pc:sldMk cId="398569820" sldId="609"/>
+            <ac:picMk id="25" creationId="{120A0AC3-F8A0-3764-F5E9-C62D222FC5B3}"/>
+          </ac:picMkLst>
+        </pc:picChg>
       </pc:sldChg>
     </pc:docChg>
   </pc:docChgLst>
@@ -589,7 +794,7 @@
           <a:p>
             <a:fld id="{FB1A172F-81D4-4DC4-9113-1DBD56EC3646}" type="datetimeFigureOut">
               <a:rPr lang="en-US" smtClean="0"/>
-              <a:t>4/5/2022</a:t>
+              <a:t>2/22/2023</a:t>
             </a:fld>
             <a:endParaRPr lang="en-US"/>
           </a:p>
@@ -900,6 +1105,189 @@
           <a:bodyPr/>
           <a:lstStyle/>
           <a:p>
+            <a:r>
+              <a:rPr lang="en-US" dirty="0"/>
+              <a:t>def f(x):</a:t>
+            </a:r>
+          </a:p>
+          <a:p>
+            <a:r>
+              <a:rPr lang="en-US" dirty="0"/>
+              <a:t>    print('x =', x)</a:t>
+            </a:r>
+          </a:p>
+          <a:p>
+            <a:r>
+              <a:rPr lang="en-US" dirty="0"/>
+              <a:t>    f(x + 1)</a:t>
+            </a:r>
+          </a:p>
+          <a:p>
+            <a:endParaRPr lang="en-US" dirty="0"/>
+          </a:p>
+          <a:p>
+            <a:r>
+              <a:rPr lang="en-US" dirty="0"/>
+              <a:t>f(10)</a:t>
+            </a:r>
+            <a:endParaRPr lang="da-DK" dirty="0"/>
+          </a:p>
+        </p:txBody>
+      </p:sp>
+      <p:sp>
+        <p:nvSpPr>
+          <p:cNvPr id="4" name="Slide Number Placeholder 3"/>
+          <p:cNvSpPr>
+            <a:spLocks noGrp="1"/>
+          </p:cNvSpPr>
+          <p:nvPr>
+            <p:ph type="sldNum" sz="quarter" idx="5"/>
+          </p:nvPr>
+        </p:nvSpPr>
+        <p:spPr/>
+        <p:txBody>
+          <a:bodyPr/>
+          <a:lstStyle/>
+          <a:p>
+            <a:fld id="{CD563DD8-32AB-41BE-B1C6-8EAC45222ACE}" type="slidenum">
+              <a:rPr lang="en-US" smtClean="0"/>
+              <a:t>1</a:t>
+            </a:fld>
+            <a:endParaRPr lang="en-US"/>
+          </a:p>
+        </p:txBody>
+      </p:sp>
+    </p:spTree>
+    <p:extLst>
+      <p:ext uri="{BB962C8B-B14F-4D97-AF65-F5344CB8AC3E}">
+        <p14:creationId xmlns:p14="http://schemas.microsoft.com/office/powerpoint/2010/main" val="3668022759"/>
+      </p:ext>
+    </p:extLst>
+  </p:cSld>
+  <p:clrMapOvr>
+    <a:masterClrMapping/>
+  </p:clrMapOvr>
+</p:notes>
+</file>
+
+<file path=ppt/notesSlides/notesSlide10.xml><?xml version="1.0" encoding="utf-8"?>
+<p:notes xmlns:a="http://schemas.openxmlformats.org/drawingml/2006/main" xmlns:r="http://schemas.openxmlformats.org/officeDocument/2006/relationships" xmlns:p="http://schemas.openxmlformats.org/presentationml/2006/main">
+  <p:cSld>
+    <p:spTree>
+      <p:nvGrpSpPr>
+        <p:cNvPr id="1" name=""/>
+        <p:cNvGrpSpPr/>
+        <p:nvPr/>
+      </p:nvGrpSpPr>
+      <p:grpSpPr>
+        <a:xfrm>
+          <a:off x="0" y="0"/>
+          <a:ext cx="0" cy="0"/>
+          <a:chOff x="0" y="0"/>
+          <a:chExt cx="0" cy="0"/>
+        </a:xfrm>
+      </p:grpSpPr>
+      <p:sp>
+        <p:nvSpPr>
+          <p:cNvPr id="2" name="Slide Image Placeholder 1"/>
+          <p:cNvSpPr>
+            <a:spLocks noGrp="1" noRot="1" noChangeAspect="1"/>
+          </p:cNvSpPr>
+          <p:nvPr>
+            <p:ph type="sldImg"/>
+          </p:nvPr>
+        </p:nvSpPr>
+        <p:spPr/>
+      </p:sp>
+      <p:sp>
+        <p:nvSpPr>
+          <p:cNvPr id="3" name="Notes Placeholder 2"/>
+          <p:cNvSpPr>
+            <a:spLocks noGrp="1"/>
+          </p:cNvSpPr>
+          <p:nvPr>
+            <p:ph type="body" idx="1"/>
+          </p:nvPr>
+        </p:nvSpPr>
+        <p:spPr/>
+        <p:txBody>
+          <a:bodyPr/>
+          <a:lstStyle/>
+          <a:p>
+            <a:r>
+              <a:rPr lang="en-US" dirty="0"/>
+              <a:t>Warning: </a:t>
+            </a:r>
+            <a:r>
+              <a:rPr lang="en-US" dirty="0" err="1"/>
+              <a:t>Behaviour</a:t>
+            </a:r>
+            <a:r>
+              <a:rPr lang="en-US" dirty="0"/>
+              <a:t> different on Windows and Mac</a:t>
+            </a:r>
+          </a:p>
+          <a:p>
+            <a:endParaRPr lang="en-US" dirty="0"/>
+          </a:p>
+          <a:p>
+            <a:r>
+              <a:rPr lang="en-US" dirty="0"/>
+              <a:t>In creasing recursion depth can cause the program to crash. On windows the following </a:t>
+            </a:r>
+            <a:r>
+              <a:rPr lang="en-US"/>
+              <a:t>crashes around depth 1935 !!!.</a:t>
+            </a:r>
+            <a:endParaRPr lang="en-US" dirty="0"/>
+          </a:p>
+          <a:p>
+            <a:r>
+              <a:rPr lang="fr-FR" dirty="0"/>
+              <a:t>import </a:t>
+            </a:r>
+            <a:r>
+              <a:rPr lang="fr-FR" dirty="0" err="1"/>
+              <a:t>sys</a:t>
+            </a:r>
+            <a:endParaRPr lang="fr-FR" dirty="0"/>
+          </a:p>
+          <a:p>
+            <a:r>
+              <a:rPr lang="fr-FR" dirty="0" err="1"/>
+              <a:t>sys.setrecursionlimit</a:t>
+            </a:r>
+            <a:r>
+              <a:rPr lang="fr-FR" dirty="0"/>
+              <a:t>(2000)</a:t>
+            </a:r>
+          </a:p>
+          <a:p>
+            <a:r>
+              <a:rPr lang="fr-FR" dirty="0" err="1"/>
+              <a:t>def</a:t>
+            </a:r>
+            <a:r>
+              <a:rPr lang="fr-FR" dirty="0"/>
+              <a:t> f(x): </a:t>
+            </a:r>
+            <a:r>
+              <a:rPr lang="fr-FR" dirty="0" err="1"/>
+              <a:t>print</a:t>
+            </a:r>
+            <a:r>
+              <a:rPr lang="fr-FR" dirty="0"/>
+              <a:t>(x); f(x + 1)</a:t>
+            </a:r>
+          </a:p>
+          <a:p>
+            <a:endParaRPr lang="fr-FR" dirty="0"/>
+          </a:p>
+          <a:p>
+            <a:r>
+              <a:rPr lang="fr-FR" dirty="0"/>
+              <a:t>f(0)</a:t>
+            </a:r>
             <a:endParaRPr lang="en-US" dirty="0"/>
           </a:p>
         </p:txBody>
@@ -911,7 +1299,7 @@
             <a:spLocks noGrp="1"/>
           </p:cNvSpPr>
           <p:nvPr>
-            <p:ph type="sldNum" sz="quarter" idx="10"/>
+            <p:ph type="sldNum" sz="quarter" idx="5"/>
           </p:nvPr>
         </p:nvSpPr>
         <p:spPr/>
@@ -921,7 +1309,7 @@
           <a:p>
             <a:fld id="{CD563DD8-32AB-41BE-B1C6-8EAC45222ACE}" type="slidenum">
               <a:rPr lang="en-US" smtClean="0"/>
-              <a:t>2</a:t>
+              <a:t>16</a:t>
             </a:fld>
             <a:endParaRPr lang="en-US"/>
           </a:p>
@@ -930,7 +1318,7 @@
     </p:spTree>
     <p:extLst>
       <p:ext uri="{BB962C8B-B14F-4D97-AF65-F5344CB8AC3E}">
-        <p14:creationId xmlns:p14="http://schemas.microsoft.com/office/powerpoint/2010/main" val="3430048753"/>
+        <p14:creationId xmlns:p14="http://schemas.microsoft.com/office/powerpoint/2010/main" val="3905941004"/>
       </p:ext>
     </p:extLst>
   </p:cSld>
@@ -940,7 +1328,7 @@
 </p:notes>
 </file>
 
-<file path=ppt/notesSlides/notesSlide10.xml><?xml version="1.0" encoding="utf-8"?>
+<file path=ppt/notesSlides/notesSlide11.xml><?xml version="1.0" encoding="utf-8"?>
 <p:notes xmlns:a="http://schemas.openxmlformats.org/drawingml/2006/main" xmlns:r="http://schemas.openxmlformats.org/officeDocument/2006/relationships" xmlns:p="http://schemas.openxmlformats.org/presentationml/2006/main">
   <p:cSld>
     <p:spTree>
@@ -1024,7 +1412,235 @@
 </p:notes>
 </file>
 
-<file path=ppt/notesSlides/notesSlide11.xml><?xml version="1.0" encoding="utf-8"?>
+<file path=ppt/notesSlides/notesSlide12.xml><?xml version="1.0" encoding="utf-8"?>
+<p:notes xmlns:a="http://schemas.openxmlformats.org/drawingml/2006/main" xmlns:r="http://schemas.openxmlformats.org/officeDocument/2006/relationships" xmlns:p="http://schemas.openxmlformats.org/presentationml/2006/main">
+  <p:cSld>
+    <p:spTree>
+      <p:nvGrpSpPr>
+        <p:cNvPr id="1" name=""/>
+        <p:cNvGrpSpPr/>
+        <p:nvPr/>
+      </p:nvGrpSpPr>
+      <p:grpSpPr>
+        <a:xfrm>
+          <a:off x="0" y="0"/>
+          <a:ext cx="0" cy="0"/>
+          <a:chOff x="0" y="0"/>
+          <a:chExt cx="0" cy="0"/>
+        </a:xfrm>
+      </p:grpSpPr>
+      <p:sp>
+        <p:nvSpPr>
+          <p:cNvPr id="2" name="Slide Image Placeholder 1"/>
+          <p:cNvSpPr>
+            <a:spLocks noGrp="1" noRot="1" noChangeAspect="1"/>
+          </p:cNvSpPr>
+          <p:nvPr>
+            <p:ph type="sldImg"/>
+          </p:nvPr>
+        </p:nvSpPr>
+        <p:spPr/>
+      </p:sp>
+      <p:sp>
+        <p:nvSpPr>
+          <p:cNvPr id="3" name="Notes Placeholder 2"/>
+          <p:cNvSpPr>
+            <a:spLocks noGrp="1"/>
+          </p:cNvSpPr>
+          <p:nvPr>
+            <p:ph type="body" idx="1"/>
+          </p:nvPr>
+        </p:nvSpPr>
+        <p:spPr/>
+        <p:txBody>
+          <a:bodyPr/>
+          <a:lstStyle/>
+          <a:p>
+            <a:r>
+              <a:rPr lang="en-US" dirty="0"/>
+              <a:t>Concatenates list using +</a:t>
+            </a:r>
+          </a:p>
+        </p:txBody>
+      </p:sp>
+      <p:sp>
+        <p:nvSpPr>
+          <p:cNvPr id="4" name="Slide Number Placeholder 3"/>
+          <p:cNvSpPr>
+            <a:spLocks noGrp="1"/>
+          </p:cNvSpPr>
+          <p:nvPr>
+            <p:ph type="sldNum" sz="quarter" idx="10"/>
+          </p:nvPr>
+        </p:nvSpPr>
+        <p:spPr/>
+        <p:txBody>
+          <a:bodyPr/>
+          <a:lstStyle/>
+          <a:p>
+            <a:fld id="{CD563DD8-32AB-41BE-B1C6-8EAC45222ACE}" type="slidenum">
+              <a:rPr lang="en-US" smtClean="0"/>
+              <a:t>18</a:t>
+            </a:fld>
+            <a:endParaRPr lang="en-US"/>
+          </a:p>
+        </p:txBody>
+      </p:sp>
+    </p:spTree>
+    <p:extLst>
+      <p:ext uri="{BB962C8B-B14F-4D97-AF65-F5344CB8AC3E}">
+        <p14:creationId xmlns:p14="http://schemas.microsoft.com/office/powerpoint/2010/main" val="4134611204"/>
+      </p:ext>
+    </p:extLst>
+  </p:cSld>
+  <p:clrMapOvr>
+    <a:masterClrMapping/>
+  </p:clrMapOvr>
+</p:notes>
+</file>
+
+<file path=ppt/notesSlides/notesSlide13.xml><?xml version="1.0" encoding="utf-8"?>
+<p:notes xmlns:a="http://schemas.openxmlformats.org/drawingml/2006/main" xmlns:r="http://schemas.openxmlformats.org/officeDocument/2006/relationships" xmlns:p="http://schemas.openxmlformats.org/presentationml/2006/main">
+  <p:cSld>
+    <p:spTree>
+      <p:nvGrpSpPr>
+        <p:cNvPr id="1" name=""/>
+        <p:cNvGrpSpPr/>
+        <p:nvPr/>
+      </p:nvGrpSpPr>
+      <p:grpSpPr>
+        <a:xfrm>
+          <a:off x="0" y="0"/>
+          <a:ext cx="0" cy="0"/>
+          <a:chOff x="0" y="0"/>
+          <a:chExt cx="0" cy="0"/>
+        </a:xfrm>
+      </p:grpSpPr>
+      <p:sp>
+        <p:nvSpPr>
+          <p:cNvPr id="2" name="Slide Image Placeholder 1"/>
+          <p:cNvSpPr>
+            <a:spLocks noGrp="1" noRot="1" noChangeAspect="1"/>
+          </p:cNvSpPr>
+          <p:nvPr>
+            <p:ph type="sldImg"/>
+          </p:nvPr>
+        </p:nvSpPr>
+        <p:spPr/>
+      </p:sp>
+      <p:sp>
+        <p:nvSpPr>
+          <p:cNvPr id="3" name="Notes Placeholder 2"/>
+          <p:cNvSpPr>
+            <a:spLocks noGrp="1"/>
+          </p:cNvSpPr>
+          <p:nvPr>
+            <p:ph type="body" idx="1"/>
+          </p:nvPr>
+        </p:nvSpPr>
+        <p:spPr/>
+        <p:txBody>
+          <a:bodyPr/>
+          <a:lstStyle/>
+          <a:p>
+            <a:pPr marL="0" marR="0" lvl="0" indent="0" algn="l" defTabSz="914400" rtl="0" eaLnBrk="1" fontAlgn="auto" latinLnBrk="0" hangingPunct="1">
+              <a:lnSpc>
+                <a:spcPct val="100000"/>
+              </a:lnSpc>
+              <a:spcBef>
+                <a:spcPts val="0"/>
+              </a:spcBef>
+              <a:spcAft>
+                <a:spcPts val="0"/>
+              </a:spcAft>
+              <a:buClrTx/>
+              <a:buSzTx/>
+              <a:buFontTx/>
+              <a:buNone/>
+              <a:tabLst/>
+              <a:defRPr/>
+            </a:pPr>
+            <a:r>
+              <a:rPr lang="en-US" dirty="0"/>
+              <a:t>Concatenates list using </a:t>
+            </a:r>
+            <a:r>
+              <a:rPr lang="en-US"/>
+              <a:t>[*] notation</a:t>
+            </a:r>
+            <a:endParaRPr lang="en-US" dirty="0"/>
+          </a:p>
+          <a:p>
+            <a:endParaRPr lang="en-US" dirty="0"/>
+          </a:p>
+          <a:p>
+            <a:r>
+              <a:rPr lang="en-US" dirty="0" err="1"/>
+              <a:t>plt.plot</a:t>
+            </a:r>
+            <a:r>
+              <a:rPr lang="en-US" dirty="0"/>
+              <a:t>(*zip(*</a:t>
+            </a:r>
+            <a:r>
+              <a:rPr lang="en-US" dirty="0" err="1"/>
+              <a:t>z_curve</a:t>
+            </a:r>
+            <a:r>
+              <a:rPr lang="en-US" dirty="0"/>
+              <a:t>(6))); </a:t>
+            </a:r>
+            <a:r>
+              <a:rPr lang="en-US" dirty="0" err="1"/>
+              <a:t>plt.show</a:t>
+            </a:r>
+            <a:r>
+              <a:rPr lang="en-US" dirty="0"/>
+              <a:t>()</a:t>
+            </a:r>
+          </a:p>
+          <a:p>
+            <a:endParaRPr lang="en-US" dirty="0"/>
+          </a:p>
+        </p:txBody>
+      </p:sp>
+      <p:sp>
+        <p:nvSpPr>
+          <p:cNvPr id="4" name="Slide Number Placeholder 3"/>
+          <p:cNvSpPr>
+            <a:spLocks noGrp="1"/>
+          </p:cNvSpPr>
+          <p:nvPr>
+            <p:ph type="sldNum" sz="quarter" idx="10"/>
+          </p:nvPr>
+        </p:nvSpPr>
+        <p:spPr/>
+        <p:txBody>
+          <a:bodyPr/>
+          <a:lstStyle/>
+          <a:p>
+            <a:fld id="{CD563DD8-32AB-41BE-B1C6-8EAC45222ACE}" type="slidenum">
+              <a:rPr lang="en-US" smtClean="0"/>
+              <a:t>19</a:t>
+            </a:fld>
+            <a:endParaRPr lang="en-US"/>
+          </a:p>
+        </p:txBody>
+      </p:sp>
+    </p:spTree>
+    <p:extLst>
+      <p:ext uri="{BB962C8B-B14F-4D97-AF65-F5344CB8AC3E}">
+        <p14:creationId xmlns:p14="http://schemas.microsoft.com/office/powerpoint/2010/main" val="1916132776"/>
+      </p:ext>
+    </p:extLst>
+  </p:cSld>
+  <p:clrMapOvr>
+    <a:masterClrMapping/>
+  </p:clrMapOvr>
+</p:notes>
+</file>
+
+<file path=ppt/notesSlides/notesSlide2.xml><?xml version="1.0" encoding="utf-8"?>
 <p:notes xmlns:a="http://schemas.openxmlformats.org/drawingml/2006/main" xmlns:r="http://schemas.openxmlformats.org/officeDocument/2006/relationships" xmlns:p="http://schemas.openxmlformats.org/presentationml/2006/main">
   <p:cSld>
     <p:spTree>
@@ -1089,7 +1705,7 @@
           <a:p>
             <a:fld id="{CD563DD8-32AB-41BE-B1C6-8EAC45222ACE}" type="slidenum">
               <a:rPr lang="en-US" smtClean="0"/>
-              <a:t>18</a:t>
+              <a:t>2</a:t>
             </a:fld>
             <a:endParaRPr lang="en-US"/>
           </a:p>
@@ -1098,7 +1714,7 @@
     </p:spTree>
     <p:extLst>
       <p:ext uri="{BB962C8B-B14F-4D97-AF65-F5344CB8AC3E}">
-        <p14:creationId xmlns:p14="http://schemas.microsoft.com/office/powerpoint/2010/main" val="4134611204"/>
+        <p14:creationId xmlns:p14="http://schemas.microsoft.com/office/powerpoint/2010/main" val="3430048753"/>
       </p:ext>
     </p:extLst>
   </p:cSld>
@@ -1108,7 +1724,7 @@
 </p:notes>
 </file>
 
-<file path=ppt/notesSlides/notesSlide2.xml><?xml version="1.0" encoding="utf-8"?>
+<file path=ppt/notesSlides/notesSlide3.xml><?xml version="1.0" encoding="utf-8"?>
 <p:notes xmlns:a="http://schemas.openxmlformats.org/drawingml/2006/main" xmlns:r="http://schemas.openxmlformats.org/officeDocument/2006/relationships" xmlns:p="http://schemas.openxmlformats.org/presentationml/2006/main">
   <p:cSld>
     <p:spTree>
@@ -1192,7 +1808,7 @@
 </p:notes>
 </file>
 
-<file path=ppt/notesSlides/notesSlide3.xml><?xml version="1.0" encoding="utf-8"?>
+<file path=ppt/notesSlides/notesSlide4.xml><?xml version="1.0" encoding="utf-8"?>
 <p:notes xmlns:a="http://schemas.openxmlformats.org/drawingml/2006/main" xmlns:r="http://schemas.openxmlformats.org/officeDocument/2006/relationships" xmlns:p="http://schemas.openxmlformats.org/presentationml/2006/main">
   <p:cSld>
     <p:spTree>
@@ -1276,115 +1892,6 @@
 </p:notes>
 </file>
 
-<file path=ppt/notesSlides/notesSlide4.xml><?xml version="1.0" encoding="utf-8"?>
-<p:notes xmlns:a="http://schemas.openxmlformats.org/drawingml/2006/main" xmlns:r="http://schemas.openxmlformats.org/officeDocument/2006/relationships" xmlns:p="http://schemas.openxmlformats.org/presentationml/2006/main">
-  <p:cSld>
-    <p:spTree>
-      <p:nvGrpSpPr>
-        <p:cNvPr id="1" name=""/>
-        <p:cNvGrpSpPr/>
-        <p:nvPr/>
-      </p:nvGrpSpPr>
-      <p:grpSpPr>
-        <a:xfrm>
-          <a:off x="0" y="0"/>
-          <a:ext cx="0" cy="0"/>
-          <a:chOff x="0" y="0"/>
-          <a:chExt cx="0" cy="0"/>
-        </a:xfrm>
-      </p:grpSpPr>
-      <p:sp>
-        <p:nvSpPr>
-          <p:cNvPr id="2" name="Slide Image Placeholder 1"/>
-          <p:cNvSpPr>
-            <a:spLocks noGrp="1" noRot="1" noChangeAspect="1"/>
-          </p:cNvSpPr>
-          <p:nvPr>
-            <p:ph type="sldImg"/>
-          </p:nvPr>
-        </p:nvSpPr>
-        <p:spPr/>
-      </p:sp>
-      <p:sp>
-        <p:nvSpPr>
-          <p:cNvPr id="3" name="Notes Placeholder 2"/>
-          <p:cNvSpPr>
-            <a:spLocks noGrp="1"/>
-          </p:cNvSpPr>
-          <p:nvPr>
-            <p:ph type="body" idx="1"/>
-          </p:nvPr>
-        </p:nvSpPr>
-        <p:spPr/>
-        <p:txBody>
-          <a:bodyPr/>
-          <a:lstStyle/>
-          <a:p>
-            <a:r>
-              <a:rPr lang="da-DK" dirty="0"/>
-              <a:t>def </a:t>
-            </a:r>
-            <a:r>
-              <a:rPr lang="da-DK" dirty="0" err="1"/>
-              <a:t>factorial</a:t>
-            </a:r>
-            <a:r>
-              <a:rPr lang="da-DK" dirty="0"/>
-              <a:t>(n):</a:t>
-            </a:r>
-          </a:p>
-          <a:p>
-            <a:r>
-              <a:rPr lang="da-DK" dirty="0"/>
-              <a:t>    return </a:t>
-            </a:r>
-            <a:r>
-              <a:rPr lang="da-DK" dirty="0" err="1"/>
-              <a:t>math.prod</a:t>
-            </a:r>
-            <a:r>
-              <a:rPr lang="da-DK" dirty="0"/>
-              <a:t>(range(1, n + 1))</a:t>
-            </a:r>
-          </a:p>
-        </p:txBody>
-      </p:sp>
-      <p:sp>
-        <p:nvSpPr>
-          <p:cNvPr id="4" name="Slide Number Placeholder 3"/>
-          <p:cNvSpPr>
-            <a:spLocks noGrp="1"/>
-          </p:cNvSpPr>
-          <p:nvPr>
-            <p:ph type="sldNum" sz="quarter" idx="5"/>
-          </p:nvPr>
-        </p:nvSpPr>
-        <p:spPr/>
-        <p:txBody>
-          <a:bodyPr/>
-          <a:lstStyle/>
-          <a:p>
-            <a:fld id="{CD563DD8-32AB-41BE-B1C6-8EAC45222ACE}" type="slidenum">
-              <a:rPr lang="en-US" smtClean="0"/>
-              <a:t>6</a:t>
-            </a:fld>
-            <a:endParaRPr lang="en-US"/>
-          </a:p>
-        </p:txBody>
-      </p:sp>
-    </p:spTree>
-    <p:extLst>
-      <p:ext uri="{BB962C8B-B14F-4D97-AF65-F5344CB8AC3E}">
-        <p14:creationId xmlns:p14="http://schemas.microsoft.com/office/powerpoint/2010/main" val="2558810349"/>
-      </p:ext>
-    </p:extLst>
-  </p:cSld>
-  <p:clrMapOvr>
-    <a:masterClrMapping/>
-  </p:clrMapOvr>
-</p:notes>
-</file>
-
 <file path=ppt/notesSlides/notesSlide5.xml><?xml version="1.0" encoding="utf-8"?>
 <p:notes xmlns:a="http://schemas.openxmlformats.org/drawingml/2006/main" xmlns:r="http://schemas.openxmlformats.org/officeDocument/2006/relationships" xmlns:p="http://schemas.openxmlformats.org/presentationml/2006/main">
   <p:cSld>
@@ -1429,15 +1936,113 @@
           <a:bodyPr/>
           <a:lstStyle/>
           <a:p>
+            <a:pPr marL="0" marR="0" lvl="0" indent="0" algn="l" defTabSz="914400" rtl="0" eaLnBrk="1" fontAlgn="auto" latinLnBrk="0" hangingPunct="1">
+              <a:lnSpc>
+                <a:spcPct val="100000"/>
+              </a:lnSpc>
+              <a:spcBef>
+                <a:spcPts val="0"/>
+              </a:spcBef>
+              <a:spcAft>
+                <a:spcPts val="0"/>
+              </a:spcAft>
+              <a:buClrTx/>
+              <a:buSzTx/>
+              <a:buFontTx/>
+              <a:buNone/>
+              <a:tabLst/>
+              <a:defRPr/>
+            </a:pPr>
+            <a:r>
+              <a:rPr lang="da-DK" sz="1200" b="1" dirty="0" err="1">
+                <a:latin typeface="Courier New" panose="02070309020205020404" pitchFamily="49" charset="0"/>
+                <a:cs typeface="Courier New" panose="02070309020205020404" pitchFamily="49" charset="0"/>
+              </a:rPr>
+              <a:t>Recursive</a:t>
+            </a:r>
+            <a:r>
+              <a:rPr lang="da-DK" sz="1200" b="1" dirty="0">
+                <a:latin typeface="Courier New" panose="02070309020205020404" pitchFamily="49" charset="0"/>
+                <a:cs typeface="Courier New" panose="02070309020205020404" pitchFamily="49" charset="0"/>
+              </a:rPr>
+              <a:t> solution </a:t>
+            </a:r>
+            <a:r>
+              <a:rPr lang="da-DK" sz="1200" b="1" dirty="0" err="1">
+                <a:latin typeface="Courier New" panose="02070309020205020404" pitchFamily="49" charset="0"/>
+                <a:cs typeface="Courier New" panose="02070309020205020404" pitchFamily="49" charset="0"/>
+              </a:rPr>
+              <a:t>gets</a:t>
+            </a:r>
+            <a:r>
+              <a:rPr lang="da-DK" sz="1200" b="1" dirty="0">
+                <a:latin typeface="Courier New" panose="02070309020205020404" pitchFamily="49" charset="0"/>
+                <a:cs typeface="Courier New" panose="02070309020205020404" pitchFamily="49" charset="0"/>
+              </a:rPr>
+              <a:t> ”</a:t>
+            </a:r>
+            <a:r>
+              <a:rPr lang="en-US" sz="1200" b="1" dirty="0">
+                <a:latin typeface="Courier New" panose="02070309020205020404" pitchFamily="49" charset="0"/>
+                <a:cs typeface="Courier New" panose="02070309020205020404" pitchFamily="49" charset="0"/>
+              </a:rPr>
+              <a:t> </a:t>
+            </a:r>
+            <a:r>
+              <a:rPr lang="en-US" sz="1200" b="1" dirty="0" err="1">
+                <a:latin typeface="Courier New" panose="02070309020205020404" pitchFamily="49" charset="0"/>
+                <a:cs typeface="Courier New" panose="02070309020205020404" pitchFamily="49" charset="0"/>
+              </a:rPr>
+              <a:t>RecursionError</a:t>
+            </a:r>
+            <a:r>
+              <a:rPr lang="en-US" sz="1200" b="1" dirty="0">
+                <a:latin typeface="Courier New" panose="02070309020205020404" pitchFamily="49" charset="0"/>
+                <a:cs typeface="Courier New" panose="02070309020205020404" pitchFamily="49" charset="0"/>
+              </a:rPr>
+              <a:t>: maximum recursion depth exceeded” when n = 2000, whereas iterative does not!</a:t>
+            </a:r>
+            <a:endParaRPr lang="da-DK" sz="1200" b="1" dirty="0">
+              <a:latin typeface="Courier New" panose="02070309020205020404" pitchFamily="49" charset="0"/>
+              <a:cs typeface="Courier New" panose="02070309020205020404" pitchFamily="49" charset="0"/>
+            </a:endParaRPr>
+          </a:p>
+          <a:p>
+            <a:endParaRPr lang="da-DK" dirty="0"/>
+          </a:p>
+          <a:p>
             <a:r>
               <a:rPr lang="da-DK" dirty="0"/>
-              <a:t>Try binomial(100,</a:t>
-            </a:r>
-            <a:r>
-              <a:rPr lang="da-DK" baseline="0" dirty="0"/>
-              <a:t> 50) VERY SLOW!</a:t>
-            </a:r>
-            <a:endParaRPr lang="en-US" dirty="0"/>
+              <a:t>def </a:t>
+            </a:r>
+            <a:r>
+              <a:rPr lang="da-DK" dirty="0" err="1"/>
+              <a:t>factorial</a:t>
+            </a:r>
+            <a:r>
+              <a:rPr lang="da-DK" dirty="0"/>
+              <a:t>(n):</a:t>
+            </a:r>
+          </a:p>
+          <a:p>
+            <a:r>
+              <a:rPr lang="da-DK" dirty="0"/>
+              <a:t>    return </a:t>
+            </a:r>
+            <a:r>
+              <a:rPr lang="da-DK" dirty="0" err="1"/>
+              <a:t>math.prod</a:t>
+            </a:r>
+            <a:r>
+              <a:rPr lang="da-DK" dirty="0"/>
+              <a:t>(range(1, n + 1))</a:t>
+            </a:r>
+          </a:p>
+          <a:p>
+            <a:endParaRPr lang="da-DK" dirty="0"/>
+          </a:p>
+          <a:p>
+            <a:endParaRPr lang="da-DK" dirty="0"/>
           </a:p>
         </p:txBody>
       </p:sp>
@@ -1448,7 +2053,7 @@
             <a:spLocks noGrp="1"/>
           </p:cNvSpPr>
           <p:nvPr>
-            <p:ph type="sldNum" sz="quarter" idx="10"/>
+            <p:ph type="sldNum" sz="quarter" idx="5"/>
           </p:nvPr>
         </p:nvSpPr>
         <p:spPr/>
@@ -1458,7 +2063,7 @@
           <a:p>
             <a:fld id="{CD563DD8-32AB-41BE-B1C6-8EAC45222ACE}" type="slidenum">
               <a:rPr lang="en-US" smtClean="0"/>
-              <a:t>7</a:t>
+              <a:t>6</a:t>
             </a:fld>
             <a:endParaRPr lang="en-US"/>
           </a:p>
@@ -1467,7 +2072,7 @@
     </p:spTree>
     <p:extLst>
       <p:ext uri="{BB962C8B-B14F-4D97-AF65-F5344CB8AC3E}">
-        <p14:creationId xmlns:p14="http://schemas.microsoft.com/office/powerpoint/2010/main" val="2275194539"/>
+        <p14:creationId xmlns:p14="http://schemas.microsoft.com/office/powerpoint/2010/main" val="2558810349"/>
       </p:ext>
     </p:extLst>
   </p:cSld>
@@ -1523,155 +2128,13 @@
           <a:p>
             <a:r>
               <a:rPr lang="da-DK" dirty="0"/>
-              <a:t>2x return has </a:t>
-            </a:r>
-            <a:r>
-              <a:rPr lang="da-DK" dirty="0" err="1"/>
-              <a:t>been</a:t>
-            </a:r>
-            <a:r>
-              <a:rPr lang="da-DK" dirty="0"/>
-              <a:t> </a:t>
-            </a:r>
-            <a:r>
-              <a:rPr lang="da-DK" dirty="0" err="1"/>
-              <a:t>replaced</a:t>
-            </a:r>
-            <a:r>
-              <a:rPr lang="da-DK" dirty="0"/>
-              <a:t> by a single return at end of </a:t>
-            </a:r>
-            <a:r>
-              <a:rPr lang="da-DK" dirty="0" err="1"/>
-              <a:t>function</a:t>
-            </a:r>
-            <a:r>
-              <a:rPr lang="da-DK" dirty="0"/>
-              <a:t>; </a:t>
-            </a:r>
-            <a:r>
-              <a:rPr lang="da-DK" dirty="0" err="1"/>
-              <a:t>introduced</a:t>
-            </a:r>
-            <a:r>
-              <a:rPr lang="da-DK" dirty="0"/>
-              <a:t> ”</a:t>
-            </a:r>
-            <a:r>
-              <a:rPr lang="da-DK" dirty="0" err="1"/>
-              <a:t>result</a:t>
-            </a:r>
-            <a:r>
-              <a:rPr lang="da-DK"/>
-              <a:t>” variable</a:t>
-            </a:r>
-            <a:endParaRPr lang="da-DK" dirty="0"/>
-          </a:p>
-          <a:p>
-            <a:endParaRPr lang="da-DK" dirty="0"/>
-          </a:p>
-          <a:p>
-            <a:r>
-              <a:rPr lang="da-DK" dirty="0"/>
-              <a:t>In </a:t>
-            </a:r>
-            <a:r>
-              <a:rPr lang="da-DK" dirty="0" err="1"/>
-              <a:t>lecture</a:t>
-            </a:r>
-            <a:r>
-              <a:rPr lang="da-DK" dirty="0"/>
-              <a:t> on </a:t>
-            </a:r>
-            <a:r>
-              <a:rPr lang="da-DK" dirty="0" err="1"/>
-              <a:t>decorators</a:t>
-            </a:r>
-            <a:r>
-              <a:rPr lang="da-DK" dirty="0"/>
-              <a:t> </a:t>
-            </a:r>
-            <a:r>
-              <a:rPr lang="da-DK" dirty="0" err="1"/>
-              <a:t>we</a:t>
-            </a:r>
-            <a:r>
-              <a:rPr lang="da-DK" dirty="0"/>
-              <a:t> </a:t>
-            </a:r>
-            <a:r>
-              <a:rPr lang="da-DK" dirty="0" err="1"/>
-              <a:t>see</a:t>
-            </a:r>
-            <a:r>
-              <a:rPr lang="da-DK" dirty="0"/>
-              <a:t> the </a:t>
-            </a:r>
-            <a:r>
-              <a:rPr lang="da-DK" dirty="0" err="1"/>
-              <a:t>decorator</a:t>
-            </a:r>
-            <a:r>
-              <a:rPr lang="da-DK" dirty="0"/>
-              <a:t> </a:t>
-            </a:r>
-            <a:r>
-              <a:rPr lang="da-DK" b="1" dirty="0"/>
-              <a:t>@trace</a:t>
-            </a:r>
-            <a:r>
-              <a:rPr lang="da-DK" b="0" dirty="0"/>
-              <a:t> </a:t>
-            </a:r>
-            <a:r>
-              <a:rPr lang="da-DK" b="0" dirty="0" err="1"/>
-              <a:t>that</a:t>
-            </a:r>
-            <a:r>
-              <a:rPr lang="da-DK" b="0" dirty="0"/>
-              <a:t> </a:t>
-            </a:r>
-            <a:r>
-              <a:rPr lang="da-DK" b="0" dirty="0" err="1"/>
-              <a:t>automatically</a:t>
-            </a:r>
-            <a:r>
-              <a:rPr lang="da-DK" b="0" dirty="0"/>
-              <a:t> </a:t>
-            </a:r>
-            <a:r>
-              <a:rPr lang="da-DK" b="0" dirty="0" err="1"/>
-              <a:t>adds</a:t>
-            </a:r>
-            <a:r>
-              <a:rPr lang="da-DK" b="0" dirty="0"/>
-              <a:t> the </a:t>
-            </a:r>
-            <a:r>
-              <a:rPr lang="da-DK" b="0" dirty="0" err="1"/>
-              <a:t>this</a:t>
-            </a:r>
-            <a:r>
-              <a:rPr lang="da-DK" b="0" dirty="0"/>
-              <a:t> </a:t>
-            </a:r>
-            <a:r>
-              <a:rPr lang="da-DK" b="0" dirty="0" err="1"/>
-              <a:t>tracing</a:t>
-            </a:r>
-            <a:r>
-              <a:rPr lang="da-DK" b="0" dirty="0"/>
-              <a:t> to a </a:t>
-            </a:r>
-            <a:r>
-              <a:rPr lang="da-DK" b="0" dirty="0" err="1"/>
-              <a:t>recursive</a:t>
-            </a:r>
-            <a:r>
-              <a:rPr lang="da-DK" b="0" dirty="0"/>
-              <a:t> procedure</a:t>
-            </a:r>
-            <a:endParaRPr lang="da-DK" b="1" dirty="0"/>
+              <a:t>Try binomial(100,</a:t>
+            </a:r>
+            <a:r>
+              <a:rPr lang="da-DK" baseline="0" dirty="0"/>
+              <a:t> 50) VERY SLOW!</a:t>
+            </a:r>
+            <a:endParaRPr lang="en-US" dirty="0"/>
           </a:p>
         </p:txBody>
       </p:sp>
@@ -1682,7 +2145,7 @@
             <a:spLocks noGrp="1"/>
           </p:cNvSpPr>
           <p:nvPr>
-            <p:ph type="sldNum" sz="quarter" idx="5"/>
+            <p:ph type="sldNum" sz="quarter" idx="10"/>
           </p:nvPr>
         </p:nvSpPr>
         <p:spPr/>
@@ -1692,7 +2155,7 @@
           <a:p>
             <a:fld id="{CD563DD8-32AB-41BE-B1C6-8EAC45222ACE}" type="slidenum">
               <a:rPr lang="en-US" smtClean="0"/>
-              <a:t>8</a:t>
+              <a:t>7</a:t>
             </a:fld>
             <a:endParaRPr lang="en-US"/>
           </a:p>
@@ -1701,7 +2164,7 @@
     </p:spTree>
     <p:extLst>
       <p:ext uri="{BB962C8B-B14F-4D97-AF65-F5344CB8AC3E}">
-        <p14:creationId xmlns:p14="http://schemas.microsoft.com/office/powerpoint/2010/main" val="2524276516"/>
+        <p14:creationId xmlns:p14="http://schemas.microsoft.com/office/powerpoint/2010/main" val="2275194539"/>
       </p:ext>
     </p:extLst>
   </p:cSld>
@@ -1756,39 +2219,156 @@
           <a:lstStyle/>
           <a:p>
             <a:r>
-              <a:rPr lang="en-US" dirty="0" err="1"/>
-              <a:t>binomial_A</a:t>
-            </a:r>
-            <a:r>
-              <a:rPr lang="en-US" baseline="0" dirty="0"/>
-              <a:t>, temporary result is not integer,</a:t>
-            </a:r>
+              <a:rPr lang="da-DK" dirty="0"/>
+              <a:t>2x return has </a:t>
+            </a:r>
+            <a:r>
+              <a:rPr lang="da-DK" dirty="0" err="1"/>
+              <a:t>been</a:t>
+            </a:r>
+            <a:r>
+              <a:rPr lang="da-DK" dirty="0"/>
+              <a:t> </a:t>
+            </a:r>
+            <a:r>
+              <a:rPr lang="da-DK" dirty="0" err="1"/>
+              <a:t>replaced</a:t>
+            </a:r>
+            <a:r>
+              <a:rPr lang="da-DK" dirty="0"/>
+              <a:t> by a single return at end of </a:t>
+            </a:r>
+            <a:r>
+              <a:rPr lang="da-DK" dirty="0" err="1"/>
+              <a:t>function</a:t>
+            </a:r>
+            <a:r>
+              <a:rPr lang="da-DK" dirty="0"/>
+              <a:t>; </a:t>
+            </a:r>
+            <a:r>
+              <a:rPr lang="da-DK" dirty="0" err="1"/>
+              <a:t>introduced</a:t>
+            </a:r>
+            <a:r>
+              <a:rPr lang="da-DK" dirty="0"/>
+              <a:t> ”</a:t>
+            </a:r>
+            <a:r>
+              <a:rPr lang="da-DK" dirty="0" err="1"/>
+              <a:t>result</a:t>
+            </a:r>
+            <a:r>
+              <a:rPr lang="da-DK"/>
+              <a:t>” variable</a:t>
+            </a:r>
+            <a:endParaRPr lang="da-DK" dirty="0"/>
           </a:p>
           <a:p>
-            <a:r>
-              <a:rPr lang="en-US" baseline="0" dirty="0"/>
-              <a:t>replace // with / will compute with floats,</a:t>
-            </a:r>
+            <a:endParaRPr lang="da-DK" dirty="0"/>
           </a:p>
           <a:p>
             <a:r>
-              <a:rPr lang="en-US" dirty="0"/>
-              <a:t>&gt;&gt;&gt; print(f'{</a:t>
-            </a:r>
-            <a:r>
-              <a:rPr lang="en-US" dirty="0" err="1"/>
-              <a:t>binomial_A</a:t>
-            </a:r>
-            <a:r>
-              <a:rPr lang="en-US" dirty="0"/>
-              <a:t>(8,5):0.30f}')</a:t>
-            </a:r>
-          </a:p>
-          <a:p>
-            <a:r>
-              <a:rPr lang="en-US" dirty="0"/>
-              <a:t>56.000000000000007105427357601002</a:t>
-            </a:r>
+              <a:rPr lang="da-DK" dirty="0"/>
+              <a:t>In </a:t>
+            </a:r>
+            <a:r>
+              <a:rPr lang="da-DK" dirty="0" err="1"/>
+              <a:t>lecture</a:t>
+            </a:r>
+            <a:r>
+              <a:rPr lang="da-DK" dirty="0"/>
+              <a:t> on </a:t>
+            </a:r>
+            <a:r>
+              <a:rPr lang="da-DK" dirty="0" err="1"/>
+              <a:t>decorators</a:t>
+            </a:r>
+            <a:r>
+              <a:rPr lang="da-DK" dirty="0"/>
+              <a:t> </a:t>
+            </a:r>
+            <a:r>
+              <a:rPr lang="da-DK" dirty="0" err="1"/>
+              <a:t>we</a:t>
+            </a:r>
+            <a:r>
+              <a:rPr lang="da-DK" dirty="0"/>
+              <a:t> </a:t>
+            </a:r>
+            <a:r>
+              <a:rPr lang="da-DK" dirty="0" err="1"/>
+              <a:t>see</a:t>
+            </a:r>
+            <a:r>
+              <a:rPr lang="da-DK" dirty="0"/>
+              <a:t> the </a:t>
+            </a:r>
+            <a:r>
+              <a:rPr lang="da-DK" dirty="0" err="1"/>
+              <a:t>decorator</a:t>
+            </a:r>
+            <a:r>
+              <a:rPr lang="da-DK" dirty="0"/>
+              <a:t> </a:t>
+            </a:r>
+            <a:r>
+              <a:rPr lang="da-DK" b="1" dirty="0"/>
+              <a:t>@trace</a:t>
+            </a:r>
+            <a:r>
+              <a:rPr lang="da-DK" b="0" dirty="0"/>
+              <a:t> </a:t>
+            </a:r>
+            <a:r>
+              <a:rPr lang="da-DK" b="0" dirty="0" err="1"/>
+              <a:t>that</a:t>
+            </a:r>
+            <a:r>
+              <a:rPr lang="da-DK" b="0" dirty="0"/>
+              <a:t> </a:t>
+            </a:r>
+            <a:r>
+              <a:rPr lang="da-DK" b="0" dirty="0" err="1"/>
+              <a:t>automatically</a:t>
+            </a:r>
+            <a:r>
+              <a:rPr lang="da-DK" b="0" dirty="0"/>
+              <a:t> </a:t>
+            </a:r>
+            <a:r>
+              <a:rPr lang="da-DK" b="0" dirty="0" err="1"/>
+              <a:t>adds</a:t>
+            </a:r>
+            <a:r>
+              <a:rPr lang="da-DK" b="0" dirty="0"/>
+              <a:t> the </a:t>
+            </a:r>
+            <a:r>
+              <a:rPr lang="da-DK" b="0" dirty="0" err="1"/>
+              <a:t>this</a:t>
+            </a:r>
+            <a:r>
+              <a:rPr lang="da-DK" b="0" dirty="0"/>
+              <a:t> </a:t>
+            </a:r>
+            <a:r>
+              <a:rPr lang="da-DK" b="0" dirty="0" err="1"/>
+              <a:t>tracing</a:t>
+            </a:r>
+            <a:r>
+              <a:rPr lang="da-DK" b="0" dirty="0"/>
+              <a:t> to a </a:t>
+            </a:r>
+            <a:r>
+              <a:rPr lang="da-DK" b="0" dirty="0" err="1"/>
+              <a:t>recursive</a:t>
+            </a:r>
+            <a:r>
+              <a:rPr lang="da-DK" b="0" dirty="0"/>
+              <a:t> procedure</a:t>
+            </a:r>
+            <a:endParaRPr lang="da-DK" b="1" dirty="0"/>
           </a:p>
         </p:txBody>
       </p:sp>
@@ -1799,7 +2379,7 @@
             <a:spLocks noGrp="1"/>
           </p:cNvSpPr>
           <p:nvPr>
-            <p:ph type="sldNum" sz="quarter" idx="10"/>
+            <p:ph type="sldNum" sz="quarter" idx="5"/>
           </p:nvPr>
         </p:nvSpPr>
         <p:spPr/>
@@ -1809,7 +2389,7 @@
           <a:p>
             <a:fld id="{CD563DD8-32AB-41BE-B1C6-8EAC45222ACE}" type="slidenum">
               <a:rPr lang="en-US" smtClean="0"/>
-              <a:t>11</a:t>
+              <a:t>8</a:t>
             </a:fld>
             <a:endParaRPr lang="en-US"/>
           </a:p>
@@ -1818,7 +2398,7 @@
     </p:spTree>
     <p:extLst>
       <p:ext uri="{BB962C8B-B14F-4D97-AF65-F5344CB8AC3E}">
-        <p14:creationId xmlns:p14="http://schemas.microsoft.com/office/powerpoint/2010/main" val="1522919810"/>
+        <p14:creationId xmlns:p14="http://schemas.microsoft.com/office/powerpoint/2010/main" val="2524276516"/>
       </p:ext>
     </p:extLst>
   </p:cSld>
@@ -1873,34 +2453,39 @@
           <a:lstStyle/>
           <a:p>
             <a:r>
-              <a:rPr lang="en-US" sz="1200" b="1" baseline="0" dirty="0">
-                <a:latin typeface="Courier New" panose="02070309020205020404" pitchFamily="49" charset="0"/>
-                <a:cs typeface="Courier New" panose="02070309020205020404" pitchFamily="49" charset="0"/>
-              </a:rPr>
-              <a:t>Replacing  “</a:t>
-            </a:r>
-            <a:r>
-              <a:rPr lang="en-US" sz="1200" b="1" baseline="0" dirty="0" err="1">
-                <a:latin typeface="Courier New" panose="02070309020205020404" pitchFamily="49" charset="0"/>
-                <a:cs typeface="Courier New" panose="02070309020205020404" pitchFamily="49" charset="0"/>
-              </a:rPr>
-              <a:t>leaves.add</a:t>
-            </a:r>
-            <a:r>
-              <a:rPr lang="en-US" sz="1200" b="1" baseline="0" dirty="0">
-                <a:latin typeface="Courier New" panose="02070309020205020404" pitchFamily="49" charset="0"/>
-                <a:cs typeface="Courier New" panose="02070309020205020404" pitchFamily="49" charset="0"/>
-              </a:rPr>
-              <a:t>(tree)” by “leaves |= {tree}” requires “nonlocal”, since otherwise leaves is assumed to be a local variable, due to </a:t>
-            </a:r>
-            <a:r>
-              <a:rPr lang="en-US" sz="1200" b="1" baseline="0">
-                <a:latin typeface="Courier New" panose="02070309020205020404" pitchFamily="49" charset="0"/>
-                <a:cs typeface="Courier New" panose="02070309020205020404" pitchFamily="49" charset="0"/>
-              </a:rPr>
-              <a:t>the assignment.</a:t>
-            </a:r>
-            <a:endParaRPr lang="da-DK" dirty="0"/>
+              <a:rPr lang="en-US" dirty="0" err="1"/>
+              <a:t>binomial_A</a:t>
+            </a:r>
+            <a:r>
+              <a:rPr lang="en-US" baseline="0" dirty="0"/>
+              <a:t>, temporary result is not integer,</a:t>
+            </a:r>
+          </a:p>
+          <a:p>
+            <a:r>
+              <a:rPr lang="en-US" baseline="0" dirty="0"/>
+              <a:t>replace // with / will compute with floats,</a:t>
+            </a:r>
+          </a:p>
+          <a:p>
+            <a:r>
+              <a:rPr lang="en-US" dirty="0"/>
+              <a:t>&gt;&gt;&gt; print(f'{</a:t>
+            </a:r>
+            <a:r>
+              <a:rPr lang="en-US" dirty="0" err="1"/>
+              <a:t>binomial_A</a:t>
+            </a:r>
+            <a:r>
+              <a:rPr lang="en-US" dirty="0"/>
+              <a:t>(8,5):0.30f}')</a:t>
+            </a:r>
+          </a:p>
+          <a:p>
+            <a:r>
+              <a:rPr lang="en-US" dirty="0"/>
+              <a:t>56.000000000000007105427357601002</a:t>
+            </a:r>
           </a:p>
         </p:txBody>
       </p:sp>
@@ -1911,7 +2496,7 @@
             <a:spLocks noGrp="1"/>
           </p:cNvSpPr>
           <p:nvPr>
-            <p:ph type="sldNum" sz="quarter" idx="5"/>
+            <p:ph type="sldNum" sz="quarter" idx="10"/>
           </p:nvPr>
         </p:nvSpPr>
         <p:spPr/>
@@ -1921,7 +2506,7 @@
           <a:p>
             <a:fld id="{CD563DD8-32AB-41BE-B1C6-8EAC45222ACE}" type="slidenum">
               <a:rPr lang="en-US" smtClean="0"/>
-              <a:t>15</a:t>
+              <a:t>11</a:t>
             </a:fld>
             <a:endParaRPr lang="en-US"/>
           </a:p>
@@ -1930,7 +2515,7 @@
     </p:spTree>
     <p:extLst>
       <p:ext uri="{BB962C8B-B14F-4D97-AF65-F5344CB8AC3E}">
-        <p14:creationId xmlns:p14="http://schemas.microsoft.com/office/powerpoint/2010/main" val="3746329629"/>
+        <p14:creationId xmlns:p14="http://schemas.microsoft.com/office/powerpoint/2010/main" val="1522919810"/>
       </p:ext>
     </p:extLst>
   </p:cSld>
@@ -1985,80 +2570,34 @@
           <a:lstStyle/>
           <a:p>
             <a:r>
-              <a:rPr lang="en-US" dirty="0"/>
-              <a:t>Warning: </a:t>
-            </a:r>
-            <a:r>
-              <a:rPr lang="en-US" dirty="0" err="1"/>
-              <a:t>Behaviour</a:t>
-            </a:r>
-            <a:r>
-              <a:rPr lang="en-US" dirty="0"/>
-              <a:t> different on Windows and Mac</a:t>
-            </a:r>
-          </a:p>
-          <a:p>
-            <a:endParaRPr lang="en-US" dirty="0"/>
-          </a:p>
-          <a:p>
-            <a:r>
-              <a:rPr lang="en-US" dirty="0"/>
-              <a:t>In creasing recursion depth can cause the program to crash. On windows the following </a:t>
-            </a:r>
-            <a:r>
-              <a:rPr lang="en-US"/>
-              <a:t>crashes around depth 1935 !!!.</a:t>
-            </a:r>
-            <a:endParaRPr lang="en-US" dirty="0"/>
-          </a:p>
-          <a:p>
-            <a:r>
-              <a:rPr lang="fr-FR" dirty="0"/>
-              <a:t>import </a:t>
-            </a:r>
-            <a:r>
-              <a:rPr lang="fr-FR" dirty="0" err="1"/>
-              <a:t>sys</a:t>
-            </a:r>
-            <a:endParaRPr lang="fr-FR" dirty="0"/>
-          </a:p>
-          <a:p>
-            <a:r>
-              <a:rPr lang="fr-FR" dirty="0" err="1"/>
-              <a:t>sys.setrecursionlimit</a:t>
-            </a:r>
-            <a:r>
-              <a:rPr lang="fr-FR" dirty="0"/>
-              <a:t>(2000)</a:t>
-            </a:r>
-          </a:p>
-          <a:p>
-            <a:r>
-              <a:rPr lang="fr-FR" dirty="0" err="1"/>
-              <a:t>def</a:t>
-            </a:r>
-            <a:r>
-              <a:rPr lang="fr-FR" dirty="0"/>
-              <a:t> f(x): </a:t>
-            </a:r>
-            <a:r>
-              <a:rPr lang="fr-FR" dirty="0" err="1"/>
-              <a:t>print</a:t>
-            </a:r>
-            <a:r>
-              <a:rPr lang="fr-FR" dirty="0"/>
-              <a:t>(x); f(x + 1)</a:t>
-            </a:r>
-          </a:p>
-          <a:p>
-            <a:endParaRPr lang="fr-FR" dirty="0"/>
-          </a:p>
-          <a:p>
-            <a:r>
-              <a:rPr lang="fr-FR" dirty="0"/>
-              <a:t>f(0)</a:t>
-            </a:r>
-            <a:endParaRPr lang="en-US" dirty="0"/>
+              <a:rPr lang="en-US" sz="1200" b="1" baseline="0" dirty="0">
+                <a:latin typeface="Courier New" panose="02070309020205020404" pitchFamily="49" charset="0"/>
+                <a:cs typeface="Courier New" panose="02070309020205020404" pitchFamily="49" charset="0"/>
+              </a:rPr>
+              <a:t>Replacing  “</a:t>
+            </a:r>
+            <a:r>
+              <a:rPr lang="en-US" sz="1200" b="1" baseline="0" dirty="0" err="1">
+                <a:latin typeface="Courier New" panose="02070309020205020404" pitchFamily="49" charset="0"/>
+                <a:cs typeface="Courier New" panose="02070309020205020404" pitchFamily="49" charset="0"/>
+              </a:rPr>
+              <a:t>leaves.add</a:t>
+            </a:r>
+            <a:r>
+              <a:rPr lang="en-US" sz="1200" b="1" baseline="0" dirty="0">
+                <a:latin typeface="Courier New" panose="02070309020205020404" pitchFamily="49" charset="0"/>
+                <a:cs typeface="Courier New" panose="02070309020205020404" pitchFamily="49" charset="0"/>
+              </a:rPr>
+              <a:t>(tree)” by “leaves |= {tree}” requires “nonlocal”, since otherwise leaves is assumed to be a local variable, due to </a:t>
+            </a:r>
+            <a:r>
+              <a:rPr lang="en-US" sz="1200" b="1" baseline="0">
+                <a:latin typeface="Courier New" panose="02070309020205020404" pitchFamily="49" charset="0"/>
+                <a:cs typeface="Courier New" panose="02070309020205020404" pitchFamily="49" charset="0"/>
+              </a:rPr>
+              <a:t>the assignment.</a:t>
+            </a:r>
+            <a:endParaRPr lang="da-DK" dirty="0"/>
           </a:p>
         </p:txBody>
       </p:sp>
@@ -2079,7 +2618,7 @@
           <a:p>
             <a:fld id="{CD563DD8-32AB-41BE-B1C6-8EAC45222ACE}" type="slidenum">
               <a:rPr lang="en-US" smtClean="0"/>
-              <a:t>16</a:t>
+              <a:t>15</a:t>
             </a:fld>
             <a:endParaRPr lang="en-US"/>
           </a:p>
@@ -2088,7 +2627,7 @@
     </p:spTree>
     <p:extLst>
       <p:ext uri="{BB962C8B-B14F-4D97-AF65-F5344CB8AC3E}">
-        <p14:creationId xmlns:p14="http://schemas.microsoft.com/office/powerpoint/2010/main" val="3905941004"/>
+        <p14:creationId xmlns:p14="http://schemas.microsoft.com/office/powerpoint/2010/main" val="3746329629"/>
       </p:ext>
     </p:extLst>
   </p:cSld>
@@ -2235,7 +2774,7 @@
           <a:p>
             <a:fld id="{0560A9CD-0304-4E0B-9E82-E7E0115DE05B}" type="datetimeFigureOut">
               <a:rPr lang="en-US" smtClean="0"/>
-              <a:t>4/5/2022</a:t>
+              <a:t>2/22/2023</a:t>
             </a:fld>
             <a:endParaRPr lang="en-US"/>
           </a:p>
@@ -2403,7 +2942,7 @@
           <a:p>
             <a:fld id="{0560A9CD-0304-4E0B-9E82-E7E0115DE05B}" type="datetimeFigureOut">
               <a:rPr lang="en-US" smtClean="0"/>
-              <a:t>4/5/2022</a:t>
+              <a:t>2/22/2023</a:t>
             </a:fld>
             <a:endParaRPr lang="en-US"/>
           </a:p>
@@ -2581,7 +3120,7 @@
           <a:p>
             <a:fld id="{0560A9CD-0304-4E0B-9E82-E7E0115DE05B}" type="datetimeFigureOut">
               <a:rPr lang="en-US" smtClean="0"/>
-              <a:t>4/5/2022</a:t>
+              <a:t>2/22/2023</a:t>
             </a:fld>
             <a:endParaRPr lang="en-US"/>
           </a:p>
@@ -2764,7 +3303,7 @@
           <a:p>
             <a:fld id="{0560A9CD-0304-4E0B-9E82-E7E0115DE05B}" type="datetimeFigureOut">
               <a:rPr lang="en-US" smtClean="0"/>
-              <a:t>4/5/2022</a:t>
+              <a:t>2/22/2023</a:t>
             </a:fld>
             <a:endParaRPr lang="en-US"/>
           </a:p>
@@ -3009,7 +3548,7 @@
           <a:p>
             <a:fld id="{0560A9CD-0304-4E0B-9E82-E7E0115DE05B}" type="datetimeFigureOut">
               <a:rPr lang="en-US" smtClean="0"/>
-              <a:t>4/5/2022</a:t>
+              <a:t>2/22/2023</a:t>
             </a:fld>
             <a:endParaRPr lang="en-US"/>
           </a:p>
@@ -3238,7 +3777,7 @@
           <a:p>
             <a:fld id="{0560A9CD-0304-4E0B-9E82-E7E0115DE05B}" type="datetimeFigureOut">
               <a:rPr lang="en-US" smtClean="0"/>
-              <a:t>4/5/2022</a:t>
+              <a:t>2/22/2023</a:t>
             </a:fld>
             <a:endParaRPr lang="en-US"/>
           </a:p>
@@ -3602,7 +4141,7 @@
           <a:p>
             <a:fld id="{0560A9CD-0304-4E0B-9E82-E7E0115DE05B}" type="datetimeFigureOut">
               <a:rPr lang="en-US" smtClean="0"/>
-              <a:t>4/5/2022</a:t>
+              <a:t>2/22/2023</a:t>
             </a:fld>
             <a:endParaRPr lang="en-US"/>
           </a:p>
@@ -3719,7 +4258,7 @@
           <a:p>
             <a:fld id="{0560A9CD-0304-4E0B-9E82-E7E0115DE05B}" type="datetimeFigureOut">
               <a:rPr lang="en-US" smtClean="0"/>
-              <a:t>4/5/2022</a:t>
+              <a:t>2/22/2023</a:t>
             </a:fld>
             <a:endParaRPr lang="en-US"/>
           </a:p>
@@ -3814,7 +4353,7 @@
           <a:p>
             <a:fld id="{0560A9CD-0304-4E0B-9E82-E7E0115DE05B}" type="datetimeFigureOut">
               <a:rPr lang="en-US" smtClean="0"/>
-              <a:t>4/5/2022</a:t>
+              <a:t>2/22/2023</a:t>
             </a:fld>
             <a:endParaRPr lang="en-US"/>
           </a:p>
@@ -4089,7 +4628,7 @@
           <a:p>
             <a:fld id="{0560A9CD-0304-4E0B-9E82-E7E0115DE05B}" type="datetimeFigureOut">
               <a:rPr lang="en-US" smtClean="0"/>
-              <a:t>4/5/2022</a:t>
+              <a:t>2/22/2023</a:t>
             </a:fld>
             <a:endParaRPr lang="en-US"/>
           </a:p>
@@ -4341,7 +4880,7 @@
           <a:p>
             <a:fld id="{0560A9CD-0304-4E0B-9E82-E7E0115DE05B}" type="datetimeFigureOut">
               <a:rPr lang="en-US" smtClean="0"/>
-              <a:t>4/5/2022</a:t>
+              <a:t>2/22/2023</a:t>
             </a:fld>
             <a:endParaRPr lang="en-US"/>
           </a:p>
@@ -4552,7 +5091,7 @@
           <a:p>
             <a:fld id="{0560A9CD-0304-4E0B-9E82-E7E0115DE05B}" type="datetimeFigureOut">
               <a:rPr lang="en-US" smtClean="0"/>
-              <a:t>4/5/2022</a:t>
+              <a:t>2/22/2023</a:t>
             </a:fld>
             <a:endParaRPr lang="en-US"/>
           </a:p>
@@ -13311,21 +13850,7 @@
                           <a:latin typeface="Courier New" panose="02070309020205020404" pitchFamily="49" charset="0"/>
                           <a:cs typeface="Courier New" panose="02070309020205020404" pitchFamily="49" charset="0"/>
                         </a:rPr>
-                        <a:t> </a:t>
-                      </a:r>
-                      <a:r>
-                        <a:rPr lang="en-US" sz="1600" b="1" baseline="0">
-                          <a:latin typeface="Courier New" panose="02070309020205020404" pitchFamily="49" charset="0"/>
-                          <a:cs typeface="Courier New" panose="02070309020205020404" pitchFamily="49" charset="0"/>
-                        </a:rPr>
-                        <a:t>* 2 / </a:t>
-                      </a:r>
-                      <a:r>
-                        <a:rPr lang="en-US" sz="1600" b="1" baseline="0" dirty="0">
-                          <a:latin typeface="Courier New" panose="02070309020205020404" pitchFamily="49" charset="0"/>
-                          <a:cs typeface="Courier New" panose="02070309020205020404" pitchFamily="49" charset="0"/>
-                        </a:rPr>
-                        <a:t>3</a:t>
+                        <a:t> * 2 / 3</a:t>
                       </a:r>
                     </a:p>
                     <a:p>
@@ -14075,7 +14600,7 @@
                             </p:stCondLst>
                             <p:childTnLst>
                               <p:par>
-                                <p:cTn id="5" presetID="10" presetClass="entr" presetSubtype="0" fill="hold" nodeType="clickEffect">
+                                <p:cTn id="5" presetID="10" presetClass="entr" presetSubtype="0" fill="hold" grpId="0" nodeType="clickEffect">
                                   <p:stCondLst>
                                     <p:cond delay="0"/>
                                   </p:stCondLst>
@@ -14083,59 +14608,6 @@
                                     <p:set>
                                       <p:cBhvr>
                                         <p:cTn id="6" dur="1" fill="hold">
-                                          <p:stCondLst>
-                                            <p:cond delay="0"/>
-                                          </p:stCondLst>
-                                        </p:cTn>
-                                        <p:tgtEl>
-                                          <p:spTgt spid="10"/>
-                                        </p:tgtEl>
-                                        <p:attrNameLst>
-                                          <p:attrName>style.visibility</p:attrName>
-                                        </p:attrNameLst>
-                                      </p:cBhvr>
-                                      <p:to>
-                                        <p:strVal val="visible"/>
-                                      </p:to>
-                                    </p:set>
-                                    <p:animEffect transition="in" filter="fade">
-                                      <p:cBhvr>
-                                        <p:cTn id="7" dur="500"/>
-                                        <p:tgtEl>
-                                          <p:spTgt spid="10"/>
-                                        </p:tgtEl>
-                                      </p:cBhvr>
-                                    </p:animEffect>
-                                  </p:childTnLst>
-                                </p:cTn>
-                              </p:par>
-                            </p:childTnLst>
-                          </p:cTn>
-                        </p:par>
-                      </p:childTnLst>
-                    </p:cTn>
-                  </p:par>
-                  <p:par>
-                    <p:cTn id="8" fill="hold">
-                      <p:stCondLst>
-                        <p:cond delay="indefinite"/>
-                      </p:stCondLst>
-                      <p:childTnLst>
-                        <p:par>
-                          <p:cTn id="9" fill="hold">
-                            <p:stCondLst>
-                              <p:cond delay="0"/>
-                            </p:stCondLst>
-                            <p:childTnLst>
-                              <p:par>
-                                <p:cTn id="10" presetID="10" presetClass="entr" presetSubtype="0" fill="hold" grpId="0" nodeType="clickEffect">
-                                  <p:stCondLst>
-                                    <p:cond delay="0"/>
-                                  </p:stCondLst>
-                                  <p:childTnLst>
-                                    <p:set>
-                                      <p:cBhvr>
-                                        <p:cTn id="11" dur="1" fill="hold">
                                           <p:stCondLst>
                                             <p:cond delay="0"/>
                                           </p:stCondLst>
@@ -14153,7 +14625,7 @@
                                     </p:set>
                                     <p:animEffect transition="in" filter="fade">
                                       <p:cBhvr>
-                                        <p:cTn id="12" dur="500"/>
+                                        <p:cTn id="7" dur="500"/>
                                         <p:tgtEl>
                                           <p:spTgt spid="8"/>
                                         </p:tgtEl>
@@ -14163,14 +14635,14 @@
                                 </p:cTn>
                               </p:par>
                               <p:par>
-                                <p:cTn id="13" presetID="10" presetClass="entr" presetSubtype="0" fill="hold" grpId="0" nodeType="withEffect">
+                                <p:cTn id="8" presetID="10" presetClass="entr" presetSubtype="0" fill="hold" grpId="0" nodeType="withEffect">
                                   <p:stCondLst>
                                     <p:cond delay="0"/>
                                   </p:stCondLst>
                                   <p:childTnLst>
                                     <p:set>
                                       <p:cBhvr>
-                                        <p:cTn id="14" dur="1" fill="hold">
+                                        <p:cTn id="9" dur="1" fill="hold">
                                           <p:stCondLst>
                                             <p:cond delay="0"/>
                                           </p:stCondLst>
@@ -14188,7 +14660,7 @@
                                     </p:set>
                                     <p:animEffect transition="in" filter="fade">
                                       <p:cBhvr>
-                                        <p:cTn id="15" dur="500"/>
+                                        <p:cTn id="10" dur="500"/>
                                         <p:tgtEl>
                                           <p:spTgt spid="9"/>
                                         </p:tgtEl>
@@ -14229,6 +14701,1217 @@
       <p:bldP spid="9" grpId="0"/>
     </p:bldLst>
   </p:timing>
+</p:sld>
+</file>
+
+<file path=ppt/slides/slide19.xml><?xml version="1.0" encoding="utf-8"?>
+<p:sld xmlns:a="http://schemas.openxmlformats.org/drawingml/2006/main" xmlns:r="http://schemas.openxmlformats.org/officeDocument/2006/relationships" xmlns:p="http://schemas.openxmlformats.org/presentationml/2006/main">
+  <p:cSld>
+    <p:spTree>
+      <p:nvGrpSpPr>
+        <p:cNvPr id="1" name=""/>
+        <p:cNvGrpSpPr/>
+        <p:nvPr/>
+      </p:nvGrpSpPr>
+      <p:grpSpPr>
+        <a:xfrm>
+          <a:off x="0" y="0"/>
+          <a:ext cx="0" cy="0"/>
+          <a:chOff x="0" y="0"/>
+          <a:chExt cx="0" cy="0"/>
+        </a:xfrm>
+      </p:grpSpPr>
+      <p:pic>
+        <p:nvPicPr>
+          <p:cNvPr id="25" name="Picture 24">
+            <a:extLst>
+              <a:ext uri="{FF2B5EF4-FFF2-40B4-BE49-F238E27FC236}">
+                <a16:creationId xmlns:a16="http://schemas.microsoft.com/office/drawing/2014/main" id="{120A0AC3-F8A0-3764-F5E9-C62D222FC5B3}"/>
+              </a:ext>
+            </a:extLst>
+          </p:cNvPr>
+          <p:cNvPicPr>
+            <a:picLocks noChangeAspect="1"/>
+          </p:cNvPicPr>
+          <p:nvPr/>
+        </p:nvPicPr>
+        <p:blipFill>
+          <a:blip r:embed="rId3"/>
+          <a:stretch>
+            <a:fillRect/>
+          </a:stretch>
+        </p:blipFill>
+        <p:spPr>
+          <a:xfrm>
+            <a:off x="953409" y="1372570"/>
+            <a:ext cx="4734072" cy="5092036"/>
+          </a:xfrm>
+          <a:prstGeom prst="rect">
+            <a:avLst/>
+          </a:prstGeom>
+        </p:spPr>
+      </p:pic>
+      <p:sp>
+        <p:nvSpPr>
+          <p:cNvPr id="2" name="Title 1"/>
+          <p:cNvSpPr>
+            <a:spLocks noGrp="1"/>
+          </p:cNvSpPr>
+          <p:nvPr>
+            <p:ph type="title"/>
+          </p:nvPr>
+        </p:nvSpPr>
+        <p:spPr>
+          <a:xfrm>
+            <a:off x="700391" y="175098"/>
+            <a:ext cx="9991928" cy="1325563"/>
+          </a:xfrm>
+        </p:spPr>
+        <p:txBody>
+          <a:bodyPr/>
+          <a:lstStyle/>
+          <a:p>
+            <a:r>
+              <a:rPr lang="da-DK" dirty="0"/>
+              <a:t>Z-</a:t>
+            </a:r>
+            <a:r>
+              <a:rPr lang="da-DK" dirty="0" err="1"/>
+              <a:t>curves</a:t>
+            </a:r>
+            <a:endParaRPr lang="en-US" dirty="0"/>
+          </a:p>
+        </p:txBody>
+      </p:sp>
+      <p:graphicFrame>
+        <p:nvGraphicFramePr>
+          <p:cNvPr id="4" name="Table 3"/>
+          <p:cNvGraphicFramePr>
+            <a:graphicFrameLocks noGrp="1"/>
+          </p:cNvGraphicFramePr>
+          <p:nvPr>
+            <p:extLst>
+              <p:ext uri="{D42A27DB-BD31-4B8C-83A1-F6EECF244321}">
+                <p14:modId xmlns:p14="http://schemas.microsoft.com/office/powerpoint/2010/main" val="284938433"/>
+              </p:ext>
+            </p:extLst>
+          </p:nvPr>
+        </p:nvGraphicFramePr>
+        <p:xfrm>
+          <a:off x="6153376" y="175098"/>
+          <a:ext cx="5820093" cy="6156960"/>
+        </p:xfrm>
+        <a:graphic>
+          <a:graphicData uri="http://schemas.openxmlformats.org/drawingml/2006/table">
+            <a:tbl>
+              <a:tblPr firstRow="1" bandRow="1">
+                <a:tableStyleId>{5C22544A-7EE6-4342-B048-85BDC9FD1C3A}</a:tableStyleId>
+              </a:tblPr>
+              <a:tblGrid>
+                <a:gridCol w="5820093">
+                  <a:extLst>
+                    <a:ext uri="{9D8B030D-6E8A-4147-A177-3AD203B41FA5}">
+                      <a16:colId xmlns:a16="http://schemas.microsoft.com/office/drawing/2014/main" val="1873682825"/>
+                    </a:ext>
+                  </a:extLst>
+                </a:gridCol>
+              </a:tblGrid>
+              <a:tr h="183566">
+                <a:tc>
+                  <a:txBody>
+                    <a:bodyPr/>
+                    <a:lstStyle/>
+                    <a:p>
+                      <a:r>
+                        <a:rPr lang="da-DK" sz="1400" b="1" dirty="0">
+                          <a:latin typeface="Courier New" panose="02070309020205020404" pitchFamily="49" charset="0"/>
+                          <a:cs typeface="Courier New" panose="02070309020205020404" pitchFamily="49" charset="0"/>
+                        </a:rPr>
+                        <a:t>z_curve.py</a:t>
+                      </a:r>
+                    </a:p>
+                  </a:txBody>
+                  <a:tcPr anchor="ctr">
+                    <a:lnL w="6350" cap="flat" cmpd="sng" algn="ctr">
+                      <a:solidFill>
+                        <a:schemeClr val="tx1"/>
+                      </a:solidFill>
+                      <a:prstDash val="solid"/>
+                      <a:round/>
+                      <a:headEnd type="none" w="med" len="med"/>
+                      <a:tailEnd type="none" w="med" len="med"/>
+                    </a:lnL>
+                    <a:lnR w="6350" cap="flat" cmpd="sng" algn="ctr">
+                      <a:solidFill>
+                        <a:schemeClr val="tx1"/>
+                      </a:solidFill>
+                      <a:prstDash val="solid"/>
+                      <a:round/>
+                      <a:headEnd type="none" w="med" len="med"/>
+                      <a:tailEnd type="none" w="med" len="med"/>
+                    </a:lnR>
+                    <a:lnT w="6350" cap="flat" cmpd="sng" algn="ctr">
+                      <a:solidFill>
+                        <a:schemeClr val="tx1"/>
+                      </a:solidFill>
+                      <a:prstDash val="solid"/>
+                      <a:round/>
+                      <a:headEnd type="none" w="med" len="med"/>
+                      <a:tailEnd type="none" w="med" len="med"/>
+                    </a:lnT>
+                    <a:lnB w="6350" cap="flat" cmpd="sng" algn="ctr">
+                      <a:solidFill>
+                        <a:schemeClr val="tx1"/>
+                      </a:solidFill>
+                      <a:prstDash val="solid"/>
+                      <a:round/>
+                      <a:headEnd type="none" w="med" len="med"/>
+                      <a:tailEnd type="none" w="med" len="med"/>
+                    </a:lnB>
+                    <a:lnTlToBr w="12700" cmpd="sng">
+                      <a:noFill/>
+                      <a:prstDash val="solid"/>
+                    </a:lnTlToBr>
+                    <a:lnBlToTr w="12700" cmpd="sng">
+                      <a:noFill/>
+                      <a:prstDash val="solid"/>
+                    </a:lnBlToTr>
+                    <a:solidFill>
+                      <a:srgbClr val="C00000"/>
+                    </a:solidFill>
+                  </a:tcPr>
+                </a:tc>
+                <a:extLst>
+                  <a:ext uri="{0D108BD9-81ED-4DB2-BD59-A6C34878D82A}">
+                    <a16:rowId xmlns:a16="http://schemas.microsoft.com/office/drawing/2014/main" val="3330819881"/>
+                  </a:ext>
+                </a:extLst>
+              </a:tr>
+              <a:tr h="1547375">
+                <a:tc>
+                  <a:txBody>
+                    <a:bodyPr/>
+                    <a:lstStyle/>
+                    <a:p>
+                      <a:pPr marL="0" indent="0">
+                        <a:buClr>
+                          <a:srgbClr val="C00000"/>
+                        </a:buClr>
+                        <a:buSzPct val="100000"/>
+                        <a:buFont typeface="Courier New" panose="02070309020205020404" pitchFamily="49" charset="0"/>
+                        <a:buNone/>
+                      </a:pPr>
+                      <a:r>
+                        <a:rPr lang="en-US" sz="1400" b="1" baseline="0" dirty="0">
+                          <a:latin typeface="Courier New" panose="02070309020205020404" pitchFamily="49" charset="0"/>
+                          <a:cs typeface="Courier New" panose="02070309020205020404" pitchFamily="49" charset="0"/>
+                        </a:rPr>
+                        <a:t>import </a:t>
+                      </a:r>
+                      <a:r>
+                        <a:rPr lang="en-US" sz="1400" b="1" baseline="0" dirty="0" err="1">
+                          <a:latin typeface="Courier New" panose="02070309020205020404" pitchFamily="49" charset="0"/>
+                          <a:cs typeface="Courier New" panose="02070309020205020404" pitchFamily="49" charset="0"/>
+                        </a:rPr>
+                        <a:t>matplotlib.pyplot</a:t>
+                      </a:r>
+                      <a:r>
+                        <a:rPr lang="en-US" sz="1400" b="1" baseline="0" dirty="0">
+                          <a:latin typeface="Courier New" panose="02070309020205020404" pitchFamily="49" charset="0"/>
+                          <a:cs typeface="Courier New" panose="02070309020205020404" pitchFamily="49" charset="0"/>
+                        </a:rPr>
+                        <a:t> as </a:t>
+                      </a:r>
+                      <a:r>
+                        <a:rPr lang="en-US" sz="1400" b="1" baseline="0" dirty="0" err="1">
+                          <a:latin typeface="Courier New" panose="02070309020205020404" pitchFamily="49" charset="0"/>
+                          <a:cs typeface="Courier New" panose="02070309020205020404" pitchFamily="49" charset="0"/>
+                        </a:rPr>
+                        <a:t>plt</a:t>
+                      </a:r>
+                      <a:endParaRPr lang="en-US" sz="1400" b="1" baseline="0" dirty="0">
+                        <a:latin typeface="Courier New" panose="02070309020205020404" pitchFamily="49" charset="0"/>
+                        <a:cs typeface="Courier New" panose="02070309020205020404" pitchFamily="49" charset="0"/>
+                      </a:endParaRPr>
+                    </a:p>
+                    <a:p>
+                      <a:pPr marL="0" indent="0">
+                        <a:buClr>
+                          <a:srgbClr val="C00000"/>
+                        </a:buClr>
+                        <a:buSzPct val="100000"/>
+                        <a:buFont typeface="Courier New" panose="02070309020205020404" pitchFamily="49" charset="0"/>
+                        <a:buNone/>
+                      </a:pPr>
+                      <a:endParaRPr lang="en-US" sz="1400" b="1" baseline="0" dirty="0">
+                        <a:latin typeface="Courier New" panose="02070309020205020404" pitchFamily="49" charset="0"/>
+                        <a:cs typeface="Courier New" panose="02070309020205020404" pitchFamily="49" charset="0"/>
+                      </a:endParaRPr>
+                    </a:p>
+                    <a:p>
+                      <a:pPr marL="0" indent="0">
+                        <a:buClr>
+                          <a:srgbClr val="C00000"/>
+                        </a:buClr>
+                        <a:buSzPct val="100000"/>
+                        <a:buFont typeface="Courier New" panose="02070309020205020404" pitchFamily="49" charset="0"/>
+                        <a:buNone/>
+                      </a:pPr>
+                      <a:r>
+                        <a:rPr lang="en-US" sz="1400" b="1" baseline="0" dirty="0">
+                          <a:solidFill>
+                            <a:schemeClr val="accent1">
+                              <a:lumMod val="75000"/>
+                            </a:schemeClr>
+                          </a:solidFill>
+                          <a:latin typeface="Courier New" panose="02070309020205020404" pitchFamily="49" charset="0"/>
+                          <a:cs typeface="Courier New" panose="02070309020205020404" pitchFamily="49" charset="0"/>
+                        </a:rPr>
+                        <a:t>def</a:t>
+                      </a:r>
+                      <a:r>
+                        <a:rPr lang="en-US" sz="1400" b="1" baseline="0" dirty="0">
+                          <a:latin typeface="Courier New" panose="02070309020205020404" pitchFamily="49" charset="0"/>
+                          <a:cs typeface="Courier New" panose="02070309020205020404" pitchFamily="49" charset="0"/>
+                        </a:rPr>
+                        <a:t> </a:t>
+                      </a:r>
+                      <a:r>
+                        <a:rPr lang="en-US" sz="1400" b="1" baseline="0" dirty="0" err="1">
+                          <a:solidFill>
+                            <a:srgbClr val="C00000"/>
+                          </a:solidFill>
+                          <a:latin typeface="Courier New" panose="02070309020205020404" pitchFamily="49" charset="0"/>
+                          <a:cs typeface="Courier New" panose="02070309020205020404" pitchFamily="49" charset="0"/>
+                        </a:rPr>
+                        <a:t>z_curve</a:t>
+                      </a:r>
+                      <a:r>
+                        <a:rPr lang="en-US" sz="1400" b="1" baseline="0" dirty="0">
+                          <a:latin typeface="Courier New" panose="02070309020205020404" pitchFamily="49" charset="0"/>
+                          <a:cs typeface="Courier New" panose="02070309020205020404" pitchFamily="49" charset="0"/>
+                        </a:rPr>
+                        <a:t>(depth, x0=0, y0=0, x1=1, y1=1):</a:t>
+                      </a:r>
+                    </a:p>
+                    <a:p>
+                      <a:pPr marL="0" indent="0">
+                        <a:buClr>
+                          <a:srgbClr val="C00000"/>
+                        </a:buClr>
+                        <a:buSzPct val="100000"/>
+                        <a:buFont typeface="Courier New" panose="02070309020205020404" pitchFamily="49" charset="0"/>
+                        <a:buNone/>
+                      </a:pPr>
+                      <a:r>
+                        <a:rPr lang="en-US" sz="1400" b="1" baseline="0" dirty="0">
+                          <a:latin typeface="Courier New" panose="02070309020205020404" pitchFamily="49" charset="0"/>
+                          <a:cs typeface="Courier New" panose="02070309020205020404" pitchFamily="49" charset="0"/>
+                        </a:rPr>
+                        <a:t>    x, y = (x0 + x1) / 2, (y0 + y1) / 2</a:t>
+                      </a:r>
+                    </a:p>
+                    <a:p>
+                      <a:pPr marL="0" indent="0">
+                        <a:buClr>
+                          <a:srgbClr val="C00000"/>
+                        </a:buClr>
+                        <a:buSzPct val="100000"/>
+                        <a:buFont typeface="Courier New" panose="02070309020205020404" pitchFamily="49" charset="0"/>
+                        <a:buNone/>
+                      </a:pPr>
+                      <a:r>
+                        <a:rPr lang="en-US" sz="1400" b="1" baseline="0" dirty="0">
+                          <a:latin typeface="Courier New" panose="02070309020205020404" pitchFamily="49" charset="0"/>
+                          <a:cs typeface="Courier New" panose="02070309020205020404" pitchFamily="49" charset="0"/>
+                        </a:rPr>
+                        <a:t>    if depth == 0:</a:t>
+                      </a:r>
+                    </a:p>
+                    <a:p>
+                      <a:pPr marL="0" indent="0">
+                        <a:buClr>
+                          <a:srgbClr val="C00000"/>
+                        </a:buClr>
+                        <a:buSzPct val="100000"/>
+                        <a:buFont typeface="Courier New" panose="02070309020205020404" pitchFamily="49" charset="0"/>
+                        <a:buNone/>
+                      </a:pPr>
+                      <a:r>
+                        <a:rPr lang="en-US" sz="1400" b="1" baseline="0" dirty="0">
+                          <a:latin typeface="Courier New" panose="02070309020205020404" pitchFamily="49" charset="0"/>
+                          <a:cs typeface="Courier New" panose="02070309020205020404" pitchFamily="49" charset="0"/>
+                        </a:rPr>
+                        <a:t>        </a:t>
+                      </a:r>
+                      <a:r>
+                        <a:rPr lang="en-US" sz="1400" b="1" baseline="0" dirty="0">
+                          <a:solidFill>
+                            <a:schemeClr val="accent1">
+                              <a:lumMod val="75000"/>
+                            </a:schemeClr>
+                          </a:solidFill>
+                          <a:latin typeface="Courier New" panose="02070309020205020404" pitchFamily="49" charset="0"/>
+                          <a:cs typeface="Courier New" panose="02070309020205020404" pitchFamily="49" charset="0"/>
+                        </a:rPr>
+                        <a:t>return</a:t>
+                      </a:r>
+                      <a:r>
+                        <a:rPr lang="en-US" sz="1400" b="1" baseline="0" dirty="0">
+                          <a:latin typeface="Courier New" panose="02070309020205020404" pitchFamily="49" charset="0"/>
+                          <a:cs typeface="Courier New" panose="02070309020205020404" pitchFamily="49" charset="0"/>
+                        </a:rPr>
+                        <a:t> [(x, y)]</a:t>
+                      </a:r>
+                    </a:p>
+                    <a:p>
+                      <a:pPr marL="0" indent="0">
+                        <a:buClr>
+                          <a:srgbClr val="C00000"/>
+                        </a:buClr>
+                        <a:buSzPct val="100000"/>
+                        <a:buFont typeface="Courier New" panose="02070309020205020404" pitchFamily="49" charset="0"/>
+                        <a:buNone/>
+                      </a:pPr>
+                      <a:r>
+                        <a:rPr lang="en-US" sz="1400" b="1" baseline="0" dirty="0">
+                          <a:latin typeface="Courier New" panose="02070309020205020404" pitchFamily="49" charset="0"/>
+                          <a:cs typeface="Courier New" panose="02070309020205020404" pitchFamily="49" charset="0"/>
+                        </a:rPr>
+                        <a:t>    </a:t>
+                      </a:r>
+                      <a:r>
+                        <a:rPr lang="en-US" sz="1400" b="1" baseline="0" dirty="0">
+                          <a:solidFill>
+                            <a:schemeClr val="accent1">
+                              <a:lumMod val="75000"/>
+                            </a:schemeClr>
+                          </a:solidFill>
+                          <a:latin typeface="Courier New" panose="02070309020205020404" pitchFamily="49" charset="0"/>
+                          <a:cs typeface="Courier New" panose="02070309020205020404" pitchFamily="49" charset="0"/>
+                        </a:rPr>
+                        <a:t>return</a:t>
+                      </a:r>
+                      <a:r>
+                        <a:rPr lang="en-US" sz="1400" b="1" baseline="0" dirty="0">
+                          <a:latin typeface="Courier New" panose="02070309020205020404" pitchFamily="49" charset="0"/>
+                          <a:cs typeface="Courier New" panose="02070309020205020404" pitchFamily="49" charset="0"/>
+                        </a:rPr>
+                        <a:t> [</a:t>
+                      </a:r>
+                    </a:p>
+                    <a:p>
+                      <a:pPr marL="0" indent="0">
+                        <a:buClr>
+                          <a:srgbClr val="C00000"/>
+                        </a:buClr>
+                        <a:buSzPct val="100000"/>
+                        <a:buFont typeface="Courier New" panose="02070309020205020404" pitchFamily="49" charset="0"/>
+                        <a:buNone/>
+                      </a:pPr>
+                      <a:r>
+                        <a:rPr lang="en-US" sz="1400" b="1" baseline="0" dirty="0">
+                          <a:latin typeface="Courier New" panose="02070309020205020404" pitchFamily="49" charset="0"/>
+                          <a:cs typeface="Courier New" panose="02070309020205020404" pitchFamily="49" charset="0"/>
+                        </a:rPr>
+                        <a:t>        *</a:t>
+                      </a:r>
+                      <a:r>
+                        <a:rPr lang="en-US" sz="1400" b="1" baseline="0" dirty="0" err="1">
+                          <a:solidFill>
+                            <a:srgbClr val="C00000"/>
+                          </a:solidFill>
+                          <a:latin typeface="Courier New" panose="02070309020205020404" pitchFamily="49" charset="0"/>
+                          <a:cs typeface="Courier New" panose="02070309020205020404" pitchFamily="49" charset="0"/>
+                        </a:rPr>
+                        <a:t>z_curve</a:t>
+                      </a:r>
+                      <a:r>
+                        <a:rPr lang="en-US" sz="1400" b="1" baseline="0" dirty="0">
+                          <a:latin typeface="Courier New" panose="02070309020205020404" pitchFamily="49" charset="0"/>
+                          <a:cs typeface="Courier New" panose="02070309020205020404" pitchFamily="49" charset="0"/>
+                        </a:rPr>
+                        <a:t>(depth - 1, x0, y0, x, y),</a:t>
+                      </a:r>
+                    </a:p>
+                    <a:p>
+                      <a:pPr marL="0" indent="0">
+                        <a:buClr>
+                          <a:srgbClr val="C00000"/>
+                        </a:buClr>
+                        <a:buSzPct val="100000"/>
+                        <a:buFont typeface="Courier New" panose="02070309020205020404" pitchFamily="49" charset="0"/>
+                        <a:buNone/>
+                      </a:pPr>
+                      <a:r>
+                        <a:rPr lang="en-US" sz="1400" b="1" baseline="0" dirty="0">
+                          <a:latin typeface="Courier New" panose="02070309020205020404" pitchFamily="49" charset="0"/>
+                          <a:cs typeface="Courier New" panose="02070309020205020404" pitchFamily="49" charset="0"/>
+                        </a:rPr>
+                        <a:t>        *</a:t>
+                      </a:r>
+                      <a:r>
+                        <a:rPr lang="en-US" sz="1400" b="1" baseline="0" dirty="0" err="1">
+                          <a:solidFill>
+                            <a:srgbClr val="C00000"/>
+                          </a:solidFill>
+                          <a:latin typeface="Courier New" panose="02070309020205020404" pitchFamily="49" charset="0"/>
+                          <a:cs typeface="Courier New" panose="02070309020205020404" pitchFamily="49" charset="0"/>
+                        </a:rPr>
+                        <a:t>z_curve</a:t>
+                      </a:r>
+                      <a:r>
+                        <a:rPr lang="en-US" sz="1400" b="1" baseline="0" dirty="0">
+                          <a:latin typeface="Courier New" panose="02070309020205020404" pitchFamily="49" charset="0"/>
+                          <a:cs typeface="Courier New" panose="02070309020205020404" pitchFamily="49" charset="0"/>
+                        </a:rPr>
+                        <a:t>(depth - 1, x, y0, x1, y),</a:t>
+                      </a:r>
+                    </a:p>
+                    <a:p>
+                      <a:pPr marL="0" indent="0">
+                        <a:buClr>
+                          <a:srgbClr val="C00000"/>
+                        </a:buClr>
+                        <a:buSzPct val="100000"/>
+                        <a:buFont typeface="Courier New" panose="02070309020205020404" pitchFamily="49" charset="0"/>
+                        <a:buNone/>
+                      </a:pPr>
+                      <a:r>
+                        <a:rPr lang="en-US" sz="1400" b="1" baseline="0" dirty="0">
+                          <a:latin typeface="Courier New" panose="02070309020205020404" pitchFamily="49" charset="0"/>
+                          <a:cs typeface="Courier New" panose="02070309020205020404" pitchFamily="49" charset="0"/>
+                        </a:rPr>
+                        <a:t>        *</a:t>
+                      </a:r>
+                      <a:r>
+                        <a:rPr lang="en-US" sz="1400" b="1" baseline="0" dirty="0" err="1">
+                          <a:solidFill>
+                            <a:srgbClr val="C00000"/>
+                          </a:solidFill>
+                          <a:latin typeface="Courier New" panose="02070309020205020404" pitchFamily="49" charset="0"/>
+                          <a:cs typeface="Courier New" panose="02070309020205020404" pitchFamily="49" charset="0"/>
+                        </a:rPr>
+                        <a:t>z_curve</a:t>
+                      </a:r>
+                      <a:r>
+                        <a:rPr lang="en-US" sz="1400" b="1" baseline="0" dirty="0">
+                          <a:latin typeface="Courier New" panose="02070309020205020404" pitchFamily="49" charset="0"/>
+                          <a:cs typeface="Courier New" panose="02070309020205020404" pitchFamily="49" charset="0"/>
+                        </a:rPr>
+                        <a:t>(depth - 1, x0, y, x, y1),</a:t>
+                      </a:r>
+                    </a:p>
+                    <a:p>
+                      <a:pPr marL="0" indent="0">
+                        <a:buClr>
+                          <a:srgbClr val="C00000"/>
+                        </a:buClr>
+                        <a:buSzPct val="100000"/>
+                        <a:buFont typeface="Courier New" panose="02070309020205020404" pitchFamily="49" charset="0"/>
+                        <a:buNone/>
+                      </a:pPr>
+                      <a:r>
+                        <a:rPr lang="en-US" sz="1400" b="1" baseline="0" dirty="0">
+                          <a:latin typeface="Courier New" panose="02070309020205020404" pitchFamily="49" charset="0"/>
+                          <a:cs typeface="Courier New" panose="02070309020205020404" pitchFamily="49" charset="0"/>
+                        </a:rPr>
+                        <a:t>        *</a:t>
+                      </a:r>
+                      <a:r>
+                        <a:rPr lang="en-US" sz="1400" b="1" baseline="0" dirty="0" err="1">
+                          <a:solidFill>
+                            <a:srgbClr val="C00000"/>
+                          </a:solidFill>
+                          <a:latin typeface="Courier New" panose="02070309020205020404" pitchFamily="49" charset="0"/>
+                          <a:cs typeface="Courier New" panose="02070309020205020404" pitchFamily="49" charset="0"/>
+                        </a:rPr>
+                        <a:t>z_curve</a:t>
+                      </a:r>
+                      <a:r>
+                        <a:rPr lang="en-US" sz="1400" b="1" baseline="0" dirty="0">
+                          <a:latin typeface="Courier New" panose="02070309020205020404" pitchFamily="49" charset="0"/>
+                          <a:cs typeface="Courier New" panose="02070309020205020404" pitchFamily="49" charset="0"/>
+                        </a:rPr>
+                        <a:t>(depth - 1, x, y, x1, y1)</a:t>
+                      </a:r>
+                    </a:p>
+                    <a:p>
+                      <a:pPr marL="0" indent="0">
+                        <a:buClr>
+                          <a:srgbClr val="C00000"/>
+                        </a:buClr>
+                        <a:buSzPct val="100000"/>
+                        <a:buFont typeface="Courier New" panose="02070309020205020404" pitchFamily="49" charset="0"/>
+                        <a:buNone/>
+                      </a:pPr>
+                      <a:r>
+                        <a:rPr lang="en-US" sz="1400" b="1" baseline="0" dirty="0">
+                          <a:latin typeface="Courier New" panose="02070309020205020404" pitchFamily="49" charset="0"/>
+                          <a:cs typeface="Courier New" panose="02070309020205020404" pitchFamily="49" charset="0"/>
+                        </a:rPr>
+                        <a:t>    ]</a:t>
+                      </a:r>
+                    </a:p>
+                    <a:p>
+                      <a:pPr marL="0" indent="0">
+                        <a:buClr>
+                          <a:srgbClr val="C00000"/>
+                        </a:buClr>
+                        <a:buSzPct val="100000"/>
+                        <a:buFont typeface="Courier New" panose="02070309020205020404" pitchFamily="49" charset="0"/>
+                        <a:buNone/>
+                      </a:pPr>
+                      <a:endParaRPr lang="en-US" sz="1400" b="1" baseline="0" dirty="0">
+                        <a:latin typeface="Courier New" panose="02070309020205020404" pitchFamily="49" charset="0"/>
+                        <a:cs typeface="Courier New" panose="02070309020205020404" pitchFamily="49" charset="0"/>
+                      </a:endParaRPr>
+                    </a:p>
+                    <a:p>
+                      <a:pPr marL="0" indent="0">
+                        <a:buClr>
+                          <a:srgbClr val="C00000"/>
+                        </a:buClr>
+                        <a:buSzPct val="100000"/>
+                        <a:buFont typeface="Courier New" panose="02070309020205020404" pitchFamily="49" charset="0"/>
+                        <a:buNone/>
+                      </a:pPr>
+                      <a:r>
+                        <a:rPr lang="en-US" sz="1400" b="1" baseline="0" dirty="0">
+                          <a:latin typeface="Courier New" panose="02070309020205020404" pitchFamily="49" charset="0"/>
+                          <a:cs typeface="Courier New" panose="02070309020205020404" pitchFamily="49" charset="0"/>
+                        </a:rPr>
+                        <a:t>for depth in range(4):</a:t>
+                      </a:r>
+                    </a:p>
+                    <a:p>
+                      <a:pPr marL="0" indent="0">
+                        <a:buClr>
+                          <a:srgbClr val="C00000"/>
+                        </a:buClr>
+                        <a:buSzPct val="100000"/>
+                        <a:buFont typeface="Courier New" panose="02070309020205020404" pitchFamily="49" charset="0"/>
+                        <a:buNone/>
+                      </a:pPr>
+                      <a:r>
+                        <a:rPr lang="en-US" sz="1400" b="1" baseline="0" dirty="0">
+                          <a:latin typeface="Courier New" panose="02070309020205020404" pitchFamily="49" charset="0"/>
+                          <a:cs typeface="Courier New" panose="02070309020205020404" pitchFamily="49" charset="0"/>
+                        </a:rPr>
+                        <a:t>    X, Y = zip(*</a:t>
+                      </a:r>
+                      <a:r>
+                        <a:rPr lang="en-US" sz="1400" b="1" baseline="0" dirty="0" err="1">
+                          <a:solidFill>
+                            <a:srgbClr val="C00000"/>
+                          </a:solidFill>
+                          <a:latin typeface="Courier New" panose="02070309020205020404" pitchFamily="49" charset="0"/>
+                          <a:cs typeface="Courier New" panose="02070309020205020404" pitchFamily="49" charset="0"/>
+                        </a:rPr>
+                        <a:t>z_curve</a:t>
+                      </a:r>
+                      <a:r>
+                        <a:rPr lang="en-US" sz="1400" b="1" baseline="0" dirty="0">
+                          <a:latin typeface="Courier New" panose="02070309020205020404" pitchFamily="49" charset="0"/>
+                          <a:cs typeface="Courier New" panose="02070309020205020404" pitchFamily="49" charset="0"/>
+                        </a:rPr>
+                        <a:t>(depth))</a:t>
+                      </a:r>
+                    </a:p>
+                    <a:p>
+                      <a:pPr marL="0" indent="0">
+                        <a:buClr>
+                          <a:srgbClr val="C00000"/>
+                        </a:buClr>
+                        <a:buSzPct val="100000"/>
+                        <a:buFont typeface="Courier New" panose="02070309020205020404" pitchFamily="49" charset="0"/>
+                        <a:buNone/>
+                      </a:pPr>
+                      <a:r>
+                        <a:rPr lang="en-US" sz="1400" b="1" baseline="0" dirty="0">
+                          <a:latin typeface="Courier New" panose="02070309020205020404" pitchFamily="49" charset="0"/>
+                          <a:cs typeface="Courier New" panose="02070309020205020404" pitchFamily="49" charset="0"/>
+                        </a:rPr>
+                        <a:t>    </a:t>
+                      </a:r>
+                      <a:r>
+                        <a:rPr lang="en-US" sz="1400" b="1" baseline="0" dirty="0" err="1">
+                          <a:latin typeface="Courier New" panose="02070309020205020404" pitchFamily="49" charset="0"/>
+                          <a:cs typeface="Courier New" panose="02070309020205020404" pitchFamily="49" charset="0"/>
+                        </a:rPr>
+                        <a:t>plt.subplot</a:t>
+                      </a:r>
+                      <a:r>
+                        <a:rPr lang="en-US" sz="1400" b="1" baseline="0" dirty="0">
+                          <a:latin typeface="Courier New" panose="02070309020205020404" pitchFamily="49" charset="0"/>
+                          <a:cs typeface="Courier New" panose="02070309020205020404" pitchFamily="49" charset="0"/>
+                        </a:rPr>
+                        <a:t>(2, 2, 1 + depth, aspect='equal')    </a:t>
+                      </a:r>
+                    </a:p>
+                    <a:p>
+                      <a:pPr marL="0" indent="0">
+                        <a:buClr>
+                          <a:srgbClr val="C00000"/>
+                        </a:buClr>
+                        <a:buSzPct val="100000"/>
+                        <a:buFont typeface="Courier New" panose="02070309020205020404" pitchFamily="49" charset="0"/>
+                        <a:buNone/>
+                      </a:pPr>
+                      <a:r>
+                        <a:rPr lang="en-US" sz="1400" b="1" baseline="0" dirty="0">
+                          <a:latin typeface="Courier New" panose="02070309020205020404" pitchFamily="49" charset="0"/>
+                          <a:cs typeface="Courier New" panose="02070309020205020404" pitchFamily="49" charset="0"/>
+                        </a:rPr>
+                        <a:t>    </a:t>
+                      </a:r>
+                      <a:r>
+                        <a:rPr lang="en-US" sz="1400" b="1" baseline="0" dirty="0" err="1">
+                          <a:latin typeface="Courier New" panose="02070309020205020404" pitchFamily="49" charset="0"/>
+                          <a:cs typeface="Courier New" panose="02070309020205020404" pitchFamily="49" charset="0"/>
+                        </a:rPr>
+                        <a:t>plt.title</a:t>
+                      </a:r>
+                      <a:r>
+                        <a:rPr lang="en-US" sz="1400" b="1" baseline="0" dirty="0">
+                          <a:latin typeface="Courier New" panose="02070309020205020404" pitchFamily="49" charset="0"/>
+                          <a:cs typeface="Courier New" panose="02070309020205020404" pitchFamily="49" charset="0"/>
+                        </a:rPr>
+                        <a:t>(</a:t>
+                      </a:r>
+                      <a:r>
+                        <a:rPr lang="en-US" sz="1400" b="1" baseline="0" dirty="0" err="1">
+                          <a:latin typeface="Courier New" panose="02070309020205020404" pitchFamily="49" charset="0"/>
+                          <a:cs typeface="Courier New" panose="02070309020205020404" pitchFamily="49" charset="0"/>
+                        </a:rPr>
+                        <a:t>f'depth</a:t>
+                      </a:r>
+                      <a:r>
+                        <a:rPr lang="en-US" sz="1400" b="1" baseline="0" dirty="0">
+                          <a:latin typeface="Courier New" panose="02070309020205020404" pitchFamily="49" charset="0"/>
+                          <a:cs typeface="Courier New" panose="02070309020205020404" pitchFamily="49" charset="0"/>
+                        </a:rPr>
+                        <a:t> {depth}')</a:t>
+                      </a:r>
+                    </a:p>
+                    <a:p>
+                      <a:pPr marL="0" indent="0">
+                        <a:buClr>
+                          <a:srgbClr val="C00000"/>
+                        </a:buClr>
+                        <a:buSzPct val="100000"/>
+                        <a:buFont typeface="Courier New" panose="02070309020205020404" pitchFamily="49" charset="0"/>
+                        <a:buNone/>
+                      </a:pPr>
+                      <a:r>
+                        <a:rPr lang="en-US" sz="1400" b="1" baseline="0" dirty="0">
+                          <a:latin typeface="Courier New" panose="02070309020205020404" pitchFamily="49" charset="0"/>
+                          <a:cs typeface="Courier New" panose="02070309020205020404" pitchFamily="49" charset="0"/>
+                        </a:rPr>
+                        <a:t>    </a:t>
+                      </a:r>
+                      <a:r>
+                        <a:rPr lang="en-US" sz="1400" b="1" baseline="0" dirty="0" err="1">
+                          <a:latin typeface="Courier New" panose="02070309020205020404" pitchFamily="49" charset="0"/>
+                          <a:cs typeface="Courier New" panose="02070309020205020404" pitchFamily="49" charset="0"/>
+                        </a:rPr>
+                        <a:t>plt.axis</a:t>
+                      </a:r>
+                      <a:r>
+                        <a:rPr lang="en-US" sz="1400" b="1" baseline="0" dirty="0">
+                          <a:latin typeface="Courier New" panose="02070309020205020404" pitchFamily="49" charset="0"/>
+                          <a:cs typeface="Courier New" panose="02070309020205020404" pitchFamily="49" charset="0"/>
+                        </a:rPr>
+                        <a:t>('off')</a:t>
+                      </a:r>
+                    </a:p>
+                    <a:p>
+                      <a:pPr marL="0" indent="0">
+                        <a:buClr>
+                          <a:srgbClr val="C00000"/>
+                        </a:buClr>
+                        <a:buSzPct val="100000"/>
+                        <a:buFont typeface="Courier New" panose="02070309020205020404" pitchFamily="49" charset="0"/>
+                        <a:buNone/>
+                      </a:pPr>
+                      <a:r>
+                        <a:rPr lang="en-US" sz="1400" b="1" baseline="0" dirty="0">
+                          <a:latin typeface="Courier New" panose="02070309020205020404" pitchFamily="49" charset="0"/>
+                          <a:cs typeface="Courier New" panose="02070309020205020404" pitchFamily="49" charset="0"/>
+                        </a:rPr>
+                        <a:t>    </a:t>
+                      </a:r>
+                      <a:r>
+                        <a:rPr lang="en-US" sz="1400" b="1" baseline="0" dirty="0" err="1">
+                          <a:latin typeface="Courier New" panose="02070309020205020404" pitchFamily="49" charset="0"/>
+                          <a:cs typeface="Courier New" panose="02070309020205020404" pitchFamily="49" charset="0"/>
+                        </a:rPr>
+                        <a:t>plt.axis</a:t>
+                      </a:r>
+                      <a:r>
+                        <a:rPr lang="en-US" sz="1400" b="1" baseline="0" dirty="0">
+                          <a:latin typeface="Courier New" panose="02070309020205020404" pitchFamily="49" charset="0"/>
+                          <a:cs typeface="Courier New" panose="02070309020205020404" pitchFamily="49" charset="0"/>
+                        </a:rPr>
+                        <a:t>([0, 1, 0, 1])</a:t>
+                      </a:r>
+                    </a:p>
+                    <a:p>
+                      <a:pPr marL="0" indent="0">
+                        <a:buClr>
+                          <a:srgbClr val="C00000"/>
+                        </a:buClr>
+                        <a:buSzPct val="100000"/>
+                        <a:buFont typeface="Courier New" panose="02070309020205020404" pitchFamily="49" charset="0"/>
+                        <a:buNone/>
+                      </a:pPr>
+                      <a:r>
+                        <a:rPr lang="en-US" sz="1400" b="1" baseline="0" dirty="0">
+                          <a:latin typeface="Courier New" panose="02070309020205020404" pitchFamily="49" charset="0"/>
+                          <a:cs typeface="Courier New" panose="02070309020205020404" pitchFamily="49" charset="0"/>
+                        </a:rPr>
+                        <a:t>    </a:t>
+                      </a:r>
+                      <a:r>
+                        <a:rPr lang="en-US" sz="1400" b="1" baseline="0" dirty="0" err="1">
+                          <a:latin typeface="Courier New" panose="02070309020205020404" pitchFamily="49" charset="0"/>
+                          <a:cs typeface="Courier New" panose="02070309020205020404" pitchFamily="49" charset="0"/>
+                        </a:rPr>
+                        <a:t>plt.plot</a:t>
+                      </a:r>
+                      <a:r>
+                        <a:rPr lang="en-US" sz="1400" b="1" baseline="0" dirty="0">
+                          <a:latin typeface="Courier New" panose="02070309020205020404" pitchFamily="49" charset="0"/>
+                          <a:cs typeface="Courier New" panose="02070309020205020404" pitchFamily="49" charset="0"/>
+                        </a:rPr>
+                        <a:t>(</a:t>
+                      </a:r>
+                    </a:p>
+                    <a:p>
+                      <a:pPr marL="0" marR="0" lvl="0" indent="0" algn="l" defTabSz="914400" rtl="0" eaLnBrk="1" fontAlgn="auto" latinLnBrk="0" hangingPunct="1">
+                        <a:lnSpc>
+                          <a:spcPct val="100000"/>
+                        </a:lnSpc>
+                        <a:spcBef>
+                          <a:spcPts val="0"/>
+                        </a:spcBef>
+                        <a:spcAft>
+                          <a:spcPts val="0"/>
+                        </a:spcAft>
+                        <a:buClr>
+                          <a:srgbClr val="C00000"/>
+                        </a:buClr>
+                        <a:buSzPct val="100000"/>
+                        <a:buFont typeface="Courier New" panose="02070309020205020404" pitchFamily="49" charset="0"/>
+                        <a:buNone/>
+                        <a:tabLst/>
+                        <a:defRPr/>
+                      </a:pPr>
+                      <a:r>
+                        <a:rPr lang="en-US" sz="1400" b="1" baseline="0" dirty="0">
+                          <a:latin typeface="Courier New" panose="02070309020205020404" pitchFamily="49" charset="0"/>
+                          <a:cs typeface="Courier New" panose="02070309020205020404" pitchFamily="49" charset="0"/>
+                        </a:rPr>
+                        <a:t>        [0,1,1,0,0], [0,0,1,1,0], 'k:',  </a:t>
+                      </a:r>
+                      <a:r>
+                        <a:rPr lang="en-US" sz="1400" b="1" baseline="0" dirty="0">
+                          <a:solidFill>
+                            <a:schemeClr val="bg1">
+                              <a:lumMod val="50000"/>
+                            </a:schemeClr>
+                          </a:solidFill>
+                          <a:latin typeface="Courier New" panose="02070309020205020404" pitchFamily="49" charset="0"/>
+                          <a:cs typeface="Courier New" panose="02070309020205020404" pitchFamily="49" charset="0"/>
+                        </a:rPr>
+                        <a:t># dash box</a:t>
+                      </a:r>
+                    </a:p>
+                    <a:p>
+                      <a:pPr marL="0" indent="0">
+                        <a:buClr>
+                          <a:srgbClr val="C00000"/>
+                        </a:buClr>
+                        <a:buSzPct val="100000"/>
+                        <a:buFont typeface="Courier New" panose="02070309020205020404" pitchFamily="49" charset="0"/>
+                        <a:buNone/>
+                      </a:pPr>
+                      <a:r>
+                        <a:rPr lang="en-US" sz="1400" b="1" baseline="0" dirty="0">
+                          <a:latin typeface="Courier New" panose="02070309020205020404" pitchFamily="49" charset="0"/>
+                          <a:cs typeface="Courier New" panose="02070309020205020404" pitchFamily="49" charset="0"/>
+                        </a:rPr>
+                        <a:t>        [0.5,0.5], [0,1], 'k:',  </a:t>
+                      </a:r>
+                      <a:r>
+                        <a:rPr lang="en-US" sz="1400" b="1" baseline="0" dirty="0">
+                          <a:solidFill>
+                            <a:schemeClr val="bg1">
+                              <a:lumMod val="50000"/>
+                            </a:schemeClr>
+                          </a:solidFill>
+                          <a:latin typeface="Courier New" panose="02070309020205020404" pitchFamily="49" charset="0"/>
+                          <a:cs typeface="Courier New" panose="02070309020205020404" pitchFamily="49" charset="0"/>
+                        </a:rPr>
+                        <a:t># dash vertical</a:t>
+                      </a:r>
+                    </a:p>
+                    <a:p>
+                      <a:pPr marL="0" indent="0" algn="ctr">
+                        <a:buClr>
+                          <a:srgbClr val="C00000"/>
+                        </a:buClr>
+                        <a:buSzPct val="100000"/>
+                        <a:buFont typeface="Courier New" panose="02070309020205020404" pitchFamily="49" charset="0"/>
+                        <a:buNone/>
+                      </a:pPr>
+                      <a:r>
+                        <a:rPr lang="en-US" sz="1400" b="1" baseline="0" dirty="0">
+                          <a:latin typeface="Courier New" panose="02070309020205020404" pitchFamily="49" charset="0"/>
+                          <a:cs typeface="Courier New" panose="02070309020205020404" pitchFamily="49" charset="0"/>
+                        </a:rPr>
+                        <a:t>        [0,1], [0.5,0.5], 'k:’,  </a:t>
+                      </a:r>
+                      <a:r>
+                        <a:rPr lang="en-US" sz="1400" b="1" baseline="0" dirty="0">
+                          <a:solidFill>
+                            <a:schemeClr val="bg1">
+                              <a:lumMod val="50000"/>
+                            </a:schemeClr>
+                          </a:solidFill>
+                          <a:latin typeface="Courier New" panose="02070309020205020404" pitchFamily="49" charset="0"/>
+                          <a:cs typeface="Courier New" panose="02070309020205020404" pitchFamily="49" charset="0"/>
+                        </a:rPr>
+                        <a:t># dash horizontal</a:t>
+                      </a:r>
+                    </a:p>
+                    <a:p>
+                      <a:pPr marL="0" indent="0">
+                        <a:buClr>
+                          <a:srgbClr val="C00000"/>
+                        </a:buClr>
+                        <a:buSzPct val="100000"/>
+                        <a:buFont typeface="Courier New" panose="02070309020205020404" pitchFamily="49" charset="0"/>
+                        <a:buNone/>
+                      </a:pPr>
+                      <a:r>
+                        <a:rPr lang="en-US" sz="1400" b="1" baseline="0" dirty="0">
+                          <a:latin typeface="Courier New" panose="02070309020205020404" pitchFamily="49" charset="0"/>
+                          <a:cs typeface="Courier New" panose="02070309020205020404" pitchFamily="49" charset="0"/>
+                        </a:rPr>
+                        <a:t>        X, Y, 'k-',  </a:t>
+                      </a:r>
+                      <a:r>
+                        <a:rPr lang="en-US" sz="1400" b="1" baseline="0" dirty="0">
+                          <a:solidFill>
+                            <a:schemeClr val="bg1">
+                              <a:lumMod val="50000"/>
+                            </a:schemeClr>
+                          </a:solidFill>
+                          <a:latin typeface="Courier New" panose="02070309020205020404" pitchFamily="49" charset="0"/>
+                          <a:cs typeface="Courier New" panose="02070309020205020404" pitchFamily="49" charset="0"/>
+                        </a:rPr>
+                        <a:t># Z-curve</a:t>
+                      </a:r>
+                    </a:p>
+                    <a:p>
+                      <a:pPr marL="0" indent="0">
+                        <a:buClr>
+                          <a:srgbClr val="C00000"/>
+                        </a:buClr>
+                        <a:buSzPct val="100000"/>
+                        <a:buFont typeface="Courier New" panose="02070309020205020404" pitchFamily="49" charset="0"/>
+                        <a:buNone/>
+                      </a:pPr>
+                      <a:r>
+                        <a:rPr lang="en-US" sz="1400" b="1" baseline="0" dirty="0">
+                          <a:latin typeface="Courier New" panose="02070309020205020404" pitchFamily="49" charset="0"/>
+                          <a:cs typeface="Courier New" panose="02070309020205020404" pitchFamily="49" charset="0"/>
+                        </a:rPr>
+                        <a:t>        X, Y, 'r.',  </a:t>
+                      </a:r>
+                      <a:r>
+                        <a:rPr lang="en-US" sz="1400" b="1" baseline="0" dirty="0">
+                          <a:solidFill>
+                            <a:schemeClr val="bg1">
+                              <a:lumMod val="50000"/>
+                            </a:schemeClr>
+                          </a:solidFill>
+                          <a:latin typeface="Courier New" panose="02070309020205020404" pitchFamily="49" charset="0"/>
+                          <a:cs typeface="Courier New" panose="02070309020205020404" pitchFamily="49" charset="0"/>
+                        </a:rPr>
+                        <a:t># Z-curve points</a:t>
+                      </a:r>
+                    </a:p>
+                    <a:p>
+                      <a:pPr marL="0" indent="0">
+                        <a:buClr>
+                          <a:srgbClr val="C00000"/>
+                        </a:buClr>
+                        <a:buSzPct val="100000"/>
+                        <a:buFont typeface="Courier New" panose="02070309020205020404" pitchFamily="49" charset="0"/>
+                        <a:buNone/>
+                      </a:pPr>
+                      <a:r>
+                        <a:rPr lang="en-US" sz="1400" b="1" baseline="0" dirty="0">
+                          <a:latin typeface="Courier New" panose="02070309020205020404" pitchFamily="49" charset="0"/>
+                          <a:cs typeface="Courier New" panose="02070309020205020404" pitchFamily="49" charset="0"/>
+                        </a:rPr>
+                        <a:t>    )</a:t>
+                      </a:r>
+                    </a:p>
+                    <a:p>
+                      <a:pPr marL="0" indent="0">
+                        <a:buClr>
+                          <a:srgbClr val="C00000"/>
+                        </a:buClr>
+                        <a:buSzPct val="100000"/>
+                        <a:buFont typeface="Courier New" panose="02070309020205020404" pitchFamily="49" charset="0"/>
+                        <a:buNone/>
+                      </a:pPr>
+                      <a:r>
+                        <a:rPr lang="en-US" sz="1400" b="1" baseline="0" dirty="0" err="1">
+                          <a:latin typeface="Courier New" panose="02070309020205020404" pitchFamily="49" charset="0"/>
+                          <a:cs typeface="Courier New" panose="02070309020205020404" pitchFamily="49" charset="0"/>
+                        </a:rPr>
+                        <a:t>plt.show</a:t>
+                      </a:r>
+                      <a:r>
+                        <a:rPr lang="en-US" sz="1400" b="1" baseline="0" dirty="0">
+                          <a:latin typeface="Courier New" panose="02070309020205020404" pitchFamily="49" charset="0"/>
+                          <a:cs typeface="Courier New" panose="02070309020205020404" pitchFamily="49" charset="0"/>
+                        </a:rPr>
+                        <a:t>()</a:t>
+                      </a:r>
+                    </a:p>
+                  </a:txBody>
+                  <a:tcPr>
+                    <a:lnL w="6350" cap="flat" cmpd="sng" algn="ctr">
+                      <a:solidFill>
+                        <a:schemeClr val="tx1"/>
+                      </a:solidFill>
+                      <a:prstDash val="solid"/>
+                      <a:round/>
+                      <a:headEnd type="none" w="med" len="med"/>
+                      <a:tailEnd type="none" w="med" len="med"/>
+                    </a:lnL>
+                    <a:lnR w="6350" cap="flat" cmpd="sng" algn="ctr">
+                      <a:solidFill>
+                        <a:schemeClr val="tx1"/>
+                      </a:solidFill>
+                      <a:prstDash val="solid"/>
+                      <a:round/>
+                      <a:headEnd type="none" w="med" len="med"/>
+                      <a:tailEnd type="none" w="med" len="med"/>
+                    </a:lnR>
+                    <a:lnT w="6350" cap="flat" cmpd="sng" algn="ctr">
+                      <a:solidFill>
+                        <a:schemeClr val="tx1"/>
+                      </a:solidFill>
+                      <a:prstDash val="solid"/>
+                      <a:round/>
+                      <a:headEnd type="none" w="med" len="med"/>
+                      <a:tailEnd type="none" w="med" len="med"/>
+                    </a:lnT>
+                    <a:lnB w="6350" cap="flat" cmpd="sng" algn="ctr">
+                      <a:solidFill>
+                        <a:schemeClr val="tx1"/>
+                      </a:solidFill>
+                      <a:prstDash val="solid"/>
+                      <a:round/>
+                      <a:headEnd type="none" w="med" len="med"/>
+                      <a:tailEnd type="none" w="med" len="med"/>
+                    </a:lnB>
+                    <a:lnTlToBr w="12700" cmpd="sng">
+                      <a:noFill/>
+                      <a:prstDash val="solid"/>
+                    </a:lnTlToBr>
+                    <a:lnBlToTr w="12700" cmpd="sng">
+                      <a:noFill/>
+                      <a:prstDash val="solid"/>
+                    </a:lnBlToTr>
+                    <a:solidFill>
+                      <a:schemeClr val="accent5">
+                        <a:lumMod val="20000"/>
+                        <a:lumOff val="80000"/>
+                      </a:schemeClr>
+                    </a:solidFill>
+                  </a:tcPr>
+                </a:tc>
+                <a:extLst>
+                  <a:ext uri="{0D108BD9-81ED-4DB2-BD59-A6C34878D82A}">
+                    <a16:rowId xmlns:a16="http://schemas.microsoft.com/office/drawing/2014/main" val="4112970457"/>
+                  </a:ext>
+                </a:extLst>
+              </a:tr>
+            </a:tbl>
+          </a:graphicData>
+        </a:graphic>
+      </p:graphicFrame>
+      <p:sp>
+        <p:nvSpPr>
+          <p:cNvPr id="5" name="TextBox 4">
+            <a:extLst>
+              <a:ext uri="{FF2B5EF4-FFF2-40B4-BE49-F238E27FC236}">
+                <a16:creationId xmlns:a16="http://schemas.microsoft.com/office/drawing/2014/main" id="{2541C217-2EC0-DD57-6EEE-F934237B9178}"/>
+              </a:ext>
+            </a:extLst>
+          </p:cNvPr>
+          <p:cNvSpPr txBox="1"/>
+          <p:nvPr/>
+        </p:nvSpPr>
+        <p:spPr>
+          <a:xfrm>
+            <a:off x="8230216" y="6431280"/>
+            <a:ext cx="3717607" cy="367546"/>
+          </a:xfrm>
+          <a:prstGeom prst="rect">
+            <a:avLst/>
+          </a:prstGeom>
+          <a:noFill/>
+        </p:spPr>
+        <p:txBody>
+          <a:bodyPr wrap="square">
+            <a:spAutoFit/>
+          </a:bodyPr>
+          <a:lstStyle/>
+          <a:p>
+            <a:pPr algn="r"/>
+            <a:r>
+              <a:rPr lang="da-DK" dirty="0">
+                <a:hlinkClick r:id="rId4"/>
+              </a:rPr>
+              <a:t>en.wikipedia.org/wiki/Z-</a:t>
+            </a:r>
+            <a:r>
+              <a:rPr lang="da-DK" dirty="0" err="1">
+                <a:hlinkClick r:id="rId4"/>
+              </a:rPr>
+              <a:t>order_curve</a:t>
+            </a:r>
+            <a:endParaRPr lang="da-DK" dirty="0"/>
+          </a:p>
+        </p:txBody>
+      </p:sp>
+      <p:sp>
+        <p:nvSpPr>
+          <p:cNvPr id="21" name="TextBox 20">
+            <a:extLst>
+              <a:ext uri="{FF2B5EF4-FFF2-40B4-BE49-F238E27FC236}">
+                <a16:creationId xmlns:a16="http://schemas.microsoft.com/office/drawing/2014/main" id="{1C11BD08-50AA-9CA2-657B-6D921A637146}"/>
+              </a:ext>
+            </a:extLst>
+          </p:cNvPr>
+          <p:cNvSpPr txBox="1"/>
+          <p:nvPr/>
+        </p:nvSpPr>
+        <p:spPr>
+          <a:xfrm>
+            <a:off x="2800350" y="1338280"/>
+            <a:ext cx="834390" cy="307777"/>
+          </a:xfrm>
+          <a:prstGeom prst="rect">
+            <a:avLst/>
+          </a:prstGeom>
+          <a:noFill/>
+        </p:spPr>
+        <p:txBody>
+          <a:bodyPr wrap="square" rtlCol="0">
+            <a:spAutoFit/>
+          </a:bodyPr>
+          <a:lstStyle/>
+          <a:p>
+            <a:r>
+              <a:rPr lang="en-US" sz="1400" dirty="0"/>
+              <a:t>(x1, y1)</a:t>
+            </a:r>
+            <a:endParaRPr lang="da-DK" sz="1400" dirty="0"/>
+          </a:p>
+        </p:txBody>
+      </p:sp>
+      <p:sp>
+        <p:nvSpPr>
+          <p:cNvPr id="22" name="TextBox 21">
+            <a:extLst>
+              <a:ext uri="{FF2B5EF4-FFF2-40B4-BE49-F238E27FC236}">
+                <a16:creationId xmlns:a16="http://schemas.microsoft.com/office/drawing/2014/main" id="{4FFDE4CD-FE19-AD67-DE79-062811FC6D9E}"/>
+              </a:ext>
+            </a:extLst>
+          </p:cNvPr>
+          <p:cNvSpPr txBox="1"/>
+          <p:nvPr/>
+        </p:nvSpPr>
+        <p:spPr>
+          <a:xfrm>
+            <a:off x="2068830" y="2389345"/>
+            <a:ext cx="708660" cy="307777"/>
+          </a:xfrm>
+          <a:prstGeom prst="rect">
+            <a:avLst/>
+          </a:prstGeom>
+          <a:noFill/>
+        </p:spPr>
+        <p:txBody>
+          <a:bodyPr wrap="square" rtlCol="0">
+            <a:spAutoFit/>
+          </a:bodyPr>
+          <a:lstStyle/>
+          <a:p>
+            <a:r>
+              <a:rPr lang="en-US" sz="1400" dirty="0"/>
+              <a:t>(x, y)</a:t>
+            </a:r>
+            <a:endParaRPr lang="da-DK" sz="1400" dirty="0"/>
+          </a:p>
+        </p:txBody>
+      </p:sp>
+      <p:sp>
+        <p:nvSpPr>
+          <p:cNvPr id="23" name="TextBox 22">
+            <a:extLst>
+              <a:ext uri="{FF2B5EF4-FFF2-40B4-BE49-F238E27FC236}">
+                <a16:creationId xmlns:a16="http://schemas.microsoft.com/office/drawing/2014/main" id="{EE91BB49-DC71-D43F-A921-10D69472B25C}"/>
+              </a:ext>
+            </a:extLst>
+          </p:cNvPr>
+          <p:cNvSpPr txBox="1"/>
+          <p:nvPr/>
+        </p:nvSpPr>
+        <p:spPr>
+          <a:xfrm>
+            <a:off x="548137" y="3698520"/>
+            <a:ext cx="810544" cy="307777"/>
+          </a:xfrm>
+          <a:prstGeom prst="rect">
+            <a:avLst/>
+          </a:prstGeom>
+          <a:noFill/>
+        </p:spPr>
+        <p:txBody>
+          <a:bodyPr wrap="square" rtlCol="0">
+            <a:spAutoFit/>
+          </a:bodyPr>
+          <a:lstStyle/>
+          <a:p>
+            <a:pPr algn="r"/>
+            <a:r>
+              <a:rPr lang="en-US" sz="1400" dirty="0"/>
+              <a:t>(x0, y0)</a:t>
+            </a:r>
+            <a:endParaRPr lang="da-DK" sz="1400" dirty="0"/>
+          </a:p>
+        </p:txBody>
+      </p:sp>
+    </p:spTree>
+    <p:extLst>
+      <p:ext uri="{BB962C8B-B14F-4D97-AF65-F5344CB8AC3E}">
+        <p14:creationId xmlns:p14="http://schemas.microsoft.com/office/powerpoint/2010/main" val="398569820"/>
+      </p:ext>
+    </p:extLst>
+  </p:cSld>
+  <p:clrMapOvr>
+    <a:masterClrMapping/>
+  </p:clrMapOvr>
 </p:sld>
 </file>
 
@@ -20424,8 +22107,8 @@
         </p:nvSpPr>
         <p:spPr>
           <a:xfrm>
-            <a:off x="1796473" y="3697883"/>
-            <a:ext cx="6561437" cy="2829698"/>
+            <a:off x="1792566" y="3211830"/>
+            <a:ext cx="6561437" cy="3327181"/>
           </a:xfrm>
           <a:prstGeom prst="rect">
             <a:avLst/>
@@ -20466,7 +22149,7 @@
           <a:lstStyle/>
           <a:p>
             <a:pPr algn="ctr"/>
-            <a:endParaRPr lang="en-US"/>
+            <a:endParaRPr lang="en-US" dirty="0"/>
           </a:p>
         </p:txBody>
       </p:sp>
@@ -20478,7 +22161,7 @@
         </p:nvSpPr>
         <p:spPr>
           <a:xfrm>
-            <a:off x="2045752" y="4045058"/>
+            <a:off x="2045752" y="3930758"/>
             <a:ext cx="5881727" cy="2426664"/>
           </a:xfrm>
           <a:custGeom>
@@ -20904,7 +22587,7 @@
         </p:nvGrpSpPr>
         <p:grpSpPr>
           <a:xfrm>
-            <a:off x="2068322" y="3833213"/>
+            <a:off x="2068322" y="3718913"/>
             <a:ext cx="6127857" cy="2553730"/>
             <a:chOff x="827902" y="3800573"/>
             <a:chExt cx="6127857" cy="2553730"/>
@@ -21971,14 +23654,14 @@
           <p:nvPr>
             <p:extLst>
               <p:ext uri="{D42A27DB-BD31-4B8C-83A1-F6EECF244321}">
-                <p14:modId xmlns:p14="http://schemas.microsoft.com/office/powerpoint/2010/main" val="3056321449"/>
+                <p14:modId xmlns:p14="http://schemas.microsoft.com/office/powerpoint/2010/main" val="2799979877"/>
               </p:ext>
             </p:extLst>
           </p:nvPr>
         </p:nvGraphicFramePr>
         <p:xfrm>
           <a:off x="1796473" y="422371"/>
-          <a:ext cx="6561437" cy="3102234"/>
+          <a:ext cx="6561437" cy="2651760"/>
         </p:xfrm>
         <a:graphic>
           <a:graphicData uri="http://schemas.openxmlformats.org/drawingml/2006/table">
@@ -21995,7 +23678,7 @@
                   </a:extLst>
                 </a:gridCol>
               </a:tblGrid>
-              <a:tr h="467332">
+              <a:tr h="244440">
                 <a:tc>
                   <a:txBody>
                     <a:bodyPr/>
@@ -22084,7 +23767,7 @@
                   </a:ext>
                 </a:extLst>
               </a:tr>
-              <a:tr h="2634902">
+              <a:tr h="1527749">
                 <a:tc>
                   <a:txBody>
                     <a:bodyPr/>
@@ -23018,7 +24701,7 @@
         </p:nvSpPr>
         <p:spPr>
           <a:xfrm>
-            <a:off x="1826856" y="3745220"/>
+            <a:off x="1826856" y="3402320"/>
             <a:ext cx="2128368" cy="461665"/>
           </a:xfrm>
           <a:prstGeom prst="rect">

--- a/ipsa/slides/recursion.pptx
+++ b/ipsa/slides/recursion.pptx
@@ -136,7 +136,7 @@
 <file path=ppt/revisionInfo.xml><?xml version="1.0" encoding="utf-8"?>
 <p1510:revInfo xmlns:a="http://schemas.openxmlformats.org/drawingml/2006/main" xmlns:r="http://schemas.openxmlformats.org/officeDocument/2006/relationships" xmlns:p1510="http://schemas.microsoft.com/office/powerpoint/2015/10/main">
   <p1510:revLst>
-    <p1510:client id="{9197687F-18F0-42D4-9B72-DE14A28EAE5C}" v="15" dt="2023-02-22T11:01:21.967"/>
+    <p1510:client id="{9197687F-18F0-42D4-9B72-DE14A28EAE5C}" v="18" dt="2023-02-26T21:30:28.463"/>
   </p1510:revLst>
 </p1510:revInfo>
 </file>
@@ -293,7 +293,7 @@
   <pc:docChgLst>
     <pc:chgData name="Gerth Stølting Brodal" userId="04ef4784-6591-4f86-a140-f5c3b108582a" providerId="ADAL" clId="{9197687F-18F0-42D4-9B72-DE14A28EAE5C}"/>
     <pc:docChg chg="undo custSel addSld modSld">
-      <pc:chgData name="Gerth Stølting Brodal" userId="04ef4784-6591-4f86-a140-f5c3b108582a" providerId="ADAL" clId="{9197687F-18F0-42D4-9B72-DE14A28EAE5C}" dt="2023-02-22T11:01:59.033" v="544" actId="20577"/>
+      <pc:chgData name="Gerth Stølting Brodal" userId="04ef4784-6591-4f86-a140-f5c3b108582a" providerId="ADAL" clId="{9197687F-18F0-42D4-9B72-DE14A28EAE5C}" dt="2023-02-26T21:36:02.884" v="606" actId="20577"/>
       <pc:docMkLst>
         <pc:docMk/>
       </pc:docMkLst>
@@ -358,12 +358,20 @@
           </ac:graphicFrameMkLst>
         </pc:graphicFrameChg>
       </pc:sldChg>
-      <pc:sldChg chg="addSp modSp modAnim modNotesTx">
-        <pc:chgData name="Gerth Stølting Brodal" userId="04ef4784-6591-4f86-a140-f5c3b108582a" providerId="ADAL" clId="{9197687F-18F0-42D4-9B72-DE14A28EAE5C}" dt="2023-02-22T11:01:47.513" v="527" actId="20577"/>
+      <pc:sldChg chg="addSp modSp mod modAnim modNotesTx">
+        <pc:chgData name="Gerth Stølting Brodal" userId="04ef4784-6591-4f86-a140-f5c3b108582a" providerId="ADAL" clId="{9197687F-18F0-42D4-9B72-DE14A28EAE5C}" dt="2023-02-26T21:30:31.818" v="603" actId="20577"/>
         <pc:sldMkLst>
           <pc:docMk/>
           <pc:sldMk cId="1220840155" sldId="606"/>
         </pc:sldMkLst>
+        <pc:spChg chg="mod">
+          <ac:chgData name="Gerth Stølting Brodal" userId="04ef4784-6591-4f86-a140-f5c3b108582a" providerId="ADAL" clId="{9197687F-18F0-42D4-9B72-DE14A28EAE5C}" dt="2023-02-26T21:29:54.058" v="598" actId="1036"/>
+          <ac:spMkLst>
+            <pc:docMk/>
+            <pc:sldMk cId="1220840155" sldId="606"/>
+            <ac:spMk id="8" creationId="{00000000-0000-0000-0000-000000000000}"/>
+          </ac:spMkLst>
+        </pc:spChg>
         <pc:graphicFrameChg chg="add mod">
           <ac:chgData name="Gerth Stølting Brodal" userId="04ef4784-6591-4f86-a140-f5c3b108582a" providerId="ADAL" clId="{9197687F-18F0-42D4-9B72-DE14A28EAE5C}" dt="2023-02-22T08:26:22.986" v="32"/>
           <ac:graphicFrameMkLst>
@@ -372,9 +380,17 @@
             <ac:graphicFrameMk id="3" creationId="{7362E841-AEEF-44FA-AE72-54DCD9AF3B7D}"/>
           </ac:graphicFrameMkLst>
         </pc:graphicFrameChg>
+        <pc:graphicFrameChg chg="mod modGraphic">
+          <ac:chgData name="Gerth Stølting Brodal" userId="04ef4784-6591-4f86-a140-f5c3b108582a" providerId="ADAL" clId="{9197687F-18F0-42D4-9B72-DE14A28EAE5C}" dt="2023-02-26T21:30:31.818" v="603" actId="20577"/>
+          <ac:graphicFrameMkLst>
+            <pc:docMk/>
+            <pc:sldMk cId="1220840155" sldId="606"/>
+            <ac:graphicFrameMk id="4" creationId="{00000000-0000-0000-0000-000000000000}"/>
+          </ac:graphicFrameMkLst>
+        </pc:graphicFrameChg>
       </pc:sldChg>
       <pc:sldChg chg="addSp delSp modSp add mod delAnim modNotesTx">
-        <pc:chgData name="Gerth Stølting Brodal" userId="04ef4784-6591-4f86-a140-f5c3b108582a" providerId="ADAL" clId="{9197687F-18F0-42D4-9B72-DE14A28EAE5C}" dt="2023-02-22T11:01:59.033" v="544" actId="20577"/>
+        <pc:chgData name="Gerth Stølting Brodal" userId="04ef4784-6591-4f86-a140-f5c3b108582a" providerId="ADAL" clId="{9197687F-18F0-42D4-9B72-DE14A28EAE5C}" dt="2023-02-26T21:36:02.884" v="606" actId="20577"/>
         <pc:sldMkLst>
           <pc:docMk/>
           <pc:sldMk cId="398569820" sldId="609"/>
@@ -444,7 +460,7 @@
           </ac:grpSpMkLst>
         </pc:grpChg>
         <pc:graphicFrameChg chg="mod modGraphic">
-          <ac:chgData name="Gerth Stølting Brodal" userId="04ef4784-6591-4f86-a140-f5c3b108582a" providerId="ADAL" clId="{9197687F-18F0-42D4-9B72-DE14A28EAE5C}" dt="2023-02-22T09:43:57.623" v="337" actId="122"/>
+          <ac:chgData name="Gerth Stølting Brodal" userId="04ef4784-6591-4f86-a140-f5c3b108582a" providerId="ADAL" clId="{9197687F-18F0-42D4-9B72-DE14A28EAE5C}" dt="2023-02-26T21:36:02.884" v="606" actId="20577"/>
           <ac:graphicFrameMkLst>
             <pc:docMk/>
             <pc:sldMk cId="398569820" sldId="609"/>
@@ -794,7 +810,7 @@
           <a:p>
             <a:fld id="{FB1A172F-81D4-4DC4-9113-1DBD56EC3646}" type="datetimeFigureOut">
               <a:rPr lang="en-US" smtClean="0"/>
-              <a:t>2/22/2023</a:t>
+              <a:t>2/26/2023</a:t>
             </a:fld>
             <a:endParaRPr lang="en-US"/>
           </a:p>
@@ -2774,7 +2790,7 @@
           <a:p>
             <a:fld id="{0560A9CD-0304-4E0B-9E82-E7E0115DE05B}" type="datetimeFigureOut">
               <a:rPr lang="en-US" smtClean="0"/>
-              <a:t>2/22/2023</a:t>
+              <a:t>2/26/2023</a:t>
             </a:fld>
             <a:endParaRPr lang="en-US"/>
           </a:p>
@@ -2942,7 +2958,7 @@
           <a:p>
             <a:fld id="{0560A9CD-0304-4E0B-9E82-E7E0115DE05B}" type="datetimeFigureOut">
               <a:rPr lang="en-US" smtClean="0"/>
-              <a:t>2/22/2023</a:t>
+              <a:t>2/26/2023</a:t>
             </a:fld>
             <a:endParaRPr lang="en-US"/>
           </a:p>
@@ -3120,7 +3136,7 @@
           <a:p>
             <a:fld id="{0560A9CD-0304-4E0B-9E82-E7E0115DE05B}" type="datetimeFigureOut">
               <a:rPr lang="en-US" smtClean="0"/>
-              <a:t>2/22/2023</a:t>
+              <a:t>2/26/2023</a:t>
             </a:fld>
             <a:endParaRPr lang="en-US"/>
           </a:p>
@@ -3303,7 +3319,7 @@
           <a:p>
             <a:fld id="{0560A9CD-0304-4E0B-9E82-E7E0115DE05B}" type="datetimeFigureOut">
               <a:rPr lang="en-US" smtClean="0"/>
-              <a:t>2/22/2023</a:t>
+              <a:t>2/26/2023</a:t>
             </a:fld>
             <a:endParaRPr lang="en-US"/>
           </a:p>
@@ -3548,7 +3564,7 @@
           <a:p>
             <a:fld id="{0560A9CD-0304-4E0B-9E82-E7E0115DE05B}" type="datetimeFigureOut">
               <a:rPr lang="en-US" smtClean="0"/>
-              <a:t>2/22/2023</a:t>
+              <a:t>2/26/2023</a:t>
             </a:fld>
             <a:endParaRPr lang="en-US"/>
           </a:p>
@@ -3777,7 +3793,7 @@
           <a:p>
             <a:fld id="{0560A9CD-0304-4E0B-9E82-E7E0115DE05B}" type="datetimeFigureOut">
               <a:rPr lang="en-US" smtClean="0"/>
-              <a:t>2/22/2023</a:t>
+              <a:t>2/26/2023</a:t>
             </a:fld>
             <a:endParaRPr lang="en-US"/>
           </a:p>
@@ -4141,7 +4157,7 @@
           <a:p>
             <a:fld id="{0560A9CD-0304-4E0B-9E82-E7E0115DE05B}" type="datetimeFigureOut">
               <a:rPr lang="en-US" smtClean="0"/>
-              <a:t>2/22/2023</a:t>
+              <a:t>2/26/2023</a:t>
             </a:fld>
             <a:endParaRPr lang="en-US"/>
           </a:p>
@@ -4258,7 +4274,7 @@
           <a:p>
             <a:fld id="{0560A9CD-0304-4E0B-9E82-E7E0115DE05B}" type="datetimeFigureOut">
               <a:rPr lang="en-US" smtClean="0"/>
-              <a:t>2/22/2023</a:t>
+              <a:t>2/26/2023</a:t>
             </a:fld>
             <a:endParaRPr lang="en-US"/>
           </a:p>
@@ -4353,7 +4369,7 @@
           <a:p>
             <a:fld id="{0560A9CD-0304-4E0B-9E82-E7E0115DE05B}" type="datetimeFigureOut">
               <a:rPr lang="en-US" smtClean="0"/>
-              <a:t>2/22/2023</a:t>
+              <a:t>2/26/2023</a:t>
             </a:fld>
             <a:endParaRPr lang="en-US"/>
           </a:p>
@@ -4628,7 +4644,7 @@
           <a:p>
             <a:fld id="{0560A9CD-0304-4E0B-9E82-E7E0115DE05B}" type="datetimeFigureOut">
               <a:rPr lang="en-US" smtClean="0"/>
-              <a:t>2/22/2023</a:t>
+              <a:t>2/26/2023</a:t>
             </a:fld>
             <a:endParaRPr lang="en-US"/>
           </a:p>
@@ -4880,7 +4896,7 @@
           <a:p>
             <a:fld id="{0560A9CD-0304-4E0B-9E82-E7E0115DE05B}" type="datetimeFigureOut">
               <a:rPr lang="en-US" smtClean="0"/>
-              <a:t>2/22/2023</a:t>
+              <a:t>2/26/2023</a:t>
             </a:fld>
             <a:endParaRPr lang="en-US"/>
           </a:p>
@@ -5091,7 +5107,7 @@
           <a:p>
             <a:fld id="{0560A9CD-0304-4E0B-9E82-E7E0115DE05B}" type="datetimeFigureOut">
               <a:rPr lang="en-US" smtClean="0"/>
-              <a:t>2/22/2023</a:t>
+              <a:t>2/26/2023</a:t>
             </a:fld>
             <a:endParaRPr lang="en-US"/>
           </a:p>
@@ -13399,14 +13415,14 @@
           <p:nvPr>
             <p:extLst>
               <p:ext uri="{D42A27DB-BD31-4B8C-83A1-F6EECF244321}">
-                <p14:modId xmlns:p14="http://schemas.microsoft.com/office/powerpoint/2010/main" val="3154666126"/>
+                <p14:modId xmlns:p14="http://schemas.microsoft.com/office/powerpoint/2010/main" val="321221842"/>
               </p:ext>
             </p:extLst>
           </p:nvPr>
         </p:nvGraphicFramePr>
         <p:xfrm>
-          <a:off x="4494690" y="643260"/>
-          <a:ext cx="7278282" cy="5775960"/>
+          <a:off x="4494690" y="469090"/>
+          <a:ext cx="7305424" cy="6019800"/>
         </p:xfrm>
         <a:graphic>
           <a:graphicData uri="http://schemas.openxmlformats.org/drawingml/2006/table">
@@ -13415,7 +13431,7 @@
                 <a:tableStyleId>{5C22544A-7EE6-4342-B048-85BDC9FD1C3A}</a:tableStyleId>
               </a:tblPr>
               <a:tblGrid>
-                <a:gridCol w="7278282">
+                <a:gridCol w="7305424">
                   <a:extLst>
                     <a:ext uri="{9D8B030D-6E8A-4147-A177-3AD203B41FA5}">
                       <a16:colId xmlns:a16="http://schemas.microsoft.com/office/drawing/2014/main" val="1873682825"/>
@@ -13698,21 +13714,63 @@
                           <a:latin typeface="Courier New" panose="02070309020205020404" pitchFamily="49" charset="0"/>
                           <a:cs typeface="Courier New" panose="02070309020205020404" pitchFamily="49" charset="0"/>
                         </a:rPr>
-                        <a:t>    dx, </a:t>
+                        <a:t>    (</a:t>
                       </a:r>
                       <a:r>
                         <a:rPr lang="en-US" sz="1600" b="1" baseline="0" dirty="0" err="1">
                           <a:latin typeface="Courier New" panose="02070309020205020404" pitchFamily="49" charset="0"/>
                           <a:cs typeface="Courier New" panose="02070309020205020404" pitchFamily="49" charset="0"/>
                         </a:rPr>
-                        <a:t>dy</a:t>
+                        <a:t>px</a:t>
                       </a:r>
                       <a:r>
                         <a:rPr lang="en-US" sz="1600" b="1" baseline="0" dirty="0">
                           <a:latin typeface="Courier New" panose="02070309020205020404" pitchFamily="49" charset="0"/>
                           <a:cs typeface="Courier New" panose="02070309020205020404" pitchFamily="49" charset="0"/>
                         </a:rPr>
-                        <a:t> = q[0] - p[0], q[1] - p[1]</a:t>
+                        <a:t>, </a:t>
+                      </a:r>
+                      <a:r>
+                        <a:rPr lang="en-US" sz="1600" b="1" baseline="0" dirty="0" err="1">
+                          <a:latin typeface="Courier New" panose="02070309020205020404" pitchFamily="49" charset="0"/>
+                          <a:cs typeface="Courier New" panose="02070309020205020404" pitchFamily="49" charset="0"/>
+                        </a:rPr>
+                        <a:t>py</a:t>
+                      </a:r>
+                      <a:r>
+                        <a:rPr lang="en-US" sz="1600" b="1" baseline="0" dirty="0">
+                          <a:latin typeface="Courier New" panose="02070309020205020404" pitchFamily="49" charset="0"/>
+                          <a:cs typeface="Courier New" panose="02070309020205020404" pitchFamily="49" charset="0"/>
+                        </a:rPr>
+                        <a:t>), (</a:t>
+                      </a:r>
+                      <a:r>
+                        <a:rPr lang="en-US" sz="1600" b="1" baseline="0" dirty="0" err="1">
+                          <a:latin typeface="Courier New" panose="02070309020205020404" pitchFamily="49" charset="0"/>
+                          <a:cs typeface="Courier New" panose="02070309020205020404" pitchFamily="49" charset="0"/>
+                        </a:rPr>
+                        <a:t>qx</a:t>
+                      </a:r>
+                      <a:r>
+                        <a:rPr lang="en-US" sz="1600" b="1" baseline="0" dirty="0">
+                          <a:latin typeface="Courier New" panose="02070309020205020404" pitchFamily="49" charset="0"/>
+                          <a:cs typeface="Courier New" panose="02070309020205020404" pitchFamily="49" charset="0"/>
+                        </a:rPr>
+                        <a:t>, </a:t>
+                      </a:r>
+                      <a:r>
+                        <a:rPr lang="en-US" sz="1600" b="1" baseline="0" dirty="0" err="1">
+                          <a:latin typeface="Courier New" panose="02070309020205020404" pitchFamily="49" charset="0"/>
+                          <a:cs typeface="Courier New" panose="02070309020205020404" pitchFamily="49" charset="0"/>
+                        </a:rPr>
+                        <a:t>qy</a:t>
+                      </a:r>
+                      <a:r>
+                        <a:rPr lang="en-US" sz="1600" b="1" baseline="0" dirty="0">
+                          <a:latin typeface="Courier New" panose="02070309020205020404" pitchFamily="49" charset="0"/>
+                          <a:cs typeface="Courier New" panose="02070309020205020404" pitchFamily="49" charset="0"/>
+                        </a:rPr>
+                        <a:t>) = p, q </a:t>
                       </a:r>
                     </a:p>
                     <a:p>
@@ -13729,22 +13787,75 @@
                           <a:latin typeface="Courier New" panose="02070309020205020404" pitchFamily="49" charset="0"/>
                           <a:cs typeface="Courier New" panose="02070309020205020404" pitchFamily="49" charset="0"/>
                         </a:rPr>
-                        <a:t>    h = 1 / </a:t>
+                        <a:t>    dx, </a:t>
                       </a:r>
                       <a:r>
                         <a:rPr lang="en-US" sz="1600" b="1" baseline="0" dirty="0" err="1">
                           <a:latin typeface="Courier New" panose="02070309020205020404" pitchFamily="49" charset="0"/>
                           <a:cs typeface="Courier New" panose="02070309020205020404" pitchFamily="49" charset="0"/>
                         </a:rPr>
-                        <a:t>sqrt</a:t>
+                        <a:t>dy</a:t>
                       </a:r>
                       <a:r>
                         <a:rPr lang="en-US" sz="1600" b="1" baseline="0" dirty="0">
                           <a:latin typeface="Courier New" panose="02070309020205020404" pitchFamily="49" charset="0"/>
                           <a:cs typeface="Courier New" panose="02070309020205020404" pitchFamily="49" charset="0"/>
                         </a:rPr>
-                        <a:t>(12)</a:t>
-                      </a:r>
+                        <a:t> = </a:t>
+                      </a:r>
+                      <a:r>
+                        <a:rPr lang="en-US" sz="1600" b="1" baseline="0" dirty="0" err="1">
+                          <a:latin typeface="Courier New" panose="02070309020205020404" pitchFamily="49" charset="0"/>
+                          <a:cs typeface="Courier New" panose="02070309020205020404" pitchFamily="49" charset="0"/>
+                        </a:rPr>
+                        <a:t>qx</a:t>
+                      </a:r>
+                      <a:r>
+                        <a:rPr lang="en-US" sz="1600" b="1" baseline="0" dirty="0">
+                          <a:latin typeface="Courier New" panose="02070309020205020404" pitchFamily="49" charset="0"/>
+                          <a:cs typeface="Courier New" panose="02070309020205020404" pitchFamily="49" charset="0"/>
+                        </a:rPr>
+                        <a:t> - </a:t>
+                      </a:r>
+                      <a:r>
+                        <a:rPr lang="en-US" sz="1600" b="1" baseline="0" dirty="0" err="1">
+                          <a:latin typeface="Courier New" panose="02070309020205020404" pitchFamily="49" charset="0"/>
+                          <a:cs typeface="Courier New" panose="02070309020205020404" pitchFamily="49" charset="0"/>
+                        </a:rPr>
+                        <a:t>px</a:t>
+                      </a:r>
+                      <a:r>
+                        <a:rPr lang="en-US" sz="1600" b="1" baseline="0" dirty="0">
+                          <a:latin typeface="Courier New" panose="02070309020205020404" pitchFamily="49" charset="0"/>
+                          <a:cs typeface="Courier New" panose="02070309020205020404" pitchFamily="49" charset="0"/>
+                        </a:rPr>
+                        <a:t>, </a:t>
+                      </a:r>
+                      <a:r>
+                        <a:rPr lang="en-US" sz="1600" b="1" baseline="0" dirty="0" err="1">
+                          <a:latin typeface="Courier New" panose="02070309020205020404" pitchFamily="49" charset="0"/>
+                          <a:cs typeface="Courier New" panose="02070309020205020404" pitchFamily="49" charset="0"/>
+                        </a:rPr>
+                        <a:t>qy</a:t>
+                      </a:r>
+                      <a:r>
+                        <a:rPr lang="en-US" sz="1600" b="1" baseline="0" dirty="0">
+                          <a:latin typeface="Courier New" panose="02070309020205020404" pitchFamily="49" charset="0"/>
+                          <a:cs typeface="Courier New" panose="02070309020205020404" pitchFamily="49" charset="0"/>
+                        </a:rPr>
+                        <a:t> - </a:t>
+                      </a:r>
+                      <a:r>
+                        <a:rPr lang="en-US" sz="1600" b="1" baseline="0" dirty="0" err="1">
+                          <a:latin typeface="Courier New" panose="02070309020205020404" pitchFamily="49" charset="0"/>
+                          <a:cs typeface="Courier New" panose="02070309020205020404" pitchFamily="49" charset="0"/>
+                        </a:rPr>
+                        <a:t>py</a:t>
+                      </a:r>
+                      <a:endParaRPr lang="en-US" sz="1600" b="1" baseline="0" dirty="0">
+                        <a:latin typeface="Courier New" panose="02070309020205020404" pitchFamily="49" charset="0"/>
+                        <a:cs typeface="Courier New" panose="02070309020205020404" pitchFamily="49" charset="0"/>
+                      </a:endParaRPr>
                     </a:p>
                     <a:p>
                       <a:pPr marL="0" indent="0">
@@ -13760,21 +13871,21 @@
                           <a:latin typeface="Courier New" panose="02070309020205020404" pitchFamily="49" charset="0"/>
                           <a:cs typeface="Courier New" panose="02070309020205020404" pitchFamily="49" charset="0"/>
                         </a:rPr>
-                        <a:t>    p1 = p[0] + dx / 3, p[1] + </a:t>
+                        <a:t>    h = 1 / </a:t>
                       </a:r>
                       <a:r>
                         <a:rPr lang="en-US" sz="1600" b="1" baseline="0" dirty="0" err="1">
                           <a:latin typeface="Courier New" panose="02070309020205020404" pitchFamily="49" charset="0"/>
                           <a:cs typeface="Courier New" panose="02070309020205020404" pitchFamily="49" charset="0"/>
                         </a:rPr>
-                        <a:t>dy</a:t>
+                        <a:t>sqrt</a:t>
                       </a:r>
                       <a:r>
                         <a:rPr lang="en-US" sz="1600" b="1" baseline="0" dirty="0">
                           <a:latin typeface="Courier New" panose="02070309020205020404" pitchFamily="49" charset="0"/>
                           <a:cs typeface="Courier New" panose="02070309020205020404" pitchFamily="49" charset="0"/>
                         </a:rPr>
-                        <a:t> / 3</a:t>
+                        <a:t>(12)</a:t>
                       </a:r>
                     </a:p>
                     <a:p>
@@ -13791,13 +13902,41 @@
                           <a:latin typeface="Courier New" panose="02070309020205020404" pitchFamily="49" charset="0"/>
                           <a:cs typeface="Courier New" panose="02070309020205020404" pitchFamily="49" charset="0"/>
                         </a:rPr>
-                        <a:t>    p2 = p[0] + dx / 2 - h * </a:t>
+                        <a:t>    p1 = </a:t>
                       </a:r>
                       <a:r>
                         <a:rPr lang="en-US" sz="1600" b="1" baseline="0" dirty="0" err="1">
                           <a:latin typeface="Courier New" panose="02070309020205020404" pitchFamily="49" charset="0"/>
                           <a:cs typeface="Courier New" panose="02070309020205020404" pitchFamily="49" charset="0"/>
                         </a:rPr>
+                        <a:t>px</a:t>
+                      </a:r>
+                      <a:r>
+                        <a:rPr lang="en-US" sz="1600" b="1" baseline="0" dirty="0">
+                          <a:latin typeface="Courier New" panose="02070309020205020404" pitchFamily="49" charset="0"/>
+                          <a:cs typeface="Courier New" panose="02070309020205020404" pitchFamily="49" charset="0"/>
+                        </a:rPr>
+                        <a:t> + dx / 3, </a:t>
+                      </a:r>
+                      <a:r>
+                        <a:rPr lang="en-US" sz="1600" b="1" baseline="0" dirty="0" err="1">
+                          <a:latin typeface="Courier New" panose="02070309020205020404" pitchFamily="49" charset="0"/>
+                          <a:cs typeface="Courier New" panose="02070309020205020404" pitchFamily="49" charset="0"/>
+                        </a:rPr>
+                        <a:t>py</a:t>
+                      </a:r>
+                      <a:r>
+                        <a:rPr lang="en-US" sz="1600" b="1" baseline="0" dirty="0">
+                          <a:latin typeface="Courier New" panose="02070309020205020404" pitchFamily="49" charset="0"/>
+                          <a:cs typeface="Courier New" panose="02070309020205020404" pitchFamily="49" charset="0"/>
+                        </a:rPr>
+                        <a:t> + </a:t>
+                      </a:r>
+                      <a:r>
+                        <a:rPr lang="en-US" sz="1600" b="1" baseline="0" dirty="0" err="1">
+                          <a:latin typeface="Courier New" panose="02070309020205020404" pitchFamily="49" charset="0"/>
+                          <a:cs typeface="Courier New" panose="02070309020205020404" pitchFamily="49" charset="0"/>
+                        </a:rPr>
                         <a:t>dy</a:t>
                       </a:r>
                       <a:r>
@@ -13805,21 +13944,7 @@
                           <a:latin typeface="Courier New" panose="02070309020205020404" pitchFamily="49" charset="0"/>
                           <a:cs typeface="Courier New" panose="02070309020205020404" pitchFamily="49" charset="0"/>
                         </a:rPr>
-                        <a:t>, p[1] + </a:t>
-                      </a:r>
-                      <a:r>
-                        <a:rPr lang="en-US" sz="1600" b="1" baseline="0" dirty="0" err="1">
-                          <a:latin typeface="Courier New" panose="02070309020205020404" pitchFamily="49" charset="0"/>
-                          <a:cs typeface="Courier New" panose="02070309020205020404" pitchFamily="49" charset="0"/>
-                        </a:rPr>
-                        <a:t>dy</a:t>
-                      </a:r>
-                      <a:r>
-                        <a:rPr lang="en-US" sz="1600" b="1" baseline="0" dirty="0">
-                          <a:latin typeface="Courier New" panose="02070309020205020404" pitchFamily="49" charset="0"/>
-                          <a:cs typeface="Courier New" panose="02070309020205020404" pitchFamily="49" charset="0"/>
-                        </a:rPr>
-                        <a:t> / 2 + h * dx</a:t>
+                        <a:t> / 3</a:t>
                       </a:r>
                     </a:p>
                     <a:p>
@@ -13836,13 +13961,27 @@
                           <a:latin typeface="Courier New" panose="02070309020205020404" pitchFamily="49" charset="0"/>
                           <a:cs typeface="Courier New" panose="02070309020205020404" pitchFamily="49" charset="0"/>
                         </a:rPr>
-                        <a:t>    p3 = p[0] + dx * 2 / 3, p[1] + </a:t>
+                        <a:t>    p2 = </a:t>
                       </a:r>
                       <a:r>
                         <a:rPr lang="en-US" sz="1600" b="1" baseline="0" dirty="0" err="1">
                           <a:latin typeface="Courier New" panose="02070309020205020404" pitchFamily="49" charset="0"/>
                           <a:cs typeface="Courier New" panose="02070309020205020404" pitchFamily="49" charset="0"/>
                         </a:rPr>
+                        <a:t>px</a:t>
+                      </a:r>
+                      <a:r>
+                        <a:rPr lang="en-US" sz="1600" b="1" baseline="0" dirty="0">
+                          <a:latin typeface="Courier New" panose="02070309020205020404" pitchFamily="49" charset="0"/>
+                          <a:cs typeface="Courier New" panose="02070309020205020404" pitchFamily="49" charset="0"/>
+                        </a:rPr>
+                        <a:t> + dx / 2 - h * </a:t>
+                      </a:r>
+                      <a:r>
+                        <a:rPr lang="en-US" sz="1600" b="1" baseline="0" dirty="0" err="1">
+                          <a:latin typeface="Courier New" panose="02070309020205020404" pitchFamily="49" charset="0"/>
+                          <a:cs typeface="Courier New" panose="02070309020205020404" pitchFamily="49" charset="0"/>
+                        </a:rPr>
                         <a:t>dy</a:t>
                       </a:r>
                       <a:r>
@@ -13850,7 +13989,35 @@
                           <a:latin typeface="Courier New" panose="02070309020205020404" pitchFamily="49" charset="0"/>
                           <a:cs typeface="Courier New" panose="02070309020205020404" pitchFamily="49" charset="0"/>
                         </a:rPr>
-                        <a:t> * 2 / 3</a:t>
+                        <a:t>, </a:t>
+                      </a:r>
+                      <a:r>
+                        <a:rPr lang="en-US" sz="1600" b="1" baseline="0" dirty="0" err="1">
+                          <a:latin typeface="Courier New" panose="02070309020205020404" pitchFamily="49" charset="0"/>
+                          <a:cs typeface="Courier New" panose="02070309020205020404" pitchFamily="49" charset="0"/>
+                        </a:rPr>
+                        <a:t>py</a:t>
+                      </a:r>
+                      <a:r>
+                        <a:rPr lang="en-US" sz="1600" b="1" baseline="0" dirty="0">
+                          <a:latin typeface="Courier New" panose="02070309020205020404" pitchFamily="49" charset="0"/>
+                          <a:cs typeface="Courier New" panose="02070309020205020404" pitchFamily="49" charset="0"/>
+                        </a:rPr>
+                        <a:t> + </a:t>
+                      </a:r>
+                      <a:r>
+                        <a:rPr lang="en-US" sz="1600" b="1" baseline="0" dirty="0" err="1">
+                          <a:latin typeface="Courier New" panose="02070309020205020404" pitchFamily="49" charset="0"/>
+                          <a:cs typeface="Courier New" panose="02070309020205020404" pitchFamily="49" charset="0"/>
+                        </a:rPr>
+                        <a:t>dy</a:t>
+                      </a:r>
+                      <a:r>
+                        <a:rPr lang="en-US" sz="1600" b="1" baseline="0" dirty="0">
+                          <a:latin typeface="Courier New" panose="02070309020205020404" pitchFamily="49" charset="0"/>
+                          <a:cs typeface="Courier New" panose="02070309020205020404" pitchFamily="49" charset="0"/>
+                        </a:rPr>
+                        <a:t> / 2 + h * dx</a:t>
                       </a:r>
                     </a:p>
                     <a:p>
@@ -13867,8 +14034,60 @@
                           <a:latin typeface="Courier New" panose="02070309020205020404" pitchFamily="49" charset="0"/>
                           <a:cs typeface="Courier New" panose="02070309020205020404" pitchFamily="49" charset="0"/>
                         </a:rPr>
-                        <a:t>    </a:t>
-                      </a:r>
+                        <a:t>    p3 = </a:t>
+                      </a:r>
+                      <a:r>
+                        <a:rPr lang="en-US" sz="1600" b="1" baseline="0" dirty="0" err="1">
+                          <a:latin typeface="Courier New" panose="02070309020205020404" pitchFamily="49" charset="0"/>
+                          <a:cs typeface="Courier New" panose="02070309020205020404" pitchFamily="49" charset="0"/>
+                        </a:rPr>
+                        <a:t>px</a:t>
+                      </a:r>
+                      <a:r>
+                        <a:rPr lang="en-US" sz="1600" b="1" baseline="0" dirty="0">
+                          <a:latin typeface="Courier New" panose="02070309020205020404" pitchFamily="49" charset="0"/>
+                          <a:cs typeface="Courier New" panose="02070309020205020404" pitchFamily="49" charset="0"/>
+                        </a:rPr>
+                        <a:t> + dx * 2 / 3, </a:t>
+                      </a:r>
+                      <a:r>
+                        <a:rPr lang="en-US" sz="1600" b="1" baseline="0" dirty="0" err="1">
+                          <a:latin typeface="Courier New" panose="02070309020205020404" pitchFamily="49" charset="0"/>
+                          <a:cs typeface="Courier New" panose="02070309020205020404" pitchFamily="49" charset="0"/>
+                        </a:rPr>
+                        <a:t>py</a:t>
+                      </a:r>
+                      <a:r>
+                        <a:rPr lang="en-US" sz="1600" b="1" baseline="0" dirty="0">
+                          <a:latin typeface="Courier New" panose="02070309020205020404" pitchFamily="49" charset="0"/>
+                          <a:cs typeface="Courier New" panose="02070309020205020404" pitchFamily="49" charset="0"/>
+                        </a:rPr>
+                        <a:t> + </a:t>
+                      </a:r>
+                      <a:r>
+                        <a:rPr lang="en-US" sz="1600" b="1" baseline="0" dirty="0" err="1">
+                          <a:latin typeface="Courier New" panose="02070309020205020404" pitchFamily="49" charset="0"/>
+                          <a:cs typeface="Courier New" panose="02070309020205020404" pitchFamily="49" charset="0"/>
+                        </a:rPr>
+                        <a:t>dy</a:t>
+                      </a:r>
+                      <a:r>
+                        <a:rPr lang="en-US" sz="1600" b="1" baseline="0" dirty="0">
+                          <a:latin typeface="Courier New" panose="02070309020205020404" pitchFamily="49" charset="0"/>
+                          <a:cs typeface="Courier New" panose="02070309020205020404" pitchFamily="49" charset="0"/>
+                        </a:rPr>
+                        <a:t> * 2 / 3    </a:t>
+                      </a:r>
+                    </a:p>
+                    <a:p>
+                      <a:pPr marL="0" indent="0">
+                        <a:buClr>
+                          <a:srgbClr val="C00000"/>
+                        </a:buClr>
+                        <a:buSzPct val="100000"/>
+                        <a:buFont typeface="Courier New" panose="02070309020205020404" pitchFamily="49" charset="0"/>
+                        <a:buNone/>
+                      </a:pPr>
                       <a:r>
                         <a:rPr lang="en-US" sz="1600" b="1" baseline="0" dirty="0">
                           <a:solidFill>
@@ -13879,7 +14098,7 @@
                           <a:latin typeface="Courier New" panose="02070309020205020404" pitchFamily="49" charset="0"/>
                           <a:cs typeface="Courier New" panose="02070309020205020404" pitchFamily="49" charset="0"/>
                         </a:rPr>
-                        <a:t>return</a:t>
+                        <a:t>    return</a:t>
                       </a:r>
                       <a:r>
                         <a:rPr lang="en-US" sz="1600" b="1" baseline="0" dirty="0">
@@ -14233,7 +14452,7 @@
         </p:nvSpPr>
         <p:spPr>
           <a:xfrm flipV="1">
-            <a:off x="9338764" y="4536835"/>
+            <a:off x="9338764" y="4565863"/>
             <a:ext cx="371613" cy="475698"/>
           </a:xfrm>
           <a:custGeom>
@@ -14792,7 +15011,7 @@
           <p:nvPr>
             <p:extLst>
               <p:ext uri="{D42A27DB-BD31-4B8C-83A1-F6EECF244321}">
-                <p14:modId xmlns:p14="http://schemas.microsoft.com/office/powerpoint/2010/main" val="284938433"/>
+                <p14:modId xmlns:p14="http://schemas.microsoft.com/office/powerpoint/2010/main" val="3054051680"/>
               </p:ext>
             </p:extLst>
           </p:nvPr>
@@ -15566,11 +15785,18 @@
                         <a:buNone/>
                       </a:pPr>
                       <a:r>
+                        <a:rPr lang="en-US" sz="1400" b="1" baseline="0">
+                          <a:latin typeface="Courier New" panose="02070309020205020404" pitchFamily="49" charset="0"/>
+                          <a:cs typeface="Courier New" panose="02070309020205020404" pitchFamily="49" charset="0"/>
+                        </a:rPr>
+                        <a:t>     [</a:t>
+                      </a:r>
+                      <a:r>
                         <a:rPr lang="en-US" sz="1400" b="1" baseline="0" dirty="0">
                           <a:latin typeface="Courier New" panose="02070309020205020404" pitchFamily="49" charset="0"/>
                           <a:cs typeface="Courier New" panose="02070309020205020404" pitchFamily="49" charset="0"/>
                         </a:rPr>
-                        <a:t>        [0,1], [0.5,0.5], 'k:’,  </a:t>
+                        <a:t>0,1], [0.5,0.5], 'k:’,  </a:t>
                       </a:r>
                       <a:r>
                         <a:rPr lang="en-US" sz="1400" b="1" baseline="0" dirty="0">

--- a/ipsa/slides/recursion.pptx
+++ b/ipsa/slides/recursion.pptx
@@ -15,16 +15,16 @@
     <p:sldId id="598" r:id="rId6"/>
     <p:sldId id="589" r:id="rId7"/>
     <p:sldId id="590" r:id="rId8"/>
-    <p:sldId id="608" r:id="rId9"/>
-    <p:sldId id="592" r:id="rId10"/>
-    <p:sldId id="593" r:id="rId11"/>
-    <p:sldId id="599" r:id="rId12"/>
-    <p:sldId id="601" r:id="rId13"/>
-    <p:sldId id="602" r:id="rId14"/>
-    <p:sldId id="604" r:id="rId15"/>
-    <p:sldId id="605" r:id="rId16"/>
-    <p:sldId id="587" r:id="rId17"/>
-    <p:sldId id="607" r:id="rId18"/>
+    <p:sldId id="610" r:id="rId9"/>
+    <p:sldId id="608" r:id="rId10"/>
+    <p:sldId id="592" r:id="rId11"/>
+    <p:sldId id="593" r:id="rId12"/>
+    <p:sldId id="599" r:id="rId13"/>
+    <p:sldId id="601" r:id="rId14"/>
+    <p:sldId id="602" r:id="rId15"/>
+    <p:sldId id="604" r:id="rId16"/>
+    <p:sldId id="605" r:id="rId17"/>
+    <p:sldId id="587" r:id="rId18"/>
     <p:sldId id="606" r:id="rId19"/>
     <p:sldId id="609" r:id="rId20"/>
   </p:sldIdLst>
@@ -136,7 +136,7 @@
 <file path=ppt/revisionInfo.xml><?xml version="1.0" encoding="utf-8"?>
 <p1510:revInfo xmlns:a="http://schemas.openxmlformats.org/drawingml/2006/main" xmlns:r="http://schemas.openxmlformats.org/officeDocument/2006/relationships" xmlns:p1510="http://schemas.microsoft.com/office/powerpoint/2015/10/main">
   <p1510:revLst>
-    <p1510:client id="{9197687F-18F0-42D4-9B72-DE14A28EAE5C}" v="18" dt="2023-02-26T21:30:28.463"/>
+    <p1510:client id="{9197687F-18F0-42D4-9B72-DE14A28EAE5C}" v="42" dt="2023-03-12T13:08:21.377"/>
   </p1510:revLst>
 </p1510:revInfo>
 </file>
@@ -292,8 +292,8 @@
   </pc:docChgLst>
   <pc:docChgLst>
     <pc:chgData name="Gerth Stølting Brodal" userId="04ef4784-6591-4f86-a140-f5c3b108582a" providerId="ADAL" clId="{9197687F-18F0-42D4-9B72-DE14A28EAE5C}"/>
-    <pc:docChg chg="undo custSel addSld modSld">
-      <pc:chgData name="Gerth Stølting Brodal" userId="04ef4784-6591-4f86-a140-f5c3b108582a" providerId="ADAL" clId="{9197687F-18F0-42D4-9B72-DE14A28EAE5C}" dt="2023-02-26T21:36:02.884" v="606" actId="20577"/>
+    <pc:docChg chg="undo custSel addSld delSld modSld">
+      <pc:chgData name="Gerth Stølting Brodal" userId="04ef4784-6591-4f86-a140-f5c3b108582a" providerId="ADAL" clId="{9197687F-18F0-42D4-9B72-DE14A28EAE5C}" dt="2023-03-12T14:39:53.691" v="2328" actId="20577"/>
       <pc:docMkLst>
         <pc:docMk/>
       </pc:docMkLst>
@@ -304,12 +304,51 @@
           <pc:sldMk cId="3801011593" sldId="463"/>
         </pc:sldMkLst>
       </pc:sldChg>
-      <pc:sldChg chg="modNotesTx">
-        <pc:chgData name="Gerth Stølting Brodal" userId="04ef4784-6591-4f86-a140-f5c3b108582a" providerId="ADAL" clId="{9197687F-18F0-42D4-9B72-DE14A28EAE5C}" dt="2023-02-22T10:41:49.903" v="501" actId="6549"/>
+      <pc:sldChg chg="modSp mod modNotesTx">
+        <pc:chgData name="Gerth Stølting Brodal" userId="04ef4784-6591-4f86-a140-f5c3b108582a" providerId="ADAL" clId="{9197687F-18F0-42D4-9B72-DE14A28EAE5C}" dt="2023-03-12T12:55:32.125" v="1462" actId="207"/>
         <pc:sldMkLst>
           <pc:docMk/>
           <pc:sldMk cId="2445053109" sldId="589"/>
         </pc:sldMkLst>
+        <pc:graphicFrameChg chg="modGraphic">
+          <ac:chgData name="Gerth Stølting Brodal" userId="04ef4784-6591-4f86-a140-f5c3b108582a" providerId="ADAL" clId="{9197687F-18F0-42D4-9B72-DE14A28EAE5C}" dt="2023-03-12T12:55:25.236" v="1461" actId="207"/>
+          <ac:graphicFrameMkLst>
+            <pc:docMk/>
+            <pc:sldMk cId="2445053109" sldId="589"/>
+            <ac:graphicFrameMk id="4" creationId="{00000000-0000-0000-0000-000000000000}"/>
+          </ac:graphicFrameMkLst>
+        </pc:graphicFrameChg>
+        <pc:graphicFrameChg chg="modGraphic">
+          <ac:chgData name="Gerth Stølting Brodal" userId="04ef4784-6591-4f86-a140-f5c3b108582a" providerId="ADAL" clId="{9197687F-18F0-42D4-9B72-DE14A28EAE5C}" dt="2023-03-12T12:55:32.125" v="1462" actId="207"/>
+          <ac:graphicFrameMkLst>
+            <pc:docMk/>
+            <pc:sldMk cId="2445053109" sldId="589"/>
+            <ac:graphicFrameMk id="8" creationId="{00000000-0000-0000-0000-000000000000}"/>
+          </ac:graphicFrameMkLst>
+        </pc:graphicFrameChg>
+        <pc:graphicFrameChg chg="modGraphic">
+          <ac:chgData name="Gerth Stølting Brodal" userId="04ef4784-6591-4f86-a140-f5c3b108582a" providerId="ADAL" clId="{9197687F-18F0-42D4-9B72-DE14A28EAE5C}" dt="2023-03-12T12:55:18.110" v="1460" actId="207"/>
+          <ac:graphicFrameMkLst>
+            <pc:docMk/>
+            <pc:sldMk cId="2445053109" sldId="589"/>
+            <ac:graphicFrameMk id="9" creationId="{00000000-0000-0000-0000-000000000000}"/>
+          </ac:graphicFrameMkLst>
+        </pc:graphicFrameChg>
+      </pc:sldChg>
+      <pc:sldChg chg="modSp mod">
+        <pc:chgData name="Gerth Stølting Brodal" userId="04ef4784-6591-4f86-a140-f5c3b108582a" providerId="ADAL" clId="{9197687F-18F0-42D4-9B72-DE14A28EAE5C}" dt="2023-03-12T12:56:11.529" v="1466" actId="207"/>
+        <pc:sldMkLst>
+          <pc:docMk/>
+          <pc:sldMk cId="1177245852" sldId="590"/>
+        </pc:sldMkLst>
+        <pc:graphicFrameChg chg="modGraphic">
+          <ac:chgData name="Gerth Stølting Brodal" userId="04ef4784-6591-4f86-a140-f5c3b108582a" providerId="ADAL" clId="{9197687F-18F0-42D4-9B72-DE14A28EAE5C}" dt="2023-03-12T12:56:11.529" v="1466" actId="207"/>
+          <ac:graphicFrameMkLst>
+            <pc:docMk/>
+            <pc:sldMk cId="1177245852" sldId="590"/>
+            <ac:graphicFrameMk id="4" creationId="{00000000-0000-0000-0000-000000000000}"/>
+          </ac:graphicFrameMkLst>
+        </pc:graphicFrameChg>
       </pc:sldChg>
       <pc:sldChg chg="modSp mod">
         <pc:chgData name="Gerth Stølting Brodal" userId="04ef4784-6591-4f86-a140-f5c3b108582a" providerId="ADAL" clId="{9197687F-18F0-42D4-9B72-DE14A28EAE5C}" dt="2023-02-22T10:34:41.254" v="392" actId="1037"/>
@@ -358,20 +397,203 @@
           </ac:graphicFrameMkLst>
         </pc:graphicFrameChg>
       </pc:sldChg>
-      <pc:sldChg chg="addSp modSp mod modAnim modNotesTx">
-        <pc:chgData name="Gerth Stølting Brodal" userId="04ef4784-6591-4f86-a140-f5c3b108582a" providerId="ADAL" clId="{9197687F-18F0-42D4-9B72-DE14A28EAE5C}" dt="2023-02-26T21:30:31.818" v="603" actId="20577"/>
+      <pc:sldChg chg="modSp mod">
+        <pc:chgData name="Gerth Stølting Brodal" userId="04ef4784-6591-4f86-a140-f5c3b108582a" providerId="ADAL" clId="{9197687F-18F0-42D4-9B72-DE14A28EAE5C}" dt="2023-03-12T12:55:12.552" v="1459" actId="207"/>
+        <pc:sldMkLst>
+          <pc:docMk/>
+          <pc:sldMk cId="345092261" sldId="598"/>
+        </pc:sldMkLst>
+        <pc:graphicFrameChg chg="modGraphic">
+          <ac:chgData name="Gerth Stølting Brodal" userId="04ef4784-6591-4f86-a140-f5c3b108582a" providerId="ADAL" clId="{9197687F-18F0-42D4-9B72-DE14A28EAE5C}" dt="2023-03-12T12:55:12.552" v="1459" actId="207"/>
+          <ac:graphicFrameMkLst>
+            <pc:docMk/>
+            <pc:sldMk cId="345092261" sldId="598"/>
+            <ac:graphicFrameMk id="4" creationId="{00000000-0000-0000-0000-000000000000}"/>
+          </ac:graphicFrameMkLst>
+        </pc:graphicFrameChg>
+      </pc:sldChg>
+      <pc:sldChg chg="addSp delSp modSp mod modAnim modNotesTx">
+        <pc:chgData name="Gerth Stølting Brodal" userId="04ef4784-6591-4f86-a140-f5c3b108582a" providerId="ADAL" clId="{9197687F-18F0-42D4-9B72-DE14A28EAE5C}" dt="2023-03-12T12:18:57.373" v="1328" actId="1035"/>
         <pc:sldMkLst>
           <pc:docMk/>
           <pc:sldMk cId="1220840155" sldId="606"/>
         </pc:sldMkLst>
         <pc:spChg chg="mod">
-          <ac:chgData name="Gerth Stølting Brodal" userId="04ef4784-6591-4f86-a140-f5c3b108582a" providerId="ADAL" clId="{9197687F-18F0-42D4-9B72-DE14A28EAE5C}" dt="2023-02-26T21:29:54.058" v="598" actId="1036"/>
+          <ac:chgData name="Gerth Stølting Brodal" userId="04ef4784-6591-4f86-a140-f5c3b108582a" providerId="ADAL" clId="{9197687F-18F0-42D4-9B72-DE14A28EAE5C}" dt="2023-03-12T12:08:50.778" v="665" actId="1076"/>
+          <ac:spMkLst>
+            <pc:docMk/>
+            <pc:sldMk cId="1220840155" sldId="606"/>
+            <ac:spMk id="2" creationId="{00000000-0000-0000-0000-000000000000}"/>
+          </ac:spMkLst>
+        </pc:spChg>
+        <pc:spChg chg="mod">
+          <ac:chgData name="Gerth Stølting Brodal" userId="04ef4784-6591-4f86-a140-f5c3b108582a" providerId="ADAL" clId="{9197687F-18F0-42D4-9B72-DE14A28EAE5C}" dt="2023-03-12T12:18:57.373" v="1328" actId="1035"/>
           <ac:spMkLst>
             <pc:docMk/>
             <pc:sldMk cId="1220840155" sldId="606"/>
             <ac:spMk id="8" creationId="{00000000-0000-0000-0000-000000000000}"/>
           </ac:spMkLst>
         </pc:spChg>
+        <pc:spChg chg="mod">
+          <ac:chgData name="Gerth Stølting Brodal" userId="04ef4784-6591-4f86-a140-f5c3b108582a" providerId="ADAL" clId="{9197687F-18F0-42D4-9B72-DE14A28EAE5C}" dt="2023-03-12T12:08:48.019" v="664" actId="1037"/>
+          <ac:spMkLst>
+            <pc:docMk/>
+            <pc:sldMk cId="1220840155" sldId="606"/>
+            <ac:spMk id="9" creationId="{00000000-0000-0000-0000-000000000000}"/>
+          </ac:spMkLst>
+        </pc:spChg>
+        <pc:spChg chg="add mod">
+          <ac:chgData name="Gerth Stølting Brodal" userId="04ef4784-6591-4f86-a140-f5c3b108582a" providerId="ADAL" clId="{9197687F-18F0-42D4-9B72-DE14A28EAE5C}" dt="2023-03-12T12:13:50.311" v="1282" actId="1035"/>
+          <ac:spMkLst>
+            <pc:docMk/>
+            <pc:sldMk cId="1220840155" sldId="606"/>
+            <ac:spMk id="18" creationId="{8D1D5184-0C00-6938-B81E-0C5FFAD29939}"/>
+          </ac:spMkLst>
+        </pc:spChg>
+        <pc:spChg chg="add mod">
+          <ac:chgData name="Gerth Stølting Brodal" userId="04ef4784-6591-4f86-a140-f5c3b108582a" providerId="ADAL" clId="{9197687F-18F0-42D4-9B72-DE14A28EAE5C}" dt="2023-03-12T12:11:42.842" v="846" actId="1036"/>
+          <ac:spMkLst>
+            <pc:docMk/>
+            <pc:sldMk cId="1220840155" sldId="606"/>
+            <ac:spMk id="19" creationId="{7968F901-48B5-CB67-7347-E429F43F22EA}"/>
+          </ac:spMkLst>
+        </pc:spChg>
+        <pc:spChg chg="add mod">
+          <ac:chgData name="Gerth Stølting Brodal" userId="04ef4784-6591-4f86-a140-f5c3b108582a" providerId="ADAL" clId="{9197687F-18F0-42D4-9B72-DE14A28EAE5C}" dt="2023-03-12T12:11:35.778" v="808" actId="1035"/>
+          <ac:spMkLst>
+            <pc:docMk/>
+            <pc:sldMk cId="1220840155" sldId="606"/>
+            <ac:spMk id="20" creationId="{8838C3B9-AADE-D63B-697D-4E45B535B8FC}"/>
+          </ac:spMkLst>
+        </pc:spChg>
+        <pc:spChg chg="add mod">
+          <ac:chgData name="Gerth Stølting Brodal" userId="04ef4784-6591-4f86-a140-f5c3b108582a" providerId="ADAL" clId="{9197687F-18F0-42D4-9B72-DE14A28EAE5C}" dt="2023-03-12T12:14:00.114" v="1285" actId="1036"/>
+          <ac:spMkLst>
+            <pc:docMk/>
+            <pc:sldMk cId="1220840155" sldId="606"/>
+            <ac:spMk id="21" creationId="{7AE58AD1-43A6-1F54-1977-A32C9793999A}"/>
+          </ac:spMkLst>
+        </pc:spChg>
+        <pc:spChg chg="add mod">
+          <ac:chgData name="Gerth Stølting Brodal" userId="04ef4784-6591-4f86-a140-f5c3b108582a" providerId="ADAL" clId="{9197687F-18F0-42D4-9B72-DE14A28EAE5C}" dt="2023-03-12T12:11:22.999" v="762" actId="1035"/>
+          <ac:spMkLst>
+            <pc:docMk/>
+            <pc:sldMk cId="1220840155" sldId="606"/>
+            <ac:spMk id="22" creationId="{CFE19717-7A93-FF85-6223-8CB3086F933F}"/>
+          </ac:spMkLst>
+        </pc:spChg>
+        <pc:spChg chg="mod">
+          <ac:chgData name="Gerth Stølting Brodal" userId="04ef4784-6591-4f86-a140-f5c3b108582a" providerId="ADAL" clId="{9197687F-18F0-42D4-9B72-DE14A28EAE5C}" dt="2023-03-12T12:09:07.862" v="667"/>
+          <ac:spMkLst>
+            <pc:docMk/>
+            <pc:sldMk cId="1220840155" sldId="606"/>
+            <ac:spMk id="24" creationId="{FAD0D07C-EFD3-4852-DB40-7BE03ECD38AA}"/>
+          </ac:spMkLst>
+        </pc:spChg>
+        <pc:spChg chg="mod">
+          <ac:chgData name="Gerth Stølting Brodal" userId="04ef4784-6591-4f86-a140-f5c3b108582a" providerId="ADAL" clId="{9197687F-18F0-42D4-9B72-DE14A28EAE5C}" dt="2023-03-12T12:09:07.862" v="667"/>
+          <ac:spMkLst>
+            <pc:docMk/>
+            <pc:sldMk cId="1220840155" sldId="606"/>
+            <ac:spMk id="25" creationId="{84116969-B436-AC74-8FA4-DEB548E716E4}"/>
+          </ac:spMkLst>
+        </pc:spChg>
+        <pc:spChg chg="mod">
+          <ac:chgData name="Gerth Stølting Brodal" userId="04ef4784-6591-4f86-a140-f5c3b108582a" providerId="ADAL" clId="{9197687F-18F0-42D4-9B72-DE14A28EAE5C}" dt="2023-03-12T12:09:07.862" v="667"/>
+          <ac:spMkLst>
+            <pc:docMk/>
+            <pc:sldMk cId="1220840155" sldId="606"/>
+            <ac:spMk id="26" creationId="{E8CE2A34-7D74-EF7F-CB7E-3BE9AED10AD2}"/>
+          </ac:spMkLst>
+        </pc:spChg>
+        <pc:spChg chg="mod">
+          <ac:chgData name="Gerth Stølting Brodal" userId="04ef4784-6591-4f86-a140-f5c3b108582a" providerId="ADAL" clId="{9197687F-18F0-42D4-9B72-DE14A28EAE5C}" dt="2023-03-12T12:12:01.076" v="881" actId="1035"/>
+          <ac:spMkLst>
+            <pc:docMk/>
+            <pc:sldMk cId="1220840155" sldId="606"/>
+            <ac:spMk id="27" creationId="{2B9E923D-62F8-9064-2199-01A8343F301E}"/>
+          </ac:spMkLst>
+        </pc:spChg>
+        <pc:spChg chg="mod">
+          <ac:chgData name="Gerth Stølting Brodal" userId="04ef4784-6591-4f86-a140-f5c3b108582a" providerId="ADAL" clId="{9197687F-18F0-42D4-9B72-DE14A28EAE5C}" dt="2023-03-12T12:09:07.862" v="667"/>
+          <ac:spMkLst>
+            <pc:docMk/>
+            <pc:sldMk cId="1220840155" sldId="606"/>
+            <ac:spMk id="28" creationId="{F268ECAA-87AB-E4D8-2C85-DBFB88D70D62}"/>
+          </ac:spMkLst>
+        </pc:spChg>
+        <pc:spChg chg="mod">
+          <ac:chgData name="Gerth Stølting Brodal" userId="04ef4784-6591-4f86-a140-f5c3b108582a" providerId="ADAL" clId="{9197687F-18F0-42D4-9B72-DE14A28EAE5C}" dt="2023-03-12T12:14:20.842" v="1299" actId="1036"/>
+          <ac:spMkLst>
+            <pc:docMk/>
+            <pc:sldMk cId="1220840155" sldId="606"/>
+            <ac:spMk id="30" creationId="{43B9E54F-0284-4A96-5123-870496AC4656}"/>
+          </ac:spMkLst>
+        </pc:spChg>
+        <pc:spChg chg="mod">
+          <ac:chgData name="Gerth Stølting Brodal" userId="04ef4784-6591-4f86-a140-f5c3b108582a" providerId="ADAL" clId="{9197687F-18F0-42D4-9B72-DE14A28EAE5C}" dt="2023-03-12T12:14:24.720" v="1300" actId="1037"/>
+          <ac:spMkLst>
+            <pc:docMk/>
+            <pc:sldMk cId="1220840155" sldId="606"/>
+            <ac:spMk id="31" creationId="{E6331490-728F-276F-BEE2-30DA2A391F6C}"/>
+          </ac:spMkLst>
+        </pc:spChg>
+        <pc:spChg chg="mod">
+          <ac:chgData name="Gerth Stølting Brodal" userId="04ef4784-6591-4f86-a140-f5c3b108582a" providerId="ADAL" clId="{9197687F-18F0-42D4-9B72-DE14A28EAE5C}" dt="2023-03-12T12:13:02.409" v="1079" actId="1037"/>
+          <ac:spMkLst>
+            <pc:docMk/>
+            <pc:sldMk cId="1220840155" sldId="606"/>
+            <ac:spMk id="32" creationId="{81C6D4D5-F851-A56D-5187-6647B0513855}"/>
+          </ac:spMkLst>
+        </pc:spChg>
+        <pc:spChg chg="mod">
+          <ac:chgData name="Gerth Stølting Brodal" userId="04ef4784-6591-4f86-a140-f5c3b108582a" providerId="ADAL" clId="{9197687F-18F0-42D4-9B72-DE14A28EAE5C}" dt="2023-03-12T12:12:53.640" v="1033" actId="1037"/>
+          <ac:spMkLst>
+            <pc:docMk/>
+            <pc:sldMk cId="1220840155" sldId="606"/>
+            <ac:spMk id="33" creationId="{62056A9F-68AB-33EA-F2F0-3A19A9A37752}"/>
+          </ac:spMkLst>
+        </pc:spChg>
+        <pc:spChg chg="mod">
+          <ac:chgData name="Gerth Stølting Brodal" userId="04ef4784-6591-4f86-a140-f5c3b108582a" providerId="ADAL" clId="{9197687F-18F0-42D4-9B72-DE14A28EAE5C}" dt="2023-03-12T12:13:10.829" v="1134" actId="1038"/>
+          <ac:spMkLst>
+            <pc:docMk/>
+            <pc:sldMk cId="1220840155" sldId="606"/>
+            <ac:spMk id="34" creationId="{3B544454-7884-9807-F7B5-887C11C398F2}"/>
+          </ac:spMkLst>
+        </pc:spChg>
+        <pc:spChg chg="add mod">
+          <ac:chgData name="Gerth Stølting Brodal" userId="04ef4784-6591-4f86-a140-f5c3b108582a" providerId="ADAL" clId="{9197687F-18F0-42D4-9B72-DE14A28EAE5C}" dt="2023-03-12T12:15:49.616" v="1318" actId="20577"/>
+          <ac:spMkLst>
+            <pc:docMk/>
+            <pc:sldMk cId="1220840155" sldId="606"/>
+            <ac:spMk id="36" creationId="{CD3190C1-BF03-65B4-0588-CD8D1B8827ED}"/>
+          </ac:spMkLst>
+        </pc:spChg>
+        <pc:grpChg chg="del mod">
+          <ac:chgData name="Gerth Stølting Brodal" userId="04ef4784-6591-4f86-a140-f5c3b108582a" providerId="ADAL" clId="{9197687F-18F0-42D4-9B72-DE14A28EAE5C}" dt="2023-03-12T12:13:38.918" v="1261" actId="478"/>
+          <ac:grpSpMkLst>
+            <pc:docMk/>
+            <pc:sldMk cId="1220840155" sldId="606"/>
+            <ac:grpSpMk id="10" creationId="{BDE896E9-67DA-4BF6-A480-25E4E3273B8B}"/>
+          </ac:grpSpMkLst>
+        </pc:grpChg>
+        <pc:grpChg chg="add mod">
+          <ac:chgData name="Gerth Stølting Brodal" userId="04ef4784-6591-4f86-a140-f5c3b108582a" providerId="ADAL" clId="{9197687F-18F0-42D4-9B72-DE14A28EAE5C}" dt="2023-03-12T12:12:07.254" v="905" actId="1036"/>
+          <ac:grpSpMkLst>
+            <pc:docMk/>
+            <pc:sldMk cId="1220840155" sldId="606"/>
+            <ac:grpSpMk id="23" creationId="{36CEAD96-9D62-1624-E0E3-E0380D0AB46F}"/>
+          </ac:grpSpMkLst>
+        </pc:grpChg>
+        <pc:grpChg chg="add mod">
+          <ac:chgData name="Gerth Stølting Brodal" userId="04ef4784-6591-4f86-a140-f5c3b108582a" providerId="ADAL" clId="{9197687F-18F0-42D4-9B72-DE14A28EAE5C}" dt="2023-03-12T12:14:11.981" v="1294" actId="1036"/>
+          <ac:grpSpMkLst>
+            <pc:docMk/>
+            <pc:sldMk cId="1220840155" sldId="606"/>
+            <ac:grpSpMk id="29" creationId="{03E1D210-3CF0-C9C7-FE43-5FAC6652BC07}"/>
+          </ac:grpSpMkLst>
+        </pc:grpChg>
         <pc:graphicFrameChg chg="add mod">
           <ac:chgData name="Gerth Stølting Brodal" userId="04ef4784-6591-4f86-a140-f5c3b108582a" providerId="ADAL" clId="{9197687F-18F0-42D4-9B72-DE14A28EAE5C}" dt="2023-02-22T08:26:22.986" v="32"/>
           <ac:graphicFrameMkLst>
@@ -381,13 +603,76 @@
           </ac:graphicFrameMkLst>
         </pc:graphicFrameChg>
         <pc:graphicFrameChg chg="mod modGraphic">
-          <ac:chgData name="Gerth Stølting Brodal" userId="04ef4784-6591-4f86-a140-f5c3b108582a" providerId="ADAL" clId="{9197687F-18F0-42D4-9B72-DE14A28EAE5C}" dt="2023-02-26T21:30:31.818" v="603" actId="20577"/>
+          <ac:chgData name="Gerth Stølting Brodal" userId="04ef4784-6591-4f86-a140-f5c3b108582a" providerId="ADAL" clId="{9197687F-18F0-42D4-9B72-DE14A28EAE5C}" dt="2023-03-12T12:18:47.032" v="1322" actId="20577"/>
           <ac:graphicFrameMkLst>
             <pc:docMk/>
             <pc:sldMk cId="1220840155" sldId="606"/>
             <ac:graphicFrameMk id="4" creationId="{00000000-0000-0000-0000-000000000000}"/>
           </ac:graphicFrameMkLst>
         </pc:graphicFrameChg>
+        <pc:picChg chg="add mod">
+          <ac:chgData name="Gerth Stølting Brodal" userId="04ef4784-6591-4f86-a140-f5c3b108582a" providerId="ADAL" clId="{9197687F-18F0-42D4-9B72-DE14A28EAE5C}" dt="2023-03-12T12:13:50.311" v="1282" actId="1035"/>
+          <ac:picMkLst>
+            <pc:docMk/>
+            <pc:sldMk cId="1220840155" sldId="606"/>
+            <ac:picMk id="3" creationId="{3EB86994-CC7E-5907-4B27-9169C9B154B5}"/>
+          </ac:picMkLst>
+        </pc:picChg>
+        <pc:picChg chg="add mod">
+          <ac:chgData name="Gerth Stølting Brodal" userId="04ef4784-6591-4f86-a140-f5c3b108582a" providerId="ADAL" clId="{9197687F-18F0-42D4-9B72-DE14A28EAE5C}" dt="2023-03-12T12:11:42.842" v="846" actId="1036"/>
+          <ac:picMkLst>
+            <pc:docMk/>
+            <pc:sldMk cId="1220840155" sldId="606"/>
+            <ac:picMk id="5" creationId="{3736BDD6-D026-9035-B946-C90C5DE71E68}"/>
+          </ac:picMkLst>
+        </pc:picChg>
+        <pc:picChg chg="add mod">
+          <ac:chgData name="Gerth Stølting Brodal" userId="04ef4784-6591-4f86-a140-f5c3b108582a" providerId="ADAL" clId="{9197687F-18F0-42D4-9B72-DE14A28EAE5C}" dt="2023-03-12T12:11:35.778" v="808" actId="1035"/>
+          <ac:picMkLst>
+            <pc:docMk/>
+            <pc:sldMk cId="1220840155" sldId="606"/>
+            <ac:picMk id="6" creationId="{1AF5380C-AE1D-547E-2C81-E4F3617302A8}"/>
+          </ac:picMkLst>
+        </pc:picChg>
+        <pc:picChg chg="del mod">
+          <ac:chgData name="Gerth Stølting Brodal" userId="04ef4784-6591-4f86-a140-f5c3b108582a" providerId="ADAL" clId="{9197687F-18F0-42D4-9B72-DE14A28EAE5C}" dt="2023-03-12T12:13:31.832" v="1260" actId="478"/>
+          <ac:picMkLst>
+            <pc:docMk/>
+            <pc:sldMk cId="1220840155" sldId="606"/>
+            <ac:picMk id="7" creationId="{00000000-0000-0000-0000-000000000000}"/>
+          </ac:picMkLst>
+        </pc:picChg>
+        <pc:picChg chg="add mod">
+          <ac:chgData name="Gerth Stølting Brodal" userId="04ef4784-6591-4f86-a140-f5c3b108582a" providerId="ADAL" clId="{9197687F-18F0-42D4-9B72-DE14A28EAE5C}" dt="2023-03-12T12:14:00.114" v="1285" actId="1036"/>
+          <ac:picMkLst>
+            <pc:docMk/>
+            <pc:sldMk cId="1220840155" sldId="606"/>
+            <ac:picMk id="16" creationId="{90563BCC-3D90-389B-09FB-4553A3ED7F57}"/>
+          </ac:picMkLst>
+        </pc:picChg>
+        <pc:picChg chg="add mod">
+          <ac:chgData name="Gerth Stølting Brodal" userId="04ef4784-6591-4f86-a140-f5c3b108582a" providerId="ADAL" clId="{9197687F-18F0-42D4-9B72-DE14A28EAE5C}" dt="2023-03-12T12:11:22.999" v="762" actId="1035"/>
+          <ac:picMkLst>
+            <pc:docMk/>
+            <pc:sldMk cId="1220840155" sldId="606"/>
+            <ac:picMk id="17" creationId="{D43B16EC-1057-D885-A77A-BCD9CCE0CDC0}"/>
+          </ac:picMkLst>
+        </pc:picChg>
+      </pc:sldChg>
+      <pc:sldChg chg="addSp delSp add del mod">
+        <pc:chgData name="Gerth Stølting Brodal" userId="04ef4784-6591-4f86-a140-f5c3b108582a" providerId="ADAL" clId="{9197687F-18F0-42D4-9B72-DE14A28EAE5C}" dt="2023-03-12T12:19:02.197" v="1329" actId="47"/>
+        <pc:sldMkLst>
+          <pc:docMk/>
+          <pc:sldMk cId="3107987302" sldId="607"/>
+        </pc:sldMkLst>
+        <pc:spChg chg="add del">
+          <ac:chgData name="Gerth Stølting Brodal" userId="04ef4784-6591-4f86-a140-f5c3b108582a" providerId="ADAL" clId="{9197687F-18F0-42D4-9B72-DE14A28EAE5C}" dt="2023-03-12T12:15:31.217" v="1304" actId="22"/>
+          <ac:spMkLst>
+            <pc:docMk/>
+            <pc:sldMk cId="3107987302" sldId="607"/>
+            <ac:spMk id="7" creationId="{F28267A2-A99A-5AD0-90CD-3653031C980B}"/>
+          </ac:spMkLst>
+        </pc:spChg>
       </pc:sldChg>
       <pc:sldChg chg="addSp delSp modSp add mod delAnim modNotesTx">
         <pc:chgData name="Gerth Stølting Brodal" userId="04ef4784-6591-4f86-a140-f5c3b108582a" providerId="ADAL" clId="{9197687F-18F0-42D4-9B72-DE14A28EAE5C}" dt="2023-02-26T21:36:02.884" v="606" actId="20577"/>
@@ -507,6 +792,61 @@
             <ac:picMk id="25" creationId="{120A0AC3-F8A0-3764-F5E9-C62D222FC5B3}"/>
           </ac:picMkLst>
         </pc:picChg>
+      </pc:sldChg>
+      <pc:sldChg chg="addSp delSp modSp new mod modAnim modNotesTx">
+        <pc:chgData name="Gerth Stølting Brodal" userId="04ef4784-6591-4f86-a140-f5c3b108582a" providerId="ADAL" clId="{9197687F-18F0-42D4-9B72-DE14A28EAE5C}" dt="2023-03-12T14:39:53.691" v="2328" actId="20577"/>
+        <pc:sldMkLst>
+          <pc:docMk/>
+          <pc:sldMk cId="3874947569" sldId="610"/>
+        </pc:sldMkLst>
+        <pc:spChg chg="mod">
+          <ac:chgData name="Gerth Stølting Brodal" userId="04ef4784-6591-4f86-a140-f5c3b108582a" providerId="ADAL" clId="{9197687F-18F0-42D4-9B72-DE14A28EAE5C}" dt="2023-03-12T13:44:45.478" v="2190" actId="6549"/>
+          <ac:spMkLst>
+            <pc:docMk/>
+            <pc:sldMk cId="3874947569" sldId="610"/>
+            <ac:spMk id="2" creationId="{8A7D887A-477E-5547-4340-E05CE57BD2FF}"/>
+          </ac:spMkLst>
+        </pc:spChg>
+        <pc:spChg chg="del">
+          <ac:chgData name="Gerth Stølting Brodal" userId="04ef4784-6591-4f86-a140-f5c3b108582a" providerId="ADAL" clId="{9197687F-18F0-42D4-9B72-DE14A28EAE5C}" dt="2023-03-12T12:47:58.595" v="1387" actId="478"/>
+          <ac:spMkLst>
+            <pc:docMk/>
+            <pc:sldMk cId="3874947569" sldId="610"/>
+            <ac:spMk id="3" creationId="{A76ED7C7-63E7-F03A-5B11-27548D1E1D96}"/>
+          </ac:spMkLst>
+        </pc:spChg>
+        <pc:spChg chg="add del mod">
+          <ac:chgData name="Gerth Stølting Brodal" userId="04ef4784-6591-4f86-a140-f5c3b108582a" providerId="ADAL" clId="{9197687F-18F0-42D4-9B72-DE14A28EAE5C}" dt="2023-03-12T13:04:59.102" v="1516" actId="478"/>
+          <ac:spMkLst>
+            <pc:docMk/>
+            <pc:sldMk cId="3874947569" sldId="610"/>
+            <ac:spMk id="5" creationId="{ABCCF17E-0B44-A779-88CD-A049D9DE7990}"/>
+          </ac:spMkLst>
+        </pc:spChg>
+        <pc:spChg chg="add del mod">
+          <ac:chgData name="Gerth Stølting Brodal" userId="04ef4784-6591-4f86-a140-f5c3b108582a" providerId="ADAL" clId="{9197687F-18F0-42D4-9B72-DE14A28EAE5C}" dt="2023-03-12T13:33:19.845" v="2097" actId="403"/>
+          <ac:spMkLst>
+            <pc:docMk/>
+            <pc:sldMk cId="3874947569" sldId="610"/>
+            <ac:spMk id="7" creationId="{466F199C-B196-A43F-39AB-8BD5282B5F33}"/>
+          </ac:spMkLst>
+        </pc:spChg>
+        <pc:spChg chg="add del mod">
+          <ac:chgData name="Gerth Stølting Brodal" userId="04ef4784-6591-4f86-a140-f5c3b108582a" providerId="ADAL" clId="{9197687F-18F0-42D4-9B72-DE14A28EAE5C}" dt="2023-03-12T13:05:10.078" v="1521"/>
+          <ac:spMkLst>
+            <pc:docMk/>
+            <pc:sldMk cId="3874947569" sldId="610"/>
+            <ac:spMk id="8" creationId="{5F1919F6-67BA-401A-CB3F-68CC72326325}"/>
+          </ac:spMkLst>
+        </pc:spChg>
+        <pc:graphicFrameChg chg="add mod modGraphic">
+          <ac:chgData name="Gerth Stølting Brodal" userId="04ef4784-6591-4f86-a140-f5c3b108582a" providerId="ADAL" clId="{9197687F-18F0-42D4-9B72-DE14A28EAE5C}" dt="2023-03-12T13:41:52.484" v="2171" actId="20577"/>
+          <ac:graphicFrameMkLst>
+            <pc:docMk/>
+            <pc:sldMk cId="3874947569" sldId="610"/>
+            <ac:graphicFrameMk id="4" creationId="{565B82F5-449A-5B10-740F-0B39EBF86426}"/>
+          </ac:graphicFrameMkLst>
+        </pc:graphicFrameChg>
       </pc:sldChg>
     </pc:docChg>
   </pc:docChgLst>
@@ -810,7 +1150,7 @@
           <a:p>
             <a:fld id="{FB1A172F-81D4-4DC4-9113-1DBD56EC3646}" type="datetimeFigureOut">
               <a:rPr lang="en-US" smtClean="0"/>
-              <a:t>2/26/2023</a:t>
+              <a:t>3/12/2023</a:t>
             </a:fld>
             <a:endParaRPr lang="en-US"/>
           </a:p>
@@ -1231,80 +1571,34 @@
           <a:lstStyle/>
           <a:p>
             <a:r>
-              <a:rPr lang="en-US" dirty="0"/>
-              <a:t>Warning: </a:t>
-            </a:r>
-            <a:r>
-              <a:rPr lang="en-US" dirty="0" err="1"/>
-              <a:t>Behaviour</a:t>
-            </a:r>
-            <a:r>
-              <a:rPr lang="en-US" dirty="0"/>
-              <a:t> different on Windows and Mac</a:t>
-            </a:r>
-          </a:p>
-          <a:p>
-            <a:endParaRPr lang="en-US" dirty="0"/>
-          </a:p>
-          <a:p>
-            <a:r>
-              <a:rPr lang="en-US" dirty="0"/>
-              <a:t>In creasing recursion depth can cause the program to crash. On windows the following </a:t>
-            </a:r>
-            <a:r>
-              <a:rPr lang="en-US"/>
-              <a:t>crashes around depth 1935 !!!.</a:t>
-            </a:r>
-            <a:endParaRPr lang="en-US" dirty="0"/>
-          </a:p>
-          <a:p>
-            <a:r>
-              <a:rPr lang="fr-FR" dirty="0"/>
-              <a:t>import </a:t>
-            </a:r>
-            <a:r>
-              <a:rPr lang="fr-FR" dirty="0" err="1"/>
-              <a:t>sys</a:t>
-            </a:r>
-            <a:endParaRPr lang="fr-FR" dirty="0"/>
-          </a:p>
-          <a:p>
-            <a:r>
-              <a:rPr lang="fr-FR" dirty="0" err="1"/>
-              <a:t>sys.setrecursionlimit</a:t>
-            </a:r>
-            <a:r>
-              <a:rPr lang="fr-FR" dirty="0"/>
-              <a:t>(2000)</a:t>
-            </a:r>
-          </a:p>
-          <a:p>
-            <a:r>
-              <a:rPr lang="fr-FR" dirty="0" err="1"/>
-              <a:t>def</a:t>
-            </a:r>
-            <a:r>
-              <a:rPr lang="fr-FR" dirty="0"/>
-              <a:t> f(x): </a:t>
-            </a:r>
-            <a:r>
-              <a:rPr lang="fr-FR" dirty="0" err="1"/>
-              <a:t>print</a:t>
-            </a:r>
-            <a:r>
-              <a:rPr lang="fr-FR" dirty="0"/>
-              <a:t>(x); f(x + 1)</a:t>
-            </a:r>
-          </a:p>
-          <a:p>
-            <a:endParaRPr lang="fr-FR" dirty="0"/>
-          </a:p>
-          <a:p>
-            <a:r>
-              <a:rPr lang="fr-FR" dirty="0"/>
-              <a:t>f(0)</a:t>
-            </a:r>
-            <a:endParaRPr lang="en-US" dirty="0"/>
+              <a:rPr lang="en-US" sz="1200" b="1" baseline="0" dirty="0">
+                <a:latin typeface="Courier New" panose="02070309020205020404" pitchFamily="49" charset="0"/>
+                <a:cs typeface="Courier New" panose="02070309020205020404" pitchFamily="49" charset="0"/>
+              </a:rPr>
+              <a:t>Replacing  “</a:t>
+            </a:r>
+            <a:r>
+              <a:rPr lang="en-US" sz="1200" b="1" baseline="0" dirty="0" err="1">
+                <a:latin typeface="Courier New" panose="02070309020205020404" pitchFamily="49" charset="0"/>
+                <a:cs typeface="Courier New" panose="02070309020205020404" pitchFamily="49" charset="0"/>
+              </a:rPr>
+              <a:t>leaves.add</a:t>
+            </a:r>
+            <a:r>
+              <a:rPr lang="en-US" sz="1200" b="1" baseline="0" dirty="0">
+                <a:latin typeface="Courier New" panose="02070309020205020404" pitchFamily="49" charset="0"/>
+                <a:cs typeface="Courier New" panose="02070309020205020404" pitchFamily="49" charset="0"/>
+              </a:rPr>
+              <a:t>(tree)” by “leaves |= {tree}” requires “nonlocal”, since otherwise leaves is assumed to be a local variable, due to </a:t>
+            </a:r>
+            <a:r>
+              <a:rPr lang="en-US" sz="1200" b="1" baseline="0">
+                <a:latin typeface="Courier New" panose="02070309020205020404" pitchFamily="49" charset="0"/>
+                <a:cs typeface="Courier New" panose="02070309020205020404" pitchFamily="49" charset="0"/>
+              </a:rPr>
+              <a:t>the assignment.</a:t>
+            </a:r>
+            <a:endParaRPr lang="da-DK" dirty="0"/>
           </a:p>
         </p:txBody>
       </p:sp>
@@ -1334,7 +1628,7 @@
     </p:spTree>
     <p:extLst>
       <p:ext uri="{BB962C8B-B14F-4D97-AF65-F5344CB8AC3E}">
-        <p14:creationId xmlns:p14="http://schemas.microsoft.com/office/powerpoint/2010/main" val="3905941004"/>
+        <p14:creationId xmlns:p14="http://schemas.microsoft.com/office/powerpoint/2010/main" val="3746329629"/>
       </p:ext>
     </p:extLst>
   </p:cSld>
@@ -1388,6 +1682,80 @@
           <a:bodyPr/>
           <a:lstStyle/>
           <a:p>
+            <a:r>
+              <a:rPr lang="en-US" dirty="0"/>
+              <a:t>Warning: </a:t>
+            </a:r>
+            <a:r>
+              <a:rPr lang="en-US" dirty="0" err="1"/>
+              <a:t>Behaviour</a:t>
+            </a:r>
+            <a:r>
+              <a:rPr lang="en-US" dirty="0"/>
+              <a:t> different on Windows and Mac</a:t>
+            </a:r>
+          </a:p>
+          <a:p>
+            <a:endParaRPr lang="en-US" dirty="0"/>
+          </a:p>
+          <a:p>
+            <a:r>
+              <a:rPr lang="en-US" dirty="0"/>
+              <a:t>In creasing recursion depth can cause the program to crash. On windows the following </a:t>
+            </a:r>
+            <a:r>
+              <a:rPr lang="en-US"/>
+              <a:t>crashes around depth 1935 !!!.</a:t>
+            </a:r>
+            <a:endParaRPr lang="en-US" dirty="0"/>
+          </a:p>
+          <a:p>
+            <a:r>
+              <a:rPr lang="fr-FR" dirty="0"/>
+              <a:t>import </a:t>
+            </a:r>
+            <a:r>
+              <a:rPr lang="fr-FR" dirty="0" err="1"/>
+              <a:t>sys</a:t>
+            </a:r>
+            <a:endParaRPr lang="fr-FR" dirty="0"/>
+          </a:p>
+          <a:p>
+            <a:r>
+              <a:rPr lang="fr-FR" dirty="0" err="1"/>
+              <a:t>sys.setrecursionlimit</a:t>
+            </a:r>
+            <a:r>
+              <a:rPr lang="fr-FR" dirty="0"/>
+              <a:t>(2000)</a:t>
+            </a:r>
+          </a:p>
+          <a:p>
+            <a:r>
+              <a:rPr lang="fr-FR" dirty="0" err="1"/>
+              <a:t>def</a:t>
+            </a:r>
+            <a:r>
+              <a:rPr lang="fr-FR" dirty="0"/>
+              <a:t> f(x): </a:t>
+            </a:r>
+            <a:r>
+              <a:rPr lang="fr-FR" dirty="0" err="1"/>
+              <a:t>print</a:t>
+            </a:r>
+            <a:r>
+              <a:rPr lang="fr-FR" dirty="0"/>
+              <a:t>(x); f(x + 1)</a:t>
+            </a:r>
+          </a:p>
+          <a:p>
+            <a:endParaRPr lang="fr-FR" dirty="0"/>
+          </a:p>
+          <a:p>
+            <a:r>
+              <a:rPr lang="fr-FR" dirty="0"/>
+              <a:t>f(0)</a:t>
+            </a:r>
             <a:endParaRPr lang="en-US" dirty="0"/>
           </a:p>
         </p:txBody>
@@ -1399,7 +1767,7 @@
             <a:spLocks noGrp="1"/>
           </p:cNvSpPr>
           <p:nvPr>
-            <p:ph type="sldNum" sz="quarter" idx="10"/>
+            <p:ph type="sldNum" sz="quarter" idx="5"/>
           </p:nvPr>
         </p:nvSpPr>
         <p:spPr/>
@@ -1418,7 +1786,7 @@
     </p:spTree>
     <p:extLst>
       <p:ext uri="{BB962C8B-B14F-4D97-AF65-F5344CB8AC3E}">
-        <p14:creationId xmlns:p14="http://schemas.microsoft.com/office/powerpoint/2010/main" val="3146569353"/>
+        <p14:creationId xmlns:p14="http://schemas.microsoft.com/office/powerpoint/2010/main" val="3905941004"/>
       </p:ext>
     </p:extLst>
   </p:cSld>
@@ -2235,156 +2603,20 @@
           <a:lstStyle/>
           <a:p>
             <a:r>
-              <a:rPr lang="da-DK" dirty="0"/>
-              <a:t>2x return has </a:t>
-            </a:r>
-            <a:r>
-              <a:rPr lang="da-DK" dirty="0" err="1"/>
-              <a:t>been</a:t>
-            </a:r>
-            <a:r>
-              <a:rPr lang="da-DK" dirty="0"/>
-              <a:t> </a:t>
-            </a:r>
-            <a:r>
-              <a:rPr lang="da-DK" dirty="0" err="1"/>
-              <a:t>replaced</a:t>
-            </a:r>
-            <a:r>
-              <a:rPr lang="da-DK" dirty="0"/>
-              <a:t> by a single return at end of </a:t>
-            </a:r>
-            <a:r>
-              <a:rPr lang="da-DK" dirty="0" err="1"/>
-              <a:t>function</a:t>
-            </a:r>
-            <a:r>
-              <a:rPr lang="da-DK" dirty="0"/>
-              <a:t>; </a:t>
-            </a:r>
-            <a:r>
-              <a:rPr lang="da-DK" dirty="0" err="1"/>
-              <a:t>introduced</a:t>
-            </a:r>
-            <a:r>
-              <a:rPr lang="da-DK" dirty="0"/>
-              <a:t> ”</a:t>
-            </a:r>
-            <a:r>
-              <a:rPr lang="da-DK" dirty="0" err="1"/>
-              <a:t>result</a:t>
-            </a:r>
-            <a:r>
-              <a:rPr lang="da-DK"/>
-              <a:t>” variable</a:t>
-            </a:r>
-            <a:endParaRPr lang="da-DK" dirty="0"/>
+              <a:rPr lang="en-US" dirty="0"/>
+              <a:t>4 equivalent descriptions of binomial(n, k); what code do you find the easiest to read</a:t>
+            </a:r>
           </a:p>
           <a:p>
+            <a:r>
+              <a:rPr lang="en-US" dirty="0"/>
+              <a:t>Henrik Bærbak Christensen burger “bail out fast” in </a:t>
+            </a:r>
+            <a:r>
+              <a:rPr lang="en-US"/>
+              <a:t>SWEA course - https://baerbak.cs.au.dk/c/swea/resource/cleancode.pdf</a:t>
+            </a:r>
             <a:endParaRPr lang="da-DK" dirty="0"/>
-          </a:p>
-          <a:p>
-            <a:r>
-              <a:rPr lang="da-DK" dirty="0"/>
-              <a:t>In </a:t>
-            </a:r>
-            <a:r>
-              <a:rPr lang="da-DK" dirty="0" err="1"/>
-              <a:t>lecture</a:t>
-            </a:r>
-            <a:r>
-              <a:rPr lang="da-DK" dirty="0"/>
-              <a:t> on </a:t>
-            </a:r>
-            <a:r>
-              <a:rPr lang="da-DK" dirty="0" err="1"/>
-              <a:t>decorators</a:t>
-            </a:r>
-            <a:r>
-              <a:rPr lang="da-DK" dirty="0"/>
-              <a:t> </a:t>
-            </a:r>
-            <a:r>
-              <a:rPr lang="da-DK" dirty="0" err="1"/>
-              <a:t>we</a:t>
-            </a:r>
-            <a:r>
-              <a:rPr lang="da-DK" dirty="0"/>
-              <a:t> </a:t>
-            </a:r>
-            <a:r>
-              <a:rPr lang="da-DK" dirty="0" err="1"/>
-              <a:t>see</a:t>
-            </a:r>
-            <a:r>
-              <a:rPr lang="da-DK" dirty="0"/>
-              <a:t> the </a:t>
-            </a:r>
-            <a:r>
-              <a:rPr lang="da-DK" dirty="0" err="1"/>
-              <a:t>decorator</a:t>
-            </a:r>
-            <a:r>
-              <a:rPr lang="da-DK" dirty="0"/>
-              <a:t> </a:t>
-            </a:r>
-            <a:r>
-              <a:rPr lang="da-DK" b="1" dirty="0"/>
-              <a:t>@trace</a:t>
-            </a:r>
-            <a:r>
-              <a:rPr lang="da-DK" b="0" dirty="0"/>
-              <a:t> </a:t>
-            </a:r>
-            <a:r>
-              <a:rPr lang="da-DK" b="0" dirty="0" err="1"/>
-              <a:t>that</a:t>
-            </a:r>
-            <a:r>
-              <a:rPr lang="da-DK" b="0" dirty="0"/>
-              <a:t> </a:t>
-            </a:r>
-            <a:r>
-              <a:rPr lang="da-DK" b="0" dirty="0" err="1"/>
-              <a:t>automatically</a:t>
-            </a:r>
-            <a:r>
-              <a:rPr lang="da-DK" b="0" dirty="0"/>
-              <a:t> </a:t>
-            </a:r>
-            <a:r>
-              <a:rPr lang="da-DK" b="0" dirty="0" err="1"/>
-              <a:t>adds</a:t>
-            </a:r>
-            <a:r>
-              <a:rPr lang="da-DK" b="0" dirty="0"/>
-              <a:t> the </a:t>
-            </a:r>
-            <a:r>
-              <a:rPr lang="da-DK" b="0" dirty="0" err="1"/>
-              <a:t>this</a:t>
-            </a:r>
-            <a:r>
-              <a:rPr lang="da-DK" b="0" dirty="0"/>
-              <a:t> </a:t>
-            </a:r>
-            <a:r>
-              <a:rPr lang="da-DK" b="0" dirty="0" err="1"/>
-              <a:t>tracing</a:t>
-            </a:r>
-            <a:r>
-              <a:rPr lang="da-DK" b="0" dirty="0"/>
-              <a:t> to a </a:t>
-            </a:r>
-            <a:r>
-              <a:rPr lang="da-DK" b="0" dirty="0" err="1"/>
-              <a:t>recursive</a:t>
-            </a:r>
-            <a:r>
-              <a:rPr lang="da-DK" b="0" dirty="0"/>
-              <a:t> procedure</a:t>
-            </a:r>
-            <a:endParaRPr lang="da-DK" b="1" dirty="0"/>
           </a:p>
         </p:txBody>
       </p:sp>
@@ -2414,7 +2646,7 @@
     </p:spTree>
     <p:extLst>
       <p:ext uri="{BB962C8B-B14F-4D97-AF65-F5344CB8AC3E}">
-        <p14:creationId xmlns:p14="http://schemas.microsoft.com/office/powerpoint/2010/main" val="2524276516"/>
+        <p14:creationId xmlns:p14="http://schemas.microsoft.com/office/powerpoint/2010/main" val="1123351994"/>
       </p:ext>
     </p:extLst>
   </p:cSld>
@@ -2469,39 +2701,156 @@
           <a:lstStyle/>
           <a:p>
             <a:r>
-              <a:rPr lang="en-US" dirty="0" err="1"/>
-              <a:t>binomial_A</a:t>
-            </a:r>
-            <a:r>
-              <a:rPr lang="en-US" baseline="0" dirty="0"/>
-              <a:t>, temporary result is not integer,</a:t>
-            </a:r>
+              <a:rPr lang="da-DK" dirty="0"/>
+              <a:t>2x return has </a:t>
+            </a:r>
+            <a:r>
+              <a:rPr lang="da-DK" dirty="0" err="1"/>
+              <a:t>been</a:t>
+            </a:r>
+            <a:r>
+              <a:rPr lang="da-DK" dirty="0"/>
+              <a:t> </a:t>
+            </a:r>
+            <a:r>
+              <a:rPr lang="da-DK" dirty="0" err="1"/>
+              <a:t>replaced</a:t>
+            </a:r>
+            <a:r>
+              <a:rPr lang="da-DK" dirty="0"/>
+              <a:t> by a single return at end of </a:t>
+            </a:r>
+            <a:r>
+              <a:rPr lang="da-DK" dirty="0" err="1"/>
+              <a:t>function</a:t>
+            </a:r>
+            <a:r>
+              <a:rPr lang="da-DK" dirty="0"/>
+              <a:t>; </a:t>
+            </a:r>
+            <a:r>
+              <a:rPr lang="da-DK" dirty="0" err="1"/>
+              <a:t>introduced</a:t>
+            </a:r>
+            <a:r>
+              <a:rPr lang="da-DK" dirty="0"/>
+              <a:t> ”</a:t>
+            </a:r>
+            <a:r>
+              <a:rPr lang="da-DK" dirty="0" err="1"/>
+              <a:t>result</a:t>
+            </a:r>
+            <a:r>
+              <a:rPr lang="da-DK"/>
+              <a:t>” variable</a:t>
+            </a:r>
+            <a:endParaRPr lang="da-DK" dirty="0"/>
           </a:p>
           <a:p>
-            <a:r>
-              <a:rPr lang="en-US" baseline="0" dirty="0"/>
-              <a:t>replace // with / will compute with floats,</a:t>
-            </a:r>
+            <a:endParaRPr lang="da-DK" dirty="0"/>
           </a:p>
           <a:p>
             <a:r>
-              <a:rPr lang="en-US" dirty="0"/>
-              <a:t>&gt;&gt;&gt; print(f'{</a:t>
-            </a:r>
-            <a:r>
-              <a:rPr lang="en-US" dirty="0" err="1"/>
-              <a:t>binomial_A</a:t>
-            </a:r>
-            <a:r>
-              <a:rPr lang="en-US" dirty="0"/>
-              <a:t>(8,5):0.30f}')</a:t>
-            </a:r>
-          </a:p>
-          <a:p>
-            <a:r>
-              <a:rPr lang="en-US" dirty="0"/>
-              <a:t>56.000000000000007105427357601002</a:t>
-            </a:r>
+              <a:rPr lang="da-DK" dirty="0"/>
+              <a:t>In </a:t>
+            </a:r>
+            <a:r>
+              <a:rPr lang="da-DK" dirty="0" err="1"/>
+              <a:t>lecture</a:t>
+            </a:r>
+            <a:r>
+              <a:rPr lang="da-DK" dirty="0"/>
+              <a:t> on </a:t>
+            </a:r>
+            <a:r>
+              <a:rPr lang="da-DK" dirty="0" err="1"/>
+              <a:t>decorators</a:t>
+            </a:r>
+            <a:r>
+              <a:rPr lang="da-DK" dirty="0"/>
+              <a:t> </a:t>
+            </a:r>
+            <a:r>
+              <a:rPr lang="da-DK" dirty="0" err="1"/>
+              <a:t>we</a:t>
+            </a:r>
+            <a:r>
+              <a:rPr lang="da-DK" dirty="0"/>
+              <a:t> </a:t>
+            </a:r>
+            <a:r>
+              <a:rPr lang="da-DK" dirty="0" err="1"/>
+              <a:t>see</a:t>
+            </a:r>
+            <a:r>
+              <a:rPr lang="da-DK" dirty="0"/>
+              <a:t> the </a:t>
+            </a:r>
+            <a:r>
+              <a:rPr lang="da-DK" dirty="0" err="1"/>
+              <a:t>decorator</a:t>
+            </a:r>
+            <a:r>
+              <a:rPr lang="da-DK" dirty="0"/>
+              <a:t> </a:t>
+            </a:r>
+            <a:r>
+              <a:rPr lang="da-DK" b="1" dirty="0"/>
+              <a:t>@trace</a:t>
+            </a:r>
+            <a:r>
+              <a:rPr lang="da-DK" b="0" dirty="0"/>
+              <a:t> </a:t>
+            </a:r>
+            <a:r>
+              <a:rPr lang="da-DK" b="0" dirty="0" err="1"/>
+              <a:t>that</a:t>
+            </a:r>
+            <a:r>
+              <a:rPr lang="da-DK" b="0" dirty="0"/>
+              <a:t> </a:t>
+            </a:r>
+            <a:r>
+              <a:rPr lang="da-DK" b="0" dirty="0" err="1"/>
+              <a:t>automatically</a:t>
+            </a:r>
+            <a:r>
+              <a:rPr lang="da-DK" b="0" dirty="0"/>
+              <a:t> </a:t>
+            </a:r>
+            <a:r>
+              <a:rPr lang="da-DK" b="0" dirty="0" err="1"/>
+              <a:t>adds</a:t>
+            </a:r>
+            <a:r>
+              <a:rPr lang="da-DK" b="0" dirty="0"/>
+              <a:t> the </a:t>
+            </a:r>
+            <a:r>
+              <a:rPr lang="da-DK" b="0" dirty="0" err="1"/>
+              <a:t>this</a:t>
+            </a:r>
+            <a:r>
+              <a:rPr lang="da-DK" b="0" dirty="0"/>
+              <a:t> </a:t>
+            </a:r>
+            <a:r>
+              <a:rPr lang="da-DK" b="0" dirty="0" err="1"/>
+              <a:t>tracing</a:t>
+            </a:r>
+            <a:r>
+              <a:rPr lang="da-DK" b="0" dirty="0"/>
+              <a:t> to a </a:t>
+            </a:r>
+            <a:r>
+              <a:rPr lang="da-DK" b="0" dirty="0" err="1"/>
+              <a:t>recursive</a:t>
+            </a:r>
+            <a:r>
+              <a:rPr lang="da-DK" b="0" dirty="0"/>
+              <a:t> procedure</a:t>
+            </a:r>
+            <a:endParaRPr lang="da-DK" b="1" dirty="0"/>
           </a:p>
         </p:txBody>
       </p:sp>
@@ -2512,7 +2861,7 @@
             <a:spLocks noGrp="1"/>
           </p:cNvSpPr>
           <p:nvPr>
-            <p:ph type="sldNum" sz="quarter" idx="10"/>
+            <p:ph type="sldNum" sz="quarter" idx="5"/>
           </p:nvPr>
         </p:nvSpPr>
         <p:spPr/>
@@ -2522,7 +2871,7 @@
           <a:p>
             <a:fld id="{CD563DD8-32AB-41BE-B1C6-8EAC45222ACE}" type="slidenum">
               <a:rPr lang="en-US" smtClean="0"/>
-              <a:t>11</a:t>
+              <a:t>9</a:t>
             </a:fld>
             <a:endParaRPr lang="en-US"/>
           </a:p>
@@ -2531,7 +2880,7 @@
     </p:spTree>
     <p:extLst>
       <p:ext uri="{BB962C8B-B14F-4D97-AF65-F5344CB8AC3E}">
-        <p14:creationId xmlns:p14="http://schemas.microsoft.com/office/powerpoint/2010/main" val="1522919810"/>
+        <p14:creationId xmlns:p14="http://schemas.microsoft.com/office/powerpoint/2010/main" val="2524276516"/>
       </p:ext>
     </p:extLst>
   </p:cSld>
@@ -2586,34 +2935,39 @@
           <a:lstStyle/>
           <a:p>
             <a:r>
-              <a:rPr lang="en-US" sz="1200" b="1" baseline="0" dirty="0">
-                <a:latin typeface="Courier New" panose="02070309020205020404" pitchFamily="49" charset="0"/>
-                <a:cs typeface="Courier New" panose="02070309020205020404" pitchFamily="49" charset="0"/>
-              </a:rPr>
-              <a:t>Replacing  “</a:t>
-            </a:r>
-            <a:r>
-              <a:rPr lang="en-US" sz="1200" b="1" baseline="0" dirty="0" err="1">
-                <a:latin typeface="Courier New" panose="02070309020205020404" pitchFamily="49" charset="0"/>
-                <a:cs typeface="Courier New" panose="02070309020205020404" pitchFamily="49" charset="0"/>
-              </a:rPr>
-              <a:t>leaves.add</a:t>
-            </a:r>
-            <a:r>
-              <a:rPr lang="en-US" sz="1200" b="1" baseline="0" dirty="0">
-                <a:latin typeface="Courier New" panose="02070309020205020404" pitchFamily="49" charset="0"/>
-                <a:cs typeface="Courier New" panose="02070309020205020404" pitchFamily="49" charset="0"/>
-              </a:rPr>
-              <a:t>(tree)” by “leaves |= {tree}” requires “nonlocal”, since otherwise leaves is assumed to be a local variable, due to </a:t>
-            </a:r>
-            <a:r>
-              <a:rPr lang="en-US" sz="1200" b="1" baseline="0">
-                <a:latin typeface="Courier New" panose="02070309020205020404" pitchFamily="49" charset="0"/>
-                <a:cs typeface="Courier New" panose="02070309020205020404" pitchFamily="49" charset="0"/>
-              </a:rPr>
-              <a:t>the assignment.</a:t>
-            </a:r>
-            <a:endParaRPr lang="da-DK" dirty="0"/>
+              <a:rPr lang="en-US" dirty="0" err="1"/>
+              <a:t>binomial_A</a:t>
+            </a:r>
+            <a:r>
+              <a:rPr lang="en-US" baseline="0" dirty="0"/>
+              <a:t>, temporary result is not integer,</a:t>
+            </a:r>
+          </a:p>
+          <a:p>
+            <a:r>
+              <a:rPr lang="en-US" baseline="0" dirty="0"/>
+              <a:t>replace // with / will compute with floats,</a:t>
+            </a:r>
+          </a:p>
+          <a:p>
+            <a:r>
+              <a:rPr lang="en-US" dirty="0"/>
+              <a:t>&gt;&gt;&gt; print(f'{</a:t>
+            </a:r>
+            <a:r>
+              <a:rPr lang="en-US" dirty="0" err="1"/>
+              <a:t>binomial_A</a:t>
+            </a:r>
+            <a:r>
+              <a:rPr lang="en-US" dirty="0"/>
+              <a:t>(8,5):0.30f}')</a:t>
+            </a:r>
+          </a:p>
+          <a:p>
+            <a:r>
+              <a:rPr lang="en-US" dirty="0"/>
+              <a:t>56.000000000000007105427357601002</a:t>
+            </a:r>
           </a:p>
         </p:txBody>
       </p:sp>
@@ -2624,7 +2978,7 @@
             <a:spLocks noGrp="1"/>
           </p:cNvSpPr>
           <p:nvPr>
-            <p:ph type="sldNum" sz="quarter" idx="5"/>
+            <p:ph type="sldNum" sz="quarter" idx="10"/>
           </p:nvPr>
         </p:nvSpPr>
         <p:spPr/>
@@ -2634,7 +2988,7 @@
           <a:p>
             <a:fld id="{CD563DD8-32AB-41BE-B1C6-8EAC45222ACE}" type="slidenum">
               <a:rPr lang="en-US" smtClean="0"/>
-              <a:t>15</a:t>
+              <a:t>12</a:t>
             </a:fld>
             <a:endParaRPr lang="en-US"/>
           </a:p>
@@ -2643,7 +2997,7 @@
     </p:spTree>
     <p:extLst>
       <p:ext uri="{BB962C8B-B14F-4D97-AF65-F5344CB8AC3E}">
-        <p14:creationId xmlns:p14="http://schemas.microsoft.com/office/powerpoint/2010/main" val="3746329629"/>
+        <p14:creationId xmlns:p14="http://schemas.microsoft.com/office/powerpoint/2010/main" val="1522919810"/>
       </p:ext>
     </p:extLst>
   </p:cSld>
@@ -2790,7 +3144,7 @@
           <a:p>
             <a:fld id="{0560A9CD-0304-4E0B-9E82-E7E0115DE05B}" type="datetimeFigureOut">
               <a:rPr lang="en-US" smtClean="0"/>
-              <a:t>2/26/2023</a:t>
+              <a:t>3/12/2023</a:t>
             </a:fld>
             <a:endParaRPr lang="en-US"/>
           </a:p>
@@ -2958,7 +3312,7 @@
           <a:p>
             <a:fld id="{0560A9CD-0304-4E0B-9E82-E7E0115DE05B}" type="datetimeFigureOut">
               <a:rPr lang="en-US" smtClean="0"/>
-              <a:t>2/26/2023</a:t>
+              <a:t>3/12/2023</a:t>
             </a:fld>
             <a:endParaRPr lang="en-US"/>
           </a:p>
@@ -3136,7 +3490,7 @@
           <a:p>
             <a:fld id="{0560A9CD-0304-4E0B-9E82-E7E0115DE05B}" type="datetimeFigureOut">
               <a:rPr lang="en-US" smtClean="0"/>
-              <a:t>2/26/2023</a:t>
+              <a:t>3/12/2023</a:t>
             </a:fld>
             <a:endParaRPr lang="en-US"/>
           </a:p>
@@ -3319,7 +3673,7 @@
           <a:p>
             <a:fld id="{0560A9CD-0304-4E0B-9E82-E7E0115DE05B}" type="datetimeFigureOut">
               <a:rPr lang="en-US" smtClean="0"/>
-              <a:t>2/26/2023</a:t>
+              <a:t>3/12/2023</a:t>
             </a:fld>
             <a:endParaRPr lang="en-US"/>
           </a:p>
@@ -3564,7 +3918,7 @@
           <a:p>
             <a:fld id="{0560A9CD-0304-4E0B-9E82-E7E0115DE05B}" type="datetimeFigureOut">
               <a:rPr lang="en-US" smtClean="0"/>
-              <a:t>2/26/2023</a:t>
+              <a:t>3/12/2023</a:t>
             </a:fld>
             <a:endParaRPr lang="en-US"/>
           </a:p>
@@ -3793,7 +4147,7 @@
           <a:p>
             <a:fld id="{0560A9CD-0304-4E0B-9E82-E7E0115DE05B}" type="datetimeFigureOut">
               <a:rPr lang="en-US" smtClean="0"/>
-              <a:t>2/26/2023</a:t>
+              <a:t>3/12/2023</a:t>
             </a:fld>
             <a:endParaRPr lang="en-US"/>
           </a:p>
@@ -4157,7 +4511,7 @@
           <a:p>
             <a:fld id="{0560A9CD-0304-4E0B-9E82-E7E0115DE05B}" type="datetimeFigureOut">
               <a:rPr lang="en-US" smtClean="0"/>
-              <a:t>2/26/2023</a:t>
+              <a:t>3/12/2023</a:t>
             </a:fld>
             <a:endParaRPr lang="en-US"/>
           </a:p>
@@ -4274,7 +4628,7 @@
           <a:p>
             <a:fld id="{0560A9CD-0304-4E0B-9E82-E7E0115DE05B}" type="datetimeFigureOut">
               <a:rPr lang="en-US" smtClean="0"/>
-              <a:t>2/26/2023</a:t>
+              <a:t>3/12/2023</a:t>
             </a:fld>
             <a:endParaRPr lang="en-US"/>
           </a:p>
@@ -4369,7 +4723,7 @@
           <a:p>
             <a:fld id="{0560A9CD-0304-4E0B-9E82-E7E0115DE05B}" type="datetimeFigureOut">
               <a:rPr lang="en-US" smtClean="0"/>
-              <a:t>2/26/2023</a:t>
+              <a:t>3/12/2023</a:t>
             </a:fld>
             <a:endParaRPr lang="en-US"/>
           </a:p>
@@ -4644,7 +4998,7 @@
           <a:p>
             <a:fld id="{0560A9CD-0304-4E0B-9E82-E7E0115DE05B}" type="datetimeFigureOut">
               <a:rPr lang="en-US" smtClean="0"/>
-              <a:t>2/26/2023</a:t>
+              <a:t>3/12/2023</a:t>
             </a:fld>
             <a:endParaRPr lang="en-US"/>
           </a:p>
@@ -4896,7 +5250,7 @@
           <a:p>
             <a:fld id="{0560A9CD-0304-4E0B-9E82-E7E0115DE05B}" type="datetimeFigureOut">
               <a:rPr lang="en-US" smtClean="0"/>
-              <a:t>2/26/2023</a:t>
+              <a:t>3/12/2023</a:t>
             </a:fld>
             <a:endParaRPr lang="en-US"/>
           </a:p>
@@ -5107,7 +5461,7 @@
           <a:p>
             <a:fld id="{0560A9CD-0304-4E0B-9E82-E7E0115DE05B}" type="datetimeFigureOut">
               <a:rPr lang="en-US" smtClean="0"/>
-              <a:t>2/26/2023</a:t>
+              <a:t>3/12/2023</a:t>
             </a:fld>
             <a:endParaRPr lang="en-US"/>
           </a:p>
@@ -5590,6 +5944,1038 @@
 </file>
 
 <file path=ppt/slides/slide10.xml><?xml version="1.0" encoding="utf-8"?>
+<p:sld xmlns:a="http://schemas.openxmlformats.org/drawingml/2006/main" xmlns:r="http://schemas.openxmlformats.org/officeDocument/2006/relationships" xmlns:p="http://schemas.openxmlformats.org/presentationml/2006/main">
+  <p:cSld>
+    <p:spTree>
+      <p:nvGrpSpPr>
+        <p:cNvPr id="1" name=""/>
+        <p:cNvGrpSpPr/>
+        <p:nvPr/>
+      </p:nvGrpSpPr>
+      <p:grpSpPr>
+        <a:xfrm>
+          <a:off x="0" y="0"/>
+          <a:ext cx="0" cy="0"/>
+          <a:chOff x="0" y="0"/>
+          <a:chExt cx="0" cy="0"/>
+        </a:xfrm>
+      </p:grpSpPr>
+      <mc:AlternateContent xmlns:mc="http://schemas.openxmlformats.org/markup-compatibility/2006" xmlns:a14="http://schemas.microsoft.com/office/drawing/2010/main">
+        <mc:Choice Requires="a14">
+          <p:sp>
+            <p:nvSpPr>
+              <p:cNvPr id="2" name="Title 1"/>
+              <p:cNvSpPr>
+                <a:spLocks noGrp="1"/>
+              </p:cNvSpPr>
+              <p:nvPr>
+                <p:ph type="title"/>
+              </p:nvPr>
+            </p:nvSpPr>
+            <p:spPr/>
+            <p:txBody>
+              <a:bodyPr/>
+              <a:lstStyle/>
+              <a:p>
+                <a:r>
+                  <a:rPr lang="da-DK" dirty="0"/>
+                  <a:t>Binomial </a:t>
+                </a:r>
+                <a:r>
+                  <a:rPr lang="da-DK" dirty="0" err="1"/>
+                  <a:t>coefficient</a:t>
+                </a:r>
+                <a:r>
+                  <a:rPr lang="da-DK" dirty="0">
+                    <a:latin typeface="+mn-lt"/>
+                  </a:rPr>
+                  <a:t> </a:t>
+                </a:r>
+                <a14:m>
+                  <m:oMath xmlns:m="http://schemas.openxmlformats.org/officeDocument/2006/math">
+                    <m:d>
+                      <m:dPr>
+                        <m:ctrlPr>
+                          <a:rPr lang="da-DK" i="1">
+                            <a:latin typeface="Cambria Math" panose="02040503050406030204" pitchFamily="18" charset="0"/>
+                          </a:rPr>
+                        </m:ctrlPr>
+                      </m:dPr>
+                      <m:e>
+                        <m:m>
+                          <m:mPr>
+                            <m:mcs>
+                              <m:mc>
+                                <m:mcPr>
+                                  <m:count m:val="1"/>
+                                  <m:mcJc m:val="center"/>
+                                </m:mcPr>
+                              </m:mc>
+                            </m:mcs>
+                            <m:ctrlPr>
+                              <a:rPr lang="da-DK" i="1">
+                                <a:latin typeface="Cambria Math" panose="02040503050406030204" pitchFamily="18" charset="0"/>
+                              </a:rPr>
+                            </m:ctrlPr>
+                          </m:mPr>
+                          <m:mr>
+                            <m:e>
+                              <m:r>
+                                <m:rPr>
+                                  <m:nor/>
+                                  <m:brk m:alnAt="7"/>
+                                </m:rPr>
+                                <a:rPr lang="da-DK" b="0">
+                                  <a:latin typeface="+mn-lt"/>
+                                </a:rPr>
+                                <m:t>n</m:t>
+                              </m:r>
+                            </m:e>
+                          </m:mr>
+                          <m:mr>
+                            <m:e>
+                              <m:r>
+                                <m:rPr>
+                                  <m:nor/>
+                                </m:rPr>
+                                <a:rPr lang="da-DK" b="0">
+                                  <a:latin typeface="+mn-lt"/>
+                                </a:rPr>
+                                <m:t>k</m:t>
+                              </m:r>
+                            </m:e>
+                          </m:mr>
+                        </m:m>
+                      </m:e>
+                    </m:d>
+                  </m:oMath>
+                </a14:m>
+                <a:endParaRPr lang="en-US" dirty="0">
+                  <a:latin typeface="+mn-lt"/>
+                </a:endParaRPr>
+              </a:p>
+            </p:txBody>
+          </p:sp>
+        </mc:Choice>
+        <mc:Fallback xmlns="">
+          <p:sp>
+            <p:nvSpPr>
+              <p:cNvPr id="2" name="Title 1"/>
+              <p:cNvSpPr>
+                <a:spLocks noGrp="1" noRot="1" noChangeAspect="1" noMove="1" noResize="1" noEditPoints="1" noAdjustHandles="1" noChangeArrowheads="1" noChangeShapeType="1" noTextEdit="1"/>
+              </p:cNvSpPr>
+              <p:nvPr>
+                <p:ph type="title"/>
+              </p:nvPr>
+            </p:nvSpPr>
+            <p:spPr>
+              <a:blipFill>
+                <a:blip r:embed="rId2"/>
+                <a:stretch>
+                  <a:fillRect l="-2377"/>
+                </a:stretch>
+              </a:blipFill>
+            </p:spPr>
+            <p:txBody>
+              <a:bodyPr/>
+              <a:lstStyle/>
+              <a:p>
+                <a:r>
+                  <a:rPr lang="en-US">
+                    <a:noFill/>
+                  </a:rPr>
+                  <a:t> </a:t>
+                </a:r>
+              </a:p>
+            </p:txBody>
+          </p:sp>
+        </mc:Fallback>
+      </mc:AlternateContent>
+      <mc:AlternateContent xmlns:mc="http://schemas.openxmlformats.org/markup-compatibility/2006" xmlns:a14="http://schemas.microsoft.com/office/drawing/2010/main">
+        <mc:Choice Requires="a14">
+          <p:sp>
+            <p:nvSpPr>
+              <p:cNvPr id="3" name="Content Placeholder 2"/>
+              <p:cNvSpPr>
+                <a:spLocks noGrp="1"/>
+              </p:cNvSpPr>
+              <p:nvPr>
+                <p:ph idx="1"/>
+              </p:nvPr>
+            </p:nvSpPr>
+            <p:spPr>
+              <a:xfrm>
+                <a:off x="461074" y="1986514"/>
+                <a:ext cx="11269852" cy="4491778"/>
+              </a:xfrm>
+            </p:spPr>
+            <p:txBody>
+              <a:bodyPr>
+                <a:normAutofit/>
+              </a:bodyPr>
+              <a:lstStyle/>
+              <a:p>
+                <a:pPr marL="0" indent="0" algn="ctr">
+                  <a:buNone/>
+                </a:pPr>
+                <a:r>
+                  <a:rPr lang="da-DK" dirty="0">
+                    <a:solidFill>
+                      <a:srgbClr val="C00000"/>
+                    </a:solidFill>
+                  </a:rPr>
+                  <a:t>Observation </a:t>
+                </a:r>
+                <a:r>
+                  <a:rPr lang="da-DK" dirty="0"/>
+                  <a:t>  </a:t>
+                </a:r>
+                <a14:m>
+                  <m:oMath xmlns:m="http://schemas.openxmlformats.org/officeDocument/2006/math">
+                    <m:d>
+                      <m:dPr>
+                        <m:ctrlPr>
+                          <a:rPr lang="da-DK" i="1">
+                            <a:latin typeface="Cambria Math" panose="02040503050406030204" pitchFamily="18" charset="0"/>
+                          </a:rPr>
+                        </m:ctrlPr>
+                      </m:dPr>
+                      <m:e>
+                        <m:m>
+                          <m:mPr>
+                            <m:mcs>
+                              <m:mc>
+                                <m:mcPr>
+                                  <m:count m:val="1"/>
+                                  <m:mcJc m:val="center"/>
+                                </m:mcPr>
+                              </m:mc>
+                            </m:mcs>
+                            <m:ctrlPr>
+                              <a:rPr lang="da-DK" i="1">
+                                <a:latin typeface="Cambria Math" panose="02040503050406030204" pitchFamily="18" charset="0"/>
+                              </a:rPr>
+                            </m:ctrlPr>
+                          </m:mPr>
+                          <m:mr>
+                            <m:e>
+                              <m:r>
+                                <m:rPr>
+                                  <m:nor/>
+                                  <m:brk m:alnAt="7"/>
+                                </m:rPr>
+                                <a:rPr lang="da-DK" i="0"/>
+                                <m:t>n</m:t>
+                              </m:r>
+                            </m:e>
+                          </m:mr>
+                          <m:mr>
+                            <m:e>
+                              <m:r>
+                                <m:rPr>
+                                  <m:nor/>
+                                </m:rPr>
+                                <a:rPr lang="da-DK" i="0"/>
+                                <m:t>k</m:t>
+                              </m:r>
+                            </m:e>
+                          </m:mr>
+                        </m:m>
+                      </m:e>
+                    </m:d>
+                    <m:r>
+                      <m:rPr>
+                        <m:nor/>
+                      </m:rPr>
+                      <a:rPr lang="da-DK" b="0" i="0" smtClean="0"/>
+                      <m:t> = </m:t>
+                    </m:r>
+                    <m:f>
+                      <m:fPr>
+                        <m:ctrlPr>
+                          <a:rPr lang="da-DK" b="0" i="1" smtClean="0">
+                            <a:latin typeface="Cambria Math" panose="02040503050406030204" pitchFamily="18" charset="0"/>
+                          </a:rPr>
+                        </m:ctrlPr>
+                      </m:fPr>
+                      <m:num>
+                        <m:r>
+                          <m:rPr>
+                            <m:nor/>
+                          </m:rPr>
+                          <a:rPr lang="da-DK" b="0" i="0" smtClean="0"/>
+                          <m:t>n</m:t>
+                        </m:r>
+                        <m:r>
+                          <m:rPr>
+                            <m:nor/>
+                          </m:rPr>
+                          <a:rPr lang="da-DK" b="0" i="0" smtClean="0"/>
+                          <m:t> !</m:t>
+                        </m:r>
+                      </m:num>
+                      <m:den>
+                        <m:d>
+                          <m:dPr>
+                            <m:ctrlPr>
+                              <a:rPr lang="da-DK" b="0" i="1" smtClean="0">
+                                <a:latin typeface="Cambria Math" panose="02040503050406030204" pitchFamily="18" charset="0"/>
+                              </a:rPr>
+                            </m:ctrlPr>
+                          </m:dPr>
+                          <m:e>
+                            <m:r>
+                              <m:rPr>
+                                <m:nor/>
+                              </m:rPr>
+                              <a:rPr lang="da-DK" b="0" i="0" smtClean="0"/>
+                              <m:t>n</m:t>
+                            </m:r>
+                            <m:r>
+                              <m:rPr>
+                                <m:nor/>
+                              </m:rPr>
+                              <a:rPr lang="da-DK" b="0" i="0" smtClean="0"/>
+                              <m:t> − </m:t>
+                            </m:r>
+                            <m:r>
+                              <m:rPr>
+                                <m:nor/>
+                              </m:rPr>
+                              <a:rPr lang="da-DK" b="0" i="0" smtClean="0"/>
+                              <m:t>k</m:t>
+                            </m:r>
+                          </m:e>
+                        </m:d>
+                        <m:r>
+                          <a:rPr lang="da-DK" b="0" i="1" smtClean="0">
+                            <a:latin typeface="Cambria Math" panose="02040503050406030204" pitchFamily="18" charset="0"/>
+                          </a:rPr>
+                          <m:t> </m:t>
+                        </m:r>
+                        <m:r>
+                          <m:rPr>
+                            <m:nor/>
+                          </m:rPr>
+                          <a:rPr lang="da-DK" b="0" i="0" smtClean="0"/>
+                          <m:t>! </m:t>
+                        </m:r>
+                        <m:r>
+                          <m:rPr>
+                            <m:nor/>
+                          </m:rPr>
+                          <a:rPr lang="da-DK" b="0" i="0" smtClean="0">
+                            <a:ea typeface="Cambria Math" panose="02040503050406030204" pitchFamily="18" charset="0"/>
+                          </a:rPr>
+                          <m:t>∙ </m:t>
+                        </m:r>
+                        <m:r>
+                          <m:rPr>
+                            <m:nor/>
+                          </m:rPr>
+                          <a:rPr lang="da-DK" b="0" i="0" smtClean="0">
+                            <a:ea typeface="Cambria Math" panose="02040503050406030204" pitchFamily="18" charset="0"/>
+                          </a:rPr>
+                          <m:t>k</m:t>
+                        </m:r>
+                        <m:r>
+                          <m:rPr>
+                            <m:nor/>
+                          </m:rPr>
+                          <a:rPr lang="da-DK" b="0" i="0" smtClean="0">
+                            <a:ea typeface="Cambria Math" panose="02040503050406030204" pitchFamily="18" charset="0"/>
+                          </a:rPr>
+                          <m:t> !</m:t>
+                        </m:r>
+                      </m:den>
+                    </m:f>
+                  </m:oMath>
+                </a14:m>
+                <a:endParaRPr lang="da-DK" dirty="0"/>
+              </a:p>
+              <a:p>
+                <a:endParaRPr lang="da-DK" dirty="0"/>
+              </a:p>
+              <a:p>
+                <a:pPr marL="0" indent="0">
+                  <a:buNone/>
+                </a:pPr>
+                <a:endParaRPr lang="da-DK" dirty="0"/>
+              </a:p>
+              <a:p>
+                <a:pPr marL="0" indent="0">
+                  <a:buNone/>
+                </a:pPr>
+                <a:endParaRPr lang="da-DK" dirty="0"/>
+              </a:p>
+              <a:p>
+                <a:pPr marL="0" indent="0">
+                  <a:buNone/>
+                </a:pPr>
+                <a:endParaRPr lang="da-DK" dirty="0"/>
+              </a:p>
+              <a:p>
+                <a:pPr marL="0" indent="0">
+                  <a:buNone/>
+                </a:pPr>
+                <a:endParaRPr lang="da-DK" dirty="0"/>
+              </a:p>
+              <a:p>
+                <a:r>
+                  <a:rPr lang="da-DK" dirty="0"/>
+                  <a:t>Unfolding </a:t>
+                </a:r>
+                <a:r>
+                  <a:rPr lang="da-DK" dirty="0" err="1"/>
+                  <a:t>computation</a:t>
+                </a:r>
+                <a:r>
+                  <a:rPr lang="da-DK" dirty="0"/>
+                  <a:t> shows 2n - 2 </a:t>
+                </a:r>
+                <a:r>
+                  <a:rPr lang="da-DK" dirty="0" err="1"/>
+                  <a:t>multiplications</a:t>
+                </a:r>
+                <a:r>
+                  <a:rPr lang="da-DK" dirty="0"/>
+                  <a:t> and 2 divisions </a:t>
+                </a:r>
+                <a:r>
+                  <a:rPr lang="en-US" dirty="0">
+                    <a:sym typeface="Wingdings" panose="05000000000000000000" pitchFamily="2" charset="2"/>
+                  </a:rPr>
+                  <a:t> </a:t>
+                </a:r>
+                <a:r>
+                  <a:rPr lang="en-US" dirty="0">
+                    <a:solidFill>
+                      <a:srgbClr val="C00000"/>
+                    </a:solidFill>
+                    <a:sym typeface="Wingdings" panose="05000000000000000000" pitchFamily="2" charset="2"/>
+                  </a:rPr>
+                  <a:t>fast</a:t>
+                </a:r>
+              </a:p>
+              <a:p>
+                <a:r>
+                  <a:rPr lang="da-DK" dirty="0" err="1">
+                    <a:sym typeface="Wingdings" panose="05000000000000000000" pitchFamily="2" charset="2"/>
+                  </a:rPr>
+                  <a:t>Intermediate</a:t>
+                </a:r>
+                <a:r>
+                  <a:rPr lang="da-DK" dirty="0">
+                    <a:sym typeface="Wingdings" panose="05000000000000000000" pitchFamily="2" charset="2"/>
+                  </a:rPr>
+                  <a:t> </a:t>
+                </a:r>
+                <a:r>
+                  <a:rPr lang="da-DK" dirty="0" err="1">
+                    <a:sym typeface="Wingdings" panose="05000000000000000000" pitchFamily="2" charset="2"/>
+                  </a:rPr>
+                  <a:t>value</a:t>
+                </a:r>
+                <a:r>
+                  <a:rPr lang="da-DK" dirty="0">
+                    <a:sym typeface="Wingdings" panose="05000000000000000000" pitchFamily="2" charset="2"/>
+                  </a:rPr>
+                  <a:t> n !  </a:t>
+                </a:r>
+                <a:r>
+                  <a:rPr lang="da-DK" dirty="0" err="1">
+                    <a:sym typeface="Wingdings" panose="05000000000000000000" pitchFamily="2" charset="2"/>
+                  </a:rPr>
+                  <a:t>can</a:t>
+                </a:r>
+                <a:r>
+                  <a:rPr lang="da-DK" dirty="0">
+                    <a:sym typeface="Wingdings" panose="05000000000000000000" pitchFamily="2" charset="2"/>
+                  </a:rPr>
+                  <a:t> have </a:t>
+                </a:r>
+                <a:r>
+                  <a:rPr lang="da-DK" dirty="0" err="1">
+                    <a:sym typeface="Wingdings" panose="05000000000000000000" pitchFamily="2" charset="2"/>
+                  </a:rPr>
+                  <a:t>significantly</a:t>
+                </a:r>
+                <a:r>
+                  <a:rPr lang="da-DK" dirty="0">
+                    <a:sym typeface="Wingdings" panose="05000000000000000000" pitchFamily="2" charset="2"/>
+                  </a:rPr>
+                  <a:t> more </a:t>
+                </a:r>
+                <a:r>
+                  <a:rPr lang="da-DK" dirty="0" err="1">
+                    <a:sym typeface="Wingdings" panose="05000000000000000000" pitchFamily="2" charset="2"/>
+                  </a:rPr>
+                  <a:t>digits</a:t>
+                </a:r>
+                <a:r>
+                  <a:rPr lang="da-DK" dirty="0">
+                    <a:sym typeface="Wingdings" panose="05000000000000000000" pitchFamily="2" charset="2"/>
+                  </a:rPr>
+                  <a:t> </a:t>
+                </a:r>
+                <a:r>
+                  <a:rPr lang="da-DK" dirty="0" err="1">
+                    <a:sym typeface="Wingdings" panose="05000000000000000000" pitchFamily="2" charset="2"/>
+                  </a:rPr>
+                  <a:t>than</a:t>
+                </a:r>
+                <a:r>
+                  <a:rPr lang="da-DK" dirty="0">
+                    <a:sym typeface="Wingdings" panose="05000000000000000000" pitchFamily="2" charset="2"/>
+                  </a:rPr>
+                  <a:t> </a:t>
+                </a:r>
+                <a:r>
+                  <a:rPr lang="en-US" dirty="0">
+                    <a:sym typeface="Wingdings" panose="05000000000000000000" pitchFamily="2" charset="2"/>
+                  </a:rPr>
+                  <a:t>result (</a:t>
+                </a:r>
+                <a:r>
+                  <a:rPr lang="en-US" dirty="0">
+                    <a:solidFill>
+                      <a:srgbClr val="C00000"/>
+                    </a:solidFill>
+                    <a:sym typeface="Wingdings" panose="05000000000000000000" pitchFamily="2" charset="2"/>
+                  </a:rPr>
+                  <a:t>bad</a:t>
+                </a:r>
+                <a:r>
+                  <a:rPr lang="en-US" dirty="0">
+                    <a:sym typeface="Wingdings" panose="05000000000000000000" pitchFamily="2" charset="2"/>
+                  </a:rPr>
+                  <a:t>)</a:t>
+                </a:r>
+                <a:endParaRPr lang="en-US" dirty="0"/>
+              </a:p>
+            </p:txBody>
+          </p:sp>
+        </mc:Choice>
+        <mc:Fallback xmlns="">
+          <p:sp>
+            <p:nvSpPr>
+              <p:cNvPr id="3" name="Content Placeholder 2"/>
+              <p:cNvSpPr>
+                <a:spLocks noGrp="1" noRot="1" noChangeAspect="1" noMove="1" noResize="1" noEditPoints="1" noAdjustHandles="1" noChangeArrowheads="1" noChangeShapeType="1" noTextEdit="1"/>
+              </p:cNvSpPr>
+              <p:nvPr>
+                <p:ph idx="1"/>
+              </p:nvPr>
+            </p:nvSpPr>
+            <p:spPr>
+              <a:xfrm>
+                <a:off x="461074" y="1986514"/>
+                <a:ext cx="11269852" cy="4491778"/>
+              </a:xfrm>
+              <a:blipFill>
+                <a:blip r:embed="rId3"/>
+                <a:stretch>
+                  <a:fillRect l="-974" r="-703" b="-814"/>
+                </a:stretch>
+              </a:blipFill>
+            </p:spPr>
+            <p:txBody>
+              <a:bodyPr/>
+              <a:lstStyle/>
+              <a:p>
+                <a:r>
+                  <a:rPr lang="en-US">
+                    <a:noFill/>
+                  </a:rPr>
+                  <a:t> </a:t>
+                </a:r>
+              </a:p>
+            </p:txBody>
+          </p:sp>
+        </mc:Fallback>
+      </mc:AlternateContent>
+      <p:graphicFrame>
+        <p:nvGraphicFramePr>
+          <p:cNvPr id="4" name="Table 3"/>
+          <p:cNvGraphicFramePr>
+            <a:graphicFrameLocks noGrp="1"/>
+          </p:cNvGraphicFramePr>
+          <p:nvPr>
+            <p:extLst>
+              <p:ext uri="{D42A27DB-BD31-4B8C-83A1-F6EECF244321}">
+                <p14:modId xmlns:p14="http://schemas.microsoft.com/office/powerpoint/2010/main" val="3475613545"/>
+              </p:ext>
+            </p:extLst>
+          </p:nvPr>
+        </p:nvGraphicFramePr>
+        <p:xfrm>
+          <a:off x="1908810" y="3483197"/>
+          <a:ext cx="8374380" cy="1097441"/>
+        </p:xfrm>
+        <a:graphic>
+          <a:graphicData uri="http://schemas.openxmlformats.org/drawingml/2006/table">
+            <a:tbl>
+              <a:tblPr firstRow="1" bandRow="1">
+                <a:tableStyleId>{5C22544A-7EE6-4342-B048-85BDC9FD1C3A}</a:tableStyleId>
+              </a:tblPr>
+              <a:tblGrid>
+                <a:gridCol w="8374380">
+                  <a:extLst>
+                    <a:ext uri="{9D8B030D-6E8A-4147-A177-3AD203B41FA5}">
+                      <a16:colId xmlns:a16="http://schemas.microsoft.com/office/drawing/2014/main" val="1873682825"/>
+                    </a:ext>
+                  </a:extLst>
+                </a:gridCol>
+              </a:tblGrid>
+              <a:tr h="182920">
+                <a:tc>
+                  <a:txBody>
+                    <a:bodyPr/>
+                    <a:lstStyle/>
+                    <a:p>
+                      <a:r>
+                        <a:rPr lang="da-DK" sz="1800" b="1" dirty="0">
+                          <a:latin typeface="Courier New" panose="02070309020205020404" pitchFamily="49" charset="0"/>
+                          <a:cs typeface="Courier New" panose="02070309020205020404" pitchFamily="49" charset="0"/>
+                        </a:rPr>
+                        <a:t>binomial_factorial.py</a:t>
+                      </a:r>
+                    </a:p>
+                  </a:txBody>
+                  <a:tcPr anchor="ctr">
+                    <a:lnL w="6350" cap="flat" cmpd="sng" algn="ctr">
+                      <a:solidFill>
+                        <a:schemeClr val="tx1"/>
+                      </a:solidFill>
+                      <a:prstDash val="solid"/>
+                      <a:round/>
+                      <a:headEnd type="none" w="med" len="med"/>
+                      <a:tailEnd type="none" w="med" len="med"/>
+                    </a:lnL>
+                    <a:lnR w="6350" cap="flat" cmpd="sng" algn="ctr">
+                      <a:solidFill>
+                        <a:schemeClr val="tx1"/>
+                      </a:solidFill>
+                      <a:prstDash val="solid"/>
+                      <a:round/>
+                      <a:headEnd type="none" w="med" len="med"/>
+                      <a:tailEnd type="none" w="med" len="med"/>
+                    </a:lnR>
+                    <a:lnT w="6350" cap="flat" cmpd="sng" algn="ctr">
+                      <a:solidFill>
+                        <a:schemeClr val="tx1"/>
+                      </a:solidFill>
+                      <a:prstDash val="solid"/>
+                      <a:round/>
+                      <a:headEnd type="none" w="med" len="med"/>
+                      <a:tailEnd type="none" w="med" len="med"/>
+                    </a:lnT>
+                    <a:lnB w="6350" cap="flat" cmpd="sng" algn="ctr">
+                      <a:solidFill>
+                        <a:schemeClr val="tx1"/>
+                      </a:solidFill>
+                      <a:prstDash val="solid"/>
+                      <a:round/>
+                      <a:headEnd type="none" w="med" len="med"/>
+                      <a:tailEnd type="none" w="med" len="med"/>
+                    </a:lnB>
+                    <a:lnTlToBr w="12700" cmpd="sng">
+                      <a:noFill/>
+                      <a:prstDash val="solid"/>
+                    </a:lnTlToBr>
+                    <a:lnBlToTr w="12700" cmpd="sng">
+                      <a:noFill/>
+                      <a:prstDash val="solid"/>
+                    </a:lnBlToTr>
+                    <a:solidFill>
+                      <a:srgbClr val="C00000"/>
+                    </a:solidFill>
+                  </a:tcPr>
+                </a:tc>
+                <a:extLst>
+                  <a:ext uri="{0D108BD9-81ED-4DB2-BD59-A6C34878D82A}">
+                    <a16:rowId xmlns:a16="http://schemas.microsoft.com/office/drawing/2014/main" val="3330819881"/>
+                  </a:ext>
+                </a:extLst>
+              </a:tr>
+              <a:tr h="731681">
+                <a:tc>
+                  <a:txBody>
+                    <a:bodyPr/>
+                    <a:lstStyle/>
+                    <a:p>
+                      <a:r>
+                        <a:rPr lang="en-US" sz="1800" b="1" dirty="0" err="1">
+                          <a:latin typeface="Courier New" panose="02070309020205020404" pitchFamily="49" charset="0"/>
+                          <a:cs typeface="Courier New" panose="02070309020205020404" pitchFamily="49" charset="0"/>
+                        </a:rPr>
+                        <a:t>def</a:t>
+                      </a:r>
+                      <a:r>
+                        <a:rPr lang="en-US" sz="1800" b="1" dirty="0">
+                          <a:latin typeface="Courier New" panose="02070309020205020404" pitchFamily="49" charset="0"/>
+                          <a:cs typeface="Courier New" panose="02070309020205020404" pitchFamily="49" charset="0"/>
+                        </a:rPr>
+                        <a:t> binomial(n, k):</a:t>
+                      </a:r>
+                    </a:p>
+                    <a:p>
+                      <a:r>
+                        <a:rPr lang="en-US" sz="1800" b="1" dirty="0">
+                          <a:latin typeface="Courier New" panose="02070309020205020404" pitchFamily="49" charset="0"/>
+                          <a:cs typeface="Courier New" panose="02070309020205020404" pitchFamily="49" charset="0"/>
+                        </a:rPr>
+                        <a:t>    return factorial(n) // factorial(k) // factorial(n - k)</a:t>
+                      </a:r>
+                      <a:endParaRPr lang="pt-BR" sz="1800" b="1" dirty="0">
+                        <a:latin typeface="Courier New" panose="02070309020205020404" pitchFamily="49" charset="0"/>
+                        <a:cs typeface="Courier New" panose="02070309020205020404" pitchFamily="49" charset="0"/>
+                      </a:endParaRPr>
+                    </a:p>
+                  </a:txBody>
+                  <a:tcPr>
+                    <a:lnL w="6350" cap="flat" cmpd="sng" algn="ctr">
+                      <a:solidFill>
+                        <a:schemeClr val="tx1"/>
+                      </a:solidFill>
+                      <a:prstDash val="solid"/>
+                      <a:round/>
+                      <a:headEnd type="none" w="med" len="med"/>
+                      <a:tailEnd type="none" w="med" len="med"/>
+                    </a:lnL>
+                    <a:lnR w="6350" cap="flat" cmpd="sng" algn="ctr">
+                      <a:solidFill>
+                        <a:schemeClr val="tx1"/>
+                      </a:solidFill>
+                      <a:prstDash val="solid"/>
+                      <a:round/>
+                      <a:headEnd type="none" w="med" len="med"/>
+                      <a:tailEnd type="none" w="med" len="med"/>
+                    </a:lnR>
+                    <a:lnT w="6350" cap="flat" cmpd="sng" algn="ctr">
+                      <a:solidFill>
+                        <a:schemeClr val="tx1"/>
+                      </a:solidFill>
+                      <a:prstDash val="solid"/>
+                      <a:round/>
+                      <a:headEnd type="none" w="med" len="med"/>
+                      <a:tailEnd type="none" w="med" len="med"/>
+                    </a:lnT>
+                    <a:lnB w="6350" cap="flat" cmpd="sng" algn="ctr">
+                      <a:solidFill>
+                        <a:schemeClr val="tx1"/>
+                      </a:solidFill>
+                      <a:prstDash val="solid"/>
+                      <a:round/>
+                      <a:headEnd type="none" w="med" len="med"/>
+                      <a:tailEnd type="none" w="med" len="med"/>
+                    </a:lnB>
+                    <a:lnTlToBr w="12700" cmpd="sng">
+                      <a:noFill/>
+                      <a:prstDash val="solid"/>
+                    </a:lnTlToBr>
+                    <a:lnBlToTr w="12700" cmpd="sng">
+                      <a:noFill/>
+                      <a:prstDash val="solid"/>
+                    </a:lnBlToTr>
+                    <a:solidFill>
+                      <a:schemeClr val="accent5">
+                        <a:lumMod val="20000"/>
+                        <a:lumOff val="80000"/>
+                      </a:schemeClr>
+                    </a:solidFill>
+                  </a:tcPr>
+                </a:tc>
+                <a:extLst>
+                  <a:ext uri="{0D108BD9-81ED-4DB2-BD59-A6C34878D82A}">
+                    <a16:rowId xmlns:a16="http://schemas.microsoft.com/office/drawing/2014/main" val="4112970457"/>
+                  </a:ext>
+                </a:extLst>
+              </a:tr>
+            </a:tbl>
+          </a:graphicData>
+        </a:graphic>
+      </p:graphicFrame>
+    </p:spTree>
+    <p:extLst>
+      <p:ext uri="{BB962C8B-B14F-4D97-AF65-F5344CB8AC3E}">
+        <p14:creationId xmlns:p14="http://schemas.microsoft.com/office/powerpoint/2010/main" val="1526489455"/>
+      </p:ext>
+    </p:extLst>
+  </p:cSld>
+  <p:clrMapOvr>
+    <a:masterClrMapping/>
+  </p:clrMapOvr>
+  <p:timing>
+    <p:tnLst>
+      <p:par>
+        <p:cTn id="1" dur="indefinite" restart="never" nodeType="tmRoot">
+          <p:childTnLst>
+            <p:seq concurrent="1" nextAc="seek">
+              <p:cTn id="2" dur="indefinite" nodeType="mainSeq">
+                <p:childTnLst>
+                  <p:par>
+                    <p:cTn id="3" fill="hold">
+                      <p:stCondLst>
+                        <p:cond delay="indefinite"/>
+                      </p:stCondLst>
+                      <p:childTnLst>
+                        <p:par>
+                          <p:cTn id="4" fill="hold">
+                            <p:stCondLst>
+                              <p:cond delay="0"/>
+                            </p:stCondLst>
+                            <p:childTnLst>
+                              <p:par>
+                                <p:cTn id="5" presetID="10" presetClass="entr" presetSubtype="0" fill="hold" nodeType="clickEffect">
+                                  <p:stCondLst>
+                                    <p:cond delay="0"/>
+                                  </p:stCondLst>
+                                  <p:childTnLst>
+                                    <p:set>
+                                      <p:cBhvr>
+                                        <p:cTn id="6" dur="1" fill="hold">
+                                          <p:stCondLst>
+                                            <p:cond delay="0"/>
+                                          </p:stCondLst>
+                                        </p:cTn>
+                                        <p:tgtEl>
+                                          <p:spTgt spid="3">
+                                            <p:txEl>
+                                              <p:pRg st="0" end="0"/>
+                                            </p:txEl>
+                                          </p:spTgt>
+                                        </p:tgtEl>
+                                        <p:attrNameLst>
+                                          <p:attrName>style.visibility</p:attrName>
+                                        </p:attrNameLst>
+                                      </p:cBhvr>
+                                      <p:to>
+                                        <p:strVal val="visible"/>
+                                      </p:to>
+                                    </p:set>
+                                    <p:animEffect transition="in" filter="fade">
+                                      <p:cBhvr>
+                                        <p:cTn id="7" dur="500"/>
+                                        <p:tgtEl>
+                                          <p:spTgt spid="3">
+                                            <p:txEl>
+                                              <p:pRg st="0" end="0"/>
+                                            </p:txEl>
+                                          </p:spTgt>
+                                        </p:tgtEl>
+                                      </p:cBhvr>
+                                    </p:animEffect>
+                                  </p:childTnLst>
+                                </p:cTn>
+                              </p:par>
+                            </p:childTnLst>
+                          </p:cTn>
+                        </p:par>
+                      </p:childTnLst>
+                    </p:cTn>
+                  </p:par>
+                  <p:par>
+                    <p:cTn id="8" fill="hold">
+                      <p:stCondLst>
+                        <p:cond delay="indefinite"/>
+                      </p:stCondLst>
+                      <p:childTnLst>
+                        <p:par>
+                          <p:cTn id="9" fill="hold">
+                            <p:stCondLst>
+                              <p:cond delay="0"/>
+                            </p:stCondLst>
+                            <p:childTnLst>
+                              <p:par>
+                                <p:cTn id="10" presetID="10" presetClass="entr" presetSubtype="0" fill="hold" nodeType="clickEffect">
+                                  <p:stCondLst>
+                                    <p:cond delay="0"/>
+                                  </p:stCondLst>
+                                  <p:childTnLst>
+                                    <p:set>
+                                      <p:cBhvr>
+                                        <p:cTn id="11" dur="1" fill="hold">
+                                          <p:stCondLst>
+                                            <p:cond delay="0"/>
+                                          </p:stCondLst>
+                                        </p:cTn>
+                                        <p:tgtEl>
+                                          <p:spTgt spid="4"/>
+                                        </p:tgtEl>
+                                        <p:attrNameLst>
+                                          <p:attrName>style.visibility</p:attrName>
+                                        </p:attrNameLst>
+                                      </p:cBhvr>
+                                      <p:to>
+                                        <p:strVal val="visible"/>
+                                      </p:to>
+                                    </p:set>
+                                    <p:animEffect transition="in" filter="fade">
+                                      <p:cBhvr>
+                                        <p:cTn id="12" dur="500"/>
+                                        <p:tgtEl>
+                                          <p:spTgt spid="4"/>
+                                        </p:tgtEl>
+                                      </p:cBhvr>
+                                    </p:animEffect>
+                                  </p:childTnLst>
+                                </p:cTn>
+                              </p:par>
+                            </p:childTnLst>
+                          </p:cTn>
+                        </p:par>
+                      </p:childTnLst>
+                    </p:cTn>
+                  </p:par>
+                  <p:par>
+                    <p:cTn id="13" fill="hold">
+                      <p:stCondLst>
+                        <p:cond delay="indefinite"/>
+                      </p:stCondLst>
+                      <p:childTnLst>
+                        <p:par>
+                          <p:cTn id="14" fill="hold">
+                            <p:stCondLst>
+                              <p:cond delay="0"/>
+                            </p:stCondLst>
+                            <p:childTnLst>
+                              <p:par>
+                                <p:cTn id="15" presetID="10" presetClass="entr" presetSubtype="0" fill="hold" nodeType="clickEffect">
+                                  <p:stCondLst>
+                                    <p:cond delay="0"/>
+                                  </p:stCondLst>
+                                  <p:childTnLst>
+                                    <p:set>
+                                      <p:cBhvr>
+                                        <p:cTn id="16" dur="1" fill="hold">
+                                          <p:stCondLst>
+                                            <p:cond delay="0"/>
+                                          </p:stCondLst>
+                                        </p:cTn>
+                                        <p:tgtEl>
+                                          <p:spTgt spid="3">
+                                            <p:txEl>
+                                              <p:pRg st="6" end="6"/>
+                                            </p:txEl>
+                                          </p:spTgt>
+                                        </p:tgtEl>
+                                        <p:attrNameLst>
+                                          <p:attrName>style.visibility</p:attrName>
+                                        </p:attrNameLst>
+                                      </p:cBhvr>
+                                      <p:to>
+                                        <p:strVal val="visible"/>
+                                      </p:to>
+                                    </p:set>
+                                    <p:animEffect transition="in" filter="fade">
+                                      <p:cBhvr>
+                                        <p:cTn id="17" dur="500"/>
+                                        <p:tgtEl>
+                                          <p:spTgt spid="3">
+                                            <p:txEl>
+                                              <p:pRg st="6" end="6"/>
+                                            </p:txEl>
+                                          </p:spTgt>
+                                        </p:tgtEl>
+                                      </p:cBhvr>
+                                    </p:animEffect>
+                                  </p:childTnLst>
+                                </p:cTn>
+                              </p:par>
+                            </p:childTnLst>
+                          </p:cTn>
+                        </p:par>
+                      </p:childTnLst>
+                    </p:cTn>
+                  </p:par>
+                  <p:par>
+                    <p:cTn id="18" fill="hold">
+                      <p:stCondLst>
+                        <p:cond delay="indefinite"/>
+                      </p:stCondLst>
+                      <p:childTnLst>
+                        <p:par>
+                          <p:cTn id="19" fill="hold">
+                            <p:stCondLst>
+                              <p:cond delay="0"/>
+                            </p:stCondLst>
+                            <p:childTnLst>
+                              <p:par>
+                                <p:cTn id="20" presetID="10" presetClass="entr" presetSubtype="0" fill="hold" nodeType="clickEffect">
+                                  <p:stCondLst>
+                                    <p:cond delay="0"/>
+                                  </p:stCondLst>
+                                  <p:childTnLst>
+                                    <p:set>
+                                      <p:cBhvr>
+                                        <p:cTn id="21" dur="1" fill="hold">
+                                          <p:stCondLst>
+                                            <p:cond delay="0"/>
+                                          </p:stCondLst>
+                                        </p:cTn>
+                                        <p:tgtEl>
+                                          <p:spTgt spid="3">
+                                            <p:txEl>
+                                              <p:pRg st="7" end="7"/>
+                                            </p:txEl>
+                                          </p:spTgt>
+                                        </p:tgtEl>
+                                        <p:attrNameLst>
+                                          <p:attrName>style.visibility</p:attrName>
+                                        </p:attrNameLst>
+                                      </p:cBhvr>
+                                      <p:to>
+                                        <p:strVal val="visible"/>
+                                      </p:to>
+                                    </p:set>
+                                    <p:animEffect transition="in" filter="fade">
+                                      <p:cBhvr>
+                                        <p:cTn id="22" dur="500"/>
+                                        <p:tgtEl>
+                                          <p:spTgt spid="3">
+                                            <p:txEl>
+                                              <p:pRg st="7" end="7"/>
+                                            </p:txEl>
+                                          </p:spTgt>
+                                        </p:tgtEl>
+                                      </p:cBhvr>
+                                    </p:animEffect>
+                                  </p:childTnLst>
+                                </p:cTn>
+                              </p:par>
+                            </p:childTnLst>
+                          </p:cTn>
+                        </p:par>
+                      </p:childTnLst>
+                    </p:cTn>
+                  </p:par>
+                </p:childTnLst>
+              </p:cTn>
+              <p:prevCondLst>
+                <p:cond evt="onPrev" delay="0">
+                  <p:tgtEl>
+                    <p:sldTgt/>
+                  </p:tgtEl>
+                </p:cond>
+              </p:prevCondLst>
+              <p:nextCondLst>
+                <p:cond evt="onNext" delay="0">
+                  <p:tgtEl>
+                    <p:sldTgt/>
+                  </p:tgtEl>
+                </p:cond>
+              </p:nextCondLst>
+            </p:seq>
+          </p:childTnLst>
+        </p:cTn>
+      </p:par>
+    </p:tnLst>
+  </p:timing>
+</p:sld>
+</file>
+
+<file path=ppt/slides/slide11.xml><?xml version="1.0" encoding="utf-8"?>
 <p:sld xmlns:a="http://schemas.openxmlformats.org/drawingml/2006/main" xmlns:r="http://schemas.openxmlformats.org/officeDocument/2006/relationships" xmlns:p="http://schemas.openxmlformats.org/presentationml/2006/main">
   <p:cSld>
     <p:spTree>
@@ -6913,7 +8299,7 @@
 </p:sld>
 </file>
 
-<file path=ppt/slides/slide11.xml><?xml version="1.0" encoding="utf-8"?>
+<file path=ppt/slides/slide12.xml><?xml version="1.0" encoding="utf-8"?>
 <p:sld xmlns:a="http://schemas.openxmlformats.org/drawingml/2006/main" xmlns:r="http://schemas.openxmlformats.org/officeDocument/2006/relationships" xmlns:p="http://schemas.openxmlformats.org/presentationml/2006/main">
   <p:cSld>
     <p:bg>
@@ -8579,7 +9965,7 @@
 </p:sld>
 </file>
 
-<file path=ppt/slides/slide12.xml><?xml version="1.0" encoding="utf-8"?>
+<file path=ppt/slides/slide13.xml><?xml version="1.0" encoding="utf-8"?>
 <p:sld xmlns:a="http://schemas.openxmlformats.org/drawingml/2006/main" xmlns:r="http://schemas.openxmlformats.org/officeDocument/2006/relationships" xmlns:p="http://schemas.openxmlformats.org/presentationml/2006/main">
   <p:cSld>
     <p:spTree>
@@ -9207,7 +10593,7 @@
 </p:sld>
 </file>
 
-<file path=ppt/slides/slide13.xml><?xml version="1.0" encoding="utf-8"?>
+<file path=ppt/slides/slide14.xml><?xml version="1.0" encoding="utf-8"?>
 <p:sld xmlns:a="http://schemas.openxmlformats.org/drawingml/2006/main" xmlns:r="http://schemas.openxmlformats.org/officeDocument/2006/relationships" xmlns:p="http://schemas.openxmlformats.org/presentationml/2006/main">
   <p:cSld>
     <p:bg>
@@ -10048,7 +11434,7 @@
 </p:sld>
 </file>
 
-<file path=ppt/slides/slide14.xml><?xml version="1.0" encoding="utf-8"?>
+<file path=ppt/slides/slide15.xml><?xml version="1.0" encoding="utf-8"?>
 <p:sld xmlns:a="http://schemas.openxmlformats.org/drawingml/2006/main" xmlns:r="http://schemas.openxmlformats.org/officeDocument/2006/relationships" xmlns:p="http://schemas.openxmlformats.org/presentationml/2006/main">
   <p:cSld>
     <p:spTree>
@@ -11323,7 +12709,7 @@
 </p:sld>
 </file>
 
-<file path=ppt/slides/slide15.xml><?xml version="1.0" encoding="utf-8"?>
+<file path=ppt/slides/slide16.xml><?xml version="1.0" encoding="utf-8"?>
 <p:sld xmlns:a="http://schemas.openxmlformats.org/drawingml/2006/main" xmlns:r="http://schemas.openxmlformats.org/officeDocument/2006/relationships" xmlns:p="http://schemas.openxmlformats.org/presentationml/2006/main">
   <p:cSld>
     <p:spTree>
@@ -12037,7 +13423,7 @@
 </p:sld>
 </file>
 
-<file path=ppt/slides/slide16.xml><?xml version="1.0" encoding="utf-8"?>
+<file path=ppt/slides/slide17.xml><?xml version="1.0" encoding="utf-8"?>
 <p:sld xmlns:a="http://schemas.openxmlformats.org/drawingml/2006/main" xmlns:r="http://schemas.openxmlformats.org/officeDocument/2006/relationships" xmlns:p="http://schemas.openxmlformats.org/presentationml/2006/main">
   <p:cSld>
     <p:spTree>
@@ -12723,7 +14109,7 @@
 </p:sld>
 </file>
 
-<file path=ppt/slides/slide17.xml><?xml version="1.0" encoding="utf-8"?>
+<file path=ppt/slides/slide18.xml><?xml version="1.0" encoding="utf-8"?>
 <p:sld xmlns:a="http://schemas.openxmlformats.org/drawingml/2006/main" xmlns:r="http://schemas.openxmlformats.org/officeDocument/2006/relationships" xmlns:p="http://schemas.openxmlformats.org/presentationml/2006/main">
   <p:cSld>
     <p:spTree>
@@ -12752,641 +14138,7 @@
         </p:nvSpPr>
         <p:spPr>
           <a:xfrm>
-            <a:off x="954391" y="2763606"/>
-            <a:ext cx="3266361" cy="1325563"/>
-          </a:xfrm>
-        </p:spPr>
-        <p:txBody>
-          <a:bodyPr/>
-          <a:lstStyle/>
-          <a:p>
-            <a:r>
-              <a:rPr lang="da-DK" dirty="0"/>
-              <a:t>Koch </a:t>
-            </a:r>
-            <a:r>
-              <a:rPr lang="da-DK" dirty="0" err="1"/>
-              <a:t>Curves</a:t>
-            </a:r>
-            <a:endParaRPr lang="en-US" dirty="0"/>
-          </a:p>
-        </p:txBody>
-      </p:sp>
-      <p:pic>
-        <p:nvPicPr>
-          <p:cNvPr id="3" name="Picture 2"/>
-          <p:cNvPicPr>
-            <a:picLocks noChangeAspect="1"/>
-          </p:cNvPicPr>
-          <p:nvPr/>
-        </p:nvPicPr>
-        <p:blipFill>
-          <a:blip r:embed="rId3"/>
-          <a:stretch>
-            <a:fillRect/>
-          </a:stretch>
-        </p:blipFill>
-        <p:spPr>
-          <a:xfrm>
-            <a:off x="5323476" y="281281"/>
-            <a:ext cx="4495800" cy="209550"/>
-          </a:xfrm>
-          <a:prstGeom prst="rect">
-            <a:avLst/>
-          </a:prstGeom>
-        </p:spPr>
-      </p:pic>
-      <p:pic>
-        <p:nvPicPr>
-          <p:cNvPr id="5" name="Picture 4"/>
-          <p:cNvPicPr>
-            <a:picLocks noChangeAspect="1"/>
-          </p:cNvPicPr>
-          <p:nvPr/>
-        </p:nvPicPr>
-        <p:blipFill rotWithShape="1">
-          <a:blip r:embed="rId4"/>
-          <a:srcRect r="3140" b="2321"/>
-          <a:stretch/>
-        </p:blipFill>
-        <p:spPr>
-          <a:xfrm>
-            <a:off x="5270988" y="656645"/>
-            <a:ext cx="4520712" cy="1311855"/>
-          </a:xfrm>
-          <a:prstGeom prst="rect">
-            <a:avLst/>
-          </a:prstGeom>
-        </p:spPr>
-      </p:pic>
-      <p:pic>
-        <p:nvPicPr>
-          <p:cNvPr id="6" name="Picture 5"/>
-          <p:cNvPicPr>
-            <a:picLocks noChangeAspect="1"/>
-          </p:cNvPicPr>
-          <p:nvPr/>
-        </p:nvPicPr>
-        <p:blipFill>
-          <a:blip r:embed="rId5"/>
-          <a:stretch>
-            <a:fillRect/>
-          </a:stretch>
-        </p:blipFill>
-        <p:spPr>
-          <a:xfrm>
-            <a:off x="5380326" y="2165484"/>
-            <a:ext cx="4410075" cy="1333500"/>
-          </a:xfrm>
-          <a:prstGeom prst="rect">
-            <a:avLst/>
-          </a:prstGeom>
-        </p:spPr>
-      </p:pic>
-      <p:pic>
-        <p:nvPicPr>
-          <p:cNvPr id="8" name="Picture 7"/>
-          <p:cNvPicPr>
-            <a:picLocks noChangeAspect="1"/>
-          </p:cNvPicPr>
-          <p:nvPr/>
-        </p:nvPicPr>
-        <p:blipFill>
-          <a:blip r:embed="rId6"/>
-          <a:stretch>
-            <a:fillRect/>
-          </a:stretch>
-        </p:blipFill>
-        <p:spPr>
-          <a:xfrm>
-            <a:off x="5366488" y="3664798"/>
-            <a:ext cx="4572000" cy="1323975"/>
-          </a:xfrm>
-          <a:prstGeom prst="rect">
-            <a:avLst/>
-          </a:prstGeom>
-        </p:spPr>
-      </p:pic>
-      <p:pic>
-        <p:nvPicPr>
-          <p:cNvPr id="9" name="Picture 8"/>
-          <p:cNvPicPr>
-            <a:picLocks noChangeAspect="1"/>
-          </p:cNvPicPr>
-          <p:nvPr/>
-        </p:nvPicPr>
-        <p:blipFill rotWithShape="1">
-          <a:blip r:embed="rId7"/>
-          <a:srcRect t="1486"/>
-          <a:stretch/>
-        </p:blipFill>
-        <p:spPr>
-          <a:xfrm>
-            <a:off x="5414113" y="5330825"/>
-            <a:ext cx="4476750" cy="1323076"/>
-          </a:xfrm>
-          <a:prstGeom prst="rect">
-            <a:avLst/>
-          </a:prstGeom>
-        </p:spPr>
-      </p:pic>
-      <p:sp>
-        <p:nvSpPr>
-          <p:cNvPr id="12" name="TextBox 11"/>
-          <p:cNvSpPr txBox="1"/>
-          <p:nvPr/>
-        </p:nvSpPr>
-        <p:spPr>
-          <a:xfrm>
-            <a:off x="9994900" y="182340"/>
-            <a:ext cx="1270000" cy="369332"/>
-          </a:xfrm>
-          <a:prstGeom prst="rect">
-            <a:avLst/>
-          </a:prstGeom>
-          <a:noFill/>
-        </p:spPr>
-        <p:txBody>
-          <a:bodyPr wrap="square" rtlCol="0">
-            <a:spAutoFit/>
-          </a:bodyPr>
-          <a:lstStyle/>
-          <a:p>
-            <a:r>
-              <a:rPr lang="da-DK" dirty="0" err="1"/>
-              <a:t>depth</a:t>
-            </a:r>
-            <a:r>
-              <a:rPr lang="da-DK" dirty="0"/>
-              <a:t> = 0</a:t>
-            </a:r>
-            <a:endParaRPr lang="en-US" dirty="0"/>
-          </a:p>
-        </p:txBody>
-      </p:sp>
-      <p:sp>
-        <p:nvSpPr>
-          <p:cNvPr id="13" name="TextBox 12"/>
-          <p:cNvSpPr txBox="1"/>
-          <p:nvPr/>
-        </p:nvSpPr>
-        <p:spPr>
-          <a:xfrm>
-            <a:off x="9994900" y="1724731"/>
-            <a:ext cx="1270000" cy="369332"/>
-          </a:xfrm>
-          <a:prstGeom prst="rect">
-            <a:avLst/>
-          </a:prstGeom>
-          <a:noFill/>
-        </p:spPr>
-        <p:txBody>
-          <a:bodyPr wrap="square" rtlCol="0">
-            <a:spAutoFit/>
-          </a:bodyPr>
-          <a:lstStyle/>
-          <a:p>
-            <a:r>
-              <a:rPr lang="da-DK" dirty="0" err="1"/>
-              <a:t>depth</a:t>
-            </a:r>
-            <a:r>
-              <a:rPr lang="da-DK" dirty="0"/>
-              <a:t> = 1</a:t>
-            </a:r>
-            <a:endParaRPr lang="en-US" dirty="0"/>
-          </a:p>
-        </p:txBody>
-      </p:sp>
-      <p:sp>
-        <p:nvSpPr>
-          <p:cNvPr id="14" name="TextBox 13"/>
-          <p:cNvSpPr txBox="1"/>
-          <p:nvPr/>
-        </p:nvSpPr>
-        <p:spPr>
-          <a:xfrm>
-            <a:off x="9994900" y="3241722"/>
-            <a:ext cx="1270000" cy="369332"/>
-          </a:xfrm>
-          <a:prstGeom prst="rect">
-            <a:avLst/>
-          </a:prstGeom>
-          <a:noFill/>
-        </p:spPr>
-        <p:txBody>
-          <a:bodyPr wrap="square" rtlCol="0">
-            <a:spAutoFit/>
-          </a:bodyPr>
-          <a:lstStyle/>
-          <a:p>
-            <a:r>
-              <a:rPr lang="da-DK" dirty="0" err="1"/>
-              <a:t>depth</a:t>
-            </a:r>
-            <a:r>
-              <a:rPr lang="da-DK" dirty="0"/>
-              <a:t> = 2</a:t>
-            </a:r>
-            <a:endParaRPr lang="en-US" dirty="0"/>
-          </a:p>
-        </p:txBody>
-      </p:sp>
-      <p:sp>
-        <p:nvSpPr>
-          <p:cNvPr id="15" name="TextBox 14"/>
-          <p:cNvSpPr txBox="1"/>
-          <p:nvPr/>
-        </p:nvSpPr>
-        <p:spPr>
-          <a:xfrm>
-            <a:off x="9994900" y="4733313"/>
-            <a:ext cx="1270000" cy="369332"/>
-          </a:xfrm>
-          <a:prstGeom prst="rect">
-            <a:avLst/>
-          </a:prstGeom>
-          <a:noFill/>
-        </p:spPr>
-        <p:txBody>
-          <a:bodyPr wrap="square" rtlCol="0">
-            <a:spAutoFit/>
-          </a:bodyPr>
-          <a:lstStyle/>
-          <a:p>
-            <a:r>
-              <a:rPr lang="da-DK" dirty="0" err="1"/>
-              <a:t>depth</a:t>
-            </a:r>
-            <a:r>
-              <a:rPr lang="da-DK" dirty="0"/>
-              <a:t> = 3</a:t>
-            </a:r>
-            <a:endParaRPr lang="en-US" dirty="0"/>
-          </a:p>
-        </p:txBody>
-      </p:sp>
-      <p:sp>
-        <p:nvSpPr>
-          <p:cNvPr id="16" name="TextBox 15"/>
-          <p:cNvSpPr txBox="1"/>
-          <p:nvPr/>
-        </p:nvSpPr>
-        <p:spPr>
-          <a:xfrm>
-            <a:off x="9994900" y="6377304"/>
-            <a:ext cx="1270000" cy="369332"/>
-          </a:xfrm>
-          <a:prstGeom prst="rect">
-            <a:avLst/>
-          </a:prstGeom>
-          <a:noFill/>
-        </p:spPr>
-        <p:txBody>
-          <a:bodyPr wrap="square" rtlCol="0">
-            <a:spAutoFit/>
-          </a:bodyPr>
-          <a:lstStyle/>
-          <a:p>
-            <a:r>
-              <a:rPr lang="da-DK" dirty="0" err="1"/>
-              <a:t>depth</a:t>
-            </a:r>
-            <a:r>
-              <a:rPr lang="da-DK" dirty="0"/>
-              <a:t> = 4</a:t>
-            </a:r>
-            <a:endParaRPr lang="en-US" dirty="0"/>
-          </a:p>
-        </p:txBody>
-      </p:sp>
-      <p:grpSp>
-        <p:nvGrpSpPr>
-          <p:cNvPr id="22" name="Group 21"/>
-          <p:cNvGrpSpPr/>
-          <p:nvPr/>
-        </p:nvGrpSpPr>
-        <p:grpSpPr>
-          <a:xfrm>
-            <a:off x="5289228" y="314593"/>
-            <a:ext cx="4595285" cy="1995959"/>
-            <a:chOff x="5289228" y="314593"/>
-            <a:chExt cx="4595285" cy="1995959"/>
-          </a:xfrm>
-        </p:grpSpPr>
-        <p:sp>
-          <p:nvSpPr>
-            <p:cNvPr id="17" name="TextBox 16"/>
-            <p:cNvSpPr txBox="1"/>
-            <p:nvPr/>
-          </p:nvSpPr>
-          <p:spPr>
-            <a:xfrm>
-              <a:off x="5289228" y="1916587"/>
-              <a:ext cx="298938" cy="369332"/>
-            </a:xfrm>
-            <a:prstGeom prst="rect">
-              <a:avLst/>
-            </a:prstGeom>
-            <a:noFill/>
-          </p:spPr>
-          <p:txBody>
-            <a:bodyPr wrap="square" rtlCol="0">
-              <a:spAutoFit/>
-            </a:bodyPr>
-            <a:lstStyle/>
-            <a:p>
-              <a:r>
-                <a:rPr lang="da-DK" dirty="0"/>
-                <a:t>p</a:t>
-              </a:r>
-              <a:endParaRPr lang="en-US" dirty="0"/>
-            </a:p>
-          </p:txBody>
-        </p:sp>
-        <p:sp>
-          <p:nvSpPr>
-            <p:cNvPr id="18" name="TextBox 17"/>
-            <p:cNvSpPr txBox="1"/>
-            <p:nvPr/>
-          </p:nvSpPr>
-          <p:spPr>
-            <a:xfrm>
-              <a:off x="9585575" y="1941220"/>
-              <a:ext cx="298938" cy="369332"/>
-            </a:xfrm>
-            <a:prstGeom prst="rect">
-              <a:avLst/>
-            </a:prstGeom>
-            <a:noFill/>
-          </p:spPr>
-          <p:txBody>
-            <a:bodyPr wrap="square" rtlCol="0">
-              <a:spAutoFit/>
-            </a:bodyPr>
-            <a:lstStyle/>
-            <a:p>
-              <a:r>
-                <a:rPr lang="da-DK" dirty="0"/>
-                <a:t>q</a:t>
-              </a:r>
-              <a:endParaRPr lang="en-US" dirty="0"/>
-            </a:p>
-          </p:txBody>
-        </p:sp>
-        <p:sp>
-          <p:nvSpPr>
-            <p:cNvPr id="19" name="TextBox 18"/>
-            <p:cNvSpPr txBox="1"/>
-            <p:nvPr/>
-          </p:nvSpPr>
-          <p:spPr>
-            <a:xfrm>
-              <a:off x="6700602" y="1924293"/>
-              <a:ext cx="514350" cy="369332"/>
-            </a:xfrm>
-            <a:prstGeom prst="rect">
-              <a:avLst/>
-            </a:prstGeom>
-            <a:noFill/>
-          </p:spPr>
-          <p:txBody>
-            <a:bodyPr wrap="square" rtlCol="0">
-              <a:spAutoFit/>
-            </a:bodyPr>
-            <a:lstStyle/>
-            <a:p>
-              <a:r>
-                <a:rPr lang="da-DK" dirty="0"/>
-                <a:t>p</a:t>
-              </a:r>
-              <a:r>
-                <a:rPr lang="da-DK" baseline="-25000" dirty="0"/>
-                <a:t>1</a:t>
-              </a:r>
-              <a:endParaRPr lang="en-US" baseline="-25000" dirty="0"/>
-            </a:p>
-          </p:txBody>
-        </p:sp>
-        <p:sp>
-          <p:nvSpPr>
-            <p:cNvPr id="20" name="TextBox 19"/>
-            <p:cNvSpPr txBox="1"/>
-            <p:nvPr/>
-          </p:nvSpPr>
-          <p:spPr>
-            <a:xfrm>
-              <a:off x="7395313" y="314593"/>
-              <a:ext cx="514350" cy="369332"/>
-            </a:xfrm>
-            <a:prstGeom prst="rect">
-              <a:avLst/>
-            </a:prstGeom>
-            <a:noFill/>
-          </p:spPr>
-          <p:txBody>
-            <a:bodyPr wrap="square" rtlCol="0">
-              <a:spAutoFit/>
-            </a:bodyPr>
-            <a:lstStyle/>
-            <a:p>
-              <a:r>
-                <a:rPr lang="da-DK" dirty="0"/>
-                <a:t>p</a:t>
-              </a:r>
-              <a:r>
-                <a:rPr lang="da-DK" baseline="-25000" dirty="0"/>
-                <a:t>2</a:t>
-              </a:r>
-              <a:endParaRPr lang="en-US" baseline="-25000" dirty="0"/>
-            </a:p>
-          </p:txBody>
-        </p:sp>
-        <p:sp>
-          <p:nvSpPr>
-            <p:cNvPr id="21" name="TextBox 20"/>
-            <p:cNvSpPr txBox="1"/>
-            <p:nvPr/>
-          </p:nvSpPr>
-          <p:spPr>
-            <a:xfrm>
-              <a:off x="8153400" y="1916587"/>
-              <a:ext cx="514350" cy="369332"/>
-            </a:xfrm>
-            <a:prstGeom prst="rect">
-              <a:avLst/>
-            </a:prstGeom>
-            <a:noFill/>
-          </p:spPr>
-          <p:txBody>
-            <a:bodyPr wrap="square" rtlCol="0">
-              <a:spAutoFit/>
-            </a:bodyPr>
-            <a:lstStyle/>
-            <a:p>
-              <a:r>
-                <a:rPr lang="da-DK" dirty="0"/>
-                <a:t>p</a:t>
-              </a:r>
-              <a:r>
-                <a:rPr lang="da-DK" baseline="-25000" dirty="0"/>
-                <a:t>3</a:t>
-              </a:r>
-              <a:endParaRPr lang="en-US" baseline="-25000" dirty="0"/>
-            </a:p>
-          </p:txBody>
-        </p:sp>
-      </p:grpSp>
-    </p:spTree>
-    <p:extLst>
-      <p:ext uri="{BB962C8B-B14F-4D97-AF65-F5344CB8AC3E}">
-        <p14:creationId xmlns:p14="http://schemas.microsoft.com/office/powerpoint/2010/main" val="3107987302"/>
-      </p:ext>
-    </p:extLst>
-  </p:cSld>
-  <p:clrMapOvr>
-    <a:masterClrMapping/>
-  </p:clrMapOvr>
-  <p:timing>
-    <p:tnLst>
-      <p:par>
-        <p:cTn id="1" dur="indefinite" restart="never" nodeType="tmRoot">
-          <p:childTnLst>
-            <p:seq concurrent="1" nextAc="seek">
-              <p:cTn id="2" dur="indefinite" nodeType="mainSeq">
-                <p:childTnLst>
-                  <p:par>
-                    <p:cTn id="3" fill="hold">
-                      <p:stCondLst>
-                        <p:cond delay="indefinite"/>
-                      </p:stCondLst>
-                      <p:childTnLst>
-                        <p:par>
-                          <p:cTn id="4" fill="hold">
-                            <p:stCondLst>
-                              <p:cond delay="0"/>
-                            </p:stCondLst>
-                            <p:childTnLst>
-                              <p:par>
-                                <p:cTn id="5" presetID="10" presetClass="entr" presetSubtype="0" fill="hold" nodeType="clickEffect">
-                                  <p:stCondLst>
-                                    <p:cond delay="0"/>
-                                  </p:stCondLst>
-                                  <p:childTnLst>
-                                    <p:set>
-                                      <p:cBhvr>
-                                        <p:cTn id="6" dur="1" fill="hold">
-                                          <p:stCondLst>
-                                            <p:cond delay="0"/>
-                                          </p:stCondLst>
-                                        </p:cTn>
-                                        <p:tgtEl>
-                                          <p:spTgt spid="22"/>
-                                        </p:tgtEl>
-                                        <p:attrNameLst>
-                                          <p:attrName>style.visibility</p:attrName>
-                                        </p:attrNameLst>
-                                      </p:cBhvr>
-                                      <p:to>
-                                        <p:strVal val="visible"/>
-                                      </p:to>
-                                    </p:set>
-                                    <p:animEffect transition="in" filter="fade">
-                                      <p:cBhvr>
-                                        <p:cTn id="7" dur="500"/>
-                                        <p:tgtEl>
-                                          <p:spTgt spid="22"/>
-                                        </p:tgtEl>
-                                      </p:cBhvr>
-                                    </p:animEffect>
-                                  </p:childTnLst>
-                                </p:cTn>
-                              </p:par>
-                            </p:childTnLst>
-                          </p:cTn>
-                        </p:par>
-                      </p:childTnLst>
-                    </p:cTn>
-                  </p:par>
-                </p:childTnLst>
-              </p:cTn>
-              <p:prevCondLst>
-                <p:cond evt="onPrev" delay="0">
-                  <p:tgtEl>
-                    <p:sldTgt/>
-                  </p:tgtEl>
-                </p:cond>
-              </p:prevCondLst>
-              <p:nextCondLst>
-                <p:cond evt="onNext" delay="0">
-                  <p:tgtEl>
-                    <p:sldTgt/>
-                  </p:tgtEl>
-                </p:cond>
-              </p:nextCondLst>
-            </p:seq>
-          </p:childTnLst>
-        </p:cTn>
-      </p:par>
-    </p:tnLst>
-  </p:timing>
-</p:sld>
-</file>
-
-<file path=ppt/slides/slide18.xml><?xml version="1.0" encoding="utf-8"?>
-<p:sld xmlns:a="http://schemas.openxmlformats.org/drawingml/2006/main" xmlns:r="http://schemas.openxmlformats.org/officeDocument/2006/relationships" xmlns:p="http://schemas.openxmlformats.org/presentationml/2006/main">
-  <p:cSld>
-    <p:spTree>
-      <p:nvGrpSpPr>
-        <p:cNvPr id="1" name=""/>
-        <p:cNvGrpSpPr/>
-        <p:nvPr/>
-      </p:nvGrpSpPr>
-      <p:grpSpPr>
-        <a:xfrm>
-          <a:off x="0" y="0"/>
-          <a:ext cx="0" cy="0"/>
-          <a:chOff x="0" y="0"/>
-          <a:chExt cx="0" cy="0"/>
-        </a:xfrm>
-      </p:grpSpPr>
-      <p:pic>
-        <p:nvPicPr>
-          <p:cNvPr id="7" name="Picture 6"/>
-          <p:cNvPicPr>
-            <a:picLocks noChangeAspect="1"/>
-          </p:cNvPicPr>
-          <p:nvPr/>
-        </p:nvPicPr>
-        <p:blipFill>
-          <a:blip r:embed="rId3"/>
-          <a:stretch>
-            <a:fillRect/>
-          </a:stretch>
-        </p:blipFill>
-        <p:spPr>
-          <a:xfrm>
-            <a:off x="1087201" y="1500661"/>
-            <a:ext cx="1839951" cy="5029200"/>
-          </a:xfrm>
-          <a:prstGeom prst="rect">
-            <a:avLst/>
-          </a:prstGeom>
-        </p:spPr>
-      </p:pic>
-      <p:sp>
-        <p:nvSpPr>
-          <p:cNvPr id="2" name="Title 1"/>
-          <p:cNvSpPr>
-            <a:spLocks noGrp="1"/>
-          </p:cNvSpPr>
-          <p:nvPr>
-            <p:ph type="title"/>
-          </p:nvPr>
-        </p:nvSpPr>
-        <p:spPr>
-          <a:xfrm>
-            <a:off x="700391" y="175098"/>
+            <a:off x="700391" y="168792"/>
             <a:ext cx="9991928" cy="1325563"/>
           </a:xfrm>
         </p:spPr>
@@ -13415,14 +14167,14 @@
           <p:nvPr>
             <p:extLst>
               <p:ext uri="{D42A27DB-BD31-4B8C-83A1-F6EECF244321}">
-                <p14:modId xmlns:p14="http://schemas.microsoft.com/office/powerpoint/2010/main" val="321221842"/>
+                <p14:modId xmlns:p14="http://schemas.microsoft.com/office/powerpoint/2010/main" val="1783295611"/>
               </p:ext>
             </p:extLst>
           </p:nvPr>
         </p:nvGraphicFramePr>
         <p:xfrm>
-          <a:off x="4494690" y="469090"/>
-          <a:ext cx="7305424" cy="6019800"/>
+          <a:off x="5383865" y="797011"/>
+          <a:ext cx="6402436" cy="5318760"/>
         </p:xfrm>
         <a:graphic>
           <a:graphicData uri="http://schemas.openxmlformats.org/drawingml/2006/table">
@@ -13431,7 +14183,7 @@
                 <a:tableStyleId>{5C22544A-7EE6-4342-B048-85BDC9FD1C3A}</a:tableStyleId>
               </a:tblPr>
               <a:tblGrid>
-                <a:gridCol w="7305424">
+                <a:gridCol w="6402436">
                   <a:extLst>
                     <a:ext uri="{9D8B030D-6E8A-4147-A177-3AD203B41FA5}">
                       <a16:colId xmlns:a16="http://schemas.microsoft.com/office/drawing/2014/main" val="1873682825"/>
@@ -13446,13 +14198,13 @@
                     <a:lstStyle/>
                     <a:p>
                       <a:r>
-                        <a:rPr lang="da-DK" sz="1600" b="1">
+                        <a:rPr lang="da-DK" sz="1400" b="1">
                           <a:latin typeface="Courier New" panose="02070309020205020404" pitchFamily="49" charset="0"/>
                           <a:cs typeface="Courier New" panose="02070309020205020404" pitchFamily="49" charset="0"/>
                         </a:rPr>
                         <a:t>koch_curve.py</a:t>
                       </a:r>
-                      <a:endParaRPr lang="da-DK" sz="1600" b="1" dirty="0">
+                      <a:endParaRPr lang="da-DK" sz="1400" b="1" dirty="0">
                         <a:latin typeface="Courier New" panose="02070309020205020404" pitchFamily="49" charset="0"/>
                         <a:cs typeface="Courier New" panose="02070309020205020404" pitchFamily="49" charset="0"/>
                       </a:endParaRPr>
@@ -13529,34 +14281,34 @@
                         <a:buNone/>
                       </a:pPr>
                       <a:r>
-                        <a:rPr lang="en-US" sz="1600" b="1" baseline="0" dirty="0">
+                        <a:rPr lang="en-US" sz="1400" b="1" baseline="0" dirty="0">
                           <a:latin typeface="Courier New" panose="02070309020205020404" pitchFamily="49" charset="0"/>
                           <a:cs typeface="Courier New" panose="02070309020205020404" pitchFamily="49" charset="0"/>
                         </a:rPr>
                         <a:t>import </a:t>
                       </a:r>
                       <a:r>
-                        <a:rPr lang="en-US" sz="1600" b="1" baseline="0" dirty="0" err="1">
+                        <a:rPr lang="en-US" sz="1400" b="1" baseline="0" dirty="0" err="1">
                           <a:latin typeface="Courier New" panose="02070309020205020404" pitchFamily="49" charset="0"/>
                           <a:cs typeface="Courier New" panose="02070309020205020404" pitchFamily="49" charset="0"/>
                         </a:rPr>
                         <a:t>matplotlib.pyplot</a:t>
                       </a:r>
                       <a:r>
-                        <a:rPr lang="en-US" sz="1600" b="1" baseline="0" dirty="0">
+                        <a:rPr lang="en-US" sz="1400" b="1" baseline="0" dirty="0">
                           <a:latin typeface="Courier New" panose="02070309020205020404" pitchFamily="49" charset="0"/>
                           <a:cs typeface="Courier New" panose="02070309020205020404" pitchFamily="49" charset="0"/>
                         </a:rPr>
                         <a:t> as </a:t>
                       </a:r>
                       <a:r>
-                        <a:rPr lang="en-US" sz="1600" b="1" baseline="0" dirty="0" err="1">
+                        <a:rPr lang="en-US" sz="1400" b="1" baseline="0" dirty="0" err="1">
                           <a:latin typeface="Courier New" panose="02070309020205020404" pitchFamily="49" charset="0"/>
                           <a:cs typeface="Courier New" panose="02070309020205020404" pitchFamily="49" charset="0"/>
                         </a:rPr>
                         <a:t>plt</a:t>
                       </a:r>
-                      <a:endParaRPr lang="en-US" sz="1600" b="1" baseline="0" dirty="0">
+                      <a:endParaRPr lang="en-US" sz="1400" b="1" baseline="0" dirty="0">
                         <a:latin typeface="Courier New" panose="02070309020205020404" pitchFamily="49" charset="0"/>
                         <a:cs typeface="Courier New" panose="02070309020205020404" pitchFamily="49" charset="0"/>
                       </a:endParaRPr>
@@ -13574,20 +14326,20 @@
                         <a:buNone/>
                       </a:pPr>
                       <a:r>
-                        <a:rPr lang="en-US" sz="1600" b="1" baseline="0" dirty="0">
+                        <a:rPr lang="en-US" sz="1400" b="1" baseline="0" dirty="0">
                           <a:latin typeface="Courier New" panose="02070309020205020404" pitchFamily="49" charset="0"/>
                           <a:cs typeface="Courier New" panose="02070309020205020404" pitchFamily="49" charset="0"/>
                         </a:rPr>
                         <a:t>from math import </a:t>
                       </a:r>
                       <a:r>
-                        <a:rPr lang="en-US" sz="1600" b="1" baseline="0" dirty="0" err="1">
+                        <a:rPr lang="en-US" sz="1400" b="1" baseline="0" dirty="0" err="1">
                           <a:latin typeface="Courier New" panose="02070309020205020404" pitchFamily="49" charset="0"/>
                           <a:cs typeface="Courier New" panose="02070309020205020404" pitchFamily="49" charset="0"/>
                         </a:rPr>
                         <a:t>sqrt</a:t>
                       </a:r>
-                      <a:endParaRPr lang="en-US" sz="1600" b="1" baseline="0" dirty="0">
+                      <a:endParaRPr lang="en-US" sz="1400" b="1" baseline="0" dirty="0">
                         <a:latin typeface="Courier New" panose="02070309020205020404" pitchFamily="49" charset="0"/>
                         <a:cs typeface="Courier New" panose="02070309020205020404" pitchFamily="49" charset="0"/>
                       </a:endParaRPr>
@@ -13602,21 +14354,21 @@
                         <a:buNone/>
                       </a:pPr>
                       <a:r>
-                        <a:rPr lang="en-US" sz="1600" b="1" baseline="0" dirty="0" err="1">
+                        <a:rPr lang="en-US" sz="1400" b="1" baseline="0" dirty="0" err="1">
                           <a:latin typeface="Courier New" panose="02070309020205020404" pitchFamily="49" charset="0"/>
                           <a:cs typeface="Courier New" panose="02070309020205020404" pitchFamily="49" charset="0"/>
                         </a:rPr>
                         <a:t>def</a:t>
                       </a:r>
                       <a:r>
-                        <a:rPr lang="en-US" sz="1600" b="1" baseline="0" dirty="0">
+                        <a:rPr lang="en-US" sz="1400" b="1" baseline="0" dirty="0">
                           <a:latin typeface="Courier New" panose="02070309020205020404" pitchFamily="49" charset="0"/>
                           <a:cs typeface="Courier New" panose="02070309020205020404" pitchFamily="49" charset="0"/>
                         </a:rPr>
                         <a:t> </a:t>
                       </a:r>
                       <a:r>
-                        <a:rPr lang="en-US" sz="1600" b="1" baseline="0" dirty="0" err="1">
+                        <a:rPr lang="en-US" sz="1400" b="1" baseline="0" dirty="0" err="1">
                           <a:solidFill>
                             <a:srgbClr val="C00000"/>
                           </a:solidFill>
@@ -13626,7 +14378,7 @@
                         <a:t>koch</a:t>
                       </a:r>
                       <a:r>
-                        <a:rPr lang="en-US" sz="1600" b="1" baseline="0" dirty="0">
+                        <a:rPr lang="en-US" sz="1400" b="1" baseline="0" dirty="0">
                           <a:latin typeface="Courier New" panose="02070309020205020404" pitchFamily="49" charset="0"/>
                           <a:cs typeface="Courier New" panose="02070309020205020404" pitchFamily="49" charset="0"/>
                         </a:rPr>
@@ -13643,7 +14395,7 @@
                         <a:buNone/>
                       </a:pPr>
                       <a:r>
-                        <a:rPr lang="en-US" sz="1600" b="1" baseline="0" dirty="0">
+                        <a:rPr lang="en-US" sz="1400" b="1" baseline="0" dirty="0">
                           <a:latin typeface="Courier New" panose="02070309020205020404" pitchFamily="49" charset="0"/>
                           <a:cs typeface="Courier New" panose="02070309020205020404" pitchFamily="49" charset="0"/>
                         </a:rPr>
@@ -13660,14 +14412,14 @@
                         <a:buNone/>
                       </a:pPr>
                       <a:r>
-                        <a:rPr lang="en-US" sz="1600" b="1" baseline="0" dirty="0">
+                        <a:rPr lang="en-US" sz="1400" b="1" baseline="0" dirty="0">
                           <a:latin typeface="Courier New" panose="02070309020205020404" pitchFamily="49" charset="0"/>
                           <a:cs typeface="Courier New" panose="02070309020205020404" pitchFamily="49" charset="0"/>
                         </a:rPr>
                         <a:t>        </a:t>
                       </a:r>
                       <a:r>
-                        <a:rPr lang="en-US" sz="1600" b="1" baseline="0" dirty="0">
+                        <a:rPr lang="en-US" sz="1400" b="1" baseline="0" dirty="0">
                           <a:solidFill>
                             <a:schemeClr val="accent1">
                               <a:lumMod val="75000"/>
@@ -13679,7 +14431,7 @@
                         <a:t>return</a:t>
                       </a:r>
                       <a:r>
-                        <a:rPr lang="en-US" sz="1600" b="1" baseline="0" dirty="0">
+                        <a:rPr lang="en-US" sz="1400" b="1" baseline="0" dirty="0">
                           <a:latin typeface="Courier New" panose="02070309020205020404" pitchFamily="49" charset="0"/>
                           <a:cs typeface="Courier New" panose="02070309020205020404" pitchFamily="49" charset="0"/>
                         </a:rPr>
@@ -13695,7 +14447,7 @@
                         <a:buFont typeface="Courier New" panose="02070309020205020404" pitchFamily="49" charset="0"/>
                         <a:buNone/>
                       </a:pPr>
-                      <a:endParaRPr lang="en-US" sz="1600" b="1" baseline="0" dirty="0">
+                      <a:endParaRPr lang="en-US" sz="1400" b="1" baseline="0" dirty="0">
                         <a:latin typeface="Courier New" panose="02070309020205020404" pitchFamily="49" charset="0"/>
                         <a:cs typeface="Courier New" panose="02070309020205020404" pitchFamily="49" charset="0"/>
                       </a:endParaRPr>
@@ -13710,63 +14462,63 @@
                         <a:buNone/>
                       </a:pPr>
                       <a:r>
-                        <a:rPr lang="en-US" sz="1600" b="1" baseline="0" dirty="0">
+                        <a:rPr lang="en-US" sz="1400" b="1" baseline="0" dirty="0">
                           <a:latin typeface="Courier New" panose="02070309020205020404" pitchFamily="49" charset="0"/>
                           <a:cs typeface="Courier New" panose="02070309020205020404" pitchFamily="49" charset="0"/>
                         </a:rPr>
                         <a:t>    (</a:t>
                       </a:r>
                       <a:r>
-                        <a:rPr lang="en-US" sz="1600" b="1" baseline="0" dirty="0" err="1">
+                        <a:rPr lang="en-US" sz="1400" b="1" baseline="0" dirty="0" err="1">
                           <a:latin typeface="Courier New" panose="02070309020205020404" pitchFamily="49" charset="0"/>
                           <a:cs typeface="Courier New" panose="02070309020205020404" pitchFamily="49" charset="0"/>
                         </a:rPr>
                         <a:t>px</a:t>
                       </a:r>
                       <a:r>
-                        <a:rPr lang="en-US" sz="1600" b="1" baseline="0" dirty="0">
+                        <a:rPr lang="en-US" sz="1400" b="1" baseline="0" dirty="0">
                           <a:latin typeface="Courier New" panose="02070309020205020404" pitchFamily="49" charset="0"/>
                           <a:cs typeface="Courier New" panose="02070309020205020404" pitchFamily="49" charset="0"/>
                         </a:rPr>
                         <a:t>, </a:t>
                       </a:r>
                       <a:r>
-                        <a:rPr lang="en-US" sz="1600" b="1" baseline="0" dirty="0" err="1">
+                        <a:rPr lang="en-US" sz="1400" b="1" baseline="0" dirty="0" err="1">
                           <a:latin typeface="Courier New" panose="02070309020205020404" pitchFamily="49" charset="0"/>
                           <a:cs typeface="Courier New" panose="02070309020205020404" pitchFamily="49" charset="0"/>
                         </a:rPr>
                         <a:t>py</a:t>
                       </a:r>
                       <a:r>
-                        <a:rPr lang="en-US" sz="1600" b="1" baseline="0" dirty="0">
+                        <a:rPr lang="en-US" sz="1400" b="1" baseline="0" dirty="0">
                           <a:latin typeface="Courier New" panose="02070309020205020404" pitchFamily="49" charset="0"/>
                           <a:cs typeface="Courier New" panose="02070309020205020404" pitchFamily="49" charset="0"/>
                         </a:rPr>
                         <a:t>), (</a:t>
                       </a:r>
                       <a:r>
-                        <a:rPr lang="en-US" sz="1600" b="1" baseline="0" dirty="0" err="1">
+                        <a:rPr lang="en-US" sz="1400" b="1" baseline="0" dirty="0" err="1">
                           <a:latin typeface="Courier New" panose="02070309020205020404" pitchFamily="49" charset="0"/>
                           <a:cs typeface="Courier New" panose="02070309020205020404" pitchFamily="49" charset="0"/>
                         </a:rPr>
                         <a:t>qx</a:t>
                       </a:r>
                       <a:r>
-                        <a:rPr lang="en-US" sz="1600" b="1" baseline="0" dirty="0">
+                        <a:rPr lang="en-US" sz="1400" b="1" baseline="0" dirty="0">
                           <a:latin typeface="Courier New" panose="02070309020205020404" pitchFamily="49" charset="0"/>
                           <a:cs typeface="Courier New" panose="02070309020205020404" pitchFamily="49" charset="0"/>
                         </a:rPr>
                         <a:t>, </a:t>
                       </a:r>
                       <a:r>
-                        <a:rPr lang="en-US" sz="1600" b="1" baseline="0" dirty="0" err="1">
+                        <a:rPr lang="en-US" sz="1400" b="1" baseline="0" dirty="0" err="1">
                           <a:latin typeface="Courier New" panose="02070309020205020404" pitchFamily="49" charset="0"/>
                           <a:cs typeface="Courier New" panose="02070309020205020404" pitchFamily="49" charset="0"/>
                         </a:rPr>
                         <a:t>qy</a:t>
                       </a:r>
                       <a:r>
-                        <a:rPr lang="en-US" sz="1600" b="1" baseline="0" dirty="0">
+                        <a:rPr lang="en-US" sz="1400" b="1" baseline="0" dirty="0">
                           <a:latin typeface="Courier New" panose="02070309020205020404" pitchFamily="49" charset="0"/>
                           <a:cs typeface="Courier New" panose="02070309020205020404" pitchFamily="49" charset="0"/>
                         </a:rPr>
@@ -13783,76 +14535,76 @@
                         <a:buNone/>
                       </a:pPr>
                       <a:r>
-                        <a:rPr lang="en-US" sz="1600" b="1" baseline="0" dirty="0">
+                        <a:rPr lang="en-US" sz="1400" b="1" baseline="0" dirty="0">
                           <a:latin typeface="Courier New" panose="02070309020205020404" pitchFamily="49" charset="0"/>
                           <a:cs typeface="Courier New" panose="02070309020205020404" pitchFamily="49" charset="0"/>
                         </a:rPr>
                         <a:t>    dx, </a:t>
                       </a:r>
                       <a:r>
-                        <a:rPr lang="en-US" sz="1600" b="1" baseline="0" dirty="0" err="1">
+                        <a:rPr lang="en-US" sz="1400" b="1" baseline="0" dirty="0" err="1">
                           <a:latin typeface="Courier New" panose="02070309020205020404" pitchFamily="49" charset="0"/>
                           <a:cs typeface="Courier New" panose="02070309020205020404" pitchFamily="49" charset="0"/>
                         </a:rPr>
                         <a:t>dy</a:t>
                       </a:r>
                       <a:r>
-                        <a:rPr lang="en-US" sz="1600" b="1" baseline="0" dirty="0">
+                        <a:rPr lang="en-US" sz="1400" b="1" baseline="0" dirty="0">
                           <a:latin typeface="Courier New" panose="02070309020205020404" pitchFamily="49" charset="0"/>
                           <a:cs typeface="Courier New" panose="02070309020205020404" pitchFamily="49" charset="0"/>
                         </a:rPr>
                         <a:t> = </a:t>
                       </a:r>
                       <a:r>
-                        <a:rPr lang="en-US" sz="1600" b="1" baseline="0" dirty="0" err="1">
+                        <a:rPr lang="en-US" sz="1400" b="1" baseline="0" dirty="0" err="1">
                           <a:latin typeface="Courier New" panose="02070309020205020404" pitchFamily="49" charset="0"/>
                           <a:cs typeface="Courier New" panose="02070309020205020404" pitchFamily="49" charset="0"/>
                         </a:rPr>
                         <a:t>qx</a:t>
                       </a:r>
                       <a:r>
-                        <a:rPr lang="en-US" sz="1600" b="1" baseline="0" dirty="0">
+                        <a:rPr lang="en-US" sz="1400" b="1" baseline="0" dirty="0">
                           <a:latin typeface="Courier New" panose="02070309020205020404" pitchFamily="49" charset="0"/>
                           <a:cs typeface="Courier New" panose="02070309020205020404" pitchFamily="49" charset="0"/>
                         </a:rPr>
                         <a:t> - </a:t>
                       </a:r>
                       <a:r>
-                        <a:rPr lang="en-US" sz="1600" b="1" baseline="0" dirty="0" err="1">
+                        <a:rPr lang="en-US" sz="1400" b="1" baseline="0" dirty="0" err="1">
                           <a:latin typeface="Courier New" panose="02070309020205020404" pitchFamily="49" charset="0"/>
                           <a:cs typeface="Courier New" panose="02070309020205020404" pitchFamily="49" charset="0"/>
                         </a:rPr>
                         <a:t>px</a:t>
                       </a:r>
                       <a:r>
-                        <a:rPr lang="en-US" sz="1600" b="1" baseline="0" dirty="0">
+                        <a:rPr lang="en-US" sz="1400" b="1" baseline="0" dirty="0">
                           <a:latin typeface="Courier New" panose="02070309020205020404" pitchFamily="49" charset="0"/>
                           <a:cs typeface="Courier New" panose="02070309020205020404" pitchFamily="49" charset="0"/>
                         </a:rPr>
                         <a:t>, </a:t>
                       </a:r>
                       <a:r>
-                        <a:rPr lang="en-US" sz="1600" b="1" baseline="0" dirty="0" err="1">
+                        <a:rPr lang="en-US" sz="1400" b="1" baseline="0" dirty="0" err="1">
                           <a:latin typeface="Courier New" panose="02070309020205020404" pitchFamily="49" charset="0"/>
                           <a:cs typeface="Courier New" panose="02070309020205020404" pitchFamily="49" charset="0"/>
                         </a:rPr>
                         <a:t>qy</a:t>
                       </a:r>
                       <a:r>
-                        <a:rPr lang="en-US" sz="1600" b="1" baseline="0" dirty="0">
+                        <a:rPr lang="en-US" sz="1400" b="1" baseline="0" dirty="0">
                           <a:latin typeface="Courier New" panose="02070309020205020404" pitchFamily="49" charset="0"/>
                           <a:cs typeface="Courier New" panose="02070309020205020404" pitchFamily="49" charset="0"/>
                         </a:rPr>
                         <a:t> - </a:t>
                       </a:r>
                       <a:r>
-                        <a:rPr lang="en-US" sz="1600" b="1" baseline="0" dirty="0" err="1">
+                        <a:rPr lang="en-US" sz="1400" b="1" baseline="0" dirty="0" err="1">
                           <a:latin typeface="Courier New" panose="02070309020205020404" pitchFamily="49" charset="0"/>
                           <a:cs typeface="Courier New" panose="02070309020205020404" pitchFamily="49" charset="0"/>
                         </a:rPr>
                         <a:t>py</a:t>
                       </a:r>
-                      <a:endParaRPr lang="en-US" sz="1600" b="1" baseline="0" dirty="0">
+                      <a:endParaRPr lang="en-US" sz="1400" b="1" baseline="0" dirty="0">
                         <a:latin typeface="Courier New" panose="02070309020205020404" pitchFamily="49" charset="0"/>
                         <a:cs typeface="Courier New" panose="02070309020205020404" pitchFamily="49" charset="0"/>
                       </a:endParaRPr>
@@ -13867,21 +14619,21 @@
                         <a:buNone/>
                       </a:pPr>
                       <a:r>
-                        <a:rPr lang="en-US" sz="1600" b="1" baseline="0" dirty="0">
+                        <a:rPr lang="en-US" sz="1400" b="1" baseline="0" dirty="0">
                           <a:latin typeface="Courier New" panose="02070309020205020404" pitchFamily="49" charset="0"/>
                           <a:cs typeface="Courier New" panose="02070309020205020404" pitchFamily="49" charset="0"/>
                         </a:rPr>
                         <a:t>    h = 1 / </a:t>
                       </a:r>
                       <a:r>
-                        <a:rPr lang="en-US" sz="1600" b="1" baseline="0" dirty="0" err="1">
+                        <a:rPr lang="en-US" sz="1400" b="1" baseline="0" dirty="0" err="1">
                           <a:latin typeface="Courier New" panose="02070309020205020404" pitchFamily="49" charset="0"/>
                           <a:cs typeface="Courier New" panose="02070309020205020404" pitchFamily="49" charset="0"/>
                         </a:rPr>
                         <a:t>sqrt</a:t>
                       </a:r>
                       <a:r>
-                        <a:rPr lang="en-US" sz="1600" b="1" baseline="0" dirty="0">
+                        <a:rPr lang="en-US" sz="1400" b="1" baseline="0" dirty="0">
                           <a:latin typeface="Courier New" panose="02070309020205020404" pitchFamily="49" charset="0"/>
                           <a:cs typeface="Courier New" panose="02070309020205020404" pitchFamily="49" charset="0"/>
                         </a:rPr>
@@ -13898,49 +14650,49 @@
                         <a:buNone/>
                       </a:pPr>
                       <a:r>
-                        <a:rPr lang="en-US" sz="1600" b="1" baseline="0" dirty="0">
+                        <a:rPr lang="en-US" sz="1400" b="1" baseline="0" dirty="0">
                           <a:latin typeface="Courier New" panose="02070309020205020404" pitchFamily="49" charset="0"/>
                           <a:cs typeface="Courier New" panose="02070309020205020404" pitchFamily="49" charset="0"/>
                         </a:rPr>
                         <a:t>    p1 = </a:t>
                       </a:r>
                       <a:r>
-                        <a:rPr lang="en-US" sz="1600" b="1" baseline="0" dirty="0" err="1">
+                        <a:rPr lang="en-US" sz="1400" b="1" baseline="0" dirty="0" err="1">
                           <a:latin typeface="Courier New" panose="02070309020205020404" pitchFamily="49" charset="0"/>
                           <a:cs typeface="Courier New" panose="02070309020205020404" pitchFamily="49" charset="0"/>
                         </a:rPr>
                         <a:t>px</a:t>
                       </a:r>
                       <a:r>
-                        <a:rPr lang="en-US" sz="1600" b="1" baseline="0" dirty="0">
+                        <a:rPr lang="en-US" sz="1400" b="1" baseline="0" dirty="0">
                           <a:latin typeface="Courier New" panose="02070309020205020404" pitchFamily="49" charset="0"/>
                           <a:cs typeface="Courier New" panose="02070309020205020404" pitchFamily="49" charset="0"/>
                         </a:rPr>
                         <a:t> + dx / 3, </a:t>
                       </a:r>
                       <a:r>
-                        <a:rPr lang="en-US" sz="1600" b="1" baseline="0" dirty="0" err="1">
+                        <a:rPr lang="en-US" sz="1400" b="1" baseline="0" dirty="0" err="1">
                           <a:latin typeface="Courier New" panose="02070309020205020404" pitchFamily="49" charset="0"/>
                           <a:cs typeface="Courier New" panose="02070309020205020404" pitchFamily="49" charset="0"/>
                         </a:rPr>
                         <a:t>py</a:t>
                       </a:r>
                       <a:r>
-                        <a:rPr lang="en-US" sz="1600" b="1" baseline="0" dirty="0">
+                        <a:rPr lang="en-US" sz="1400" b="1" baseline="0" dirty="0">
                           <a:latin typeface="Courier New" panose="02070309020205020404" pitchFamily="49" charset="0"/>
                           <a:cs typeface="Courier New" panose="02070309020205020404" pitchFamily="49" charset="0"/>
                         </a:rPr>
                         <a:t> + </a:t>
                       </a:r>
                       <a:r>
-                        <a:rPr lang="en-US" sz="1600" b="1" baseline="0" dirty="0" err="1">
+                        <a:rPr lang="en-US" sz="1400" b="1" baseline="0" dirty="0" err="1">
                           <a:latin typeface="Courier New" panose="02070309020205020404" pitchFamily="49" charset="0"/>
                           <a:cs typeface="Courier New" panose="02070309020205020404" pitchFamily="49" charset="0"/>
                         </a:rPr>
                         <a:t>dy</a:t>
                       </a:r>
                       <a:r>
-                        <a:rPr lang="en-US" sz="1600" b="1" baseline="0" dirty="0">
+                        <a:rPr lang="en-US" sz="1400" b="1" baseline="0" dirty="0">
                           <a:latin typeface="Courier New" panose="02070309020205020404" pitchFamily="49" charset="0"/>
                           <a:cs typeface="Courier New" panose="02070309020205020404" pitchFamily="49" charset="0"/>
                         </a:rPr>
@@ -13957,63 +14709,63 @@
                         <a:buNone/>
                       </a:pPr>
                       <a:r>
-                        <a:rPr lang="en-US" sz="1600" b="1" baseline="0" dirty="0">
+                        <a:rPr lang="en-US" sz="1400" b="1" baseline="0" dirty="0">
                           <a:latin typeface="Courier New" panose="02070309020205020404" pitchFamily="49" charset="0"/>
                           <a:cs typeface="Courier New" panose="02070309020205020404" pitchFamily="49" charset="0"/>
                         </a:rPr>
                         <a:t>    p2 = </a:t>
                       </a:r>
                       <a:r>
-                        <a:rPr lang="en-US" sz="1600" b="1" baseline="0" dirty="0" err="1">
+                        <a:rPr lang="en-US" sz="1400" b="1" baseline="0" dirty="0" err="1">
                           <a:latin typeface="Courier New" panose="02070309020205020404" pitchFamily="49" charset="0"/>
                           <a:cs typeface="Courier New" panose="02070309020205020404" pitchFamily="49" charset="0"/>
                         </a:rPr>
                         <a:t>px</a:t>
                       </a:r>
                       <a:r>
-                        <a:rPr lang="en-US" sz="1600" b="1" baseline="0" dirty="0">
+                        <a:rPr lang="en-US" sz="1400" b="1" baseline="0" dirty="0">
                           <a:latin typeface="Courier New" panose="02070309020205020404" pitchFamily="49" charset="0"/>
                           <a:cs typeface="Courier New" panose="02070309020205020404" pitchFamily="49" charset="0"/>
                         </a:rPr>
                         <a:t> + dx / 2 - h * </a:t>
                       </a:r>
                       <a:r>
-                        <a:rPr lang="en-US" sz="1600" b="1" baseline="0" dirty="0" err="1">
+                        <a:rPr lang="en-US" sz="1400" b="1" baseline="0" dirty="0" err="1">
                           <a:latin typeface="Courier New" panose="02070309020205020404" pitchFamily="49" charset="0"/>
                           <a:cs typeface="Courier New" panose="02070309020205020404" pitchFamily="49" charset="0"/>
                         </a:rPr>
                         <a:t>dy</a:t>
                       </a:r>
                       <a:r>
-                        <a:rPr lang="en-US" sz="1600" b="1" baseline="0" dirty="0">
+                        <a:rPr lang="en-US" sz="1400" b="1" baseline="0" dirty="0">
                           <a:latin typeface="Courier New" panose="02070309020205020404" pitchFamily="49" charset="0"/>
                           <a:cs typeface="Courier New" panose="02070309020205020404" pitchFamily="49" charset="0"/>
                         </a:rPr>
                         <a:t>, </a:t>
                       </a:r>
                       <a:r>
-                        <a:rPr lang="en-US" sz="1600" b="1" baseline="0" dirty="0" err="1">
+                        <a:rPr lang="en-US" sz="1400" b="1" baseline="0" dirty="0" err="1">
                           <a:latin typeface="Courier New" panose="02070309020205020404" pitchFamily="49" charset="0"/>
                           <a:cs typeface="Courier New" panose="02070309020205020404" pitchFamily="49" charset="0"/>
                         </a:rPr>
                         <a:t>py</a:t>
                       </a:r>
                       <a:r>
-                        <a:rPr lang="en-US" sz="1600" b="1" baseline="0" dirty="0">
+                        <a:rPr lang="en-US" sz="1400" b="1" baseline="0" dirty="0">
                           <a:latin typeface="Courier New" panose="02070309020205020404" pitchFamily="49" charset="0"/>
                           <a:cs typeface="Courier New" panose="02070309020205020404" pitchFamily="49" charset="0"/>
                         </a:rPr>
                         <a:t> + </a:t>
                       </a:r>
                       <a:r>
-                        <a:rPr lang="en-US" sz="1600" b="1" baseline="0" dirty="0" err="1">
+                        <a:rPr lang="en-US" sz="1400" b="1" baseline="0" dirty="0" err="1">
                           <a:latin typeface="Courier New" panose="02070309020205020404" pitchFamily="49" charset="0"/>
                           <a:cs typeface="Courier New" panose="02070309020205020404" pitchFamily="49" charset="0"/>
                         </a:rPr>
                         <a:t>dy</a:t>
                       </a:r>
                       <a:r>
-                        <a:rPr lang="en-US" sz="1600" b="1" baseline="0" dirty="0">
+                        <a:rPr lang="en-US" sz="1400" b="1" baseline="0" dirty="0">
                           <a:latin typeface="Courier New" panose="02070309020205020404" pitchFamily="49" charset="0"/>
                           <a:cs typeface="Courier New" panose="02070309020205020404" pitchFamily="49" charset="0"/>
                         </a:rPr>
@@ -14030,49 +14782,49 @@
                         <a:buNone/>
                       </a:pPr>
                       <a:r>
-                        <a:rPr lang="en-US" sz="1600" b="1" baseline="0" dirty="0">
+                        <a:rPr lang="en-US" sz="1400" b="1" baseline="0" dirty="0">
                           <a:latin typeface="Courier New" panose="02070309020205020404" pitchFamily="49" charset="0"/>
                           <a:cs typeface="Courier New" panose="02070309020205020404" pitchFamily="49" charset="0"/>
                         </a:rPr>
                         <a:t>    p3 = </a:t>
                       </a:r>
                       <a:r>
-                        <a:rPr lang="en-US" sz="1600" b="1" baseline="0" dirty="0" err="1">
+                        <a:rPr lang="en-US" sz="1400" b="1" baseline="0" dirty="0" err="1">
                           <a:latin typeface="Courier New" panose="02070309020205020404" pitchFamily="49" charset="0"/>
                           <a:cs typeface="Courier New" panose="02070309020205020404" pitchFamily="49" charset="0"/>
                         </a:rPr>
                         <a:t>px</a:t>
                       </a:r>
                       <a:r>
-                        <a:rPr lang="en-US" sz="1600" b="1" baseline="0" dirty="0">
+                        <a:rPr lang="en-US" sz="1400" b="1" baseline="0" dirty="0">
                           <a:latin typeface="Courier New" panose="02070309020205020404" pitchFamily="49" charset="0"/>
                           <a:cs typeface="Courier New" panose="02070309020205020404" pitchFamily="49" charset="0"/>
                         </a:rPr>
                         <a:t> + dx * 2 / 3, </a:t>
                       </a:r>
                       <a:r>
-                        <a:rPr lang="en-US" sz="1600" b="1" baseline="0" dirty="0" err="1">
+                        <a:rPr lang="en-US" sz="1400" b="1" baseline="0" dirty="0" err="1">
                           <a:latin typeface="Courier New" panose="02070309020205020404" pitchFamily="49" charset="0"/>
                           <a:cs typeface="Courier New" panose="02070309020205020404" pitchFamily="49" charset="0"/>
                         </a:rPr>
                         <a:t>py</a:t>
                       </a:r>
                       <a:r>
-                        <a:rPr lang="en-US" sz="1600" b="1" baseline="0" dirty="0">
+                        <a:rPr lang="en-US" sz="1400" b="1" baseline="0" dirty="0">
                           <a:latin typeface="Courier New" panose="02070309020205020404" pitchFamily="49" charset="0"/>
                           <a:cs typeface="Courier New" panose="02070309020205020404" pitchFamily="49" charset="0"/>
                         </a:rPr>
                         <a:t> + </a:t>
                       </a:r>
                       <a:r>
-                        <a:rPr lang="en-US" sz="1600" b="1" baseline="0" dirty="0" err="1">
+                        <a:rPr lang="en-US" sz="1400" b="1" baseline="0" dirty="0" err="1">
                           <a:latin typeface="Courier New" panose="02070309020205020404" pitchFamily="49" charset="0"/>
                           <a:cs typeface="Courier New" panose="02070309020205020404" pitchFamily="49" charset="0"/>
                         </a:rPr>
                         <a:t>dy</a:t>
                       </a:r>
                       <a:r>
-                        <a:rPr lang="en-US" sz="1600" b="1" baseline="0" dirty="0">
+                        <a:rPr lang="en-US" sz="1400" b="1" baseline="0" dirty="0">
                           <a:latin typeface="Courier New" panose="02070309020205020404" pitchFamily="49" charset="0"/>
                           <a:cs typeface="Courier New" panose="02070309020205020404" pitchFamily="49" charset="0"/>
                         </a:rPr>
@@ -14089,7 +14841,7 @@
                         <a:buNone/>
                       </a:pPr>
                       <a:r>
-                        <a:rPr lang="en-US" sz="1600" b="1" baseline="0" dirty="0">
+                        <a:rPr lang="en-US" sz="1400" b="1" baseline="0" dirty="0">
                           <a:solidFill>
                             <a:schemeClr val="accent1">
                               <a:lumMod val="75000"/>
@@ -14101,14 +14853,14 @@
                         <a:t>    return</a:t>
                       </a:r>
                       <a:r>
-                        <a:rPr lang="en-US" sz="1600" b="1" baseline="0" dirty="0">
+                        <a:rPr lang="en-US" sz="1400" b="1" baseline="0" dirty="0">
                           <a:latin typeface="Courier New" panose="02070309020205020404" pitchFamily="49" charset="0"/>
                           <a:cs typeface="Courier New" panose="02070309020205020404" pitchFamily="49" charset="0"/>
                         </a:rPr>
                         <a:t> (</a:t>
                       </a:r>
                       <a:r>
-                        <a:rPr lang="en-US" sz="1600" b="1" baseline="0" dirty="0" err="1">
+                        <a:rPr lang="en-US" sz="1400" b="1" baseline="0" dirty="0" err="1">
                           <a:solidFill>
                             <a:srgbClr val="C00000"/>
                           </a:solidFill>
@@ -14118,7 +14870,7 @@
                         <a:t>koch</a:t>
                       </a:r>
                       <a:r>
-                        <a:rPr lang="en-US" sz="1600" b="1" baseline="0" dirty="0">
+                        <a:rPr lang="en-US" sz="1400" b="1" baseline="0" dirty="0">
                           <a:latin typeface="Courier New" panose="02070309020205020404" pitchFamily="49" charset="0"/>
                           <a:cs typeface="Courier New" panose="02070309020205020404" pitchFamily="49" charset="0"/>
                         </a:rPr>
@@ -14135,14 +14887,14 @@
                         <a:buNone/>
                       </a:pPr>
                       <a:r>
-                        <a:rPr lang="en-US" sz="1600" b="1" baseline="0" dirty="0">
+                        <a:rPr lang="en-US" sz="1400" b="1" baseline="0" dirty="0">
                           <a:latin typeface="Courier New" panose="02070309020205020404" pitchFamily="49" charset="0"/>
                           <a:cs typeface="Courier New" panose="02070309020205020404" pitchFamily="49" charset="0"/>
                         </a:rPr>
                         <a:t>          + </a:t>
                       </a:r>
                       <a:r>
-                        <a:rPr lang="en-US" sz="1600" b="1" baseline="0" dirty="0" err="1">
+                        <a:rPr lang="en-US" sz="1400" b="1" baseline="0" dirty="0" err="1">
                           <a:solidFill>
                             <a:srgbClr val="C00000"/>
                           </a:solidFill>
@@ -14152,7 +14904,7 @@
                         <a:t>koch</a:t>
                       </a:r>
                       <a:r>
-                        <a:rPr lang="en-US" sz="1600" b="1" baseline="0" dirty="0">
+                        <a:rPr lang="en-US" sz="1400" b="1" baseline="0" dirty="0">
                           <a:latin typeface="Courier New" panose="02070309020205020404" pitchFamily="49" charset="0"/>
                           <a:cs typeface="Courier New" panose="02070309020205020404" pitchFamily="49" charset="0"/>
                         </a:rPr>
@@ -14169,14 +14921,14 @@
                         <a:buNone/>
                       </a:pPr>
                       <a:r>
-                        <a:rPr lang="en-US" sz="1600" b="1" baseline="0" dirty="0">
+                        <a:rPr lang="en-US" sz="1400" b="1" baseline="0" dirty="0">
                           <a:latin typeface="Courier New" panose="02070309020205020404" pitchFamily="49" charset="0"/>
                           <a:cs typeface="Courier New" panose="02070309020205020404" pitchFamily="49" charset="0"/>
                         </a:rPr>
                         <a:t>          + </a:t>
                       </a:r>
                       <a:r>
-                        <a:rPr lang="en-US" sz="1600" b="1" baseline="0" dirty="0" err="1">
+                        <a:rPr lang="en-US" sz="1400" b="1" baseline="0" dirty="0" err="1">
                           <a:solidFill>
                             <a:srgbClr val="C00000"/>
                           </a:solidFill>
@@ -14186,7 +14938,7 @@
                         <a:t>koch</a:t>
                       </a:r>
                       <a:r>
-                        <a:rPr lang="en-US" sz="1600" b="1" baseline="0" dirty="0">
+                        <a:rPr lang="en-US" sz="1400" b="1" baseline="0" dirty="0">
                           <a:latin typeface="Courier New" panose="02070309020205020404" pitchFamily="49" charset="0"/>
                           <a:cs typeface="Courier New" panose="02070309020205020404" pitchFamily="49" charset="0"/>
                         </a:rPr>
@@ -14206,14 +14958,14 @@
                         <a:buNone/>
                       </a:pPr>
                       <a:r>
-                        <a:rPr lang="en-US" sz="1600" b="1" baseline="0" dirty="0">
+                        <a:rPr lang="en-US" sz="1400" b="1" baseline="0" dirty="0">
                           <a:latin typeface="Courier New" panose="02070309020205020404" pitchFamily="49" charset="0"/>
                           <a:cs typeface="Courier New" panose="02070309020205020404" pitchFamily="49" charset="0"/>
                         </a:rPr>
                         <a:t>          + </a:t>
                       </a:r>
                       <a:r>
-                        <a:rPr lang="en-US" sz="1600" b="1" baseline="0" dirty="0" err="1">
+                        <a:rPr lang="en-US" sz="1400" b="1" baseline="0" dirty="0" err="1">
                           <a:solidFill>
                             <a:srgbClr val="C00000"/>
                           </a:solidFill>
@@ -14223,7 +14975,7 @@
                         <a:t>koch</a:t>
                       </a:r>
                       <a:r>
-                        <a:rPr lang="en-US" sz="1600" b="1" baseline="0" dirty="0">
+                        <a:rPr lang="en-US" sz="1400" b="1" baseline="0" dirty="0">
                           <a:latin typeface="Courier New" panose="02070309020205020404" pitchFamily="49" charset="0"/>
                           <a:cs typeface="Courier New" panose="02070309020205020404" pitchFamily="49" charset="0"/>
                         </a:rPr>
@@ -14240,14 +14992,14 @@
                         <a:buNone/>
                       </a:pPr>
                       <a:r>
-                        <a:rPr lang="en-US" sz="1600" b="1" baseline="0" dirty="0">
+                        <a:rPr lang="en-US" sz="1400" b="1" baseline="0" dirty="0">
                           <a:latin typeface="Courier New" panose="02070309020205020404" pitchFamily="49" charset="0"/>
                           <a:cs typeface="Courier New" panose="02070309020205020404" pitchFamily="49" charset="0"/>
                         </a:rPr>
                         <a:t>points = </a:t>
                       </a:r>
                       <a:r>
-                        <a:rPr lang="en-US" sz="1600" b="1" baseline="0" dirty="0" err="1">
+                        <a:rPr lang="en-US" sz="1400" b="1" baseline="0" dirty="0" err="1">
                           <a:solidFill>
                             <a:srgbClr val="C00000"/>
                           </a:solidFill>
@@ -14257,11 +15009,11 @@
                         <a:t>koch</a:t>
                       </a:r>
                       <a:r>
-                        <a:rPr lang="en-US" sz="1600" b="1" baseline="0" dirty="0">
-                          <a:latin typeface="Courier New" panose="02070309020205020404" pitchFamily="49" charset="0"/>
-                          <a:cs typeface="Courier New" panose="02070309020205020404" pitchFamily="49" charset="0"/>
-                        </a:rPr>
-                        <a:t>((0, 1), (0, 0), depth=3)</a:t>
+                        <a:rPr lang="en-US" sz="1400" b="1" baseline="0" dirty="0">
+                          <a:latin typeface="Courier New" panose="02070309020205020404" pitchFamily="49" charset="0"/>
+                          <a:cs typeface="Courier New" panose="02070309020205020404" pitchFamily="49" charset="0"/>
+                        </a:rPr>
+                        <a:t>((0, 0), (1, 0), depth=3)</a:t>
                       </a:r>
                     </a:p>
                     <a:p>
@@ -14277,7 +15029,7 @@
                         <a:buNone/>
                       </a:pPr>
                       <a:r>
-                        <a:rPr lang="en-US" sz="1600" b="1" baseline="0" dirty="0">
+                        <a:rPr lang="en-US" sz="1400" b="1" baseline="0" dirty="0">
                           <a:latin typeface="Courier New" panose="02070309020205020404" pitchFamily="49" charset="0"/>
                           <a:cs typeface="Courier New" panose="02070309020205020404" pitchFamily="49" charset="0"/>
                         </a:rPr>
@@ -14294,14 +15046,14 @@
                         <a:buNone/>
                       </a:pPr>
                       <a:r>
-                        <a:rPr lang="en-US" sz="1600" b="1" baseline="0" dirty="0" err="1">
+                        <a:rPr lang="en-US" sz="1400" b="1" baseline="0" dirty="0" err="1">
                           <a:latin typeface="Courier New" panose="02070309020205020404" pitchFamily="49" charset="0"/>
                           <a:cs typeface="Courier New" panose="02070309020205020404" pitchFamily="49" charset="0"/>
                         </a:rPr>
                         <a:t>plt.subplot</a:t>
                       </a:r>
                       <a:r>
-                        <a:rPr lang="en-US" sz="1600" b="1" baseline="0" dirty="0">
+                        <a:rPr lang="en-US" sz="1400" b="1" baseline="0" dirty="0">
                           <a:latin typeface="Courier New" panose="02070309020205020404" pitchFamily="49" charset="0"/>
                           <a:cs typeface="Courier New" panose="02070309020205020404" pitchFamily="49" charset="0"/>
                         </a:rPr>
@@ -14318,14 +15070,14 @@
                         <a:buNone/>
                       </a:pPr>
                       <a:r>
-                        <a:rPr lang="en-US" sz="1600" b="1" baseline="0" dirty="0" err="1">
+                        <a:rPr lang="en-US" sz="1400" b="1" baseline="0" dirty="0" err="1">
                           <a:latin typeface="Courier New" panose="02070309020205020404" pitchFamily="49" charset="0"/>
                           <a:cs typeface="Courier New" panose="02070309020205020404" pitchFamily="49" charset="0"/>
                         </a:rPr>
                         <a:t>plt.plot</a:t>
                       </a:r>
                       <a:r>
-                        <a:rPr lang="en-US" sz="1600" b="1" baseline="0" dirty="0">
+                        <a:rPr lang="en-US" sz="1400" b="1" baseline="0" dirty="0">
                           <a:latin typeface="Courier New" panose="02070309020205020404" pitchFamily="49" charset="0"/>
                           <a:cs typeface="Courier New" panose="02070309020205020404" pitchFamily="49" charset="0"/>
                         </a:rPr>
@@ -14342,14 +15094,14 @@
                         <a:buNone/>
                       </a:pPr>
                       <a:r>
-                        <a:rPr lang="en-US" sz="1600" b="1" baseline="0" dirty="0" err="1">
+                        <a:rPr lang="en-US" sz="1400" b="1" baseline="0" dirty="0" err="1">
                           <a:latin typeface="Courier New" panose="02070309020205020404" pitchFamily="49" charset="0"/>
                           <a:cs typeface="Courier New" panose="02070309020205020404" pitchFamily="49" charset="0"/>
                         </a:rPr>
                         <a:t>plt.plot</a:t>
                       </a:r>
                       <a:r>
-                        <a:rPr lang="en-US" sz="1600" b="1" baseline="0" dirty="0">
+                        <a:rPr lang="en-US" sz="1400" b="1" baseline="0" dirty="0">
                           <a:latin typeface="Courier New" panose="02070309020205020404" pitchFamily="49" charset="0"/>
                           <a:cs typeface="Courier New" panose="02070309020205020404" pitchFamily="49" charset="0"/>
                         </a:rPr>
@@ -14366,14 +15118,14 @@
                         <a:buNone/>
                       </a:pPr>
                       <a:r>
-                        <a:rPr lang="en-US" sz="1600" b="1" baseline="0" dirty="0" err="1">
+                        <a:rPr lang="en-US" sz="1400" b="1" baseline="0" dirty="0" err="1">
                           <a:latin typeface="Courier New" panose="02070309020205020404" pitchFamily="49" charset="0"/>
                           <a:cs typeface="Courier New" panose="02070309020205020404" pitchFamily="49" charset="0"/>
                         </a:rPr>
                         <a:t>plt.show</a:t>
                       </a:r>
                       <a:r>
-                        <a:rPr lang="en-US" sz="1600" b="1" baseline="0" dirty="0">
+                        <a:rPr lang="en-US" sz="1400" b="1" baseline="0" dirty="0">
                           <a:latin typeface="Courier New" panose="02070309020205020404" pitchFamily="49" charset="0"/>
                           <a:cs typeface="Courier New" panose="02070309020205020404" pitchFamily="49" charset="0"/>
                         </a:rPr>
@@ -14452,7 +15204,7 @@
         </p:nvSpPr>
         <p:spPr>
           <a:xfrm flipV="1">
-            <a:off x="9338764" y="4565863"/>
+            <a:off x="9443145" y="4430212"/>
             <a:ext cx="371613" cy="475698"/>
           </a:xfrm>
           <a:custGeom>
@@ -14549,7 +15301,7 @@
         </p:nvSpPr>
         <p:spPr>
           <a:xfrm>
-            <a:off x="9524570" y="4792546"/>
+            <a:off x="9581326" y="4666420"/>
             <a:ext cx="2248402" cy="923330"/>
           </a:xfrm>
           <a:prstGeom prst="rect">
@@ -14575,12 +15327,360 @@
           </a:p>
         </p:txBody>
       </p:sp>
+      <p:pic>
+        <p:nvPicPr>
+          <p:cNvPr id="3" name="Picture 2">
+            <a:extLst>
+              <a:ext uri="{FF2B5EF4-FFF2-40B4-BE49-F238E27FC236}">
+                <a16:creationId xmlns:a16="http://schemas.microsoft.com/office/drawing/2014/main" id="{3EB86994-CC7E-5907-4B27-9169C9B154B5}"/>
+              </a:ext>
+            </a:extLst>
+          </p:cNvPr>
+          <p:cNvPicPr>
+            <a:picLocks noChangeAspect="1"/>
+          </p:cNvPicPr>
+          <p:nvPr/>
+        </p:nvPicPr>
+        <p:blipFill>
+          <a:blip r:embed="rId3"/>
+          <a:stretch>
+            <a:fillRect/>
+          </a:stretch>
+        </p:blipFill>
+        <p:spPr>
+          <a:xfrm>
+            <a:off x="810742" y="1543550"/>
+            <a:ext cx="3509736" cy="163589"/>
+          </a:xfrm>
+          <a:prstGeom prst="rect">
+            <a:avLst/>
+          </a:prstGeom>
+        </p:spPr>
+      </p:pic>
+      <p:pic>
+        <p:nvPicPr>
+          <p:cNvPr id="5" name="Picture 4">
+            <a:extLst>
+              <a:ext uri="{FF2B5EF4-FFF2-40B4-BE49-F238E27FC236}">
+                <a16:creationId xmlns:a16="http://schemas.microsoft.com/office/drawing/2014/main" id="{3736BDD6-D026-9035-B946-C90C5DE71E68}"/>
+              </a:ext>
+            </a:extLst>
+          </p:cNvPr>
+          <p:cNvPicPr>
+            <a:picLocks noChangeAspect="1"/>
+          </p:cNvPicPr>
+          <p:nvPr/>
+        </p:nvPicPr>
+        <p:blipFill rotWithShape="1">
+          <a:blip r:embed="rId4"/>
+          <a:srcRect r="3140" b="2321"/>
+          <a:stretch/>
+        </p:blipFill>
+        <p:spPr>
+          <a:xfrm>
+            <a:off x="782814" y="2021805"/>
+            <a:ext cx="3529184" cy="1024126"/>
+          </a:xfrm>
+          <a:prstGeom prst="rect">
+            <a:avLst/>
+          </a:prstGeom>
+        </p:spPr>
+      </p:pic>
+      <p:pic>
+        <p:nvPicPr>
+          <p:cNvPr id="6" name="Picture 5">
+            <a:extLst>
+              <a:ext uri="{FF2B5EF4-FFF2-40B4-BE49-F238E27FC236}">
+                <a16:creationId xmlns:a16="http://schemas.microsoft.com/office/drawing/2014/main" id="{1AF5380C-AE1D-547E-2C81-E4F3617302A8}"/>
+              </a:ext>
+            </a:extLst>
+          </p:cNvPr>
+          <p:cNvPicPr>
+            <a:picLocks noChangeAspect="1"/>
+          </p:cNvPicPr>
+          <p:nvPr/>
+        </p:nvPicPr>
+        <p:blipFill>
+          <a:blip r:embed="rId5"/>
+          <a:stretch>
+            <a:fillRect/>
+          </a:stretch>
+        </p:blipFill>
+        <p:spPr>
+          <a:xfrm>
+            <a:off x="864199" y="3232256"/>
+            <a:ext cx="3442813" cy="1041023"/>
+          </a:xfrm>
+          <a:prstGeom prst="rect">
+            <a:avLst/>
+          </a:prstGeom>
+        </p:spPr>
+      </p:pic>
+      <p:pic>
+        <p:nvPicPr>
+          <p:cNvPr id="16" name="Picture 15">
+            <a:extLst>
+              <a:ext uri="{FF2B5EF4-FFF2-40B4-BE49-F238E27FC236}">
+                <a16:creationId xmlns:a16="http://schemas.microsoft.com/office/drawing/2014/main" id="{90563BCC-3D90-389B-09FB-4553A3ED7F57}"/>
+              </a:ext>
+            </a:extLst>
+          </p:cNvPr>
+          <p:cNvPicPr>
+            <a:picLocks noChangeAspect="1"/>
+          </p:cNvPicPr>
+          <p:nvPr/>
+        </p:nvPicPr>
+        <p:blipFill>
+          <a:blip r:embed="rId6"/>
+          <a:stretch>
+            <a:fillRect/>
+          </a:stretch>
+        </p:blipFill>
+        <p:spPr>
+          <a:xfrm>
+            <a:off x="864199" y="4495135"/>
+            <a:ext cx="3569223" cy="1033587"/>
+          </a:xfrm>
+          <a:prstGeom prst="rect">
+            <a:avLst/>
+          </a:prstGeom>
+        </p:spPr>
+      </p:pic>
+      <p:pic>
+        <p:nvPicPr>
+          <p:cNvPr id="17" name="Picture 16">
+            <a:extLst>
+              <a:ext uri="{FF2B5EF4-FFF2-40B4-BE49-F238E27FC236}">
+                <a16:creationId xmlns:a16="http://schemas.microsoft.com/office/drawing/2014/main" id="{D43B16EC-1057-D885-A77A-BCD9CCE0CDC0}"/>
+              </a:ext>
+            </a:extLst>
+          </p:cNvPr>
+          <p:cNvPicPr>
+            <a:picLocks noChangeAspect="1"/>
+          </p:cNvPicPr>
+          <p:nvPr/>
+        </p:nvPicPr>
+        <p:blipFill rotWithShape="1">
+          <a:blip r:embed="rId7"/>
+          <a:srcRect t="1486"/>
+          <a:stretch/>
+        </p:blipFill>
+        <p:spPr>
+          <a:xfrm>
+            <a:off x="901379" y="5713242"/>
+            <a:ext cx="3494864" cy="1032886"/>
+          </a:xfrm>
+          <a:prstGeom prst="rect">
+            <a:avLst/>
+          </a:prstGeom>
+        </p:spPr>
+      </p:pic>
+      <p:sp>
+        <p:nvSpPr>
+          <p:cNvPr id="18" name="TextBox 17">
+            <a:extLst>
+              <a:ext uri="{FF2B5EF4-FFF2-40B4-BE49-F238E27FC236}">
+                <a16:creationId xmlns:a16="http://schemas.microsoft.com/office/drawing/2014/main" id="{8D1D5184-0C00-6938-B81E-0C5FFAD29939}"/>
+              </a:ext>
+            </a:extLst>
+          </p:cNvPr>
+          <p:cNvSpPr txBox="1"/>
+          <p:nvPr/>
+        </p:nvSpPr>
+        <p:spPr>
+          <a:xfrm>
+            <a:off x="3351780" y="1269885"/>
+            <a:ext cx="1192590" cy="369332"/>
+          </a:xfrm>
+          <a:prstGeom prst="rect">
+            <a:avLst/>
+          </a:prstGeom>
+          <a:noFill/>
+        </p:spPr>
+        <p:txBody>
+          <a:bodyPr wrap="square" rtlCol="0">
+            <a:spAutoFit/>
+          </a:bodyPr>
+          <a:lstStyle/>
+          <a:p>
+            <a:r>
+              <a:rPr lang="da-DK" dirty="0" err="1"/>
+              <a:t>depth</a:t>
+            </a:r>
+            <a:r>
+              <a:rPr lang="da-DK" dirty="0"/>
+              <a:t> = 0</a:t>
+            </a:r>
+            <a:endParaRPr lang="en-US" dirty="0"/>
+          </a:p>
+        </p:txBody>
+      </p:sp>
+      <p:sp>
+        <p:nvSpPr>
+          <p:cNvPr id="19" name="TextBox 18">
+            <a:extLst>
+              <a:ext uri="{FF2B5EF4-FFF2-40B4-BE49-F238E27FC236}">
+                <a16:creationId xmlns:a16="http://schemas.microsoft.com/office/drawing/2014/main" id="{7968F901-48B5-CB67-7347-E429F43F22EA}"/>
+              </a:ext>
+            </a:extLst>
+          </p:cNvPr>
+          <p:cNvSpPr txBox="1"/>
+          <p:nvPr/>
+        </p:nvSpPr>
+        <p:spPr>
+          <a:xfrm>
+            <a:off x="3351780" y="1976355"/>
+            <a:ext cx="1192590" cy="369332"/>
+          </a:xfrm>
+          <a:prstGeom prst="rect">
+            <a:avLst/>
+          </a:prstGeom>
+          <a:noFill/>
+        </p:spPr>
+        <p:txBody>
+          <a:bodyPr wrap="square" rtlCol="0">
+            <a:spAutoFit/>
+          </a:bodyPr>
+          <a:lstStyle/>
+          <a:p>
+            <a:r>
+              <a:rPr lang="da-DK" dirty="0" err="1"/>
+              <a:t>depth</a:t>
+            </a:r>
+            <a:r>
+              <a:rPr lang="da-DK" dirty="0"/>
+              <a:t> = 1</a:t>
+            </a:r>
+            <a:endParaRPr lang="en-US" dirty="0"/>
+          </a:p>
+        </p:txBody>
+      </p:sp>
+      <p:sp>
+        <p:nvSpPr>
+          <p:cNvPr id="20" name="TextBox 19">
+            <a:extLst>
+              <a:ext uri="{FF2B5EF4-FFF2-40B4-BE49-F238E27FC236}">
+                <a16:creationId xmlns:a16="http://schemas.microsoft.com/office/drawing/2014/main" id="{8838C3B9-AADE-D63B-697D-4E45B535B8FC}"/>
+              </a:ext>
+            </a:extLst>
+          </p:cNvPr>
+          <p:cNvSpPr txBox="1"/>
+          <p:nvPr/>
+        </p:nvSpPr>
+        <p:spPr>
+          <a:xfrm>
+            <a:off x="3351780" y="3341619"/>
+            <a:ext cx="1192590" cy="369332"/>
+          </a:xfrm>
+          <a:prstGeom prst="rect">
+            <a:avLst/>
+          </a:prstGeom>
+          <a:noFill/>
+        </p:spPr>
+        <p:txBody>
+          <a:bodyPr wrap="square" rtlCol="0">
+            <a:spAutoFit/>
+          </a:bodyPr>
+          <a:lstStyle/>
+          <a:p>
+            <a:r>
+              <a:rPr lang="da-DK" dirty="0" err="1"/>
+              <a:t>depth</a:t>
+            </a:r>
+            <a:r>
+              <a:rPr lang="da-DK" dirty="0"/>
+              <a:t> = 2</a:t>
+            </a:r>
+            <a:endParaRPr lang="en-US" dirty="0"/>
+          </a:p>
+        </p:txBody>
+      </p:sp>
+      <p:sp>
+        <p:nvSpPr>
+          <p:cNvPr id="21" name="TextBox 20">
+            <a:extLst>
+              <a:ext uri="{FF2B5EF4-FFF2-40B4-BE49-F238E27FC236}">
+                <a16:creationId xmlns:a16="http://schemas.microsoft.com/office/drawing/2014/main" id="{7AE58AD1-43A6-1F54-1977-A32C9793999A}"/>
+              </a:ext>
+            </a:extLst>
+          </p:cNvPr>
+          <p:cNvSpPr txBox="1"/>
+          <p:nvPr/>
+        </p:nvSpPr>
+        <p:spPr>
+          <a:xfrm>
+            <a:off x="3351780" y="4516106"/>
+            <a:ext cx="1192590" cy="369332"/>
+          </a:xfrm>
+          <a:prstGeom prst="rect">
+            <a:avLst/>
+          </a:prstGeom>
+          <a:noFill/>
+        </p:spPr>
+        <p:txBody>
+          <a:bodyPr wrap="square" rtlCol="0">
+            <a:spAutoFit/>
+          </a:bodyPr>
+          <a:lstStyle/>
+          <a:p>
+            <a:r>
+              <a:rPr lang="da-DK" dirty="0" err="1"/>
+              <a:t>depth</a:t>
+            </a:r>
+            <a:r>
+              <a:rPr lang="da-DK" dirty="0"/>
+              <a:t> = 3</a:t>
+            </a:r>
+            <a:endParaRPr lang="en-US" dirty="0"/>
+          </a:p>
+        </p:txBody>
+      </p:sp>
+      <p:sp>
+        <p:nvSpPr>
+          <p:cNvPr id="22" name="TextBox 21">
+            <a:extLst>
+              <a:ext uri="{FF2B5EF4-FFF2-40B4-BE49-F238E27FC236}">
+                <a16:creationId xmlns:a16="http://schemas.microsoft.com/office/drawing/2014/main" id="{CFE19717-7A93-FF85-6223-8CB3086F933F}"/>
+              </a:ext>
+            </a:extLst>
+          </p:cNvPr>
+          <p:cNvSpPr txBox="1"/>
+          <p:nvPr/>
+        </p:nvSpPr>
+        <p:spPr>
+          <a:xfrm>
+            <a:off x="3351780" y="5733634"/>
+            <a:ext cx="1192590" cy="369332"/>
+          </a:xfrm>
+          <a:prstGeom prst="rect">
+            <a:avLst/>
+          </a:prstGeom>
+          <a:noFill/>
+        </p:spPr>
+        <p:txBody>
+          <a:bodyPr wrap="square" rtlCol="0">
+            <a:spAutoFit/>
+          </a:bodyPr>
+          <a:lstStyle/>
+          <a:p>
+            <a:r>
+              <a:rPr lang="da-DK" dirty="0" err="1"/>
+              <a:t>depth</a:t>
+            </a:r>
+            <a:r>
+              <a:rPr lang="da-DK" dirty="0"/>
+              <a:t> = 4</a:t>
+            </a:r>
+            <a:endParaRPr lang="en-US" dirty="0"/>
+          </a:p>
+        </p:txBody>
+      </p:sp>
       <p:grpSp>
         <p:nvGrpSpPr>
-          <p:cNvPr id="10" name="Group 9">
+          <p:cNvPr id="23" name="Group 22">
             <a:extLst>
               <a:ext uri="{FF2B5EF4-FFF2-40B4-BE49-F238E27FC236}">
-                <a16:creationId xmlns:a16="http://schemas.microsoft.com/office/drawing/2014/main" id="{BDE896E9-67DA-4BF6-A480-25E4E3273B8B}"/>
+                <a16:creationId xmlns:a16="http://schemas.microsoft.com/office/drawing/2014/main" id="{36CEAD96-9D62-1624-E0E3-E0380D0AB46F}"/>
               </a:ext>
             </a:extLst>
           </p:cNvPr>
@@ -14589,18 +15689,18 @@
         </p:nvGrpSpPr>
         <p:grpSpPr>
           <a:xfrm>
-            <a:off x="1223897" y="2820320"/>
-            <a:ext cx="1895995" cy="1206862"/>
-            <a:chOff x="6094097" y="1121621"/>
-            <a:chExt cx="1895995" cy="1206862"/>
+            <a:off x="776494" y="1717707"/>
+            <a:ext cx="3587401" cy="1485949"/>
+            <a:chOff x="5289228" y="169201"/>
+            <a:chExt cx="4595285" cy="2141351"/>
           </a:xfrm>
         </p:grpSpPr>
         <p:sp>
           <p:nvSpPr>
-            <p:cNvPr id="11" name="TextBox 10">
+            <p:cNvPr id="24" name="TextBox 23">
               <a:extLst>
                 <a:ext uri="{FF2B5EF4-FFF2-40B4-BE49-F238E27FC236}">
-                  <a16:creationId xmlns:a16="http://schemas.microsoft.com/office/drawing/2014/main" id="{82C487F2-6355-4B77-AF2A-8C818637B87D}"/>
+                  <a16:creationId xmlns:a16="http://schemas.microsoft.com/office/drawing/2014/main" id="{FAD0D07C-EFD3-4852-DB40-7BE03ECD38AA}"/>
                 </a:ext>
               </a:extLst>
             </p:cNvPr>
@@ -14609,7 +15709,7 @@
           </p:nvSpPr>
           <p:spPr>
             <a:xfrm>
-              <a:off x="6094097" y="1260538"/>
+              <a:off x="5289228" y="1916587"/>
               <a:ext cx="298938" cy="369332"/>
             </a:xfrm>
             <a:prstGeom prst="rect">
@@ -14633,10 +15733,10 @@
         </p:sp>
         <p:sp>
           <p:nvSpPr>
-            <p:cNvPr id="12" name="TextBox 11">
+            <p:cNvPr id="25" name="TextBox 24">
               <a:extLst>
                 <a:ext uri="{FF2B5EF4-FFF2-40B4-BE49-F238E27FC236}">
-                  <a16:creationId xmlns:a16="http://schemas.microsoft.com/office/drawing/2014/main" id="{4970697C-7C6C-4D71-8F07-939FCCFC48E4}"/>
+                  <a16:creationId xmlns:a16="http://schemas.microsoft.com/office/drawing/2014/main" id="{84116969-B436-AC74-8FA4-DEB548E716E4}"/>
                 </a:ext>
               </a:extLst>
             </p:cNvPr>
@@ -14645,7 +15745,7 @@
           </p:nvSpPr>
           <p:spPr>
             <a:xfrm>
-              <a:off x="7691154" y="1959151"/>
+              <a:off x="9585575" y="1941220"/>
               <a:ext cx="298938" cy="369332"/>
             </a:xfrm>
             <a:prstGeom prst="rect">
@@ -14669,10 +15769,10 @@
         </p:sp>
         <p:sp>
           <p:nvSpPr>
-            <p:cNvPr id="13" name="TextBox 12">
+            <p:cNvPr id="26" name="TextBox 25">
               <a:extLst>
                 <a:ext uri="{FF2B5EF4-FFF2-40B4-BE49-F238E27FC236}">
-                  <a16:creationId xmlns:a16="http://schemas.microsoft.com/office/drawing/2014/main" id="{563CC9C7-E5C7-4D47-B82F-7E6D2BF9C4EE}"/>
+                  <a16:creationId xmlns:a16="http://schemas.microsoft.com/office/drawing/2014/main" id="{E8CE2A34-7D74-EF7F-CB7E-3BE9AED10AD2}"/>
                 </a:ext>
               </a:extLst>
             </p:cNvPr>
@@ -14681,7 +15781,7 @@
           </p:nvSpPr>
           <p:spPr>
             <a:xfrm>
-              <a:off x="6609654" y="1618847"/>
+              <a:off x="6700602" y="1924293"/>
               <a:ext cx="514350" cy="369332"/>
             </a:xfrm>
             <a:prstGeom prst="rect">
@@ -14709,10 +15809,10 @@
         </p:sp>
         <p:sp>
           <p:nvSpPr>
-            <p:cNvPr id="14" name="TextBox 13">
+            <p:cNvPr id="27" name="TextBox 26">
               <a:extLst>
                 <a:ext uri="{FF2B5EF4-FFF2-40B4-BE49-F238E27FC236}">
-                  <a16:creationId xmlns:a16="http://schemas.microsoft.com/office/drawing/2014/main" id="{033EE1FA-4FDB-4546-9494-30CF3185FFD2}"/>
+                  <a16:creationId xmlns:a16="http://schemas.microsoft.com/office/drawing/2014/main" id="{2B9E923D-62F8-9064-2199-01A8343F301E}"/>
                 </a:ext>
               </a:extLst>
             </p:cNvPr>
@@ -14721,8 +15821,8 @@
           </p:nvSpPr>
           <p:spPr>
             <a:xfrm>
-              <a:off x="7176804" y="1121621"/>
-              <a:ext cx="514350" cy="369332"/>
+              <a:off x="7395313" y="169201"/>
+              <a:ext cx="514351" cy="369331"/>
             </a:xfrm>
             <a:prstGeom prst="rect">
               <a:avLst/>
@@ -14749,10 +15849,10 @@
         </p:sp>
         <p:sp>
           <p:nvSpPr>
-            <p:cNvPr id="15" name="TextBox 14">
+            <p:cNvPr id="28" name="TextBox 27">
               <a:extLst>
                 <a:ext uri="{FF2B5EF4-FFF2-40B4-BE49-F238E27FC236}">
-                  <a16:creationId xmlns:a16="http://schemas.microsoft.com/office/drawing/2014/main" id="{128DA2F3-3A35-45F2-A76B-37AF84D9992D}"/>
+                  <a16:creationId xmlns:a16="http://schemas.microsoft.com/office/drawing/2014/main" id="{F268ECAA-87AB-E4D8-2C85-DBFB88D70D62}"/>
                 </a:ext>
               </a:extLst>
             </p:cNvPr>
@@ -14761,7 +15861,7 @@
           </p:nvSpPr>
           <p:spPr>
             <a:xfrm>
-              <a:off x="6963460" y="1832541"/>
+              <a:off x="8153400" y="1916587"/>
               <a:ext cx="514350" cy="369332"/>
             </a:xfrm>
             <a:prstGeom prst="rect">
@@ -14788,6 +15888,258 @@
           </p:txBody>
         </p:sp>
       </p:grpSp>
+      <p:grpSp>
+        <p:nvGrpSpPr>
+          <p:cNvPr id="29" name="Group 28">
+            <a:extLst>
+              <a:ext uri="{FF2B5EF4-FFF2-40B4-BE49-F238E27FC236}">
+                <a16:creationId xmlns:a16="http://schemas.microsoft.com/office/drawing/2014/main" id="{03E1D210-3CF0-C9C7-FE43-5FAC6652BC07}"/>
+              </a:ext>
+            </a:extLst>
+          </p:cNvPr>
+          <p:cNvGrpSpPr/>
+          <p:nvPr/>
+        </p:nvGrpSpPr>
+        <p:grpSpPr>
+          <a:xfrm>
+            <a:off x="1704115" y="4172933"/>
+            <a:ext cx="1079079" cy="1486972"/>
+            <a:chOff x="6468032" y="170548"/>
+            <a:chExt cx="1382248" cy="2142823"/>
+          </a:xfrm>
+        </p:grpSpPr>
+        <p:sp>
+          <p:nvSpPr>
+            <p:cNvPr id="30" name="TextBox 29">
+              <a:extLst>
+                <a:ext uri="{FF2B5EF4-FFF2-40B4-BE49-F238E27FC236}">
+                  <a16:creationId xmlns:a16="http://schemas.microsoft.com/office/drawing/2014/main" id="{43B9E54F-0284-4A96-5123-870496AC4656}"/>
+                </a:ext>
+              </a:extLst>
+            </p:cNvPr>
+            <p:cNvSpPr txBox="1"/>
+            <p:nvPr/>
+          </p:nvSpPr>
+          <p:spPr>
+            <a:xfrm>
+              <a:off x="6741153" y="1944039"/>
+              <a:ext cx="298938" cy="369332"/>
+            </a:xfrm>
+            <a:prstGeom prst="rect">
+              <a:avLst/>
+            </a:prstGeom>
+            <a:noFill/>
+          </p:spPr>
+          <p:txBody>
+            <a:bodyPr wrap="square" rtlCol="0">
+              <a:spAutoFit/>
+            </a:bodyPr>
+            <a:lstStyle/>
+            <a:p>
+              <a:r>
+                <a:rPr lang="da-DK" dirty="0"/>
+                <a:t>p</a:t>
+              </a:r>
+              <a:endParaRPr lang="en-US" dirty="0"/>
+            </a:p>
+          </p:txBody>
+        </p:sp>
+        <p:sp>
+          <p:nvSpPr>
+            <p:cNvPr id="31" name="TextBox 30">
+              <a:extLst>
+                <a:ext uri="{FF2B5EF4-FFF2-40B4-BE49-F238E27FC236}">
+                  <a16:creationId xmlns:a16="http://schemas.microsoft.com/office/drawing/2014/main" id="{E6331490-728F-276F-BEE2-30DA2A391F6C}"/>
+                </a:ext>
+              </a:extLst>
+            </p:cNvPr>
+            <p:cNvSpPr txBox="1"/>
+            <p:nvPr/>
+          </p:nvSpPr>
+          <p:spPr>
+            <a:xfrm>
+              <a:off x="7425983" y="170548"/>
+              <a:ext cx="298938" cy="369332"/>
+            </a:xfrm>
+            <a:prstGeom prst="rect">
+              <a:avLst/>
+            </a:prstGeom>
+            <a:noFill/>
+          </p:spPr>
+          <p:txBody>
+            <a:bodyPr wrap="square" rtlCol="0">
+              <a:spAutoFit/>
+            </a:bodyPr>
+            <a:lstStyle/>
+            <a:p>
+              <a:r>
+                <a:rPr lang="da-DK" dirty="0"/>
+                <a:t>q</a:t>
+              </a:r>
+              <a:endParaRPr lang="en-US" dirty="0"/>
+            </a:p>
+          </p:txBody>
+        </p:sp>
+        <p:sp>
+          <p:nvSpPr>
+            <p:cNvPr id="32" name="TextBox 31">
+              <a:extLst>
+                <a:ext uri="{FF2B5EF4-FFF2-40B4-BE49-F238E27FC236}">
+                  <a16:creationId xmlns:a16="http://schemas.microsoft.com/office/drawing/2014/main" id="{81C6D4D5-F851-A56D-5187-6647B0513855}"/>
+                </a:ext>
+              </a:extLst>
+            </p:cNvPr>
+            <p:cNvSpPr txBox="1"/>
+            <p:nvPr/>
+          </p:nvSpPr>
+          <p:spPr>
+            <a:xfrm>
+              <a:off x="7103237" y="1334069"/>
+              <a:ext cx="514351" cy="369332"/>
+            </a:xfrm>
+            <a:prstGeom prst="rect">
+              <a:avLst/>
+            </a:prstGeom>
+            <a:noFill/>
+          </p:spPr>
+          <p:txBody>
+            <a:bodyPr wrap="square" rtlCol="0">
+              <a:spAutoFit/>
+            </a:bodyPr>
+            <a:lstStyle/>
+            <a:p>
+              <a:r>
+                <a:rPr lang="da-DK" dirty="0"/>
+                <a:t>p</a:t>
+              </a:r>
+              <a:r>
+                <a:rPr lang="da-DK" baseline="-25000" dirty="0"/>
+                <a:t>1</a:t>
+              </a:r>
+              <a:endParaRPr lang="en-US" baseline="-25000" dirty="0"/>
+            </a:p>
+          </p:txBody>
+        </p:sp>
+        <p:sp>
+          <p:nvSpPr>
+            <p:cNvPr id="33" name="TextBox 32">
+              <a:extLst>
+                <a:ext uri="{FF2B5EF4-FFF2-40B4-BE49-F238E27FC236}">
+                  <a16:creationId xmlns:a16="http://schemas.microsoft.com/office/drawing/2014/main" id="{62056A9F-68AB-33EA-F2F0-3A19A9A37752}"/>
+                </a:ext>
+              </a:extLst>
+            </p:cNvPr>
+            <p:cNvSpPr txBox="1"/>
+            <p:nvPr/>
+          </p:nvSpPr>
+          <p:spPr>
+            <a:xfrm>
+              <a:off x="6468032" y="745703"/>
+              <a:ext cx="514351" cy="369330"/>
+            </a:xfrm>
+            <a:prstGeom prst="rect">
+              <a:avLst/>
+            </a:prstGeom>
+            <a:noFill/>
+          </p:spPr>
+          <p:txBody>
+            <a:bodyPr wrap="square" rtlCol="0">
+              <a:spAutoFit/>
+            </a:bodyPr>
+            <a:lstStyle/>
+            <a:p>
+              <a:r>
+                <a:rPr lang="da-DK" dirty="0"/>
+                <a:t>p</a:t>
+              </a:r>
+              <a:r>
+                <a:rPr lang="da-DK" baseline="-25000" dirty="0"/>
+                <a:t>2</a:t>
+              </a:r>
+              <a:endParaRPr lang="en-US" baseline="-25000" dirty="0"/>
+            </a:p>
+          </p:txBody>
+        </p:sp>
+        <p:sp>
+          <p:nvSpPr>
+            <p:cNvPr id="34" name="TextBox 33">
+              <a:extLst>
+                <a:ext uri="{FF2B5EF4-FFF2-40B4-BE49-F238E27FC236}">
+                  <a16:creationId xmlns:a16="http://schemas.microsoft.com/office/drawing/2014/main" id="{3B544454-7884-9807-F7B5-887C11C398F2}"/>
+                </a:ext>
+              </a:extLst>
+            </p:cNvPr>
+            <p:cNvSpPr txBox="1"/>
+            <p:nvPr/>
+          </p:nvSpPr>
+          <p:spPr>
+            <a:xfrm>
+              <a:off x="7335929" y="914580"/>
+              <a:ext cx="514351" cy="369332"/>
+            </a:xfrm>
+            <a:prstGeom prst="rect">
+              <a:avLst/>
+            </a:prstGeom>
+            <a:noFill/>
+          </p:spPr>
+          <p:txBody>
+            <a:bodyPr wrap="square" rtlCol="0">
+              <a:spAutoFit/>
+            </a:bodyPr>
+            <a:lstStyle/>
+            <a:p>
+              <a:r>
+                <a:rPr lang="da-DK" dirty="0"/>
+                <a:t>p</a:t>
+              </a:r>
+              <a:r>
+                <a:rPr lang="da-DK" baseline="-25000" dirty="0"/>
+                <a:t>3</a:t>
+              </a:r>
+              <a:endParaRPr lang="en-US" baseline="-25000" dirty="0"/>
+            </a:p>
+          </p:txBody>
+        </p:sp>
+      </p:grpSp>
+      <p:sp>
+        <p:nvSpPr>
+          <p:cNvPr id="36" name="TextBox 35">
+            <a:extLst>
+              <a:ext uri="{FF2B5EF4-FFF2-40B4-BE49-F238E27FC236}">
+                <a16:creationId xmlns:a16="http://schemas.microsoft.com/office/drawing/2014/main" id="{CD3190C1-BF03-65B4-0588-CD8D1B8827ED}"/>
+              </a:ext>
+            </a:extLst>
+          </p:cNvPr>
+          <p:cNvSpPr txBox="1"/>
+          <p:nvPr/>
+        </p:nvSpPr>
+        <p:spPr>
+          <a:xfrm>
+            <a:off x="7296150" y="6438078"/>
+            <a:ext cx="4762500" cy="369332"/>
+          </a:xfrm>
+          <a:prstGeom prst="rect">
+            <a:avLst/>
+          </a:prstGeom>
+          <a:noFill/>
+        </p:spPr>
+        <p:txBody>
+          <a:bodyPr wrap="square">
+            <a:spAutoFit/>
+          </a:bodyPr>
+          <a:lstStyle/>
+          <a:p>
+            <a:pPr algn="r"/>
+            <a:r>
+              <a:rPr lang="da-DK" dirty="0">
+                <a:hlinkClick r:id="rId8"/>
+              </a:rPr>
+              <a:t>en.wikipedia.org/wiki/Koch_snowflake</a:t>
+            </a:r>
+            <a:endParaRPr lang="da-DK" dirty="0"/>
+          </a:p>
+        </p:txBody>
+      </p:sp>
     </p:spTree>
     <p:extLst>
       <p:ext uri="{BB962C8B-B14F-4D97-AF65-F5344CB8AC3E}">
@@ -14882,6 +16234,112 @@
                                         <p:cTn id="10" dur="500"/>
                                         <p:tgtEl>
                                           <p:spTgt spid="9"/>
+                                        </p:tgtEl>
+                                      </p:cBhvr>
+                                    </p:animEffect>
+                                  </p:childTnLst>
+                                </p:cTn>
+                              </p:par>
+                            </p:childTnLst>
+                          </p:cTn>
+                        </p:par>
+                      </p:childTnLst>
+                    </p:cTn>
+                  </p:par>
+                  <p:par>
+                    <p:cTn id="11" fill="hold">
+                      <p:stCondLst>
+                        <p:cond delay="indefinite"/>
+                      </p:stCondLst>
+                      <p:childTnLst>
+                        <p:par>
+                          <p:cTn id="12" fill="hold">
+                            <p:stCondLst>
+                              <p:cond delay="0"/>
+                            </p:stCondLst>
+                            <p:childTnLst>
+                              <p:par>
+                                <p:cTn id="13" presetID="10" presetClass="entr" presetSubtype="0" fill="hold" nodeType="clickEffect">
+                                  <p:stCondLst>
+                                    <p:cond delay="0"/>
+                                  </p:stCondLst>
+                                  <p:childTnLst>
+                                    <p:set>
+                                      <p:cBhvr>
+                                        <p:cTn id="14" dur="1" fill="hold">
+                                          <p:stCondLst>
+                                            <p:cond delay="0"/>
+                                          </p:stCondLst>
+                                        </p:cTn>
+                                        <p:tgtEl>
+                                          <p:spTgt spid="23"/>
+                                        </p:tgtEl>
+                                        <p:attrNameLst>
+                                          <p:attrName>style.visibility</p:attrName>
+                                        </p:attrNameLst>
+                                      </p:cBhvr>
+                                      <p:to>
+                                        <p:strVal val="visible"/>
+                                      </p:to>
+                                    </p:set>
+                                    <p:animEffect transition="in" filter="fade">
+                                      <p:cBhvr>
+                                        <p:cTn id="15" dur="500"/>
+                                        <p:tgtEl>
+                                          <p:spTgt spid="23"/>
+                                        </p:tgtEl>
+                                      </p:cBhvr>
+                                    </p:animEffect>
+                                  </p:childTnLst>
+                                </p:cTn>
+                              </p:par>
+                            </p:childTnLst>
+                          </p:cTn>
+                        </p:par>
+                      </p:childTnLst>
+                    </p:cTn>
+                  </p:par>
+                  <p:par>
+                    <p:cTn id="16" fill="hold">
+                      <p:stCondLst>
+                        <p:cond delay="indefinite"/>
+                      </p:stCondLst>
+                      <p:childTnLst>
+                        <p:par>
+                          <p:cTn id="17" fill="hold">
+                            <p:stCondLst>
+                              <p:cond delay="0"/>
+                            </p:stCondLst>
+                            <p:childTnLst>
+                              <p:par>
+                                <p:cTn id="18" presetID="10" presetClass="entr" presetSubtype="0" fill="hold" nodeType="clickEffect">
+                                  <p:stCondLst>
+                                    <p:cond delay="0"/>
+                                  </p:stCondLst>
+                                  <p:childTnLst>
+                                    <p:set>
+                                      <p:cBhvr>
+                                        <p:cTn id="19" dur="1" fill="hold">
+                                          <p:stCondLst>
+                                            <p:cond delay="0"/>
+                                          </p:stCondLst>
+                                        </p:cTn>
+                                        <p:tgtEl>
+                                          <p:spTgt spid="29"/>
+                                        </p:tgtEl>
+                                        <p:attrNameLst>
+                                          <p:attrName>style.visibility</p:attrName>
+                                        </p:attrNameLst>
+                                      </p:cBhvr>
+                                      <p:to>
+                                        <p:strVal val="visible"/>
+                                      </p:to>
+                                    </p:set>
+                                    <p:animEffect transition="in" filter="fade">
+                                      <p:cBhvr>
+                                        <p:cTn id="20" dur="500"/>
+                                        <p:tgtEl>
+                                          <p:spTgt spid="29"/>
                                         </p:tgtEl>
                                       </p:cBhvr>
                                     </p:animEffect>
@@ -15785,18 +17243,11 @@
                         <a:buNone/>
                       </a:pPr>
                       <a:r>
-                        <a:rPr lang="en-US" sz="1400" b="1" baseline="0">
-                          <a:latin typeface="Courier New" panose="02070309020205020404" pitchFamily="49" charset="0"/>
-                          <a:cs typeface="Courier New" panose="02070309020205020404" pitchFamily="49" charset="0"/>
-                        </a:rPr>
-                        <a:t>     [</a:t>
-                      </a:r>
-                      <a:r>
                         <a:rPr lang="en-US" sz="1400" b="1" baseline="0" dirty="0">
                           <a:latin typeface="Courier New" panose="02070309020205020404" pitchFamily="49" charset="0"/>
                           <a:cs typeface="Courier New" panose="02070309020205020404" pitchFamily="49" charset="0"/>
                         </a:rPr>
-                        <a:t>0,1], [0.5,0.5], 'k:’,  </a:t>
+                        <a:t>     [0,1], [0.5,0.5], 'k:’,  </a:t>
                       </a:r>
                       <a:r>
                         <a:rPr lang="en-US" sz="1400" b="1" baseline="0" dirty="0">
@@ -25394,7 +26845,7 @@
           <p:nvPr>
             <p:extLst>
               <p:ext uri="{D42A27DB-BD31-4B8C-83A1-F6EECF244321}">
-                <p14:modId xmlns:p14="http://schemas.microsoft.com/office/powerpoint/2010/main" val="1035705667"/>
+                <p14:modId xmlns:p14="http://schemas.microsoft.com/office/powerpoint/2010/main" val="2482352370"/>
               </p:ext>
             </p:extLst>
           </p:nvPr>
@@ -26291,7 +27742,7 @@
           <p:nvPr>
             <p:extLst>
               <p:ext uri="{D42A27DB-BD31-4B8C-83A1-F6EECF244321}">
-                <p14:modId xmlns:p14="http://schemas.microsoft.com/office/powerpoint/2010/main" val="702781929"/>
+                <p14:modId xmlns:p14="http://schemas.microsoft.com/office/powerpoint/2010/main" val="912489699"/>
               </p:ext>
             </p:extLst>
           </p:nvPr>
@@ -26394,10 +27845,22 @@
                     <a:p>
                       <a:r>
                         <a:rPr lang="pt-BR" sz="1800" b="1" dirty="0">
-                          <a:latin typeface="Courier New" panose="02070309020205020404" pitchFamily="49" charset="0"/>
-                          <a:cs typeface="Courier New" panose="02070309020205020404" pitchFamily="49" charset="0"/>
-                        </a:rPr>
-                        <a:t>def </a:t>
+                          <a:solidFill>
+                            <a:schemeClr val="accent1">
+                              <a:lumMod val="50000"/>
+                            </a:schemeClr>
+                          </a:solidFill>
+                          <a:latin typeface="Courier New" panose="02070309020205020404" pitchFamily="49" charset="0"/>
+                          <a:cs typeface="Courier New" panose="02070309020205020404" pitchFamily="49" charset="0"/>
+                        </a:rPr>
+                        <a:t>def</a:t>
+                      </a:r>
+                      <a:r>
+                        <a:rPr lang="pt-BR" sz="1800" b="1" dirty="0">
+                          <a:latin typeface="Courier New" panose="02070309020205020404" pitchFamily="49" charset="0"/>
+                          <a:cs typeface="Courier New" panose="02070309020205020404" pitchFamily="49" charset="0"/>
+                        </a:rPr>
+                        <a:t> </a:t>
                       </a:r>
                       <a:r>
                         <a:rPr lang="pt-BR" sz="1800" b="1" dirty="0">
@@ -26673,7 +28136,7 @@
           <p:nvPr>
             <p:extLst>
               <p:ext uri="{D42A27DB-BD31-4B8C-83A1-F6EECF244321}">
-                <p14:modId xmlns:p14="http://schemas.microsoft.com/office/powerpoint/2010/main" val="4148358150"/>
+                <p14:modId xmlns:p14="http://schemas.microsoft.com/office/powerpoint/2010/main" val="14780049"/>
               </p:ext>
             </p:extLst>
           </p:nvPr>
@@ -26776,6 +28239,11 @@
                     <a:p>
                       <a:r>
                         <a:rPr lang="en-US" sz="1800" b="1" dirty="0" err="1">
+                          <a:solidFill>
+                            <a:schemeClr val="accent1">
+                              <a:lumMod val="50000"/>
+                            </a:schemeClr>
+                          </a:solidFill>
                           <a:latin typeface="Courier New" panose="02070309020205020404" pitchFamily="49" charset="0"/>
                           <a:cs typeface="Courier New" panose="02070309020205020404" pitchFamily="49" charset="0"/>
                         </a:rPr>
@@ -26940,7 +28408,7 @@
           <p:nvPr>
             <p:extLst>
               <p:ext uri="{D42A27DB-BD31-4B8C-83A1-F6EECF244321}">
-                <p14:modId xmlns:p14="http://schemas.microsoft.com/office/powerpoint/2010/main" val="1729423596"/>
+                <p14:modId xmlns:p14="http://schemas.microsoft.com/office/powerpoint/2010/main" val="1122036953"/>
               </p:ext>
             </p:extLst>
           </p:nvPr>
@@ -27043,10 +28511,27 @@
                     <a:p>
                       <a:r>
                         <a:rPr lang="pt-BR" sz="1800" b="1" dirty="0">
-                          <a:latin typeface="Courier New" panose="02070309020205020404" pitchFamily="49" charset="0"/>
-                          <a:cs typeface="Courier New" panose="02070309020205020404" pitchFamily="49" charset="0"/>
-                        </a:rPr>
-                        <a:t>def </a:t>
+                          <a:solidFill>
+                            <a:schemeClr val="accent1">
+                              <a:lumMod val="50000"/>
+                            </a:schemeClr>
+                          </a:solidFill>
+                          <a:latin typeface="Courier New" panose="02070309020205020404" pitchFamily="49" charset="0"/>
+                          <a:cs typeface="Courier New" panose="02070309020205020404" pitchFamily="49" charset="0"/>
+                        </a:rPr>
+                        <a:t>def</a:t>
+                      </a:r>
+                      <a:r>
+                        <a:rPr lang="pt-BR" sz="1800" b="1" dirty="0">
+                          <a:solidFill>
+                            <a:schemeClr val="accent1">
+                              <a:lumMod val="75000"/>
+                            </a:schemeClr>
+                          </a:solidFill>
+                          <a:latin typeface="Courier New" panose="02070309020205020404" pitchFamily="49" charset="0"/>
+                          <a:cs typeface="Courier New" panose="02070309020205020404" pitchFamily="49" charset="0"/>
+                        </a:rPr>
+                        <a:t> </a:t>
                       </a:r>
                       <a:r>
                         <a:rPr lang="pt-BR" sz="1800" b="1" dirty="0">
@@ -28340,7 +29825,7 @@
           <p:nvPr>
             <p:extLst>
               <p:ext uri="{D42A27DB-BD31-4B8C-83A1-F6EECF244321}">
-                <p14:modId xmlns:p14="http://schemas.microsoft.com/office/powerpoint/2010/main" val="2849419361"/>
+                <p14:modId xmlns:p14="http://schemas.microsoft.com/office/powerpoint/2010/main" val="2490397733"/>
               </p:ext>
             </p:extLst>
           </p:nvPr>
@@ -28443,18 +29928,47 @@
                     <a:p>
                       <a:r>
                         <a:rPr lang="pt-BR" sz="1800" b="1" dirty="0">
-                          <a:latin typeface="Courier New" panose="02070309020205020404" pitchFamily="49" charset="0"/>
-                          <a:cs typeface="Courier New" panose="02070309020205020404" pitchFamily="49" charset="0"/>
-                        </a:rPr>
-                        <a:t>def binomial(n, k):</a:t>
-                      </a:r>
-                    </a:p>
-                    <a:p>
+                          <a:solidFill>
+                            <a:schemeClr val="accent1">
+                              <a:lumMod val="50000"/>
+                            </a:schemeClr>
+                          </a:solidFill>
+                          <a:latin typeface="Courier New" panose="02070309020205020404" pitchFamily="49" charset="0"/>
+                          <a:cs typeface="Courier New" panose="02070309020205020404" pitchFamily="49" charset="0"/>
+                        </a:rPr>
+                        <a:t>def</a:t>
+                      </a:r>
                       <a:r>
                         <a:rPr lang="pt-BR" sz="1800" b="1" dirty="0">
                           <a:latin typeface="Courier New" panose="02070309020205020404" pitchFamily="49" charset="0"/>
                           <a:cs typeface="Courier New" panose="02070309020205020404" pitchFamily="49" charset="0"/>
                         </a:rPr>
+                        <a:t> </a:t>
+                      </a:r>
+                      <a:r>
+                        <a:rPr lang="pt-BR" sz="1800" b="1" dirty="0">
+                          <a:solidFill>
+                            <a:srgbClr val="C00000"/>
+                          </a:solidFill>
+                          <a:latin typeface="Courier New" panose="02070309020205020404" pitchFamily="49" charset="0"/>
+                          <a:cs typeface="Courier New" panose="02070309020205020404" pitchFamily="49" charset="0"/>
+                        </a:rPr>
+                        <a:t>binomial</a:t>
+                      </a:r>
+                      <a:r>
+                        <a:rPr lang="pt-BR" sz="1800" b="1" dirty="0">
+                          <a:latin typeface="Courier New" panose="02070309020205020404" pitchFamily="49" charset="0"/>
+                          <a:cs typeface="Courier New" panose="02070309020205020404" pitchFamily="49" charset="0"/>
+                        </a:rPr>
+                        <a:t>(n, k):</a:t>
+                      </a:r>
+                    </a:p>
+                    <a:p>
+                      <a:r>
+                        <a:rPr lang="pt-BR" sz="1800" b="1" dirty="0">
+                          <a:latin typeface="Courier New" panose="02070309020205020404" pitchFamily="49" charset="0"/>
+                          <a:cs typeface="Courier New" panose="02070309020205020404" pitchFamily="49" charset="0"/>
+                        </a:rPr>
                         <a:t>    if k == 0 or k == n:</a:t>
                       </a:r>
                     </a:p>
@@ -28473,7 +29987,41 @@
                           <a:latin typeface="Courier New" panose="02070309020205020404" pitchFamily="49" charset="0"/>
                           <a:cs typeface="Courier New" panose="02070309020205020404" pitchFamily="49" charset="0"/>
                         </a:rPr>
-                        <a:t>    return binomial(n - 1, k) + binomial(n - 1, k - 1)</a:t>
+                        <a:t>    return </a:t>
+                      </a:r>
+                      <a:r>
+                        <a:rPr lang="pt-BR" sz="1800" b="1" dirty="0">
+                          <a:solidFill>
+                            <a:srgbClr val="C00000"/>
+                          </a:solidFill>
+                          <a:latin typeface="Courier New" panose="02070309020205020404" pitchFamily="49" charset="0"/>
+                          <a:cs typeface="Courier New" panose="02070309020205020404" pitchFamily="49" charset="0"/>
+                        </a:rPr>
+                        <a:t>binomial</a:t>
+                      </a:r>
+                      <a:r>
+                        <a:rPr lang="pt-BR" sz="1800" b="1" dirty="0">
+                          <a:latin typeface="Courier New" panose="02070309020205020404" pitchFamily="49" charset="0"/>
+                          <a:cs typeface="Courier New" panose="02070309020205020404" pitchFamily="49" charset="0"/>
+                        </a:rPr>
+                        <a:t>(n - 1, k) + </a:t>
+                      </a:r>
+                      <a:r>
+                        <a:rPr lang="pt-BR" sz="1800" b="1" dirty="0">
+                          <a:solidFill>
+                            <a:srgbClr val="C00000"/>
+                          </a:solidFill>
+                          <a:latin typeface="Courier New" panose="02070309020205020404" pitchFamily="49" charset="0"/>
+                          <a:cs typeface="Courier New" panose="02070309020205020404" pitchFamily="49" charset="0"/>
+                        </a:rPr>
+                        <a:t>binomial</a:t>
+                      </a:r>
+                      <a:r>
+                        <a:rPr lang="pt-BR" sz="1800" b="1" dirty="0">
+                          <a:latin typeface="Courier New" panose="02070309020205020404" pitchFamily="49" charset="0"/>
+                          <a:cs typeface="Courier New" panose="02070309020205020404" pitchFamily="49" charset="0"/>
+                        </a:rPr>
+                        <a:t>(n - 1, k - 1)</a:t>
                       </a:r>
                     </a:p>
                   </a:txBody>
@@ -28844,6 +30392,993 @@
           <p:cNvPr id="2" name="Title 1">
             <a:extLst>
               <a:ext uri="{FF2B5EF4-FFF2-40B4-BE49-F238E27FC236}">
+                <a16:creationId xmlns:a16="http://schemas.microsoft.com/office/drawing/2014/main" id="{8A7D887A-477E-5547-4340-E05CE57BD2FF}"/>
+              </a:ext>
+            </a:extLst>
+          </p:cNvPr>
+          <p:cNvSpPr>
+            <a:spLocks noGrp="1"/>
+          </p:cNvSpPr>
+          <p:nvPr>
+            <p:ph type="title"/>
+          </p:nvPr>
+        </p:nvSpPr>
+        <p:spPr>
+          <a:xfrm>
+            <a:off x="311384" y="126733"/>
+            <a:ext cx="11689328" cy="1325563"/>
+          </a:xfrm>
+        </p:spPr>
+        <p:txBody>
+          <a:bodyPr/>
+          <a:lstStyle/>
+          <a:p>
+            <a:r>
+              <a:rPr lang="en-US" dirty="0"/>
+              <a:t>Readable functions ? – return early / bail out fast</a:t>
+            </a:r>
+            <a:endParaRPr lang="da-DK" dirty="0"/>
+          </a:p>
+        </p:txBody>
+      </p:sp>
+      <p:graphicFrame>
+        <p:nvGraphicFramePr>
+          <p:cNvPr id="4" name="Table 3">
+            <a:extLst>
+              <a:ext uri="{FF2B5EF4-FFF2-40B4-BE49-F238E27FC236}">
+                <a16:creationId xmlns:a16="http://schemas.microsoft.com/office/drawing/2014/main" id="{565B82F5-449A-5B10-740F-0B39EBF86426}"/>
+              </a:ext>
+            </a:extLst>
+          </p:cNvPr>
+          <p:cNvGraphicFramePr>
+            <a:graphicFrameLocks noGrp="1"/>
+          </p:cNvGraphicFramePr>
+          <p:nvPr>
+            <p:extLst>
+              <p:ext uri="{D42A27DB-BD31-4B8C-83A1-F6EECF244321}">
+                <p14:modId xmlns:p14="http://schemas.microsoft.com/office/powerpoint/2010/main" val="3529735711"/>
+              </p:ext>
+            </p:extLst>
+          </p:nvPr>
+        </p:nvGraphicFramePr>
+        <p:xfrm>
+          <a:off x="3796337" y="1629795"/>
+          <a:ext cx="8160068" cy="4992690"/>
+        </p:xfrm>
+        <a:graphic>
+          <a:graphicData uri="http://schemas.openxmlformats.org/drawingml/2006/table">
+            <a:tbl>
+              <a:tblPr firstRow="1" bandRow="1">
+                <a:tableStyleId>{5C22544A-7EE6-4342-B048-85BDC9FD1C3A}</a:tableStyleId>
+              </a:tblPr>
+              <a:tblGrid>
+                <a:gridCol w="8160068">
+                  <a:extLst>
+                    <a:ext uri="{9D8B030D-6E8A-4147-A177-3AD203B41FA5}">
+                      <a16:colId xmlns:a16="http://schemas.microsoft.com/office/drawing/2014/main" val="1873682825"/>
+                    </a:ext>
+                  </a:extLst>
+                </a:gridCol>
+              </a:tblGrid>
+              <a:tr h="405450">
+                <a:tc>
+                  <a:txBody>
+                    <a:bodyPr/>
+                    <a:lstStyle/>
+                    <a:p>
+                      <a:r>
+                        <a:rPr lang="da-DK" sz="1400" b="1" dirty="0">
+                          <a:latin typeface="Courier New" panose="02070309020205020404" pitchFamily="49" charset="0"/>
+                          <a:cs typeface="Courier New" panose="02070309020205020404" pitchFamily="49" charset="0"/>
+                        </a:rPr>
+                        <a:t>binomial_return_early.py</a:t>
+                      </a:r>
+                    </a:p>
+                  </a:txBody>
+                  <a:tcPr anchor="ctr">
+                    <a:lnL w="6350" cap="flat" cmpd="sng" algn="ctr">
+                      <a:solidFill>
+                        <a:schemeClr val="tx1"/>
+                      </a:solidFill>
+                      <a:prstDash val="solid"/>
+                      <a:round/>
+                      <a:headEnd type="none" w="med" len="med"/>
+                      <a:tailEnd type="none" w="med" len="med"/>
+                    </a:lnL>
+                    <a:lnR w="6350" cap="flat" cmpd="sng" algn="ctr">
+                      <a:solidFill>
+                        <a:schemeClr val="tx1"/>
+                      </a:solidFill>
+                      <a:prstDash val="solid"/>
+                      <a:round/>
+                      <a:headEnd type="none" w="med" len="med"/>
+                      <a:tailEnd type="none" w="med" len="med"/>
+                    </a:lnR>
+                    <a:lnT w="6350" cap="flat" cmpd="sng" algn="ctr">
+                      <a:solidFill>
+                        <a:schemeClr val="tx1"/>
+                      </a:solidFill>
+                      <a:prstDash val="solid"/>
+                      <a:round/>
+                      <a:headEnd type="none" w="med" len="med"/>
+                      <a:tailEnd type="none" w="med" len="med"/>
+                    </a:lnT>
+                    <a:lnB w="6350" cap="flat" cmpd="sng" algn="ctr">
+                      <a:solidFill>
+                        <a:schemeClr val="tx1"/>
+                      </a:solidFill>
+                      <a:prstDash val="solid"/>
+                      <a:round/>
+                      <a:headEnd type="none" w="med" len="med"/>
+                      <a:tailEnd type="none" w="med" len="med"/>
+                    </a:lnB>
+                    <a:lnTlToBr w="12700" cmpd="sng">
+                      <a:noFill/>
+                      <a:prstDash val="solid"/>
+                    </a:lnTlToBr>
+                    <a:lnBlToTr w="12700" cmpd="sng">
+                      <a:noFill/>
+                      <a:prstDash val="solid"/>
+                    </a:lnBlToTr>
+                    <a:solidFill>
+                      <a:srgbClr val="C00000"/>
+                    </a:solidFill>
+                  </a:tcPr>
+                </a:tc>
+                <a:extLst>
+                  <a:ext uri="{0D108BD9-81ED-4DB2-BD59-A6C34878D82A}">
+                    <a16:rowId xmlns:a16="http://schemas.microsoft.com/office/drawing/2014/main" val="3330819881"/>
+                  </a:ext>
+                </a:extLst>
+              </a:tr>
+              <a:tr h="2229972">
+                <a:tc>
+                  <a:txBody>
+                    <a:bodyPr/>
+                    <a:lstStyle/>
+                    <a:p>
+                      <a:pPr marL="0" indent="0">
+                        <a:buClr>
+                          <a:srgbClr val="C00000"/>
+                        </a:buClr>
+                        <a:buSzPct val="100000"/>
+                        <a:buFont typeface="Courier New" panose="02070309020205020404" pitchFamily="49" charset="0"/>
+                        <a:buNone/>
+                      </a:pPr>
+                      <a:r>
+                        <a:rPr lang="en-US" sz="1400" b="1" baseline="0" dirty="0">
+                          <a:solidFill>
+                            <a:schemeClr val="accent1">
+                              <a:lumMod val="50000"/>
+                            </a:schemeClr>
+                          </a:solidFill>
+                          <a:latin typeface="Courier New" panose="02070309020205020404" pitchFamily="49" charset="0"/>
+                          <a:cs typeface="Courier New" panose="02070309020205020404" pitchFamily="49" charset="0"/>
+                        </a:rPr>
+                        <a:t>def</a:t>
+                      </a:r>
+                      <a:r>
+                        <a:rPr lang="en-US" sz="1400" b="1" baseline="0" dirty="0">
+                          <a:latin typeface="Courier New" panose="02070309020205020404" pitchFamily="49" charset="0"/>
+                          <a:cs typeface="Courier New" panose="02070309020205020404" pitchFamily="49" charset="0"/>
+                        </a:rPr>
+                        <a:t> </a:t>
+                      </a:r>
+                      <a:r>
+                        <a:rPr lang="en-US" sz="1400" b="1" baseline="0" dirty="0">
+                          <a:solidFill>
+                            <a:srgbClr val="C00000"/>
+                          </a:solidFill>
+                          <a:latin typeface="Courier New" panose="02070309020205020404" pitchFamily="49" charset="0"/>
+                          <a:cs typeface="Courier New" panose="02070309020205020404" pitchFamily="49" charset="0"/>
+                        </a:rPr>
+                        <a:t>binomial</a:t>
+                      </a:r>
+                      <a:r>
+                        <a:rPr lang="en-US" sz="1400" b="1" baseline="0" dirty="0">
+                          <a:latin typeface="Courier New" panose="02070309020205020404" pitchFamily="49" charset="0"/>
+                          <a:cs typeface="Courier New" panose="02070309020205020404" pitchFamily="49" charset="0"/>
+                        </a:rPr>
+                        <a:t>(n, k):  </a:t>
+                      </a:r>
+                      <a:r>
+                        <a:rPr lang="en-US" sz="1400" b="1" baseline="0" dirty="0">
+                          <a:solidFill>
+                            <a:schemeClr val="bg1">
+                              <a:lumMod val="50000"/>
+                            </a:schemeClr>
+                          </a:solidFill>
+                          <a:latin typeface="Courier New" panose="02070309020205020404" pitchFamily="49" charset="0"/>
+                          <a:cs typeface="Courier New" panose="02070309020205020404" pitchFamily="49" charset="0"/>
+                        </a:rPr>
+                        <a:t># Ugly, nested indentations and redundant else</a:t>
+                      </a:r>
+                    </a:p>
+                    <a:p>
+                      <a:pPr marL="0" indent="0">
+                        <a:buClr>
+                          <a:srgbClr val="C00000"/>
+                        </a:buClr>
+                        <a:buSzPct val="100000"/>
+                        <a:buFont typeface="Courier New" panose="02070309020205020404" pitchFamily="49" charset="0"/>
+                        <a:buNone/>
+                      </a:pPr>
+                      <a:r>
+                        <a:rPr lang="en-US" sz="1400" b="1" baseline="0" dirty="0">
+                          <a:latin typeface="Courier New" panose="02070309020205020404" pitchFamily="49" charset="0"/>
+                          <a:cs typeface="Courier New" panose="02070309020205020404" pitchFamily="49" charset="0"/>
+                        </a:rPr>
+                        <a:t>    if k == 0:</a:t>
+                      </a:r>
+                    </a:p>
+                    <a:p>
+                      <a:pPr marL="0" indent="0">
+                        <a:buClr>
+                          <a:srgbClr val="C00000"/>
+                        </a:buClr>
+                        <a:buSzPct val="100000"/>
+                        <a:buFont typeface="Courier New" panose="02070309020205020404" pitchFamily="49" charset="0"/>
+                        <a:buNone/>
+                      </a:pPr>
+                      <a:r>
+                        <a:rPr lang="en-US" sz="1400" b="1" baseline="0" dirty="0">
+                          <a:latin typeface="Courier New" panose="02070309020205020404" pitchFamily="49" charset="0"/>
+                          <a:cs typeface="Courier New" panose="02070309020205020404" pitchFamily="49" charset="0"/>
+                        </a:rPr>
+                        <a:t>        return 1</a:t>
+                      </a:r>
+                    </a:p>
+                    <a:p>
+                      <a:pPr marL="0" indent="0">
+                        <a:buClr>
+                          <a:srgbClr val="C00000"/>
+                        </a:buClr>
+                        <a:buSzPct val="100000"/>
+                        <a:buFont typeface="Courier New" panose="02070309020205020404" pitchFamily="49" charset="0"/>
+                        <a:buNone/>
+                      </a:pPr>
+                      <a:r>
+                        <a:rPr lang="en-US" sz="1400" b="1" baseline="0" dirty="0">
+                          <a:latin typeface="Courier New" panose="02070309020205020404" pitchFamily="49" charset="0"/>
+                          <a:cs typeface="Courier New" panose="02070309020205020404" pitchFamily="49" charset="0"/>
+                        </a:rPr>
+                        <a:t>    else:</a:t>
+                      </a:r>
+                    </a:p>
+                    <a:p>
+                      <a:pPr marL="0" indent="0">
+                        <a:buClr>
+                          <a:srgbClr val="C00000"/>
+                        </a:buClr>
+                        <a:buSzPct val="100000"/>
+                        <a:buFont typeface="Courier New" panose="02070309020205020404" pitchFamily="49" charset="0"/>
+                        <a:buNone/>
+                      </a:pPr>
+                      <a:r>
+                        <a:rPr lang="en-US" sz="1400" b="1" baseline="0" dirty="0">
+                          <a:latin typeface="Courier New" panose="02070309020205020404" pitchFamily="49" charset="0"/>
+                          <a:cs typeface="Courier New" panose="02070309020205020404" pitchFamily="49" charset="0"/>
+                        </a:rPr>
+                        <a:t>        if k == n:</a:t>
+                      </a:r>
+                    </a:p>
+                    <a:p>
+                      <a:pPr marL="0" indent="0">
+                        <a:buClr>
+                          <a:srgbClr val="C00000"/>
+                        </a:buClr>
+                        <a:buSzPct val="100000"/>
+                        <a:buFont typeface="Courier New" panose="02070309020205020404" pitchFamily="49" charset="0"/>
+                        <a:buNone/>
+                      </a:pPr>
+                      <a:r>
+                        <a:rPr lang="en-US" sz="1400" b="1" baseline="0" dirty="0">
+                          <a:latin typeface="Courier New" panose="02070309020205020404" pitchFamily="49" charset="0"/>
+                          <a:cs typeface="Courier New" panose="02070309020205020404" pitchFamily="49" charset="0"/>
+                        </a:rPr>
+                        <a:t>            return 1</a:t>
+                      </a:r>
+                    </a:p>
+                    <a:p>
+                      <a:pPr marL="0" indent="0">
+                        <a:buClr>
+                          <a:srgbClr val="C00000"/>
+                        </a:buClr>
+                        <a:buSzPct val="100000"/>
+                        <a:buFont typeface="Courier New" panose="02070309020205020404" pitchFamily="49" charset="0"/>
+                        <a:buNone/>
+                      </a:pPr>
+                      <a:r>
+                        <a:rPr lang="en-US" sz="1400" b="1" baseline="0" dirty="0">
+                          <a:latin typeface="Courier New" panose="02070309020205020404" pitchFamily="49" charset="0"/>
+                          <a:cs typeface="Courier New" panose="02070309020205020404" pitchFamily="49" charset="0"/>
+                        </a:rPr>
+                        <a:t>        else:</a:t>
+                      </a:r>
+                    </a:p>
+                    <a:p>
+                      <a:pPr marL="0" indent="0">
+                        <a:spcAft>
+                          <a:spcPts val="600"/>
+                        </a:spcAft>
+                        <a:buClr>
+                          <a:srgbClr val="C00000"/>
+                        </a:buClr>
+                        <a:buSzPct val="100000"/>
+                        <a:buFont typeface="Courier New" panose="02070309020205020404" pitchFamily="49" charset="0"/>
+                        <a:buNone/>
+                      </a:pPr>
+                      <a:r>
+                        <a:rPr lang="en-US" sz="1400" b="1" baseline="0" dirty="0">
+                          <a:latin typeface="Courier New" panose="02070309020205020404" pitchFamily="49" charset="0"/>
+                          <a:cs typeface="Courier New" panose="02070309020205020404" pitchFamily="49" charset="0"/>
+                        </a:rPr>
+                        <a:t>            return </a:t>
+                      </a:r>
+                      <a:r>
+                        <a:rPr lang="en-US" sz="1400" b="1" baseline="0" dirty="0">
+                          <a:solidFill>
+                            <a:srgbClr val="C00000"/>
+                          </a:solidFill>
+                          <a:latin typeface="Courier New" panose="02070309020205020404" pitchFamily="49" charset="0"/>
+                          <a:cs typeface="Courier New" panose="02070309020205020404" pitchFamily="49" charset="0"/>
+                        </a:rPr>
+                        <a:t>binomial</a:t>
+                      </a:r>
+                      <a:r>
+                        <a:rPr lang="en-US" sz="1400" b="1" baseline="0" dirty="0">
+                          <a:latin typeface="Courier New" panose="02070309020205020404" pitchFamily="49" charset="0"/>
+                          <a:cs typeface="Courier New" panose="02070309020205020404" pitchFamily="49" charset="0"/>
+                        </a:rPr>
+                        <a:t>(n - 1, k) + </a:t>
+                      </a:r>
+                      <a:r>
+                        <a:rPr lang="en-US" sz="1400" b="1" baseline="0" dirty="0">
+                          <a:solidFill>
+                            <a:srgbClr val="C00000"/>
+                          </a:solidFill>
+                          <a:latin typeface="Courier New" panose="02070309020205020404" pitchFamily="49" charset="0"/>
+                          <a:cs typeface="Courier New" panose="02070309020205020404" pitchFamily="49" charset="0"/>
+                        </a:rPr>
+                        <a:t>binomial</a:t>
+                      </a:r>
+                      <a:r>
+                        <a:rPr lang="en-US" sz="1400" b="1" baseline="0" dirty="0">
+                          <a:latin typeface="Courier New" panose="02070309020205020404" pitchFamily="49" charset="0"/>
+                          <a:cs typeface="Courier New" panose="02070309020205020404" pitchFamily="49" charset="0"/>
+                        </a:rPr>
+                        <a:t>(n - 1, k - 1)</a:t>
+                      </a:r>
+                    </a:p>
+                    <a:p>
+                      <a:pPr marL="0" indent="0">
+                        <a:buClr>
+                          <a:srgbClr val="C00000"/>
+                        </a:buClr>
+                        <a:buSzPct val="100000"/>
+                        <a:buFont typeface="Courier New" panose="02070309020205020404" pitchFamily="49" charset="0"/>
+                        <a:buNone/>
+                      </a:pPr>
+                      <a:r>
+                        <a:rPr lang="pt-BR" sz="1400" b="1" baseline="0" dirty="0">
+                          <a:solidFill>
+                            <a:schemeClr val="accent1">
+                              <a:lumMod val="50000"/>
+                            </a:schemeClr>
+                          </a:solidFill>
+                          <a:latin typeface="Courier New" panose="02070309020205020404" pitchFamily="49" charset="0"/>
+                          <a:cs typeface="Courier New" panose="02070309020205020404" pitchFamily="49" charset="0"/>
+                        </a:rPr>
+                        <a:t>def</a:t>
+                      </a:r>
+                      <a:r>
+                        <a:rPr lang="pt-BR" sz="1400" b="1" baseline="0" dirty="0">
+                          <a:latin typeface="Courier New" panose="02070309020205020404" pitchFamily="49" charset="0"/>
+                          <a:cs typeface="Courier New" panose="02070309020205020404" pitchFamily="49" charset="0"/>
+                        </a:rPr>
+                        <a:t> </a:t>
+                      </a:r>
+                      <a:r>
+                        <a:rPr lang="pt-BR" sz="1400" b="1" baseline="0" dirty="0">
+                          <a:solidFill>
+                            <a:srgbClr val="C00000"/>
+                          </a:solidFill>
+                          <a:latin typeface="Courier New" panose="02070309020205020404" pitchFamily="49" charset="0"/>
+                          <a:cs typeface="Courier New" panose="02070309020205020404" pitchFamily="49" charset="0"/>
+                        </a:rPr>
+                        <a:t>binomial</a:t>
+                      </a:r>
+                      <a:r>
+                        <a:rPr lang="pt-BR" sz="1400" b="1" baseline="0" dirty="0">
+                          <a:latin typeface="Courier New" panose="02070309020205020404" pitchFamily="49" charset="0"/>
+                          <a:cs typeface="Courier New" panose="02070309020205020404" pitchFamily="49" charset="0"/>
+                        </a:rPr>
+                        <a:t>(n, k):  </a:t>
+                      </a:r>
+                      <a:r>
+                        <a:rPr lang="en-US" sz="1400" b="1" baseline="0" dirty="0">
+                          <a:solidFill>
+                            <a:schemeClr val="bg1">
+                              <a:lumMod val="50000"/>
+                            </a:schemeClr>
+                          </a:solidFill>
+                          <a:latin typeface="Courier New" panose="02070309020205020404" pitchFamily="49" charset="0"/>
+                          <a:cs typeface="Courier New" panose="02070309020205020404" pitchFamily="49" charset="0"/>
+                        </a:rPr>
+                        <a:t># Treat each special case first and return</a:t>
+                      </a:r>
+                      <a:endParaRPr lang="pt-BR" sz="1400" b="1" baseline="0" dirty="0">
+                        <a:latin typeface="Courier New" panose="02070309020205020404" pitchFamily="49" charset="0"/>
+                        <a:cs typeface="Courier New" panose="02070309020205020404" pitchFamily="49" charset="0"/>
+                      </a:endParaRPr>
+                    </a:p>
+                    <a:p>
+                      <a:pPr marL="0" indent="0">
+                        <a:buClr>
+                          <a:srgbClr val="C00000"/>
+                        </a:buClr>
+                        <a:buSzPct val="100000"/>
+                        <a:buFont typeface="Courier New" panose="02070309020205020404" pitchFamily="49" charset="0"/>
+                        <a:buNone/>
+                      </a:pPr>
+                      <a:r>
+                        <a:rPr lang="pt-BR" sz="1400" b="1" baseline="0" dirty="0">
+                          <a:latin typeface="Courier New" panose="02070309020205020404" pitchFamily="49" charset="0"/>
+                          <a:cs typeface="Courier New" panose="02070309020205020404" pitchFamily="49" charset="0"/>
+                        </a:rPr>
+                        <a:t>    if k == 0:</a:t>
+                      </a:r>
+                    </a:p>
+                    <a:p>
+                      <a:pPr marL="0" indent="0">
+                        <a:buClr>
+                          <a:srgbClr val="C00000"/>
+                        </a:buClr>
+                        <a:buSzPct val="100000"/>
+                        <a:buFont typeface="Courier New" panose="02070309020205020404" pitchFamily="49" charset="0"/>
+                        <a:buNone/>
+                      </a:pPr>
+                      <a:r>
+                        <a:rPr lang="pt-BR" sz="1400" b="1" baseline="0" dirty="0">
+                          <a:latin typeface="Courier New" panose="02070309020205020404" pitchFamily="49" charset="0"/>
+                          <a:cs typeface="Courier New" panose="02070309020205020404" pitchFamily="49" charset="0"/>
+                        </a:rPr>
+                        <a:t>        return 1</a:t>
+                      </a:r>
+                    </a:p>
+                    <a:p>
+                      <a:pPr marL="0" indent="0">
+                        <a:buClr>
+                          <a:srgbClr val="C00000"/>
+                        </a:buClr>
+                        <a:buSzPct val="100000"/>
+                        <a:buFont typeface="Courier New" panose="02070309020205020404" pitchFamily="49" charset="0"/>
+                        <a:buNone/>
+                      </a:pPr>
+                      <a:r>
+                        <a:rPr lang="pt-BR" sz="1400" b="1" baseline="0" dirty="0">
+                          <a:latin typeface="Courier New" panose="02070309020205020404" pitchFamily="49" charset="0"/>
+                          <a:cs typeface="Courier New" panose="02070309020205020404" pitchFamily="49" charset="0"/>
+                        </a:rPr>
+                        <a:t>    if k == n:</a:t>
+                      </a:r>
+                    </a:p>
+                    <a:p>
+                      <a:pPr marL="0" indent="0">
+                        <a:buClr>
+                          <a:srgbClr val="C00000"/>
+                        </a:buClr>
+                        <a:buSzPct val="100000"/>
+                        <a:buFont typeface="Courier New" panose="02070309020205020404" pitchFamily="49" charset="0"/>
+                        <a:buNone/>
+                      </a:pPr>
+                      <a:r>
+                        <a:rPr lang="pt-BR" sz="1400" b="1" baseline="0" dirty="0">
+                          <a:latin typeface="Courier New" panose="02070309020205020404" pitchFamily="49" charset="0"/>
+                          <a:cs typeface="Courier New" panose="02070309020205020404" pitchFamily="49" charset="0"/>
+                        </a:rPr>
+                        <a:t>        return 1    </a:t>
+                      </a:r>
+                    </a:p>
+                    <a:p>
+                      <a:pPr marL="0" indent="0">
+                        <a:spcAft>
+                          <a:spcPts val="600"/>
+                        </a:spcAft>
+                        <a:buClr>
+                          <a:srgbClr val="C00000"/>
+                        </a:buClr>
+                        <a:buSzPct val="100000"/>
+                        <a:buFont typeface="Courier New" panose="02070309020205020404" pitchFamily="49" charset="0"/>
+                        <a:buNone/>
+                      </a:pPr>
+                      <a:r>
+                        <a:rPr lang="pt-BR" sz="1400" b="1" baseline="0" dirty="0">
+                          <a:latin typeface="Courier New" panose="02070309020205020404" pitchFamily="49" charset="0"/>
+                          <a:cs typeface="Courier New" panose="02070309020205020404" pitchFamily="49" charset="0"/>
+                        </a:rPr>
+                        <a:t>    return </a:t>
+                      </a:r>
+                      <a:r>
+                        <a:rPr lang="pt-BR" sz="1400" b="1" baseline="0" dirty="0">
+                          <a:solidFill>
+                            <a:srgbClr val="C00000"/>
+                          </a:solidFill>
+                          <a:latin typeface="Courier New" panose="02070309020205020404" pitchFamily="49" charset="0"/>
+                          <a:cs typeface="Courier New" panose="02070309020205020404" pitchFamily="49" charset="0"/>
+                        </a:rPr>
+                        <a:t>binomial</a:t>
+                      </a:r>
+                      <a:r>
+                        <a:rPr lang="pt-BR" sz="1400" b="1" baseline="0" dirty="0">
+                          <a:latin typeface="Courier New" panose="02070309020205020404" pitchFamily="49" charset="0"/>
+                          <a:cs typeface="Courier New" panose="02070309020205020404" pitchFamily="49" charset="0"/>
+                        </a:rPr>
+                        <a:t>(n - 1, k) + </a:t>
+                      </a:r>
+                      <a:r>
+                        <a:rPr lang="pt-BR" sz="1400" b="1" baseline="0" dirty="0">
+                          <a:solidFill>
+                            <a:srgbClr val="C00000"/>
+                          </a:solidFill>
+                          <a:latin typeface="Courier New" panose="02070309020205020404" pitchFamily="49" charset="0"/>
+                          <a:cs typeface="Courier New" panose="02070309020205020404" pitchFamily="49" charset="0"/>
+                        </a:rPr>
+                        <a:t>binomial</a:t>
+                      </a:r>
+                      <a:r>
+                        <a:rPr lang="pt-BR" sz="1400" b="1" baseline="0" dirty="0">
+                          <a:latin typeface="Courier New" panose="02070309020205020404" pitchFamily="49" charset="0"/>
+                          <a:cs typeface="Courier New" panose="02070309020205020404" pitchFamily="49" charset="0"/>
+                        </a:rPr>
+                        <a:t>(n - 1, k - 1)</a:t>
+                      </a:r>
+                    </a:p>
+                    <a:p>
+                      <a:pPr marL="0" indent="0">
+                        <a:buClr>
+                          <a:srgbClr val="C00000"/>
+                        </a:buClr>
+                        <a:buSzPct val="100000"/>
+                        <a:buFont typeface="Courier New" panose="02070309020205020404" pitchFamily="49" charset="0"/>
+                        <a:buNone/>
+                      </a:pPr>
+                      <a:r>
+                        <a:rPr lang="pt-BR" sz="1400" b="1" baseline="0" dirty="0">
+                          <a:solidFill>
+                            <a:schemeClr val="accent1">
+                              <a:lumMod val="50000"/>
+                            </a:schemeClr>
+                          </a:solidFill>
+                          <a:latin typeface="Courier New" panose="02070309020205020404" pitchFamily="49" charset="0"/>
+                          <a:cs typeface="Courier New" panose="02070309020205020404" pitchFamily="49" charset="0"/>
+                        </a:rPr>
+                        <a:t>def</a:t>
+                      </a:r>
+                      <a:r>
+                        <a:rPr lang="pt-BR" sz="1400" b="1" baseline="0" dirty="0">
+                          <a:latin typeface="Courier New" panose="02070309020205020404" pitchFamily="49" charset="0"/>
+                          <a:cs typeface="Courier New" panose="02070309020205020404" pitchFamily="49" charset="0"/>
+                        </a:rPr>
+                        <a:t> </a:t>
+                      </a:r>
+                      <a:r>
+                        <a:rPr lang="pt-BR" sz="1400" b="1" baseline="0" dirty="0">
+                          <a:solidFill>
+                            <a:srgbClr val="C00000"/>
+                          </a:solidFill>
+                          <a:latin typeface="Courier New" panose="02070309020205020404" pitchFamily="49" charset="0"/>
+                          <a:cs typeface="Courier New" panose="02070309020205020404" pitchFamily="49" charset="0"/>
+                        </a:rPr>
+                        <a:t>binomial</a:t>
+                      </a:r>
+                      <a:r>
+                        <a:rPr lang="pt-BR" sz="1400" b="1" baseline="0" dirty="0">
+                          <a:latin typeface="Courier New" panose="02070309020205020404" pitchFamily="49" charset="0"/>
+                          <a:cs typeface="Courier New" panose="02070309020205020404" pitchFamily="49" charset="0"/>
+                        </a:rPr>
+                        <a:t>(n, k):   </a:t>
+                      </a:r>
+                      <a:r>
+                        <a:rPr lang="en-US" sz="1400" b="1" baseline="0" dirty="0">
+                          <a:solidFill>
+                            <a:schemeClr val="bg1">
+                              <a:lumMod val="50000"/>
+                            </a:schemeClr>
+                          </a:solidFill>
+                          <a:latin typeface="Courier New" panose="02070309020205020404" pitchFamily="49" charset="0"/>
+                          <a:cs typeface="Courier New" panose="02070309020205020404" pitchFamily="49" charset="0"/>
+                        </a:rPr>
+                        <a:t># Several cases simultaneously – is test obvious?</a:t>
+                      </a:r>
+                      <a:endParaRPr lang="pt-BR" sz="1400" b="1" baseline="0" dirty="0">
+                        <a:latin typeface="Courier New" panose="02070309020205020404" pitchFamily="49" charset="0"/>
+                        <a:cs typeface="Courier New" panose="02070309020205020404" pitchFamily="49" charset="0"/>
+                      </a:endParaRPr>
+                    </a:p>
+                    <a:p>
+                      <a:pPr marL="0" indent="0">
+                        <a:buClr>
+                          <a:srgbClr val="C00000"/>
+                        </a:buClr>
+                        <a:buSzPct val="100000"/>
+                        <a:buFont typeface="Courier New" panose="02070309020205020404" pitchFamily="49" charset="0"/>
+                        <a:buNone/>
+                      </a:pPr>
+                      <a:r>
+                        <a:rPr lang="pt-BR" sz="1400" b="1" baseline="0" dirty="0">
+                          <a:latin typeface="Courier New" panose="02070309020205020404" pitchFamily="49" charset="0"/>
+                          <a:cs typeface="Courier New" panose="02070309020205020404" pitchFamily="49" charset="0"/>
+                        </a:rPr>
+                        <a:t>    if k == 0 or k == n:</a:t>
+                      </a:r>
+                    </a:p>
+                    <a:p>
+                      <a:pPr marL="0" indent="0">
+                        <a:buClr>
+                          <a:srgbClr val="C00000"/>
+                        </a:buClr>
+                        <a:buSzPct val="100000"/>
+                        <a:buFont typeface="Courier New" panose="02070309020205020404" pitchFamily="49" charset="0"/>
+                        <a:buNone/>
+                      </a:pPr>
+                      <a:r>
+                        <a:rPr lang="pt-BR" sz="1400" b="1" baseline="0" dirty="0">
+                          <a:latin typeface="Courier New" panose="02070309020205020404" pitchFamily="49" charset="0"/>
+                          <a:cs typeface="Courier New" panose="02070309020205020404" pitchFamily="49" charset="0"/>
+                        </a:rPr>
+                        <a:t>        return 1</a:t>
+                      </a:r>
+                    </a:p>
+                    <a:p>
+                      <a:pPr marL="0" indent="0">
+                        <a:spcAft>
+                          <a:spcPts val="600"/>
+                        </a:spcAft>
+                        <a:buClr>
+                          <a:srgbClr val="C00000"/>
+                        </a:buClr>
+                        <a:buSzPct val="100000"/>
+                        <a:buFont typeface="Courier New" panose="02070309020205020404" pitchFamily="49" charset="0"/>
+                        <a:buNone/>
+                      </a:pPr>
+                      <a:r>
+                        <a:rPr lang="pt-BR" sz="1400" b="1" baseline="0" dirty="0">
+                          <a:latin typeface="Courier New" panose="02070309020205020404" pitchFamily="49" charset="0"/>
+                          <a:cs typeface="Courier New" panose="02070309020205020404" pitchFamily="49" charset="0"/>
+                        </a:rPr>
+                        <a:t>    return </a:t>
+                      </a:r>
+                      <a:r>
+                        <a:rPr lang="pt-BR" sz="1400" b="1" baseline="0" dirty="0">
+                          <a:solidFill>
+                            <a:srgbClr val="C00000"/>
+                          </a:solidFill>
+                          <a:latin typeface="Courier New" panose="02070309020205020404" pitchFamily="49" charset="0"/>
+                          <a:cs typeface="Courier New" panose="02070309020205020404" pitchFamily="49" charset="0"/>
+                        </a:rPr>
+                        <a:t>binomial</a:t>
+                      </a:r>
+                      <a:r>
+                        <a:rPr lang="pt-BR" sz="1400" b="1" baseline="0" dirty="0">
+                          <a:latin typeface="Courier New" panose="02070309020205020404" pitchFamily="49" charset="0"/>
+                          <a:cs typeface="Courier New" panose="02070309020205020404" pitchFamily="49" charset="0"/>
+                        </a:rPr>
+                        <a:t>(n - 1, k) + </a:t>
+                      </a:r>
+                      <a:r>
+                        <a:rPr lang="pt-BR" sz="1400" b="1" baseline="0" dirty="0">
+                          <a:solidFill>
+                            <a:srgbClr val="C00000"/>
+                          </a:solidFill>
+                          <a:latin typeface="Courier New" panose="02070309020205020404" pitchFamily="49" charset="0"/>
+                          <a:cs typeface="Courier New" panose="02070309020205020404" pitchFamily="49" charset="0"/>
+                        </a:rPr>
+                        <a:t>binomial</a:t>
+                      </a:r>
+                      <a:r>
+                        <a:rPr lang="pt-BR" sz="1400" b="1" baseline="0" dirty="0">
+                          <a:latin typeface="Courier New" panose="02070309020205020404" pitchFamily="49" charset="0"/>
+                          <a:cs typeface="Courier New" panose="02070309020205020404" pitchFamily="49" charset="0"/>
+                        </a:rPr>
+                        <a:t>(n - 1, k - 1)</a:t>
+                      </a:r>
+                    </a:p>
+                    <a:p>
+                      <a:pPr marL="0" indent="0">
+                        <a:buClr>
+                          <a:srgbClr val="C00000"/>
+                        </a:buClr>
+                        <a:buSzPct val="100000"/>
+                        <a:buFont typeface="Courier New" panose="02070309020205020404" pitchFamily="49" charset="0"/>
+                        <a:buNone/>
+                      </a:pPr>
+                      <a:r>
+                        <a:rPr lang="pt-BR" sz="1400" b="1" baseline="0" dirty="0">
+                          <a:solidFill>
+                            <a:schemeClr val="accent1">
+                              <a:lumMod val="50000"/>
+                            </a:schemeClr>
+                          </a:solidFill>
+                          <a:latin typeface="Courier New" panose="02070309020205020404" pitchFamily="49" charset="0"/>
+                          <a:cs typeface="Courier New" panose="02070309020205020404" pitchFamily="49" charset="0"/>
+                        </a:rPr>
+                        <a:t>def</a:t>
+                      </a:r>
+                      <a:r>
+                        <a:rPr lang="pt-BR" sz="1400" b="1" baseline="0" dirty="0">
+                          <a:latin typeface="Courier New" panose="02070309020205020404" pitchFamily="49" charset="0"/>
+                          <a:cs typeface="Courier New" panose="02070309020205020404" pitchFamily="49" charset="0"/>
+                        </a:rPr>
+                        <a:t> </a:t>
+                      </a:r>
+                      <a:r>
+                        <a:rPr lang="pt-BR" sz="1400" b="1" baseline="0" dirty="0">
+                          <a:solidFill>
+                            <a:srgbClr val="C00000"/>
+                          </a:solidFill>
+                          <a:latin typeface="Courier New" panose="02070309020205020404" pitchFamily="49" charset="0"/>
+                          <a:cs typeface="Courier New" panose="02070309020205020404" pitchFamily="49" charset="0"/>
+                        </a:rPr>
+                        <a:t>binomial</a:t>
+                      </a:r>
+                      <a:r>
+                        <a:rPr lang="pt-BR" sz="1400" b="1" baseline="0" dirty="0">
+                          <a:latin typeface="Courier New" panose="02070309020205020404" pitchFamily="49" charset="0"/>
+                          <a:cs typeface="Courier New" panose="02070309020205020404" pitchFamily="49" charset="0"/>
+                        </a:rPr>
+                        <a:t>(n, k):  </a:t>
+                      </a:r>
+                      <a:r>
+                        <a:rPr lang="en-US" sz="1400" b="1" baseline="0" dirty="0">
+                          <a:solidFill>
+                            <a:schemeClr val="bg1">
+                              <a:lumMod val="50000"/>
+                            </a:schemeClr>
+                          </a:solidFill>
+                          <a:latin typeface="Courier New" panose="02070309020205020404" pitchFamily="49" charset="0"/>
+                          <a:cs typeface="Courier New" panose="02070309020205020404" pitchFamily="49" charset="0"/>
+                        </a:rPr>
+                        <a:t># 1-liner, but is this the easiest to read?</a:t>
+                      </a:r>
+                      <a:endParaRPr lang="pt-BR" sz="1400" b="1" baseline="0" dirty="0">
+                        <a:latin typeface="Courier New" panose="02070309020205020404" pitchFamily="49" charset="0"/>
+                        <a:cs typeface="Courier New" panose="02070309020205020404" pitchFamily="49" charset="0"/>
+                      </a:endParaRPr>
+                    </a:p>
+                    <a:p>
+                      <a:pPr marL="0" indent="0">
+                        <a:buClr>
+                          <a:srgbClr val="C00000"/>
+                        </a:buClr>
+                        <a:buSzPct val="100000"/>
+                        <a:buFont typeface="Courier New" panose="02070309020205020404" pitchFamily="49" charset="0"/>
+                        <a:buNone/>
+                      </a:pPr>
+                      <a:r>
+                        <a:rPr lang="pt-BR" sz="1400" b="1" baseline="0" dirty="0">
+                          <a:latin typeface="Courier New" panose="02070309020205020404" pitchFamily="49" charset="0"/>
+                          <a:cs typeface="Courier New" panose="02070309020205020404" pitchFamily="49" charset="0"/>
+                        </a:rPr>
+                        <a:t>    return </a:t>
+                      </a:r>
+                      <a:r>
+                        <a:rPr lang="pt-BR" sz="1400" b="1" baseline="0" dirty="0">
+                          <a:solidFill>
+                            <a:srgbClr val="C00000"/>
+                          </a:solidFill>
+                          <a:latin typeface="Courier New" panose="02070309020205020404" pitchFamily="49" charset="0"/>
+                          <a:cs typeface="Courier New" panose="02070309020205020404" pitchFamily="49" charset="0"/>
+                        </a:rPr>
+                        <a:t>binomial</a:t>
+                      </a:r>
+                      <a:r>
+                        <a:rPr lang="pt-BR" sz="1400" b="1" baseline="0" dirty="0">
+                          <a:latin typeface="Courier New" panose="02070309020205020404" pitchFamily="49" charset="0"/>
+                          <a:cs typeface="Courier New" panose="02070309020205020404" pitchFamily="49" charset="0"/>
+                        </a:rPr>
+                        <a:t>(n - 1, k) + </a:t>
+                      </a:r>
+                      <a:r>
+                        <a:rPr lang="pt-BR" sz="1400" b="1" baseline="0" dirty="0">
+                          <a:solidFill>
+                            <a:srgbClr val="C00000"/>
+                          </a:solidFill>
+                          <a:latin typeface="Courier New" panose="02070309020205020404" pitchFamily="49" charset="0"/>
+                          <a:cs typeface="Courier New" panose="02070309020205020404" pitchFamily="49" charset="0"/>
+                        </a:rPr>
+                        <a:t>binomial</a:t>
+                      </a:r>
+                      <a:r>
+                        <a:rPr lang="pt-BR" sz="1400" b="1" baseline="0" dirty="0">
+                          <a:latin typeface="Courier New" panose="02070309020205020404" pitchFamily="49" charset="0"/>
+                          <a:cs typeface="Courier New" panose="02070309020205020404" pitchFamily="49" charset="0"/>
+                        </a:rPr>
+                        <a:t>(n - 1, k - 1) if 0 &lt; k &lt; n else 1</a:t>
+                      </a:r>
+                    </a:p>
+                  </a:txBody>
+                  <a:tcPr>
+                    <a:lnL w="6350" cap="flat" cmpd="sng" algn="ctr">
+                      <a:solidFill>
+                        <a:schemeClr val="tx1"/>
+                      </a:solidFill>
+                      <a:prstDash val="solid"/>
+                      <a:round/>
+                      <a:headEnd type="none" w="med" len="med"/>
+                      <a:tailEnd type="none" w="med" len="med"/>
+                    </a:lnL>
+                    <a:lnR w="6350" cap="flat" cmpd="sng" algn="ctr">
+                      <a:solidFill>
+                        <a:schemeClr val="tx1"/>
+                      </a:solidFill>
+                      <a:prstDash val="solid"/>
+                      <a:round/>
+                      <a:headEnd type="none" w="med" len="med"/>
+                      <a:tailEnd type="none" w="med" len="med"/>
+                    </a:lnR>
+                    <a:lnT w="6350" cap="flat" cmpd="sng" algn="ctr">
+                      <a:solidFill>
+                        <a:schemeClr val="tx1"/>
+                      </a:solidFill>
+                      <a:prstDash val="solid"/>
+                      <a:round/>
+                      <a:headEnd type="none" w="med" len="med"/>
+                      <a:tailEnd type="none" w="med" len="med"/>
+                    </a:lnT>
+                    <a:lnB w="6350" cap="flat" cmpd="sng" algn="ctr">
+                      <a:solidFill>
+                        <a:schemeClr val="tx1"/>
+                      </a:solidFill>
+                      <a:prstDash val="solid"/>
+                      <a:round/>
+                      <a:headEnd type="none" w="med" len="med"/>
+                      <a:tailEnd type="none" w="med" len="med"/>
+                    </a:lnB>
+                    <a:lnTlToBr w="12700" cmpd="sng">
+                      <a:noFill/>
+                      <a:prstDash val="solid"/>
+                    </a:lnTlToBr>
+                    <a:lnBlToTr w="12700" cmpd="sng">
+                      <a:noFill/>
+                      <a:prstDash val="solid"/>
+                    </a:lnBlToTr>
+                    <a:solidFill>
+                      <a:schemeClr val="accent5">
+                        <a:lumMod val="20000"/>
+                        <a:lumOff val="80000"/>
+                      </a:schemeClr>
+                    </a:solidFill>
+                  </a:tcPr>
+                </a:tc>
+                <a:extLst>
+                  <a:ext uri="{0D108BD9-81ED-4DB2-BD59-A6C34878D82A}">
+                    <a16:rowId xmlns:a16="http://schemas.microsoft.com/office/drawing/2014/main" val="4112970457"/>
+                  </a:ext>
+                </a:extLst>
+              </a:tr>
+            </a:tbl>
+          </a:graphicData>
+        </a:graphic>
+      </p:graphicFrame>
+      <p:sp>
+        <p:nvSpPr>
+          <p:cNvPr id="7" name="Content Placeholder 6">
+            <a:extLst>
+              <a:ext uri="{FF2B5EF4-FFF2-40B4-BE49-F238E27FC236}">
+                <a16:creationId xmlns:a16="http://schemas.microsoft.com/office/drawing/2014/main" id="{466F199C-B196-A43F-39AB-8BD5282B5F33}"/>
+              </a:ext>
+            </a:extLst>
+          </p:cNvPr>
+          <p:cNvSpPr>
+            <a:spLocks noGrp="1"/>
+          </p:cNvSpPr>
+          <p:nvPr>
+            <p:ph idx="1"/>
+          </p:nvPr>
+        </p:nvSpPr>
+        <p:spPr>
+          <a:xfrm>
+            <a:off x="466660" y="1825625"/>
+            <a:ext cx="3172022" cy="4351338"/>
+          </a:xfrm>
+        </p:spPr>
+        <p:txBody>
+          <a:bodyPr>
+            <a:normAutofit/>
+          </a:bodyPr>
+          <a:lstStyle/>
+          <a:p>
+            <a:r>
+              <a:rPr lang="en-US" sz="2400" dirty="0"/>
+              <a:t>Treat simple cases first and return</a:t>
+            </a:r>
+          </a:p>
+          <a:p>
+            <a:r>
+              <a:rPr lang="en-US" sz="2400" dirty="0"/>
+              <a:t>Do not put </a:t>
+            </a:r>
+            <a:r>
+              <a:rPr lang="en-US" sz="2400" dirty="0">
+                <a:latin typeface="Courier New" panose="02070309020205020404" pitchFamily="49" charset="0"/>
+                <a:cs typeface="Courier New" panose="02070309020205020404" pitchFamily="49" charset="0"/>
+              </a:rPr>
+              <a:t>else</a:t>
+            </a:r>
+            <a:r>
+              <a:rPr lang="en-US" sz="2400" dirty="0"/>
+              <a:t> after </a:t>
+            </a:r>
+            <a:r>
+              <a:rPr lang="en-US" sz="2400" dirty="0">
+                <a:latin typeface="Courier New" panose="02070309020205020404" pitchFamily="49" charset="0"/>
+                <a:cs typeface="Courier New" panose="02070309020205020404" pitchFamily="49" charset="0"/>
+              </a:rPr>
+              <a:t>if</a:t>
+            </a:r>
+            <a:r>
+              <a:rPr lang="en-US" sz="2400" dirty="0"/>
+              <a:t> ending with </a:t>
+            </a:r>
+            <a:r>
+              <a:rPr lang="en-US" sz="2400" dirty="0">
+                <a:latin typeface="Courier New" panose="02070309020205020404" pitchFamily="49" charset="0"/>
+                <a:cs typeface="Courier New" panose="02070309020205020404" pitchFamily="49" charset="0"/>
+              </a:rPr>
+              <a:t>return</a:t>
+            </a:r>
+          </a:p>
+          <a:p>
+            <a:r>
+              <a:rPr lang="en-US" sz="2400" dirty="0"/>
+              <a:t>Avoid unnecessary nesting of code</a:t>
+            </a:r>
+          </a:p>
+          <a:p>
+            <a:r>
+              <a:rPr lang="en-US" sz="2400" dirty="0"/>
+              <a:t>1-liners are not always the most readable code</a:t>
+            </a:r>
+            <a:endParaRPr lang="da-DK" sz="2400" dirty="0"/>
+          </a:p>
+        </p:txBody>
+      </p:sp>
+    </p:spTree>
+    <p:extLst>
+      <p:ext uri="{BB962C8B-B14F-4D97-AF65-F5344CB8AC3E}">
+        <p14:creationId xmlns:p14="http://schemas.microsoft.com/office/powerpoint/2010/main" val="3874947569"/>
+      </p:ext>
+    </p:extLst>
+  </p:cSld>
+  <p:clrMapOvr>
+    <a:masterClrMapping/>
+  </p:clrMapOvr>
+</p:sld>
+</file>
+
+<file path=ppt/slides/slide9.xml><?xml version="1.0" encoding="utf-8"?>
+<p:sld xmlns:a="http://schemas.openxmlformats.org/drawingml/2006/main" xmlns:r="http://schemas.openxmlformats.org/officeDocument/2006/relationships" xmlns:p="http://schemas.openxmlformats.org/presentationml/2006/main">
+  <p:cSld>
+    <p:spTree>
+      <p:nvGrpSpPr>
+        <p:cNvPr id="1" name=""/>
+        <p:cNvGrpSpPr/>
+        <p:nvPr/>
+      </p:nvGrpSpPr>
+      <p:grpSpPr>
+        <a:xfrm>
+          <a:off x="0" y="0"/>
+          <a:ext cx="0" cy="0"/>
+          <a:chOff x="0" y="0"/>
+          <a:chExt cx="0" cy="0"/>
+        </a:xfrm>
+      </p:grpSpPr>
+      <p:sp>
+        <p:nvSpPr>
+          <p:cNvPr id="2" name="Title 1">
+            <a:extLst>
+              <a:ext uri="{FF2B5EF4-FFF2-40B4-BE49-F238E27FC236}">
                 <a16:creationId xmlns:a16="http://schemas.microsoft.com/office/drawing/2014/main" id="{16900BCC-51B6-40D8-AC04-CD22C1F85DE7}"/>
               </a:ext>
             </a:extLst>
@@ -30163,1038 +32698,6 @@
   <p:clrMapOvr>
     <a:masterClrMapping/>
   </p:clrMapOvr>
-</p:sld>
-</file>
-
-<file path=ppt/slides/slide9.xml><?xml version="1.0" encoding="utf-8"?>
-<p:sld xmlns:a="http://schemas.openxmlformats.org/drawingml/2006/main" xmlns:r="http://schemas.openxmlformats.org/officeDocument/2006/relationships" xmlns:p="http://schemas.openxmlformats.org/presentationml/2006/main">
-  <p:cSld>
-    <p:spTree>
-      <p:nvGrpSpPr>
-        <p:cNvPr id="1" name=""/>
-        <p:cNvGrpSpPr/>
-        <p:nvPr/>
-      </p:nvGrpSpPr>
-      <p:grpSpPr>
-        <a:xfrm>
-          <a:off x="0" y="0"/>
-          <a:ext cx="0" cy="0"/>
-          <a:chOff x="0" y="0"/>
-          <a:chExt cx="0" cy="0"/>
-        </a:xfrm>
-      </p:grpSpPr>
-      <mc:AlternateContent xmlns:mc="http://schemas.openxmlformats.org/markup-compatibility/2006" xmlns:a14="http://schemas.microsoft.com/office/drawing/2010/main">
-        <mc:Choice Requires="a14">
-          <p:sp>
-            <p:nvSpPr>
-              <p:cNvPr id="2" name="Title 1"/>
-              <p:cNvSpPr>
-                <a:spLocks noGrp="1"/>
-              </p:cNvSpPr>
-              <p:nvPr>
-                <p:ph type="title"/>
-              </p:nvPr>
-            </p:nvSpPr>
-            <p:spPr/>
-            <p:txBody>
-              <a:bodyPr/>
-              <a:lstStyle/>
-              <a:p>
-                <a:r>
-                  <a:rPr lang="da-DK" dirty="0"/>
-                  <a:t>Binomial </a:t>
-                </a:r>
-                <a:r>
-                  <a:rPr lang="da-DK" dirty="0" err="1"/>
-                  <a:t>coefficient</a:t>
-                </a:r>
-                <a:r>
-                  <a:rPr lang="da-DK" dirty="0">
-                    <a:latin typeface="+mn-lt"/>
-                  </a:rPr>
-                  <a:t> </a:t>
-                </a:r>
-                <a14:m>
-                  <m:oMath xmlns:m="http://schemas.openxmlformats.org/officeDocument/2006/math">
-                    <m:d>
-                      <m:dPr>
-                        <m:ctrlPr>
-                          <a:rPr lang="da-DK" i="1">
-                            <a:latin typeface="Cambria Math" panose="02040503050406030204" pitchFamily="18" charset="0"/>
-                          </a:rPr>
-                        </m:ctrlPr>
-                      </m:dPr>
-                      <m:e>
-                        <m:m>
-                          <m:mPr>
-                            <m:mcs>
-                              <m:mc>
-                                <m:mcPr>
-                                  <m:count m:val="1"/>
-                                  <m:mcJc m:val="center"/>
-                                </m:mcPr>
-                              </m:mc>
-                            </m:mcs>
-                            <m:ctrlPr>
-                              <a:rPr lang="da-DK" i="1">
-                                <a:latin typeface="Cambria Math" panose="02040503050406030204" pitchFamily="18" charset="0"/>
-                              </a:rPr>
-                            </m:ctrlPr>
-                          </m:mPr>
-                          <m:mr>
-                            <m:e>
-                              <m:r>
-                                <m:rPr>
-                                  <m:nor/>
-                                  <m:brk m:alnAt="7"/>
-                                </m:rPr>
-                                <a:rPr lang="da-DK" b="0">
-                                  <a:latin typeface="+mn-lt"/>
-                                </a:rPr>
-                                <m:t>n</m:t>
-                              </m:r>
-                            </m:e>
-                          </m:mr>
-                          <m:mr>
-                            <m:e>
-                              <m:r>
-                                <m:rPr>
-                                  <m:nor/>
-                                </m:rPr>
-                                <a:rPr lang="da-DK" b="0">
-                                  <a:latin typeface="+mn-lt"/>
-                                </a:rPr>
-                                <m:t>k</m:t>
-                              </m:r>
-                            </m:e>
-                          </m:mr>
-                        </m:m>
-                      </m:e>
-                    </m:d>
-                  </m:oMath>
-                </a14:m>
-                <a:endParaRPr lang="en-US" dirty="0">
-                  <a:latin typeface="+mn-lt"/>
-                </a:endParaRPr>
-              </a:p>
-            </p:txBody>
-          </p:sp>
-        </mc:Choice>
-        <mc:Fallback xmlns="">
-          <p:sp>
-            <p:nvSpPr>
-              <p:cNvPr id="2" name="Title 1"/>
-              <p:cNvSpPr>
-                <a:spLocks noGrp="1" noRot="1" noChangeAspect="1" noMove="1" noResize="1" noEditPoints="1" noAdjustHandles="1" noChangeArrowheads="1" noChangeShapeType="1" noTextEdit="1"/>
-              </p:cNvSpPr>
-              <p:nvPr>
-                <p:ph type="title"/>
-              </p:nvPr>
-            </p:nvSpPr>
-            <p:spPr>
-              <a:blipFill>
-                <a:blip r:embed="rId2"/>
-                <a:stretch>
-                  <a:fillRect l="-2377"/>
-                </a:stretch>
-              </a:blipFill>
-            </p:spPr>
-            <p:txBody>
-              <a:bodyPr/>
-              <a:lstStyle/>
-              <a:p>
-                <a:r>
-                  <a:rPr lang="en-US">
-                    <a:noFill/>
-                  </a:rPr>
-                  <a:t> </a:t>
-                </a:r>
-              </a:p>
-            </p:txBody>
-          </p:sp>
-        </mc:Fallback>
-      </mc:AlternateContent>
-      <mc:AlternateContent xmlns:mc="http://schemas.openxmlformats.org/markup-compatibility/2006" xmlns:a14="http://schemas.microsoft.com/office/drawing/2010/main">
-        <mc:Choice Requires="a14">
-          <p:sp>
-            <p:nvSpPr>
-              <p:cNvPr id="3" name="Content Placeholder 2"/>
-              <p:cNvSpPr>
-                <a:spLocks noGrp="1"/>
-              </p:cNvSpPr>
-              <p:nvPr>
-                <p:ph idx="1"/>
-              </p:nvPr>
-            </p:nvSpPr>
-            <p:spPr>
-              <a:xfrm>
-                <a:off x="461074" y="1986514"/>
-                <a:ext cx="11269852" cy="4491778"/>
-              </a:xfrm>
-            </p:spPr>
-            <p:txBody>
-              <a:bodyPr>
-                <a:normAutofit/>
-              </a:bodyPr>
-              <a:lstStyle/>
-              <a:p>
-                <a:pPr marL="0" indent="0" algn="ctr">
-                  <a:buNone/>
-                </a:pPr>
-                <a:r>
-                  <a:rPr lang="da-DK" dirty="0">
-                    <a:solidFill>
-                      <a:srgbClr val="C00000"/>
-                    </a:solidFill>
-                  </a:rPr>
-                  <a:t>Observation </a:t>
-                </a:r>
-                <a:r>
-                  <a:rPr lang="da-DK" dirty="0"/>
-                  <a:t>  </a:t>
-                </a:r>
-                <a14:m>
-                  <m:oMath xmlns:m="http://schemas.openxmlformats.org/officeDocument/2006/math">
-                    <m:d>
-                      <m:dPr>
-                        <m:ctrlPr>
-                          <a:rPr lang="da-DK" i="1">
-                            <a:latin typeface="Cambria Math" panose="02040503050406030204" pitchFamily="18" charset="0"/>
-                          </a:rPr>
-                        </m:ctrlPr>
-                      </m:dPr>
-                      <m:e>
-                        <m:m>
-                          <m:mPr>
-                            <m:mcs>
-                              <m:mc>
-                                <m:mcPr>
-                                  <m:count m:val="1"/>
-                                  <m:mcJc m:val="center"/>
-                                </m:mcPr>
-                              </m:mc>
-                            </m:mcs>
-                            <m:ctrlPr>
-                              <a:rPr lang="da-DK" i="1">
-                                <a:latin typeface="Cambria Math" panose="02040503050406030204" pitchFamily="18" charset="0"/>
-                              </a:rPr>
-                            </m:ctrlPr>
-                          </m:mPr>
-                          <m:mr>
-                            <m:e>
-                              <m:r>
-                                <m:rPr>
-                                  <m:nor/>
-                                  <m:brk m:alnAt="7"/>
-                                </m:rPr>
-                                <a:rPr lang="da-DK" i="0"/>
-                                <m:t>n</m:t>
-                              </m:r>
-                            </m:e>
-                          </m:mr>
-                          <m:mr>
-                            <m:e>
-                              <m:r>
-                                <m:rPr>
-                                  <m:nor/>
-                                </m:rPr>
-                                <a:rPr lang="da-DK" i="0"/>
-                                <m:t>k</m:t>
-                              </m:r>
-                            </m:e>
-                          </m:mr>
-                        </m:m>
-                      </m:e>
-                    </m:d>
-                    <m:r>
-                      <m:rPr>
-                        <m:nor/>
-                      </m:rPr>
-                      <a:rPr lang="da-DK" b="0" i="0" smtClean="0"/>
-                      <m:t> = </m:t>
-                    </m:r>
-                    <m:f>
-                      <m:fPr>
-                        <m:ctrlPr>
-                          <a:rPr lang="da-DK" b="0" i="1" smtClean="0">
-                            <a:latin typeface="Cambria Math" panose="02040503050406030204" pitchFamily="18" charset="0"/>
-                          </a:rPr>
-                        </m:ctrlPr>
-                      </m:fPr>
-                      <m:num>
-                        <m:r>
-                          <m:rPr>
-                            <m:nor/>
-                          </m:rPr>
-                          <a:rPr lang="da-DK" b="0" i="0" smtClean="0"/>
-                          <m:t>n</m:t>
-                        </m:r>
-                        <m:r>
-                          <m:rPr>
-                            <m:nor/>
-                          </m:rPr>
-                          <a:rPr lang="da-DK" b="0" i="0" smtClean="0"/>
-                          <m:t> !</m:t>
-                        </m:r>
-                      </m:num>
-                      <m:den>
-                        <m:d>
-                          <m:dPr>
-                            <m:ctrlPr>
-                              <a:rPr lang="da-DK" b="0" i="1" smtClean="0">
-                                <a:latin typeface="Cambria Math" panose="02040503050406030204" pitchFamily="18" charset="0"/>
-                              </a:rPr>
-                            </m:ctrlPr>
-                          </m:dPr>
-                          <m:e>
-                            <m:r>
-                              <m:rPr>
-                                <m:nor/>
-                              </m:rPr>
-                              <a:rPr lang="da-DK" b="0" i="0" smtClean="0"/>
-                              <m:t>n</m:t>
-                            </m:r>
-                            <m:r>
-                              <m:rPr>
-                                <m:nor/>
-                              </m:rPr>
-                              <a:rPr lang="da-DK" b="0" i="0" smtClean="0"/>
-                              <m:t> − </m:t>
-                            </m:r>
-                            <m:r>
-                              <m:rPr>
-                                <m:nor/>
-                              </m:rPr>
-                              <a:rPr lang="da-DK" b="0" i="0" smtClean="0"/>
-                              <m:t>k</m:t>
-                            </m:r>
-                          </m:e>
-                        </m:d>
-                        <m:r>
-                          <a:rPr lang="da-DK" b="0" i="1" smtClean="0">
-                            <a:latin typeface="Cambria Math" panose="02040503050406030204" pitchFamily="18" charset="0"/>
-                          </a:rPr>
-                          <m:t> </m:t>
-                        </m:r>
-                        <m:r>
-                          <m:rPr>
-                            <m:nor/>
-                          </m:rPr>
-                          <a:rPr lang="da-DK" b="0" i="0" smtClean="0"/>
-                          <m:t>! </m:t>
-                        </m:r>
-                        <m:r>
-                          <m:rPr>
-                            <m:nor/>
-                          </m:rPr>
-                          <a:rPr lang="da-DK" b="0" i="0" smtClean="0">
-                            <a:ea typeface="Cambria Math" panose="02040503050406030204" pitchFamily="18" charset="0"/>
-                          </a:rPr>
-                          <m:t>∙ </m:t>
-                        </m:r>
-                        <m:r>
-                          <m:rPr>
-                            <m:nor/>
-                          </m:rPr>
-                          <a:rPr lang="da-DK" b="0" i="0" smtClean="0">
-                            <a:ea typeface="Cambria Math" panose="02040503050406030204" pitchFamily="18" charset="0"/>
-                          </a:rPr>
-                          <m:t>k</m:t>
-                        </m:r>
-                        <m:r>
-                          <m:rPr>
-                            <m:nor/>
-                          </m:rPr>
-                          <a:rPr lang="da-DK" b="0" i="0" smtClean="0">
-                            <a:ea typeface="Cambria Math" panose="02040503050406030204" pitchFamily="18" charset="0"/>
-                          </a:rPr>
-                          <m:t> !</m:t>
-                        </m:r>
-                      </m:den>
-                    </m:f>
-                  </m:oMath>
-                </a14:m>
-                <a:endParaRPr lang="da-DK" dirty="0"/>
-              </a:p>
-              <a:p>
-                <a:endParaRPr lang="da-DK" dirty="0"/>
-              </a:p>
-              <a:p>
-                <a:pPr marL="0" indent="0">
-                  <a:buNone/>
-                </a:pPr>
-                <a:endParaRPr lang="da-DK" dirty="0"/>
-              </a:p>
-              <a:p>
-                <a:pPr marL="0" indent="0">
-                  <a:buNone/>
-                </a:pPr>
-                <a:endParaRPr lang="da-DK" dirty="0"/>
-              </a:p>
-              <a:p>
-                <a:pPr marL="0" indent="0">
-                  <a:buNone/>
-                </a:pPr>
-                <a:endParaRPr lang="da-DK" dirty="0"/>
-              </a:p>
-              <a:p>
-                <a:pPr marL="0" indent="0">
-                  <a:buNone/>
-                </a:pPr>
-                <a:endParaRPr lang="da-DK" dirty="0"/>
-              </a:p>
-              <a:p>
-                <a:r>
-                  <a:rPr lang="da-DK" dirty="0"/>
-                  <a:t>Unfolding </a:t>
-                </a:r>
-                <a:r>
-                  <a:rPr lang="da-DK" dirty="0" err="1"/>
-                  <a:t>computation</a:t>
-                </a:r>
-                <a:r>
-                  <a:rPr lang="da-DK" dirty="0"/>
-                  <a:t> shows 2n - 2 </a:t>
-                </a:r>
-                <a:r>
-                  <a:rPr lang="da-DK" dirty="0" err="1"/>
-                  <a:t>multiplications</a:t>
-                </a:r>
-                <a:r>
-                  <a:rPr lang="da-DK" dirty="0"/>
-                  <a:t> and 2 divisions </a:t>
-                </a:r>
-                <a:r>
-                  <a:rPr lang="en-US" dirty="0">
-                    <a:sym typeface="Wingdings" panose="05000000000000000000" pitchFamily="2" charset="2"/>
-                  </a:rPr>
-                  <a:t> </a:t>
-                </a:r>
-                <a:r>
-                  <a:rPr lang="en-US" dirty="0">
-                    <a:solidFill>
-                      <a:srgbClr val="C00000"/>
-                    </a:solidFill>
-                    <a:sym typeface="Wingdings" panose="05000000000000000000" pitchFamily="2" charset="2"/>
-                  </a:rPr>
-                  <a:t>fast</a:t>
-                </a:r>
-              </a:p>
-              <a:p>
-                <a:r>
-                  <a:rPr lang="da-DK" dirty="0" err="1">
-                    <a:sym typeface="Wingdings" panose="05000000000000000000" pitchFamily="2" charset="2"/>
-                  </a:rPr>
-                  <a:t>Intermediate</a:t>
-                </a:r>
-                <a:r>
-                  <a:rPr lang="da-DK" dirty="0">
-                    <a:sym typeface="Wingdings" panose="05000000000000000000" pitchFamily="2" charset="2"/>
-                  </a:rPr>
-                  <a:t> </a:t>
-                </a:r>
-                <a:r>
-                  <a:rPr lang="da-DK" dirty="0" err="1">
-                    <a:sym typeface="Wingdings" panose="05000000000000000000" pitchFamily="2" charset="2"/>
-                  </a:rPr>
-                  <a:t>value</a:t>
-                </a:r>
-                <a:r>
-                  <a:rPr lang="da-DK" dirty="0">
-                    <a:sym typeface="Wingdings" panose="05000000000000000000" pitchFamily="2" charset="2"/>
-                  </a:rPr>
-                  <a:t> n !  </a:t>
-                </a:r>
-                <a:r>
-                  <a:rPr lang="da-DK" dirty="0" err="1">
-                    <a:sym typeface="Wingdings" panose="05000000000000000000" pitchFamily="2" charset="2"/>
-                  </a:rPr>
-                  <a:t>can</a:t>
-                </a:r>
-                <a:r>
-                  <a:rPr lang="da-DK" dirty="0">
-                    <a:sym typeface="Wingdings" panose="05000000000000000000" pitchFamily="2" charset="2"/>
-                  </a:rPr>
-                  <a:t> have </a:t>
-                </a:r>
-                <a:r>
-                  <a:rPr lang="da-DK" dirty="0" err="1">
-                    <a:sym typeface="Wingdings" panose="05000000000000000000" pitchFamily="2" charset="2"/>
-                  </a:rPr>
-                  <a:t>significantly</a:t>
-                </a:r>
-                <a:r>
-                  <a:rPr lang="da-DK" dirty="0">
-                    <a:sym typeface="Wingdings" panose="05000000000000000000" pitchFamily="2" charset="2"/>
-                  </a:rPr>
-                  <a:t> more </a:t>
-                </a:r>
-                <a:r>
-                  <a:rPr lang="da-DK" dirty="0" err="1">
-                    <a:sym typeface="Wingdings" panose="05000000000000000000" pitchFamily="2" charset="2"/>
-                  </a:rPr>
-                  <a:t>digits</a:t>
-                </a:r>
-                <a:r>
-                  <a:rPr lang="da-DK" dirty="0">
-                    <a:sym typeface="Wingdings" panose="05000000000000000000" pitchFamily="2" charset="2"/>
-                  </a:rPr>
-                  <a:t> </a:t>
-                </a:r>
-                <a:r>
-                  <a:rPr lang="da-DK" dirty="0" err="1">
-                    <a:sym typeface="Wingdings" panose="05000000000000000000" pitchFamily="2" charset="2"/>
-                  </a:rPr>
-                  <a:t>than</a:t>
-                </a:r>
-                <a:r>
-                  <a:rPr lang="da-DK" dirty="0">
-                    <a:sym typeface="Wingdings" panose="05000000000000000000" pitchFamily="2" charset="2"/>
-                  </a:rPr>
-                  <a:t> </a:t>
-                </a:r>
-                <a:r>
-                  <a:rPr lang="en-US" dirty="0">
-                    <a:sym typeface="Wingdings" panose="05000000000000000000" pitchFamily="2" charset="2"/>
-                  </a:rPr>
-                  <a:t>result (</a:t>
-                </a:r>
-                <a:r>
-                  <a:rPr lang="en-US" dirty="0">
-                    <a:solidFill>
-                      <a:srgbClr val="C00000"/>
-                    </a:solidFill>
-                    <a:sym typeface="Wingdings" panose="05000000000000000000" pitchFamily="2" charset="2"/>
-                  </a:rPr>
-                  <a:t>bad</a:t>
-                </a:r>
-                <a:r>
-                  <a:rPr lang="en-US" dirty="0">
-                    <a:sym typeface="Wingdings" panose="05000000000000000000" pitchFamily="2" charset="2"/>
-                  </a:rPr>
-                  <a:t>)</a:t>
-                </a:r>
-                <a:endParaRPr lang="en-US" dirty="0"/>
-              </a:p>
-            </p:txBody>
-          </p:sp>
-        </mc:Choice>
-        <mc:Fallback xmlns="">
-          <p:sp>
-            <p:nvSpPr>
-              <p:cNvPr id="3" name="Content Placeholder 2"/>
-              <p:cNvSpPr>
-                <a:spLocks noGrp="1" noRot="1" noChangeAspect="1" noMove="1" noResize="1" noEditPoints="1" noAdjustHandles="1" noChangeArrowheads="1" noChangeShapeType="1" noTextEdit="1"/>
-              </p:cNvSpPr>
-              <p:nvPr>
-                <p:ph idx="1"/>
-              </p:nvPr>
-            </p:nvSpPr>
-            <p:spPr>
-              <a:xfrm>
-                <a:off x="461074" y="1986514"/>
-                <a:ext cx="11269852" cy="4491778"/>
-              </a:xfrm>
-              <a:blipFill>
-                <a:blip r:embed="rId3"/>
-                <a:stretch>
-                  <a:fillRect l="-974" r="-703" b="-814"/>
-                </a:stretch>
-              </a:blipFill>
-            </p:spPr>
-            <p:txBody>
-              <a:bodyPr/>
-              <a:lstStyle/>
-              <a:p>
-                <a:r>
-                  <a:rPr lang="en-US">
-                    <a:noFill/>
-                  </a:rPr>
-                  <a:t> </a:t>
-                </a:r>
-              </a:p>
-            </p:txBody>
-          </p:sp>
-        </mc:Fallback>
-      </mc:AlternateContent>
-      <p:graphicFrame>
-        <p:nvGraphicFramePr>
-          <p:cNvPr id="4" name="Table 3"/>
-          <p:cNvGraphicFramePr>
-            <a:graphicFrameLocks noGrp="1"/>
-          </p:cNvGraphicFramePr>
-          <p:nvPr>
-            <p:extLst>
-              <p:ext uri="{D42A27DB-BD31-4B8C-83A1-F6EECF244321}">
-                <p14:modId xmlns:p14="http://schemas.microsoft.com/office/powerpoint/2010/main" val="3475613545"/>
-              </p:ext>
-            </p:extLst>
-          </p:nvPr>
-        </p:nvGraphicFramePr>
-        <p:xfrm>
-          <a:off x="1908810" y="3483197"/>
-          <a:ext cx="8374380" cy="1097441"/>
-        </p:xfrm>
-        <a:graphic>
-          <a:graphicData uri="http://schemas.openxmlformats.org/drawingml/2006/table">
-            <a:tbl>
-              <a:tblPr firstRow="1" bandRow="1">
-                <a:tableStyleId>{5C22544A-7EE6-4342-B048-85BDC9FD1C3A}</a:tableStyleId>
-              </a:tblPr>
-              <a:tblGrid>
-                <a:gridCol w="8374380">
-                  <a:extLst>
-                    <a:ext uri="{9D8B030D-6E8A-4147-A177-3AD203B41FA5}">
-                      <a16:colId xmlns:a16="http://schemas.microsoft.com/office/drawing/2014/main" val="1873682825"/>
-                    </a:ext>
-                  </a:extLst>
-                </a:gridCol>
-              </a:tblGrid>
-              <a:tr h="182920">
-                <a:tc>
-                  <a:txBody>
-                    <a:bodyPr/>
-                    <a:lstStyle/>
-                    <a:p>
-                      <a:r>
-                        <a:rPr lang="da-DK" sz="1800" b="1" dirty="0">
-                          <a:latin typeface="Courier New" panose="02070309020205020404" pitchFamily="49" charset="0"/>
-                          <a:cs typeface="Courier New" panose="02070309020205020404" pitchFamily="49" charset="0"/>
-                        </a:rPr>
-                        <a:t>binomial_factorial.py</a:t>
-                      </a:r>
-                    </a:p>
-                  </a:txBody>
-                  <a:tcPr anchor="ctr">
-                    <a:lnL w="6350" cap="flat" cmpd="sng" algn="ctr">
-                      <a:solidFill>
-                        <a:schemeClr val="tx1"/>
-                      </a:solidFill>
-                      <a:prstDash val="solid"/>
-                      <a:round/>
-                      <a:headEnd type="none" w="med" len="med"/>
-                      <a:tailEnd type="none" w="med" len="med"/>
-                    </a:lnL>
-                    <a:lnR w="6350" cap="flat" cmpd="sng" algn="ctr">
-                      <a:solidFill>
-                        <a:schemeClr val="tx1"/>
-                      </a:solidFill>
-                      <a:prstDash val="solid"/>
-                      <a:round/>
-                      <a:headEnd type="none" w="med" len="med"/>
-                      <a:tailEnd type="none" w="med" len="med"/>
-                    </a:lnR>
-                    <a:lnT w="6350" cap="flat" cmpd="sng" algn="ctr">
-                      <a:solidFill>
-                        <a:schemeClr val="tx1"/>
-                      </a:solidFill>
-                      <a:prstDash val="solid"/>
-                      <a:round/>
-                      <a:headEnd type="none" w="med" len="med"/>
-                      <a:tailEnd type="none" w="med" len="med"/>
-                    </a:lnT>
-                    <a:lnB w="6350" cap="flat" cmpd="sng" algn="ctr">
-                      <a:solidFill>
-                        <a:schemeClr val="tx1"/>
-                      </a:solidFill>
-                      <a:prstDash val="solid"/>
-                      <a:round/>
-                      <a:headEnd type="none" w="med" len="med"/>
-                      <a:tailEnd type="none" w="med" len="med"/>
-                    </a:lnB>
-                    <a:lnTlToBr w="12700" cmpd="sng">
-                      <a:noFill/>
-                      <a:prstDash val="solid"/>
-                    </a:lnTlToBr>
-                    <a:lnBlToTr w="12700" cmpd="sng">
-                      <a:noFill/>
-                      <a:prstDash val="solid"/>
-                    </a:lnBlToTr>
-                    <a:solidFill>
-                      <a:srgbClr val="C00000"/>
-                    </a:solidFill>
-                  </a:tcPr>
-                </a:tc>
-                <a:extLst>
-                  <a:ext uri="{0D108BD9-81ED-4DB2-BD59-A6C34878D82A}">
-                    <a16:rowId xmlns:a16="http://schemas.microsoft.com/office/drawing/2014/main" val="3330819881"/>
-                  </a:ext>
-                </a:extLst>
-              </a:tr>
-              <a:tr h="731681">
-                <a:tc>
-                  <a:txBody>
-                    <a:bodyPr/>
-                    <a:lstStyle/>
-                    <a:p>
-                      <a:r>
-                        <a:rPr lang="en-US" sz="1800" b="1" dirty="0" err="1">
-                          <a:latin typeface="Courier New" panose="02070309020205020404" pitchFamily="49" charset="0"/>
-                          <a:cs typeface="Courier New" panose="02070309020205020404" pitchFamily="49" charset="0"/>
-                        </a:rPr>
-                        <a:t>def</a:t>
-                      </a:r>
-                      <a:r>
-                        <a:rPr lang="en-US" sz="1800" b="1" dirty="0">
-                          <a:latin typeface="Courier New" panose="02070309020205020404" pitchFamily="49" charset="0"/>
-                          <a:cs typeface="Courier New" panose="02070309020205020404" pitchFamily="49" charset="0"/>
-                        </a:rPr>
-                        <a:t> binomial(n, k):</a:t>
-                      </a:r>
-                    </a:p>
-                    <a:p>
-                      <a:r>
-                        <a:rPr lang="en-US" sz="1800" b="1" dirty="0">
-                          <a:latin typeface="Courier New" panose="02070309020205020404" pitchFamily="49" charset="0"/>
-                          <a:cs typeface="Courier New" panose="02070309020205020404" pitchFamily="49" charset="0"/>
-                        </a:rPr>
-                        <a:t>    return factorial(n) // factorial(k) // factorial(n - k)</a:t>
-                      </a:r>
-                      <a:endParaRPr lang="pt-BR" sz="1800" b="1" dirty="0">
-                        <a:latin typeface="Courier New" panose="02070309020205020404" pitchFamily="49" charset="0"/>
-                        <a:cs typeface="Courier New" panose="02070309020205020404" pitchFamily="49" charset="0"/>
-                      </a:endParaRPr>
-                    </a:p>
-                  </a:txBody>
-                  <a:tcPr>
-                    <a:lnL w="6350" cap="flat" cmpd="sng" algn="ctr">
-                      <a:solidFill>
-                        <a:schemeClr val="tx1"/>
-                      </a:solidFill>
-                      <a:prstDash val="solid"/>
-                      <a:round/>
-                      <a:headEnd type="none" w="med" len="med"/>
-                      <a:tailEnd type="none" w="med" len="med"/>
-                    </a:lnL>
-                    <a:lnR w="6350" cap="flat" cmpd="sng" algn="ctr">
-                      <a:solidFill>
-                        <a:schemeClr val="tx1"/>
-                      </a:solidFill>
-                      <a:prstDash val="solid"/>
-                      <a:round/>
-                      <a:headEnd type="none" w="med" len="med"/>
-                      <a:tailEnd type="none" w="med" len="med"/>
-                    </a:lnR>
-                    <a:lnT w="6350" cap="flat" cmpd="sng" algn="ctr">
-                      <a:solidFill>
-                        <a:schemeClr val="tx1"/>
-                      </a:solidFill>
-                      <a:prstDash val="solid"/>
-                      <a:round/>
-                      <a:headEnd type="none" w="med" len="med"/>
-                      <a:tailEnd type="none" w="med" len="med"/>
-                    </a:lnT>
-                    <a:lnB w="6350" cap="flat" cmpd="sng" algn="ctr">
-                      <a:solidFill>
-                        <a:schemeClr val="tx1"/>
-                      </a:solidFill>
-                      <a:prstDash val="solid"/>
-                      <a:round/>
-                      <a:headEnd type="none" w="med" len="med"/>
-                      <a:tailEnd type="none" w="med" len="med"/>
-                    </a:lnB>
-                    <a:lnTlToBr w="12700" cmpd="sng">
-                      <a:noFill/>
-                      <a:prstDash val="solid"/>
-                    </a:lnTlToBr>
-                    <a:lnBlToTr w="12700" cmpd="sng">
-                      <a:noFill/>
-                      <a:prstDash val="solid"/>
-                    </a:lnBlToTr>
-                    <a:solidFill>
-                      <a:schemeClr val="accent5">
-                        <a:lumMod val="20000"/>
-                        <a:lumOff val="80000"/>
-                      </a:schemeClr>
-                    </a:solidFill>
-                  </a:tcPr>
-                </a:tc>
-                <a:extLst>
-                  <a:ext uri="{0D108BD9-81ED-4DB2-BD59-A6C34878D82A}">
-                    <a16:rowId xmlns:a16="http://schemas.microsoft.com/office/drawing/2014/main" val="4112970457"/>
-                  </a:ext>
-                </a:extLst>
-              </a:tr>
-            </a:tbl>
-          </a:graphicData>
-        </a:graphic>
-      </p:graphicFrame>
-    </p:spTree>
-    <p:extLst>
-      <p:ext uri="{BB962C8B-B14F-4D97-AF65-F5344CB8AC3E}">
-        <p14:creationId xmlns:p14="http://schemas.microsoft.com/office/powerpoint/2010/main" val="1526489455"/>
-      </p:ext>
-    </p:extLst>
-  </p:cSld>
-  <p:clrMapOvr>
-    <a:masterClrMapping/>
-  </p:clrMapOvr>
-  <p:timing>
-    <p:tnLst>
-      <p:par>
-        <p:cTn id="1" dur="indefinite" restart="never" nodeType="tmRoot">
-          <p:childTnLst>
-            <p:seq concurrent="1" nextAc="seek">
-              <p:cTn id="2" dur="indefinite" nodeType="mainSeq">
-                <p:childTnLst>
-                  <p:par>
-                    <p:cTn id="3" fill="hold">
-                      <p:stCondLst>
-                        <p:cond delay="indefinite"/>
-                      </p:stCondLst>
-                      <p:childTnLst>
-                        <p:par>
-                          <p:cTn id="4" fill="hold">
-                            <p:stCondLst>
-                              <p:cond delay="0"/>
-                            </p:stCondLst>
-                            <p:childTnLst>
-                              <p:par>
-                                <p:cTn id="5" presetID="10" presetClass="entr" presetSubtype="0" fill="hold" nodeType="clickEffect">
-                                  <p:stCondLst>
-                                    <p:cond delay="0"/>
-                                  </p:stCondLst>
-                                  <p:childTnLst>
-                                    <p:set>
-                                      <p:cBhvr>
-                                        <p:cTn id="6" dur="1" fill="hold">
-                                          <p:stCondLst>
-                                            <p:cond delay="0"/>
-                                          </p:stCondLst>
-                                        </p:cTn>
-                                        <p:tgtEl>
-                                          <p:spTgt spid="3">
-                                            <p:txEl>
-                                              <p:pRg st="0" end="0"/>
-                                            </p:txEl>
-                                          </p:spTgt>
-                                        </p:tgtEl>
-                                        <p:attrNameLst>
-                                          <p:attrName>style.visibility</p:attrName>
-                                        </p:attrNameLst>
-                                      </p:cBhvr>
-                                      <p:to>
-                                        <p:strVal val="visible"/>
-                                      </p:to>
-                                    </p:set>
-                                    <p:animEffect transition="in" filter="fade">
-                                      <p:cBhvr>
-                                        <p:cTn id="7" dur="500"/>
-                                        <p:tgtEl>
-                                          <p:spTgt spid="3">
-                                            <p:txEl>
-                                              <p:pRg st="0" end="0"/>
-                                            </p:txEl>
-                                          </p:spTgt>
-                                        </p:tgtEl>
-                                      </p:cBhvr>
-                                    </p:animEffect>
-                                  </p:childTnLst>
-                                </p:cTn>
-                              </p:par>
-                            </p:childTnLst>
-                          </p:cTn>
-                        </p:par>
-                      </p:childTnLst>
-                    </p:cTn>
-                  </p:par>
-                  <p:par>
-                    <p:cTn id="8" fill="hold">
-                      <p:stCondLst>
-                        <p:cond delay="indefinite"/>
-                      </p:stCondLst>
-                      <p:childTnLst>
-                        <p:par>
-                          <p:cTn id="9" fill="hold">
-                            <p:stCondLst>
-                              <p:cond delay="0"/>
-                            </p:stCondLst>
-                            <p:childTnLst>
-                              <p:par>
-                                <p:cTn id="10" presetID="10" presetClass="entr" presetSubtype="0" fill="hold" nodeType="clickEffect">
-                                  <p:stCondLst>
-                                    <p:cond delay="0"/>
-                                  </p:stCondLst>
-                                  <p:childTnLst>
-                                    <p:set>
-                                      <p:cBhvr>
-                                        <p:cTn id="11" dur="1" fill="hold">
-                                          <p:stCondLst>
-                                            <p:cond delay="0"/>
-                                          </p:stCondLst>
-                                        </p:cTn>
-                                        <p:tgtEl>
-                                          <p:spTgt spid="4"/>
-                                        </p:tgtEl>
-                                        <p:attrNameLst>
-                                          <p:attrName>style.visibility</p:attrName>
-                                        </p:attrNameLst>
-                                      </p:cBhvr>
-                                      <p:to>
-                                        <p:strVal val="visible"/>
-                                      </p:to>
-                                    </p:set>
-                                    <p:animEffect transition="in" filter="fade">
-                                      <p:cBhvr>
-                                        <p:cTn id="12" dur="500"/>
-                                        <p:tgtEl>
-                                          <p:spTgt spid="4"/>
-                                        </p:tgtEl>
-                                      </p:cBhvr>
-                                    </p:animEffect>
-                                  </p:childTnLst>
-                                </p:cTn>
-                              </p:par>
-                            </p:childTnLst>
-                          </p:cTn>
-                        </p:par>
-                      </p:childTnLst>
-                    </p:cTn>
-                  </p:par>
-                  <p:par>
-                    <p:cTn id="13" fill="hold">
-                      <p:stCondLst>
-                        <p:cond delay="indefinite"/>
-                      </p:stCondLst>
-                      <p:childTnLst>
-                        <p:par>
-                          <p:cTn id="14" fill="hold">
-                            <p:stCondLst>
-                              <p:cond delay="0"/>
-                            </p:stCondLst>
-                            <p:childTnLst>
-                              <p:par>
-                                <p:cTn id="15" presetID="10" presetClass="entr" presetSubtype="0" fill="hold" nodeType="clickEffect">
-                                  <p:stCondLst>
-                                    <p:cond delay="0"/>
-                                  </p:stCondLst>
-                                  <p:childTnLst>
-                                    <p:set>
-                                      <p:cBhvr>
-                                        <p:cTn id="16" dur="1" fill="hold">
-                                          <p:stCondLst>
-                                            <p:cond delay="0"/>
-                                          </p:stCondLst>
-                                        </p:cTn>
-                                        <p:tgtEl>
-                                          <p:spTgt spid="3">
-                                            <p:txEl>
-                                              <p:pRg st="6" end="6"/>
-                                            </p:txEl>
-                                          </p:spTgt>
-                                        </p:tgtEl>
-                                        <p:attrNameLst>
-                                          <p:attrName>style.visibility</p:attrName>
-                                        </p:attrNameLst>
-                                      </p:cBhvr>
-                                      <p:to>
-                                        <p:strVal val="visible"/>
-                                      </p:to>
-                                    </p:set>
-                                    <p:animEffect transition="in" filter="fade">
-                                      <p:cBhvr>
-                                        <p:cTn id="17" dur="500"/>
-                                        <p:tgtEl>
-                                          <p:spTgt spid="3">
-                                            <p:txEl>
-                                              <p:pRg st="6" end="6"/>
-                                            </p:txEl>
-                                          </p:spTgt>
-                                        </p:tgtEl>
-                                      </p:cBhvr>
-                                    </p:animEffect>
-                                  </p:childTnLst>
-                                </p:cTn>
-                              </p:par>
-                            </p:childTnLst>
-                          </p:cTn>
-                        </p:par>
-                      </p:childTnLst>
-                    </p:cTn>
-                  </p:par>
-                  <p:par>
-                    <p:cTn id="18" fill="hold">
-                      <p:stCondLst>
-                        <p:cond delay="indefinite"/>
-                      </p:stCondLst>
-                      <p:childTnLst>
-                        <p:par>
-                          <p:cTn id="19" fill="hold">
-                            <p:stCondLst>
-                              <p:cond delay="0"/>
-                            </p:stCondLst>
-                            <p:childTnLst>
-                              <p:par>
-                                <p:cTn id="20" presetID="10" presetClass="entr" presetSubtype="0" fill="hold" nodeType="clickEffect">
-                                  <p:stCondLst>
-                                    <p:cond delay="0"/>
-                                  </p:stCondLst>
-                                  <p:childTnLst>
-                                    <p:set>
-                                      <p:cBhvr>
-                                        <p:cTn id="21" dur="1" fill="hold">
-                                          <p:stCondLst>
-                                            <p:cond delay="0"/>
-                                          </p:stCondLst>
-                                        </p:cTn>
-                                        <p:tgtEl>
-                                          <p:spTgt spid="3">
-                                            <p:txEl>
-                                              <p:pRg st="7" end="7"/>
-                                            </p:txEl>
-                                          </p:spTgt>
-                                        </p:tgtEl>
-                                        <p:attrNameLst>
-                                          <p:attrName>style.visibility</p:attrName>
-                                        </p:attrNameLst>
-                                      </p:cBhvr>
-                                      <p:to>
-                                        <p:strVal val="visible"/>
-                                      </p:to>
-                                    </p:set>
-                                    <p:animEffect transition="in" filter="fade">
-                                      <p:cBhvr>
-                                        <p:cTn id="22" dur="500"/>
-                                        <p:tgtEl>
-                                          <p:spTgt spid="3">
-                                            <p:txEl>
-                                              <p:pRg st="7" end="7"/>
-                                            </p:txEl>
-                                          </p:spTgt>
-                                        </p:tgtEl>
-                                      </p:cBhvr>
-                                    </p:animEffect>
-                                  </p:childTnLst>
-                                </p:cTn>
-                              </p:par>
-                            </p:childTnLst>
-                          </p:cTn>
-                        </p:par>
-                      </p:childTnLst>
-                    </p:cTn>
-                  </p:par>
-                </p:childTnLst>
-              </p:cTn>
-              <p:prevCondLst>
-                <p:cond evt="onPrev" delay="0">
-                  <p:tgtEl>
-                    <p:sldTgt/>
-                  </p:tgtEl>
-                </p:cond>
-              </p:prevCondLst>
-              <p:nextCondLst>
-                <p:cond evt="onNext" delay="0">
-                  <p:tgtEl>
-                    <p:sldTgt/>
-                  </p:tgtEl>
-                </p:cond>
-              </p:nextCondLst>
-            </p:seq>
-          </p:childTnLst>
-        </p:cTn>
-      </p:par>
-    </p:tnLst>
-  </p:timing>
 </p:sld>
 </file>
 

--- a/ipsa/slides/recursion.pptx
+++ b/ipsa/slides/recursion.pptx
@@ -293,7 +293,7 @@
   <pc:docChgLst>
     <pc:chgData name="Gerth Stølting Brodal" userId="04ef4784-6591-4f86-a140-f5c3b108582a" providerId="ADAL" clId="{9197687F-18F0-42D4-9B72-DE14A28EAE5C}"/>
     <pc:docChg chg="undo custSel addSld delSld modSld">
-      <pc:chgData name="Gerth Stølting Brodal" userId="04ef4784-6591-4f86-a140-f5c3b108582a" providerId="ADAL" clId="{9197687F-18F0-42D4-9B72-DE14A28EAE5C}" dt="2023-03-12T14:39:53.691" v="2328" actId="20577"/>
+      <pc:chgData name="Gerth Stølting Brodal" userId="04ef4784-6591-4f86-a140-f5c3b108582a" providerId="ADAL" clId="{9197687F-18F0-42D4-9B72-DE14A28EAE5C}" dt="2023-03-13T07:46:31.855" v="2459" actId="20577"/>
       <pc:docMkLst>
         <pc:docMk/>
       </pc:docMkLst>
@@ -794,7 +794,7 @@
         </pc:picChg>
       </pc:sldChg>
       <pc:sldChg chg="addSp delSp modSp new mod modAnim modNotesTx">
-        <pc:chgData name="Gerth Stølting Brodal" userId="04ef4784-6591-4f86-a140-f5c3b108582a" providerId="ADAL" clId="{9197687F-18F0-42D4-9B72-DE14A28EAE5C}" dt="2023-03-12T14:39:53.691" v="2328" actId="20577"/>
+        <pc:chgData name="Gerth Stølting Brodal" userId="04ef4784-6591-4f86-a140-f5c3b108582a" providerId="ADAL" clId="{9197687F-18F0-42D4-9B72-DE14A28EAE5C}" dt="2023-03-13T07:46:31.855" v="2459" actId="20577"/>
         <pc:sldMkLst>
           <pc:docMk/>
           <pc:sldMk cId="3874947569" sldId="610"/>
@@ -823,6 +823,14 @@
             <ac:spMk id="5" creationId="{ABCCF17E-0B44-A779-88CD-A049D9DE7990}"/>
           </ac:spMkLst>
         </pc:spChg>
+        <pc:spChg chg="add mod">
+          <ac:chgData name="Gerth Stølting Brodal" userId="04ef4784-6591-4f86-a140-f5c3b108582a" providerId="ADAL" clId="{9197687F-18F0-42D4-9B72-DE14A28EAE5C}" dt="2023-03-13T07:46:31.855" v="2459" actId="20577"/>
+          <ac:spMkLst>
+            <pc:docMk/>
+            <pc:sldMk cId="3874947569" sldId="610"/>
+            <ac:spMk id="5" creationId="{C1A056DD-7942-DC13-82F0-C8F8674A5A1E}"/>
+          </ac:spMkLst>
+        </pc:spChg>
         <pc:spChg chg="add del mod">
           <ac:chgData name="Gerth Stølting Brodal" userId="04ef4784-6591-4f86-a140-f5c3b108582a" providerId="ADAL" clId="{9197687F-18F0-42D4-9B72-DE14A28EAE5C}" dt="2023-03-12T13:33:19.845" v="2097" actId="403"/>
           <ac:spMkLst>
@@ -840,7 +848,7 @@
           </ac:spMkLst>
         </pc:spChg>
         <pc:graphicFrameChg chg="add mod modGraphic">
-          <ac:chgData name="Gerth Stølting Brodal" userId="04ef4784-6591-4f86-a140-f5c3b108582a" providerId="ADAL" clId="{9197687F-18F0-42D4-9B72-DE14A28EAE5C}" dt="2023-03-12T13:41:52.484" v="2171" actId="20577"/>
+          <ac:chgData name="Gerth Stølting Brodal" userId="04ef4784-6591-4f86-a140-f5c3b108582a" providerId="ADAL" clId="{9197687F-18F0-42D4-9B72-DE14A28EAE5C}" dt="2023-03-13T07:46:04.120" v="2445" actId="1076"/>
           <ac:graphicFrameMkLst>
             <pc:docMk/>
             <pc:sldMk cId="3874947569" sldId="610"/>
@@ -1150,7 +1158,7 @@
           <a:p>
             <a:fld id="{FB1A172F-81D4-4DC4-9113-1DBD56EC3646}" type="datetimeFigureOut">
               <a:rPr lang="en-US" smtClean="0"/>
-              <a:t>3/12/2023</a:t>
+              <a:t>3/13/2023</a:t>
             </a:fld>
             <a:endParaRPr lang="en-US"/>
           </a:p>
@@ -2610,12 +2618,37 @@
           <a:p>
             <a:r>
               <a:rPr lang="en-US" dirty="0"/>
-              <a:t>Henrik Bærbak Christensen burger “bail out fast” in </a:t>
-            </a:r>
-            <a:r>
-              <a:rPr lang="en-US"/>
-              <a:t>SWEA course - https://baerbak.cs.au.dk/c/swea/resource/cleancode.pdf</a:t>
-            </a:r>
+              <a:t>Henrik Bærbak Christensen burger “bail out fast” in SWEA course - https://baerbak.cs.au.dk/c/swea/resource/cleancode.pdf</a:t>
+            </a:r>
+          </a:p>
+          <a:p>
+            <a:pPr marL="0" marR="0" lvl="0" indent="0" algn="l" defTabSz="914400" rtl="0" eaLnBrk="1" fontAlgn="auto" latinLnBrk="0" hangingPunct="1">
+              <a:lnSpc>
+                <a:spcPct val="100000"/>
+              </a:lnSpc>
+              <a:spcBef>
+                <a:spcPts val="0"/>
+              </a:spcBef>
+              <a:spcAft>
+                <a:spcPts val="0"/>
+              </a:spcAft>
+              <a:buClrTx/>
+              <a:buSzTx/>
+              <a:buFontTx/>
+              <a:buNone/>
+              <a:tabLst/>
+              <a:defRPr/>
+            </a:pPr>
+            <a:r>
+              <a:rPr lang="en-US" dirty="0"/>
+              <a:t>Henrik is based on </a:t>
+            </a:r>
+            <a:r>
+              <a:rPr lang="en-US" b="1" dirty="0"/>
+              <a:t>Clean Code -  Handbook of Agile Software Craftsmanship (2009), Robert C Martin (Chapter 3 on Functions)</a:t>
+            </a:r>
+          </a:p>
+          <a:p>
             <a:endParaRPr lang="da-DK" dirty="0"/>
           </a:p>
         </p:txBody>
@@ -3144,7 +3177,7 @@
           <a:p>
             <a:fld id="{0560A9CD-0304-4E0B-9E82-E7E0115DE05B}" type="datetimeFigureOut">
               <a:rPr lang="en-US" smtClean="0"/>
-              <a:t>3/12/2023</a:t>
+              <a:t>3/13/2023</a:t>
             </a:fld>
             <a:endParaRPr lang="en-US"/>
           </a:p>
@@ -3312,7 +3345,7 @@
           <a:p>
             <a:fld id="{0560A9CD-0304-4E0B-9E82-E7E0115DE05B}" type="datetimeFigureOut">
               <a:rPr lang="en-US" smtClean="0"/>
-              <a:t>3/12/2023</a:t>
+              <a:t>3/13/2023</a:t>
             </a:fld>
             <a:endParaRPr lang="en-US"/>
           </a:p>
@@ -3490,7 +3523,7 @@
           <a:p>
             <a:fld id="{0560A9CD-0304-4E0B-9E82-E7E0115DE05B}" type="datetimeFigureOut">
               <a:rPr lang="en-US" smtClean="0"/>
-              <a:t>3/12/2023</a:t>
+              <a:t>3/13/2023</a:t>
             </a:fld>
             <a:endParaRPr lang="en-US"/>
           </a:p>
@@ -3673,7 +3706,7 @@
           <a:p>
             <a:fld id="{0560A9CD-0304-4E0B-9E82-E7E0115DE05B}" type="datetimeFigureOut">
               <a:rPr lang="en-US" smtClean="0"/>
-              <a:t>3/12/2023</a:t>
+              <a:t>3/13/2023</a:t>
             </a:fld>
             <a:endParaRPr lang="en-US"/>
           </a:p>
@@ -3918,7 +3951,7 @@
           <a:p>
             <a:fld id="{0560A9CD-0304-4E0B-9E82-E7E0115DE05B}" type="datetimeFigureOut">
               <a:rPr lang="en-US" smtClean="0"/>
-              <a:t>3/12/2023</a:t>
+              <a:t>3/13/2023</a:t>
             </a:fld>
             <a:endParaRPr lang="en-US"/>
           </a:p>
@@ -4147,7 +4180,7 @@
           <a:p>
             <a:fld id="{0560A9CD-0304-4E0B-9E82-E7E0115DE05B}" type="datetimeFigureOut">
               <a:rPr lang="en-US" smtClean="0"/>
-              <a:t>3/12/2023</a:t>
+              <a:t>3/13/2023</a:t>
             </a:fld>
             <a:endParaRPr lang="en-US"/>
           </a:p>
@@ -4511,7 +4544,7 @@
           <a:p>
             <a:fld id="{0560A9CD-0304-4E0B-9E82-E7E0115DE05B}" type="datetimeFigureOut">
               <a:rPr lang="en-US" smtClean="0"/>
-              <a:t>3/12/2023</a:t>
+              <a:t>3/13/2023</a:t>
             </a:fld>
             <a:endParaRPr lang="en-US"/>
           </a:p>
@@ -4628,7 +4661,7 @@
           <a:p>
             <a:fld id="{0560A9CD-0304-4E0B-9E82-E7E0115DE05B}" type="datetimeFigureOut">
               <a:rPr lang="en-US" smtClean="0"/>
-              <a:t>3/12/2023</a:t>
+              <a:t>3/13/2023</a:t>
             </a:fld>
             <a:endParaRPr lang="en-US"/>
           </a:p>
@@ -4723,7 +4756,7 @@
           <a:p>
             <a:fld id="{0560A9CD-0304-4E0B-9E82-E7E0115DE05B}" type="datetimeFigureOut">
               <a:rPr lang="en-US" smtClean="0"/>
-              <a:t>3/12/2023</a:t>
+              <a:t>3/13/2023</a:t>
             </a:fld>
             <a:endParaRPr lang="en-US"/>
           </a:p>
@@ -4998,7 +5031,7 @@
           <a:p>
             <a:fld id="{0560A9CD-0304-4E0B-9E82-E7E0115DE05B}" type="datetimeFigureOut">
               <a:rPr lang="en-US" smtClean="0"/>
-              <a:t>3/12/2023</a:t>
+              <a:t>3/13/2023</a:t>
             </a:fld>
             <a:endParaRPr lang="en-US"/>
           </a:p>
@@ -5250,7 +5283,7 @@
           <a:p>
             <a:fld id="{0560A9CD-0304-4E0B-9E82-E7E0115DE05B}" type="datetimeFigureOut">
               <a:rPr lang="en-US" smtClean="0"/>
-              <a:t>3/12/2023</a:t>
+              <a:t>3/13/2023</a:t>
             </a:fld>
             <a:endParaRPr lang="en-US"/>
           </a:p>
@@ -5461,7 +5494,7 @@
           <a:p>
             <a:fld id="{0560A9CD-0304-4E0B-9E82-E7E0115DE05B}" type="datetimeFigureOut">
               <a:rPr lang="en-US" smtClean="0"/>
-              <a:t>3/12/2023</a:t>
+              <a:t>3/13/2023</a:t>
             </a:fld>
             <a:endParaRPr lang="en-US"/>
           </a:p>
@@ -30436,13 +30469,13 @@
           <p:nvPr>
             <p:extLst>
               <p:ext uri="{D42A27DB-BD31-4B8C-83A1-F6EECF244321}">
-                <p14:modId xmlns:p14="http://schemas.microsoft.com/office/powerpoint/2010/main" val="3529735711"/>
+                <p14:modId xmlns:p14="http://schemas.microsoft.com/office/powerpoint/2010/main" val="3434328006"/>
               </p:ext>
             </p:extLst>
           </p:nvPr>
         </p:nvGraphicFramePr>
         <p:xfrm>
-          <a:off x="3796337" y="1629795"/>
+          <a:off x="3840644" y="1440533"/>
           <a:ext cx="8160068" cy="4992690"/>
         </p:xfrm>
         <a:graphic>
@@ -31341,6 +31374,51 @@
               <a:t>1-liners are not always the most readable code</a:t>
             </a:r>
             <a:endParaRPr lang="da-DK" sz="2400" dirty="0"/>
+          </a:p>
+        </p:txBody>
+      </p:sp>
+      <p:sp>
+        <p:nvSpPr>
+          <p:cNvPr id="5" name="TextBox 4">
+            <a:extLst>
+              <a:ext uri="{FF2B5EF4-FFF2-40B4-BE49-F238E27FC236}">
+                <a16:creationId xmlns:a16="http://schemas.microsoft.com/office/drawing/2014/main" id="{C1A056DD-7942-DC13-82F0-C8F8674A5A1E}"/>
+              </a:ext>
+            </a:extLst>
+          </p:cNvPr>
+          <p:cNvSpPr txBox="1"/>
+          <p:nvPr/>
+        </p:nvSpPr>
+        <p:spPr>
+          <a:xfrm>
+            <a:off x="1724894" y="6488668"/>
+            <a:ext cx="10467106" cy="369332"/>
+          </a:xfrm>
+          <a:prstGeom prst="rect">
+            <a:avLst/>
+          </a:prstGeom>
+          <a:noFill/>
+        </p:spPr>
+        <p:txBody>
+          <a:bodyPr wrap="square">
+            <a:spAutoFit/>
+          </a:bodyPr>
+          <a:lstStyle/>
+          <a:p>
+            <a:pPr algn="r"/>
+            <a:r>
+              <a:rPr lang="en-US" dirty="0"/>
+              <a:t>See also </a:t>
+            </a:r>
+            <a:r>
+              <a:rPr lang="en-US" i="1" dirty="0"/>
+              <a:t>Clean Code -  Handbook of Agile Software Craftsmanship</a:t>
+            </a:r>
+            <a:r>
+              <a:rPr lang="en-US" dirty="0"/>
+              <a:t>, by Robert C Martin (2009)</a:t>
+            </a:r>
+            <a:endParaRPr lang="da-DK" dirty="0"/>
           </a:p>
         </p:txBody>
       </p:sp>

--- a/ipsa/slides/recursion.pptx
+++ b/ipsa/slides/recursion.pptx
@@ -136,7 +136,7 @@
 <file path=ppt/revisionInfo.xml><?xml version="1.0" encoding="utf-8"?>
 <p1510:revInfo xmlns:a="http://schemas.openxmlformats.org/drawingml/2006/main" xmlns:r="http://schemas.openxmlformats.org/officeDocument/2006/relationships" xmlns:p1510="http://schemas.microsoft.com/office/powerpoint/2015/10/main">
   <p1510:revLst>
-    <p1510:client id="{9197687F-18F0-42D4-9B72-DE14A28EAE5C}" v="42" dt="2023-03-12T13:08:21.377"/>
+    <p1510:client id="{C2D62179-613D-4612-B99D-80773BC59D82}" v="1" dt="2024-02-21T08:44:28.631"/>
   </p1510:revLst>
 </p1510:revInfo>
 </file>
@@ -287,6 +287,59 @@
             <ac:graphicFrameMk id="9" creationId="{6B920E13-B858-4396-9BA7-39071AB1F606}"/>
           </ac:graphicFrameMkLst>
         </pc:graphicFrameChg>
+      </pc:sldChg>
+    </pc:docChg>
+  </pc:docChgLst>
+  <pc:docChgLst>
+    <pc:chgData name="Gerth Stølting Brodal" userId="04ef4784-6591-4f86-a140-f5c3b108582a" providerId="ADAL" clId="{C2D62179-613D-4612-B99D-80773BC59D82}"/>
+    <pc:docChg chg="undo custSel modSld">
+      <pc:chgData name="Gerth Stølting Brodal" userId="04ef4784-6591-4f86-a140-f5c3b108582a" providerId="ADAL" clId="{C2D62179-613D-4612-B99D-80773BC59D82}" dt="2024-02-21T09:00:15.555" v="64" actId="313"/>
+      <pc:docMkLst>
+        <pc:docMk/>
+      </pc:docMkLst>
+      <pc:sldChg chg="modNotesTx">
+        <pc:chgData name="Gerth Stølting Brodal" userId="04ef4784-6591-4f86-a140-f5c3b108582a" providerId="ADAL" clId="{C2D62179-613D-4612-B99D-80773BC59D82}" dt="2024-02-21T08:57:32.950" v="56" actId="20577"/>
+        <pc:sldMkLst>
+          <pc:docMk/>
+          <pc:sldMk cId="3354709852" sldId="593"/>
+        </pc:sldMkLst>
+      </pc:sldChg>
+      <pc:sldChg chg="modSp">
+        <pc:chgData name="Gerth Stølting Brodal" userId="04ef4784-6591-4f86-a140-f5c3b108582a" providerId="ADAL" clId="{C2D62179-613D-4612-B99D-80773BC59D82}" dt="2024-02-21T08:44:28.631" v="0" actId="6549"/>
+        <pc:sldMkLst>
+          <pc:docMk/>
+          <pc:sldMk cId="3149368856" sldId="596"/>
+        </pc:sldMkLst>
+        <pc:spChg chg="mod">
+          <ac:chgData name="Gerth Stølting Brodal" userId="04ef4784-6591-4f86-a140-f5c3b108582a" providerId="ADAL" clId="{C2D62179-613D-4612-B99D-80773BC59D82}" dt="2024-02-21T08:44:28.631" v="0" actId="6549"/>
+          <ac:spMkLst>
+            <pc:docMk/>
+            <pc:sldMk cId="3149368856" sldId="596"/>
+            <ac:spMk id="3" creationId="{00000000-0000-0000-0000-000000000000}"/>
+          </ac:spMkLst>
+        </pc:spChg>
+      </pc:sldChg>
+      <pc:sldChg chg="modSp mod">
+        <pc:chgData name="Gerth Stølting Brodal" userId="04ef4784-6591-4f86-a140-f5c3b108582a" providerId="ADAL" clId="{C2D62179-613D-4612-B99D-80773BC59D82}" dt="2024-02-21T09:00:15.555" v="64" actId="313"/>
+        <pc:sldMkLst>
+          <pc:docMk/>
+          <pc:sldMk cId="2518119805" sldId="601"/>
+        </pc:sldMkLst>
+        <pc:graphicFrameChg chg="modGraphic">
+          <ac:chgData name="Gerth Stølting Brodal" userId="04ef4784-6591-4f86-a140-f5c3b108582a" providerId="ADAL" clId="{C2D62179-613D-4612-B99D-80773BC59D82}" dt="2024-02-21T09:00:15.555" v="64" actId="313"/>
+          <ac:graphicFrameMkLst>
+            <pc:docMk/>
+            <pc:sldMk cId="2518119805" sldId="601"/>
+            <ac:graphicFrameMk id="4" creationId="{00000000-0000-0000-0000-000000000000}"/>
+          </ac:graphicFrameMkLst>
+        </pc:graphicFrameChg>
+      </pc:sldChg>
+      <pc:sldChg chg="modNotesTx">
+        <pc:chgData name="Gerth Stølting Brodal" userId="04ef4784-6591-4f86-a140-f5c3b108582a" providerId="ADAL" clId="{C2D62179-613D-4612-B99D-80773BC59D82}" dt="2024-02-21T08:56:09.842" v="15" actId="20577"/>
+        <pc:sldMkLst>
+          <pc:docMk/>
+          <pc:sldMk cId="1429464979" sldId="608"/>
+        </pc:sldMkLst>
       </pc:sldChg>
     </pc:docChg>
   </pc:docChgLst>
@@ -1158,7 +1211,7 @@
           <a:p>
             <a:fld id="{FB1A172F-81D4-4DC4-9113-1DBD56EC3646}" type="datetimeFigureOut">
               <a:rPr lang="en-US" smtClean="0"/>
-              <a:t>3/13/2023</a:t>
+              <a:t>2/21/2024</a:t>
             </a:fld>
             <a:endParaRPr lang="en-US"/>
           </a:p>
@@ -1579,34 +1632,39 @@
           <a:lstStyle/>
           <a:p>
             <a:r>
-              <a:rPr lang="en-US" sz="1200" b="1" baseline="0" dirty="0">
-                <a:latin typeface="Courier New" panose="02070309020205020404" pitchFamily="49" charset="0"/>
-                <a:cs typeface="Courier New" panose="02070309020205020404" pitchFamily="49" charset="0"/>
-              </a:rPr>
-              <a:t>Replacing  “</a:t>
-            </a:r>
-            <a:r>
-              <a:rPr lang="en-US" sz="1200" b="1" baseline="0" dirty="0" err="1">
-                <a:latin typeface="Courier New" panose="02070309020205020404" pitchFamily="49" charset="0"/>
-                <a:cs typeface="Courier New" panose="02070309020205020404" pitchFamily="49" charset="0"/>
-              </a:rPr>
-              <a:t>leaves.add</a:t>
-            </a:r>
-            <a:r>
-              <a:rPr lang="en-US" sz="1200" b="1" baseline="0" dirty="0">
-                <a:latin typeface="Courier New" panose="02070309020205020404" pitchFamily="49" charset="0"/>
-                <a:cs typeface="Courier New" panose="02070309020205020404" pitchFamily="49" charset="0"/>
-              </a:rPr>
-              <a:t>(tree)” by “leaves |= {tree}” requires “nonlocal”, since otherwise leaves is assumed to be a local variable, due to </a:t>
-            </a:r>
-            <a:r>
-              <a:rPr lang="en-US" sz="1200" b="1" baseline="0">
-                <a:latin typeface="Courier New" panose="02070309020205020404" pitchFamily="49" charset="0"/>
-                <a:cs typeface="Courier New" panose="02070309020205020404" pitchFamily="49" charset="0"/>
-              </a:rPr>
-              <a:t>the assignment.</a:t>
-            </a:r>
-            <a:endParaRPr lang="da-DK" dirty="0"/>
+              <a:rPr lang="en-US" dirty="0" err="1"/>
+              <a:t>binomial_A</a:t>
+            </a:r>
+            <a:r>
+              <a:rPr lang="en-US" baseline="0" dirty="0"/>
+              <a:t>, temporary result is not integer,</a:t>
+            </a:r>
+          </a:p>
+          <a:p>
+            <a:r>
+              <a:rPr lang="en-US" baseline="0" dirty="0"/>
+              <a:t>replace // with / will compute with floats,</a:t>
+            </a:r>
+          </a:p>
+          <a:p>
+            <a:r>
+              <a:rPr lang="en-US" dirty="0"/>
+              <a:t>&gt;&gt;&gt; print(f'{</a:t>
+            </a:r>
+            <a:r>
+              <a:rPr lang="en-US" dirty="0" err="1"/>
+              <a:t>binomial_A</a:t>
+            </a:r>
+            <a:r>
+              <a:rPr lang="en-US" dirty="0"/>
+              <a:t>(8,5):0.30f}')</a:t>
+            </a:r>
+          </a:p>
+          <a:p>
+            <a:r>
+              <a:rPr lang="en-US" dirty="0"/>
+              <a:t>56.000000000000007105427357601002</a:t>
+            </a:r>
           </a:p>
         </p:txBody>
       </p:sp>
@@ -1617,7 +1675,7 @@
             <a:spLocks noGrp="1"/>
           </p:cNvSpPr>
           <p:nvPr>
-            <p:ph type="sldNum" sz="quarter" idx="5"/>
+            <p:ph type="sldNum" sz="quarter" idx="10"/>
           </p:nvPr>
         </p:nvSpPr>
         <p:spPr/>
@@ -1627,7 +1685,7 @@
           <a:p>
             <a:fld id="{CD563DD8-32AB-41BE-B1C6-8EAC45222ACE}" type="slidenum">
               <a:rPr lang="en-US" smtClean="0"/>
-              <a:t>16</a:t>
+              <a:t>12</a:t>
             </a:fld>
             <a:endParaRPr lang="en-US"/>
           </a:p>
@@ -1636,7 +1694,7 @@
     </p:spTree>
     <p:extLst>
       <p:ext uri="{BB962C8B-B14F-4D97-AF65-F5344CB8AC3E}">
-        <p14:creationId xmlns:p14="http://schemas.microsoft.com/office/powerpoint/2010/main" val="3746329629"/>
+        <p14:creationId xmlns:p14="http://schemas.microsoft.com/office/powerpoint/2010/main" val="1522919810"/>
       </p:ext>
     </p:extLst>
   </p:cSld>
@@ -1691,80 +1749,34 @@
           <a:lstStyle/>
           <a:p>
             <a:r>
-              <a:rPr lang="en-US" dirty="0"/>
-              <a:t>Warning: </a:t>
-            </a:r>
-            <a:r>
-              <a:rPr lang="en-US" dirty="0" err="1"/>
-              <a:t>Behaviour</a:t>
-            </a:r>
-            <a:r>
-              <a:rPr lang="en-US" dirty="0"/>
-              <a:t> different on Windows and Mac</a:t>
-            </a:r>
-          </a:p>
-          <a:p>
-            <a:endParaRPr lang="en-US" dirty="0"/>
-          </a:p>
-          <a:p>
-            <a:r>
-              <a:rPr lang="en-US" dirty="0"/>
-              <a:t>In creasing recursion depth can cause the program to crash. On windows the following </a:t>
-            </a:r>
-            <a:r>
-              <a:rPr lang="en-US"/>
-              <a:t>crashes around depth 1935 !!!.</a:t>
-            </a:r>
-            <a:endParaRPr lang="en-US" dirty="0"/>
-          </a:p>
-          <a:p>
-            <a:r>
-              <a:rPr lang="fr-FR" dirty="0"/>
-              <a:t>import </a:t>
-            </a:r>
-            <a:r>
-              <a:rPr lang="fr-FR" dirty="0" err="1"/>
-              <a:t>sys</a:t>
-            </a:r>
-            <a:endParaRPr lang="fr-FR" dirty="0"/>
-          </a:p>
-          <a:p>
-            <a:r>
-              <a:rPr lang="fr-FR" dirty="0" err="1"/>
-              <a:t>sys.setrecursionlimit</a:t>
-            </a:r>
-            <a:r>
-              <a:rPr lang="fr-FR" dirty="0"/>
-              <a:t>(2000)</a:t>
-            </a:r>
-          </a:p>
-          <a:p>
-            <a:r>
-              <a:rPr lang="fr-FR" dirty="0" err="1"/>
-              <a:t>def</a:t>
-            </a:r>
-            <a:r>
-              <a:rPr lang="fr-FR" dirty="0"/>
-              <a:t> f(x): </a:t>
-            </a:r>
-            <a:r>
-              <a:rPr lang="fr-FR" dirty="0" err="1"/>
-              <a:t>print</a:t>
-            </a:r>
-            <a:r>
-              <a:rPr lang="fr-FR" dirty="0"/>
-              <a:t>(x); f(x + 1)</a:t>
-            </a:r>
-          </a:p>
-          <a:p>
-            <a:endParaRPr lang="fr-FR" dirty="0"/>
-          </a:p>
-          <a:p>
-            <a:r>
-              <a:rPr lang="fr-FR" dirty="0"/>
-              <a:t>f(0)</a:t>
-            </a:r>
-            <a:endParaRPr lang="en-US" dirty="0"/>
+              <a:rPr lang="en-US" sz="1200" b="1" baseline="0" dirty="0">
+                <a:latin typeface="Courier New" panose="02070309020205020404" pitchFamily="49" charset="0"/>
+                <a:cs typeface="Courier New" panose="02070309020205020404" pitchFamily="49" charset="0"/>
+              </a:rPr>
+              <a:t>Replacing  “</a:t>
+            </a:r>
+            <a:r>
+              <a:rPr lang="en-US" sz="1200" b="1" baseline="0" dirty="0" err="1">
+                <a:latin typeface="Courier New" panose="02070309020205020404" pitchFamily="49" charset="0"/>
+                <a:cs typeface="Courier New" panose="02070309020205020404" pitchFamily="49" charset="0"/>
+              </a:rPr>
+              <a:t>leaves.add</a:t>
+            </a:r>
+            <a:r>
+              <a:rPr lang="en-US" sz="1200" b="1" baseline="0" dirty="0">
+                <a:latin typeface="Courier New" panose="02070309020205020404" pitchFamily="49" charset="0"/>
+                <a:cs typeface="Courier New" panose="02070309020205020404" pitchFamily="49" charset="0"/>
+              </a:rPr>
+              <a:t>(tree)” by “leaves |= {tree}” requires “nonlocal”, since otherwise leaves is assumed to be a local variable, due to </a:t>
+            </a:r>
+            <a:r>
+              <a:rPr lang="en-US" sz="1200" b="1" baseline="0">
+                <a:latin typeface="Courier New" panose="02070309020205020404" pitchFamily="49" charset="0"/>
+                <a:cs typeface="Courier New" panose="02070309020205020404" pitchFamily="49" charset="0"/>
+              </a:rPr>
+              <a:t>the assignment.</a:t>
+            </a:r>
+            <a:endParaRPr lang="da-DK" dirty="0"/>
           </a:p>
         </p:txBody>
       </p:sp>
@@ -1785,7 +1797,7 @@
           <a:p>
             <a:fld id="{CD563DD8-32AB-41BE-B1C6-8EAC45222ACE}" type="slidenum">
               <a:rPr lang="en-US" smtClean="0"/>
-              <a:t>17</a:t>
+              <a:t>16</a:t>
             </a:fld>
             <a:endParaRPr lang="en-US"/>
           </a:p>
@@ -1794,7 +1806,7 @@
     </p:spTree>
     <p:extLst>
       <p:ext uri="{BB962C8B-B14F-4D97-AF65-F5344CB8AC3E}">
-        <p14:creationId xmlns:p14="http://schemas.microsoft.com/office/powerpoint/2010/main" val="3905941004"/>
+        <p14:creationId xmlns:p14="http://schemas.microsoft.com/office/powerpoint/2010/main" val="3746329629"/>
       </p:ext>
     </p:extLst>
   </p:cSld>
@@ -1850,6 +1862,164 @@
           <a:p>
             <a:r>
               <a:rPr lang="en-US" dirty="0"/>
+              <a:t>Warning: </a:t>
+            </a:r>
+            <a:r>
+              <a:rPr lang="en-US" dirty="0" err="1"/>
+              <a:t>Behaviour</a:t>
+            </a:r>
+            <a:r>
+              <a:rPr lang="en-US" dirty="0"/>
+              <a:t> different on Windows and Mac</a:t>
+            </a:r>
+          </a:p>
+          <a:p>
+            <a:endParaRPr lang="en-US" dirty="0"/>
+          </a:p>
+          <a:p>
+            <a:r>
+              <a:rPr lang="en-US" dirty="0"/>
+              <a:t>In creasing recursion depth can cause the program to crash. On windows the following </a:t>
+            </a:r>
+            <a:r>
+              <a:rPr lang="en-US"/>
+              <a:t>crashes around depth 1935 !!!.</a:t>
+            </a:r>
+            <a:endParaRPr lang="en-US" dirty="0"/>
+          </a:p>
+          <a:p>
+            <a:r>
+              <a:rPr lang="fr-FR" dirty="0"/>
+              <a:t>import </a:t>
+            </a:r>
+            <a:r>
+              <a:rPr lang="fr-FR" dirty="0" err="1"/>
+              <a:t>sys</a:t>
+            </a:r>
+            <a:endParaRPr lang="fr-FR" dirty="0"/>
+          </a:p>
+          <a:p>
+            <a:r>
+              <a:rPr lang="fr-FR" dirty="0" err="1"/>
+              <a:t>sys.setrecursionlimit</a:t>
+            </a:r>
+            <a:r>
+              <a:rPr lang="fr-FR" dirty="0"/>
+              <a:t>(2000)</a:t>
+            </a:r>
+          </a:p>
+          <a:p>
+            <a:r>
+              <a:rPr lang="fr-FR" dirty="0" err="1"/>
+              <a:t>def</a:t>
+            </a:r>
+            <a:r>
+              <a:rPr lang="fr-FR" dirty="0"/>
+              <a:t> f(x): </a:t>
+            </a:r>
+            <a:r>
+              <a:rPr lang="fr-FR" dirty="0" err="1"/>
+              <a:t>print</a:t>
+            </a:r>
+            <a:r>
+              <a:rPr lang="fr-FR" dirty="0"/>
+              <a:t>(x); f(x + 1)</a:t>
+            </a:r>
+          </a:p>
+          <a:p>
+            <a:endParaRPr lang="fr-FR" dirty="0"/>
+          </a:p>
+          <a:p>
+            <a:r>
+              <a:rPr lang="fr-FR" dirty="0"/>
+              <a:t>f(0)</a:t>
+            </a:r>
+            <a:endParaRPr lang="en-US" dirty="0"/>
+          </a:p>
+        </p:txBody>
+      </p:sp>
+      <p:sp>
+        <p:nvSpPr>
+          <p:cNvPr id="4" name="Slide Number Placeholder 3"/>
+          <p:cNvSpPr>
+            <a:spLocks noGrp="1"/>
+          </p:cNvSpPr>
+          <p:nvPr>
+            <p:ph type="sldNum" sz="quarter" idx="5"/>
+          </p:nvPr>
+        </p:nvSpPr>
+        <p:spPr/>
+        <p:txBody>
+          <a:bodyPr/>
+          <a:lstStyle/>
+          <a:p>
+            <a:fld id="{CD563DD8-32AB-41BE-B1C6-8EAC45222ACE}" type="slidenum">
+              <a:rPr lang="en-US" smtClean="0"/>
+              <a:t>17</a:t>
+            </a:fld>
+            <a:endParaRPr lang="en-US"/>
+          </a:p>
+        </p:txBody>
+      </p:sp>
+    </p:spTree>
+    <p:extLst>
+      <p:ext uri="{BB962C8B-B14F-4D97-AF65-F5344CB8AC3E}">
+        <p14:creationId xmlns:p14="http://schemas.microsoft.com/office/powerpoint/2010/main" val="3905941004"/>
+      </p:ext>
+    </p:extLst>
+  </p:cSld>
+  <p:clrMapOvr>
+    <a:masterClrMapping/>
+  </p:clrMapOvr>
+</p:notes>
+</file>
+
+<file path=ppt/notesSlides/notesSlide13.xml><?xml version="1.0" encoding="utf-8"?>
+<p:notes xmlns:a="http://schemas.openxmlformats.org/drawingml/2006/main" xmlns:r="http://schemas.openxmlformats.org/officeDocument/2006/relationships" xmlns:p="http://schemas.openxmlformats.org/presentationml/2006/main">
+  <p:cSld>
+    <p:spTree>
+      <p:nvGrpSpPr>
+        <p:cNvPr id="1" name=""/>
+        <p:cNvGrpSpPr/>
+        <p:nvPr/>
+      </p:nvGrpSpPr>
+      <p:grpSpPr>
+        <a:xfrm>
+          <a:off x="0" y="0"/>
+          <a:ext cx="0" cy="0"/>
+          <a:chOff x="0" y="0"/>
+          <a:chExt cx="0" cy="0"/>
+        </a:xfrm>
+      </p:grpSpPr>
+      <p:sp>
+        <p:nvSpPr>
+          <p:cNvPr id="2" name="Slide Image Placeholder 1"/>
+          <p:cNvSpPr>
+            <a:spLocks noGrp="1" noRot="1" noChangeAspect="1"/>
+          </p:cNvSpPr>
+          <p:nvPr>
+            <p:ph type="sldImg"/>
+          </p:nvPr>
+        </p:nvSpPr>
+        <p:spPr/>
+      </p:sp>
+      <p:sp>
+        <p:nvSpPr>
+          <p:cNvPr id="3" name="Notes Placeholder 2"/>
+          <p:cNvSpPr>
+            <a:spLocks noGrp="1"/>
+          </p:cNvSpPr>
+          <p:nvPr>
+            <p:ph type="body" idx="1"/>
+          </p:nvPr>
+        </p:nvSpPr>
+        <p:spPr/>
+        <p:txBody>
+          <a:bodyPr/>
+          <a:lstStyle/>
+          <a:p>
+            <a:r>
+              <a:rPr lang="en-US" dirty="0"/>
               <a:t>Concatenates list using +</a:t>
             </a:r>
           </a:p>
@@ -1891,7 +2061,7 @@
 </p:notes>
 </file>
 
-<file path=ppt/notesSlides/notesSlide13.xml><?xml version="1.0" encoding="utf-8"?>
+<file path=ppt/notesSlides/notesSlide14.xml><?xml version="1.0" encoding="utf-8"?>
 <p:notes xmlns:a="http://schemas.openxmlformats.org/drawingml/2006/main" xmlns:r="http://schemas.openxmlformats.org/officeDocument/2006/relationships" xmlns:p="http://schemas.openxmlformats.org/presentationml/2006/main">
   <p:cSld>
     <p:spTree>
@@ -2774,10 +2944,9 @@
               <a:t>result</a:t>
             </a:r>
             <a:r>
-              <a:rPr lang="da-DK"/>
+              <a:rPr lang="da-DK" dirty="0"/>
               <a:t>” variable</a:t>
             </a:r>
-            <a:endParaRPr lang="da-DK" dirty="0"/>
           </a:p>
           <a:p>
             <a:endParaRPr lang="da-DK" dirty="0"/>
@@ -2881,7 +3050,15 @@
             </a:r>
             <a:r>
               <a:rPr lang="da-DK" b="0" dirty="0"/>
-              <a:t> procedure</a:t>
+              <a:t> procedure (</a:t>
+            </a:r>
+            <a:r>
+              <a:rPr lang="da-DK" b="0" dirty="0" err="1"/>
+              <a:t>see</a:t>
+            </a:r>
+            <a:r>
+              <a:rPr lang="da-DK" b="0" dirty="0"/>
+              <a:t> slides)</a:t>
             </a:r>
             <a:endParaRPr lang="da-DK" b="1" dirty="0"/>
           </a:p>
@@ -2968,38 +3145,16 @@
           <a:lstStyle/>
           <a:p>
             <a:r>
-              <a:rPr lang="en-US" dirty="0" err="1"/>
-              <a:t>binomial_A</a:t>
-            </a:r>
-            <a:r>
-              <a:rPr lang="en-US" baseline="0" dirty="0"/>
-              <a:t>, temporary result is not integer,</a:t>
-            </a:r>
-          </a:p>
-          <a:p>
-            <a:r>
-              <a:rPr lang="en-US" baseline="0" dirty="0"/>
-              <a:t>replace // with / will compute with floats,</a:t>
-            </a:r>
-          </a:p>
-          <a:p>
-            <a:r>
-              <a:rPr lang="en-US" dirty="0"/>
-              <a:t>&gt;&gt;&gt; print(f'{</a:t>
-            </a:r>
-            <a:r>
-              <a:rPr lang="en-US" dirty="0" err="1"/>
-              <a:t>binomial_A</a:t>
-            </a:r>
-            <a:r>
-              <a:rPr lang="en-US" dirty="0"/>
-              <a:t>(8,5):0.30f}')</a:t>
-            </a:r>
-          </a:p>
-          <a:p>
-            <a:r>
-              <a:rPr lang="en-US" dirty="0"/>
-              <a:t>56.000000000000007105427357601002</a:t>
+              <a:rPr lang="da-DK" dirty="0"/>
+              <a:t>Note: No base case </a:t>
+            </a:r>
+            <a:r>
+              <a:rPr lang="da-DK" dirty="0" err="1"/>
+              <a:t>necessary</a:t>
+            </a:r>
+            <a:r>
+              <a:rPr lang="da-DK" dirty="0"/>
+              <a:t> for n==k</a:t>
             </a:r>
           </a:p>
         </p:txBody>
@@ -3011,7 +3166,7 @@
             <a:spLocks noGrp="1"/>
           </p:cNvSpPr>
           <p:nvPr>
-            <p:ph type="sldNum" sz="quarter" idx="10"/>
+            <p:ph type="sldNum" sz="quarter" idx="5"/>
           </p:nvPr>
         </p:nvSpPr>
         <p:spPr/>
@@ -3021,7 +3176,7 @@
           <a:p>
             <a:fld id="{CD563DD8-32AB-41BE-B1C6-8EAC45222ACE}" type="slidenum">
               <a:rPr lang="en-US" smtClean="0"/>
-              <a:t>12</a:t>
+              <a:t>11</a:t>
             </a:fld>
             <a:endParaRPr lang="en-US"/>
           </a:p>
@@ -3030,7 +3185,7 @@
     </p:spTree>
     <p:extLst>
       <p:ext uri="{BB962C8B-B14F-4D97-AF65-F5344CB8AC3E}">
-        <p14:creationId xmlns:p14="http://schemas.microsoft.com/office/powerpoint/2010/main" val="1522919810"/>
+        <p14:creationId xmlns:p14="http://schemas.microsoft.com/office/powerpoint/2010/main" val="148723658"/>
       </p:ext>
     </p:extLst>
   </p:cSld>
@@ -3177,7 +3332,7 @@
           <a:p>
             <a:fld id="{0560A9CD-0304-4E0B-9E82-E7E0115DE05B}" type="datetimeFigureOut">
               <a:rPr lang="en-US" smtClean="0"/>
-              <a:t>3/13/2023</a:t>
+              <a:t>2/21/2024</a:t>
             </a:fld>
             <a:endParaRPr lang="en-US"/>
           </a:p>
@@ -3345,7 +3500,7 @@
           <a:p>
             <a:fld id="{0560A9CD-0304-4E0B-9E82-E7E0115DE05B}" type="datetimeFigureOut">
               <a:rPr lang="en-US" smtClean="0"/>
-              <a:t>3/13/2023</a:t>
+              <a:t>2/21/2024</a:t>
             </a:fld>
             <a:endParaRPr lang="en-US"/>
           </a:p>
@@ -3523,7 +3678,7 @@
           <a:p>
             <a:fld id="{0560A9CD-0304-4E0B-9E82-E7E0115DE05B}" type="datetimeFigureOut">
               <a:rPr lang="en-US" smtClean="0"/>
-              <a:t>3/13/2023</a:t>
+              <a:t>2/21/2024</a:t>
             </a:fld>
             <a:endParaRPr lang="en-US"/>
           </a:p>
@@ -3706,7 +3861,7 @@
           <a:p>
             <a:fld id="{0560A9CD-0304-4E0B-9E82-E7E0115DE05B}" type="datetimeFigureOut">
               <a:rPr lang="en-US" smtClean="0"/>
-              <a:t>3/13/2023</a:t>
+              <a:t>2/21/2024</a:t>
             </a:fld>
             <a:endParaRPr lang="en-US"/>
           </a:p>
@@ -3951,7 +4106,7 @@
           <a:p>
             <a:fld id="{0560A9CD-0304-4E0B-9E82-E7E0115DE05B}" type="datetimeFigureOut">
               <a:rPr lang="en-US" smtClean="0"/>
-              <a:t>3/13/2023</a:t>
+              <a:t>2/21/2024</a:t>
             </a:fld>
             <a:endParaRPr lang="en-US"/>
           </a:p>
@@ -4180,7 +4335,7 @@
           <a:p>
             <a:fld id="{0560A9CD-0304-4E0B-9E82-E7E0115DE05B}" type="datetimeFigureOut">
               <a:rPr lang="en-US" smtClean="0"/>
-              <a:t>3/13/2023</a:t>
+              <a:t>2/21/2024</a:t>
             </a:fld>
             <a:endParaRPr lang="en-US"/>
           </a:p>
@@ -4544,7 +4699,7 @@
           <a:p>
             <a:fld id="{0560A9CD-0304-4E0B-9E82-E7E0115DE05B}" type="datetimeFigureOut">
               <a:rPr lang="en-US" smtClean="0"/>
-              <a:t>3/13/2023</a:t>
+              <a:t>2/21/2024</a:t>
             </a:fld>
             <a:endParaRPr lang="en-US"/>
           </a:p>
@@ -4661,7 +4816,7 @@
           <a:p>
             <a:fld id="{0560A9CD-0304-4E0B-9E82-E7E0115DE05B}" type="datetimeFigureOut">
               <a:rPr lang="en-US" smtClean="0"/>
-              <a:t>3/13/2023</a:t>
+              <a:t>2/21/2024</a:t>
             </a:fld>
             <a:endParaRPr lang="en-US"/>
           </a:p>
@@ -4756,7 +4911,7 @@
           <a:p>
             <a:fld id="{0560A9CD-0304-4E0B-9E82-E7E0115DE05B}" type="datetimeFigureOut">
               <a:rPr lang="en-US" smtClean="0"/>
-              <a:t>3/13/2023</a:t>
+              <a:t>2/21/2024</a:t>
             </a:fld>
             <a:endParaRPr lang="en-US"/>
           </a:p>
@@ -5031,7 +5186,7 @@
           <a:p>
             <a:fld id="{0560A9CD-0304-4E0B-9E82-E7E0115DE05B}" type="datetimeFigureOut">
               <a:rPr lang="en-US" smtClean="0"/>
-              <a:t>3/13/2023</a:t>
+              <a:t>2/21/2024</a:t>
             </a:fld>
             <a:endParaRPr lang="en-US"/>
           </a:p>
@@ -5283,7 +5438,7 @@
           <a:p>
             <a:fld id="{0560A9CD-0304-4E0B-9E82-E7E0115DE05B}" type="datetimeFigureOut">
               <a:rPr lang="en-US" smtClean="0"/>
-              <a:t>3/13/2023</a:t>
+              <a:t>2/21/2024</a:t>
             </a:fld>
             <a:endParaRPr lang="en-US"/>
           </a:p>
@@ -5494,7 +5649,7 @@
           <a:p>
             <a:fld id="{0560A9CD-0304-4E0B-9E82-E7E0115DE05B}" type="datetimeFigureOut">
               <a:rPr lang="en-US" smtClean="0"/>
-              <a:t>3/13/2023</a:t>
+              <a:t>2/21/2024</a:t>
             </a:fld>
             <a:endParaRPr lang="en-US"/>
           </a:p>
@@ -7135,7 +7290,7 @@
             </p:nvSpPr>
             <p:spPr>
               <a:blipFill>
-                <a:blip r:embed="rId2"/>
+                <a:blip r:embed="rId3"/>
                 <a:stretch>
                   <a:fillRect l="-2377"/>
                 </a:stretch>
@@ -7782,7 +7937,7 @@
                 <a:ext cx="11223357" cy="4871486"/>
               </a:xfrm>
               <a:blipFill>
-                <a:blip r:embed="rId3"/>
+                <a:blip r:embed="rId4"/>
                 <a:stretch>
                   <a:fillRect l="-978" b="-1001"/>
                 </a:stretch>
@@ -10077,7 +10232,7 @@
           <p:nvPr>
             <p:extLst>
               <p:ext uri="{D42A27DB-BD31-4B8C-83A1-F6EECF244321}">
-                <p14:modId xmlns:p14="http://schemas.microsoft.com/office/powerpoint/2010/main" val="142945393"/>
+                <p14:modId xmlns:p14="http://schemas.microsoft.com/office/powerpoint/2010/main" val="554104387"/>
               </p:ext>
             </p:extLst>
           </p:nvPr>
@@ -10295,7 +10450,21 @@
                           <a:latin typeface="Courier New" panose="02070309020205020404" pitchFamily="49" charset="0"/>
                           <a:cs typeface="Courier New" panose="02070309020205020404" pitchFamily="49" charset="0"/>
                         </a:rPr>
-                        <a:t>          print("Leaf:", tree)</a:t>
+                        <a:t>          </a:t>
+                      </a:r>
+                      <a:r>
+                        <a:rPr lang="en-US" sz="2000" b="1" baseline="0">
+                          <a:latin typeface="Courier New" panose="02070309020205020404" pitchFamily="49" charset="0"/>
+                          <a:cs typeface="Courier New" panose="02070309020205020404" pitchFamily="49" charset="0"/>
+                        </a:rPr>
+                        <a:t>print('Leaf:', </a:t>
+                      </a:r>
+                      <a:r>
+                        <a:rPr lang="en-US" sz="2000" b="1" baseline="0" dirty="0">
+                          <a:latin typeface="Courier New" panose="02070309020205020404" pitchFamily="49" charset="0"/>
+                          <a:cs typeface="Courier New" panose="02070309020205020404" pitchFamily="49" charset="0"/>
+                        </a:rPr>
+                        <a:t>tree)</a:t>
                       </a:r>
                     </a:p>
                     <a:p>
@@ -23484,7 +23653,7 @@
             <a:pPr algn="ctr"/>
             <a:r>
               <a:rPr lang="da-DK" dirty="0" err="1"/>
-              <a:t>Recursions</a:t>
+              <a:t>Recursion</a:t>
             </a:r>
             <a:r>
               <a:rPr lang="da-DK" dirty="0"/>

--- a/ipsa/slides/recursion.pptx
+++ b/ipsa/slides/recursion.pptx
@@ -136,7 +136,7 @@
 <file path=ppt/revisionInfo.xml><?xml version="1.0" encoding="utf-8"?>
 <p1510:revInfo xmlns:a="http://schemas.openxmlformats.org/drawingml/2006/main" xmlns:r="http://schemas.openxmlformats.org/officeDocument/2006/relationships" xmlns:p1510="http://schemas.microsoft.com/office/powerpoint/2015/10/main">
   <p1510:revLst>
-    <p1510:client id="{C2D62179-613D-4612-B99D-80773BC59D82}" v="1" dt="2024-02-21T08:44:28.631"/>
+    <p1510:client id="{C2D62179-613D-4612-B99D-80773BC59D82}" v="2" dt="2024-02-26T08:09:34.899"/>
   </p1510:revLst>
 </p1510:revInfo>
 </file>
@@ -293,16 +293,46 @@
   <pc:docChgLst>
     <pc:chgData name="Gerth Stølting Brodal" userId="04ef4784-6591-4f86-a140-f5c3b108582a" providerId="ADAL" clId="{C2D62179-613D-4612-B99D-80773BC59D82}"/>
     <pc:docChg chg="undo custSel modSld">
-      <pc:chgData name="Gerth Stølting Brodal" userId="04ef4784-6591-4f86-a140-f5c3b108582a" providerId="ADAL" clId="{C2D62179-613D-4612-B99D-80773BC59D82}" dt="2024-02-21T09:00:15.555" v="64" actId="313"/>
+      <pc:chgData name="Gerth Stølting Brodal" userId="04ef4784-6591-4f86-a140-f5c3b108582a" providerId="ADAL" clId="{C2D62179-613D-4612-B99D-80773BC59D82}" dt="2024-02-26T08:09:34.899" v="90"/>
       <pc:docMkLst>
         <pc:docMk/>
       </pc:docMkLst>
       <pc:sldChg chg="modNotesTx">
-        <pc:chgData name="Gerth Stølting Brodal" userId="04ef4784-6591-4f86-a140-f5c3b108582a" providerId="ADAL" clId="{C2D62179-613D-4612-B99D-80773BC59D82}" dt="2024-02-21T08:57:32.950" v="56" actId="20577"/>
+        <pc:chgData name="Gerth Stølting Brodal" userId="04ef4784-6591-4f86-a140-f5c3b108582a" providerId="ADAL" clId="{C2D62179-613D-4612-B99D-80773BC59D82}" dt="2024-02-26T08:07:05.182" v="89" actId="6549"/>
+        <pc:sldMkLst>
+          <pc:docMk/>
+          <pc:sldMk cId="567584679" sldId="587"/>
+        </pc:sldMkLst>
+      </pc:sldChg>
+      <pc:sldChg chg="modSp mod">
+        <pc:chgData name="Gerth Stølting Brodal" userId="04ef4784-6591-4f86-a140-f5c3b108582a" providerId="ADAL" clId="{C2D62179-613D-4612-B99D-80773BC59D82}" dt="2024-02-26T07:51:58.368" v="82" actId="207"/>
+        <pc:sldMkLst>
+          <pc:docMk/>
+          <pc:sldMk cId="1526489455" sldId="592"/>
+        </pc:sldMkLst>
+        <pc:graphicFrameChg chg="modGraphic">
+          <ac:chgData name="Gerth Stølting Brodal" userId="04ef4784-6591-4f86-a140-f5c3b108582a" providerId="ADAL" clId="{C2D62179-613D-4612-B99D-80773BC59D82}" dt="2024-02-26T07:51:58.368" v="82" actId="207"/>
+          <ac:graphicFrameMkLst>
+            <pc:docMk/>
+            <pc:sldMk cId="1526489455" sldId="592"/>
+            <ac:graphicFrameMk id="4" creationId="{00000000-0000-0000-0000-000000000000}"/>
+          </ac:graphicFrameMkLst>
+        </pc:graphicFrameChg>
+      </pc:sldChg>
+      <pc:sldChg chg="modSp mod modNotesTx">
+        <pc:chgData name="Gerth Stølting Brodal" userId="04ef4784-6591-4f86-a140-f5c3b108582a" providerId="ADAL" clId="{C2D62179-613D-4612-B99D-80773BC59D82}" dt="2024-02-26T07:52:13.521" v="85" actId="207"/>
         <pc:sldMkLst>
           <pc:docMk/>
           <pc:sldMk cId="3354709852" sldId="593"/>
         </pc:sldMkLst>
+        <pc:graphicFrameChg chg="modGraphic">
+          <ac:chgData name="Gerth Stølting Brodal" userId="04ef4784-6591-4f86-a140-f5c3b108582a" providerId="ADAL" clId="{C2D62179-613D-4612-B99D-80773BC59D82}" dt="2024-02-26T07:52:13.521" v="85" actId="207"/>
+          <ac:graphicFrameMkLst>
+            <pc:docMk/>
+            <pc:sldMk cId="3354709852" sldId="593"/>
+            <ac:graphicFrameMk id="4" creationId="{00000000-0000-0000-0000-000000000000}"/>
+          </ac:graphicFrameMkLst>
+        </pc:graphicFrameChg>
       </pc:sldChg>
       <pc:sldChg chg="modSp">
         <pc:chgData name="Gerth Stølting Brodal" userId="04ef4784-6591-4f86-a140-f5c3b108582a" providerId="ADAL" clId="{C2D62179-613D-4612-B99D-80773BC59D82}" dt="2024-02-21T08:44:28.631" v="0" actId="6549"/>
@@ -333,6 +363,28 @@
             <ac:graphicFrameMk id="4" creationId="{00000000-0000-0000-0000-000000000000}"/>
           </ac:graphicFrameMkLst>
         </pc:graphicFrameChg>
+      </pc:sldChg>
+      <pc:sldChg chg="modSp mod">
+        <pc:chgData name="Gerth Stølting Brodal" userId="04ef4784-6591-4f86-a140-f5c3b108582a" providerId="ADAL" clId="{C2D62179-613D-4612-B99D-80773BC59D82}" dt="2024-02-25T19:04:53.683" v="76" actId="6549"/>
+        <pc:sldMkLst>
+          <pc:docMk/>
+          <pc:sldMk cId="1045497289" sldId="602"/>
+        </pc:sldMkLst>
+        <pc:graphicFrameChg chg="modGraphic">
+          <ac:chgData name="Gerth Stølting Brodal" userId="04ef4784-6591-4f86-a140-f5c3b108582a" providerId="ADAL" clId="{C2D62179-613D-4612-B99D-80773BC59D82}" dt="2024-02-25T19:04:53.683" v="76" actId="6549"/>
+          <ac:graphicFrameMkLst>
+            <pc:docMk/>
+            <pc:sldMk cId="1045497289" sldId="602"/>
+            <ac:graphicFrameMk id="4" creationId="{00000000-0000-0000-0000-000000000000}"/>
+          </ac:graphicFrameMkLst>
+        </pc:graphicFrameChg>
+      </pc:sldChg>
+      <pc:sldChg chg="modAnim">
+        <pc:chgData name="Gerth Stølting Brodal" userId="04ef4784-6591-4f86-a140-f5c3b108582a" providerId="ADAL" clId="{C2D62179-613D-4612-B99D-80773BC59D82}" dt="2024-02-26T08:09:34.899" v="90"/>
+        <pc:sldMkLst>
+          <pc:docMk/>
+          <pc:sldMk cId="1220840155" sldId="606"/>
+        </pc:sldMkLst>
       </pc:sldChg>
       <pc:sldChg chg="modNotesTx">
         <pc:chgData name="Gerth Stølting Brodal" userId="04ef4784-6591-4f86-a140-f5c3b108582a" providerId="ADAL" clId="{C2D62179-613D-4612-B99D-80773BC59D82}" dt="2024-02-21T08:56:09.842" v="15" actId="20577"/>
@@ -1211,7 +1263,7 @@
           <a:p>
             <a:fld id="{FB1A172F-81D4-4DC4-9113-1DBD56EC3646}" type="datetimeFigureOut">
               <a:rPr lang="en-US" smtClean="0"/>
-              <a:t>2/21/2024</a:t>
+              <a:t>2/26/2024</a:t>
             </a:fld>
             <a:endParaRPr lang="en-US"/>
           </a:p>
@@ -1879,62 +1931,8 @@
           <a:p>
             <a:r>
               <a:rPr lang="en-US" dirty="0"/>
-              <a:t>In creasing recursion depth can cause the program to crash. On windows the following </a:t>
-            </a:r>
-            <a:r>
-              <a:rPr lang="en-US"/>
-              <a:t>crashes around depth 1935 !!!.</a:t>
-            </a:r>
-            <a:endParaRPr lang="en-US" dirty="0"/>
-          </a:p>
-          <a:p>
-            <a:r>
-              <a:rPr lang="fr-FR" dirty="0"/>
-              <a:t>import </a:t>
-            </a:r>
-            <a:r>
-              <a:rPr lang="fr-FR" dirty="0" err="1"/>
-              <a:t>sys</a:t>
-            </a:r>
-            <a:endParaRPr lang="fr-FR" dirty="0"/>
-          </a:p>
-          <a:p>
-            <a:r>
-              <a:rPr lang="fr-FR" dirty="0" err="1"/>
-              <a:t>sys.setrecursionlimit</a:t>
-            </a:r>
-            <a:r>
-              <a:rPr lang="fr-FR" dirty="0"/>
-              <a:t>(2000)</a:t>
-            </a:r>
-          </a:p>
-          <a:p>
-            <a:r>
-              <a:rPr lang="fr-FR" dirty="0" err="1"/>
-              <a:t>def</a:t>
-            </a:r>
-            <a:r>
-              <a:rPr lang="fr-FR" dirty="0"/>
-              <a:t> f(x): </a:t>
-            </a:r>
-            <a:r>
-              <a:rPr lang="fr-FR" dirty="0" err="1"/>
-              <a:t>print</a:t>
-            </a:r>
-            <a:r>
-              <a:rPr lang="fr-FR" dirty="0"/>
-              <a:t>(x); f(x + 1)</a:t>
-            </a:r>
-          </a:p>
-          <a:p>
-            <a:endParaRPr lang="fr-FR" dirty="0"/>
-          </a:p>
-          <a:p>
-            <a:r>
-              <a:rPr lang="fr-FR" dirty="0"/>
-              <a:t>f(0)</a:t>
-            </a:r>
-            <a:endParaRPr lang="en-US" dirty="0"/>
+              <a:t>Increasing recursion depth can cause the program to crash!</a:t>
+            </a:r>
           </a:p>
         </p:txBody>
       </p:sp>
@@ -3332,7 +3330,7 @@
           <a:p>
             <a:fld id="{0560A9CD-0304-4E0B-9E82-E7E0115DE05B}" type="datetimeFigureOut">
               <a:rPr lang="en-US" smtClean="0"/>
-              <a:t>2/21/2024</a:t>
+              <a:t>2/26/2024</a:t>
             </a:fld>
             <a:endParaRPr lang="en-US"/>
           </a:p>
@@ -3500,7 +3498,7 @@
           <a:p>
             <a:fld id="{0560A9CD-0304-4E0B-9E82-E7E0115DE05B}" type="datetimeFigureOut">
               <a:rPr lang="en-US" smtClean="0"/>
-              <a:t>2/21/2024</a:t>
+              <a:t>2/26/2024</a:t>
             </a:fld>
             <a:endParaRPr lang="en-US"/>
           </a:p>
@@ -3678,7 +3676,7 @@
           <a:p>
             <a:fld id="{0560A9CD-0304-4E0B-9E82-E7E0115DE05B}" type="datetimeFigureOut">
               <a:rPr lang="en-US" smtClean="0"/>
-              <a:t>2/21/2024</a:t>
+              <a:t>2/26/2024</a:t>
             </a:fld>
             <a:endParaRPr lang="en-US"/>
           </a:p>
@@ -3861,7 +3859,7 @@
           <a:p>
             <a:fld id="{0560A9CD-0304-4E0B-9E82-E7E0115DE05B}" type="datetimeFigureOut">
               <a:rPr lang="en-US" smtClean="0"/>
-              <a:t>2/21/2024</a:t>
+              <a:t>2/26/2024</a:t>
             </a:fld>
             <a:endParaRPr lang="en-US"/>
           </a:p>
@@ -4106,7 +4104,7 @@
           <a:p>
             <a:fld id="{0560A9CD-0304-4E0B-9E82-E7E0115DE05B}" type="datetimeFigureOut">
               <a:rPr lang="en-US" smtClean="0"/>
-              <a:t>2/21/2024</a:t>
+              <a:t>2/26/2024</a:t>
             </a:fld>
             <a:endParaRPr lang="en-US"/>
           </a:p>
@@ -4335,7 +4333,7 @@
           <a:p>
             <a:fld id="{0560A9CD-0304-4E0B-9E82-E7E0115DE05B}" type="datetimeFigureOut">
               <a:rPr lang="en-US" smtClean="0"/>
-              <a:t>2/21/2024</a:t>
+              <a:t>2/26/2024</a:t>
             </a:fld>
             <a:endParaRPr lang="en-US"/>
           </a:p>
@@ -4699,7 +4697,7 @@
           <a:p>
             <a:fld id="{0560A9CD-0304-4E0B-9E82-E7E0115DE05B}" type="datetimeFigureOut">
               <a:rPr lang="en-US" smtClean="0"/>
-              <a:t>2/21/2024</a:t>
+              <a:t>2/26/2024</a:t>
             </a:fld>
             <a:endParaRPr lang="en-US"/>
           </a:p>
@@ -4816,7 +4814,7 @@
           <a:p>
             <a:fld id="{0560A9CD-0304-4E0B-9E82-E7E0115DE05B}" type="datetimeFigureOut">
               <a:rPr lang="en-US" smtClean="0"/>
-              <a:t>2/21/2024</a:t>
+              <a:t>2/26/2024</a:t>
             </a:fld>
             <a:endParaRPr lang="en-US"/>
           </a:p>
@@ -4911,7 +4909,7 @@
           <a:p>
             <a:fld id="{0560A9CD-0304-4E0B-9E82-E7E0115DE05B}" type="datetimeFigureOut">
               <a:rPr lang="en-US" smtClean="0"/>
-              <a:t>2/21/2024</a:t>
+              <a:t>2/26/2024</a:t>
             </a:fld>
             <a:endParaRPr lang="en-US"/>
           </a:p>
@@ -5186,7 +5184,7 @@
           <a:p>
             <a:fld id="{0560A9CD-0304-4E0B-9E82-E7E0115DE05B}" type="datetimeFigureOut">
               <a:rPr lang="en-US" smtClean="0"/>
-              <a:t>2/21/2024</a:t>
+              <a:t>2/26/2024</a:t>
             </a:fld>
             <a:endParaRPr lang="en-US"/>
           </a:p>
@@ -5438,7 +5436,7 @@
           <a:p>
             <a:fld id="{0560A9CD-0304-4E0B-9E82-E7E0115DE05B}" type="datetimeFigureOut">
               <a:rPr lang="en-US" smtClean="0"/>
-              <a:t>2/21/2024</a:t>
+              <a:t>2/26/2024</a:t>
             </a:fld>
             <a:endParaRPr lang="en-US"/>
           </a:p>
@@ -5649,7 +5647,7 @@
           <a:p>
             <a:fld id="{0560A9CD-0304-4E0B-9E82-E7E0115DE05B}" type="datetimeFigureOut">
               <a:rPr lang="en-US" smtClean="0"/>
-              <a:t>2/21/2024</a:t>
+              <a:t>2/26/2024</a:t>
             </a:fld>
             <a:endParaRPr lang="en-US"/>
           </a:p>
@@ -6691,7 +6689,7 @@
           <p:nvPr>
             <p:extLst>
               <p:ext uri="{D42A27DB-BD31-4B8C-83A1-F6EECF244321}">
-                <p14:modId xmlns:p14="http://schemas.microsoft.com/office/powerpoint/2010/main" val="3475613545"/>
+                <p14:modId xmlns:p14="http://schemas.microsoft.com/office/powerpoint/2010/main" val="2468974426"/>
               </p:ext>
             </p:extLst>
           </p:nvPr>
@@ -6804,16 +6802,84 @@
                           <a:latin typeface="Courier New" panose="02070309020205020404" pitchFamily="49" charset="0"/>
                           <a:cs typeface="Courier New" panose="02070309020205020404" pitchFamily="49" charset="0"/>
                         </a:rPr>
-                        <a:t> binomial(n, k):</a:t>
-                      </a:r>
-                    </a:p>
-                    <a:p>
+                        <a:t> </a:t>
+                      </a:r>
                       <a:r>
                         <a:rPr lang="en-US" sz="1800" b="1" dirty="0">
-                          <a:latin typeface="Courier New" panose="02070309020205020404" pitchFamily="49" charset="0"/>
-                          <a:cs typeface="Courier New" panose="02070309020205020404" pitchFamily="49" charset="0"/>
-                        </a:rPr>
-                        <a:t>    return factorial(n) // factorial(k) // factorial(n - k)</a:t>
+                          <a:solidFill>
+                            <a:srgbClr val="C00000"/>
+                          </a:solidFill>
+                          <a:latin typeface="Courier New" panose="02070309020205020404" pitchFamily="49" charset="0"/>
+                          <a:cs typeface="Courier New" panose="02070309020205020404" pitchFamily="49" charset="0"/>
+                        </a:rPr>
+                        <a:t>binomial</a:t>
+                      </a:r>
+                      <a:r>
+                        <a:rPr lang="en-US" sz="1800" b="1" dirty="0">
+                          <a:latin typeface="Courier New" panose="02070309020205020404" pitchFamily="49" charset="0"/>
+                          <a:cs typeface="Courier New" panose="02070309020205020404" pitchFamily="49" charset="0"/>
+                        </a:rPr>
+                        <a:t>(n, k):</a:t>
+                      </a:r>
+                    </a:p>
+                    <a:p>
+                      <a:r>
+                        <a:rPr lang="en-US" sz="1800" b="1" dirty="0">
+                          <a:latin typeface="Courier New" panose="02070309020205020404" pitchFamily="49" charset="0"/>
+                          <a:cs typeface="Courier New" panose="02070309020205020404" pitchFamily="49" charset="0"/>
+                        </a:rPr>
+                        <a:t>    return </a:t>
+                      </a:r>
+                      <a:r>
+                        <a:rPr lang="en-US" sz="1800" b="1" dirty="0">
+                          <a:solidFill>
+                            <a:srgbClr val="C00000"/>
+                          </a:solidFill>
+                          <a:latin typeface="Courier New" panose="02070309020205020404" pitchFamily="49" charset="0"/>
+                          <a:cs typeface="Courier New" panose="02070309020205020404" pitchFamily="49" charset="0"/>
+                        </a:rPr>
+                        <a:t>factorial</a:t>
+                      </a:r>
+                      <a:r>
+                        <a:rPr lang="en-US" sz="1800" b="1" dirty="0">
+                          <a:latin typeface="Courier New" panose="02070309020205020404" pitchFamily="49" charset="0"/>
+                          <a:cs typeface="Courier New" panose="02070309020205020404" pitchFamily="49" charset="0"/>
+                        </a:rPr>
+                        <a:t>(n) // </a:t>
+                      </a:r>
+                      <a:r>
+                        <a:rPr lang="en-US" sz="1800" b="1" dirty="0">
+                          <a:solidFill>
+                            <a:srgbClr val="C00000"/>
+                          </a:solidFill>
+                          <a:latin typeface="Courier New" panose="02070309020205020404" pitchFamily="49" charset="0"/>
+                          <a:cs typeface="Courier New" panose="02070309020205020404" pitchFamily="49" charset="0"/>
+                        </a:rPr>
+                        <a:t>factorial</a:t>
+                      </a:r>
+                      <a:r>
+                        <a:rPr lang="en-US" sz="1800" b="1" dirty="0">
+                          <a:latin typeface="Courier New" panose="02070309020205020404" pitchFamily="49" charset="0"/>
+                          <a:cs typeface="Courier New" panose="02070309020205020404" pitchFamily="49" charset="0"/>
+                        </a:rPr>
+                        <a:t>(k) // </a:t>
+                      </a:r>
+                      <a:r>
+                        <a:rPr lang="en-US" sz="1800" b="1" dirty="0">
+                          <a:solidFill>
+                            <a:srgbClr val="C00000"/>
+                          </a:solidFill>
+                          <a:latin typeface="Courier New" panose="02070309020205020404" pitchFamily="49" charset="0"/>
+                          <a:cs typeface="Courier New" panose="02070309020205020404" pitchFamily="49" charset="0"/>
+                        </a:rPr>
+                        <a:t>factorial</a:t>
+                      </a:r>
+                      <a:r>
+                        <a:rPr lang="en-US" sz="1800" b="1" dirty="0">
+                          <a:latin typeface="Courier New" panose="02070309020205020404" pitchFamily="49" charset="0"/>
+                          <a:cs typeface="Courier New" panose="02070309020205020404" pitchFamily="49" charset="0"/>
+                        </a:rPr>
+                        <a:t>(n - k)</a:t>
                       </a:r>
                       <a:endParaRPr lang="pt-BR" sz="1800" b="1" dirty="0">
                         <a:latin typeface="Courier New" panose="02070309020205020404" pitchFamily="49" charset="0"/>
@@ -7967,7 +8033,7 @@
           <p:nvPr>
             <p:extLst>
               <p:ext uri="{D42A27DB-BD31-4B8C-83A1-F6EECF244321}">
-                <p14:modId xmlns:p14="http://schemas.microsoft.com/office/powerpoint/2010/main" val="3028796068"/>
+                <p14:modId xmlns:p14="http://schemas.microsoft.com/office/powerpoint/2010/main" val="23174976"/>
               </p:ext>
             </p:extLst>
           </p:nvPr>
@@ -8080,7 +8146,24 @@
                           <a:latin typeface="Courier New" panose="02070309020205020404" pitchFamily="49" charset="0"/>
                           <a:cs typeface="Courier New" panose="02070309020205020404" pitchFamily="49" charset="0"/>
                         </a:rPr>
-                        <a:t> binomial(n, k):</a:t>
+                        <a:t> </a:t>
+                      </a:r>
+                      <a:r>
+                        <a:rPr lang="en-US" sz="1800" b="1" dirty="0">
+                          <a:solidFill>
+                            <a:srgbClr val="C00000"/>
+                          </a:solidFill>
+                          <a:latin typeface="Courier New" panose="02070309020205020404" pitchFamily="49" charset="0"/>
+                          <a:cs typeface="Courier New" panose="02070309020205020404" pitchFamily="49" charset="0"/>
+                        </a:rPr>
+                        <a:t>binomial</a:t>
+                      </a:r>
+                      <a:r>
+                        <a:rPr lang="en-US" sz="1800" b="1" dirty="0">
+                          <a:latin typeface="Courier New" panose="02070309020205020404" pitchFamily="49" charset="0"/>
+                          <a:cs typeface="Courier New" panose="02070309020205020404" pitchFamily="49" charset="0"/>
+                        </a:rPr>
+                        <a:t>(n, k):</a:t>
                       </a:r>
                     </a:p>
                     <a:p>
@@ -8137,7 +8220,24 @@
                           <a:latin typeface="Courier New" panose="02070309020205020404" pitchFamily="49" charset="0"/>
                           <a:cs typeface="Courier New" panose="02070309020205020404" pitchFamily="49" charset="0"/>
                         </a:rPr>
-                        <a:t>        return binomial(n - 1, k - 1) * n // k</a:t>
+                        <a:t>        return </a:t>
+                      </a:r>
+                      <a:r>
+                        <a:rPr lang="en-US" sz="1800" b="1" dirty="0">
+                          <a:solidFill>
+                            <a:srgbClr val="C00000"/>
+                          </a:solidFill>
+                          <a:latin typeface="Courier New" panose="02070309020205020404" pitchFamily="49" charset="0"/>
+                          <a:cs typeface="Courier New" panose="02070309020205020404" pitchFamily="49" charset="0"/>
+                        </a:rPr>
+                        <a:t>binomial</a:t>
+                      </a:r>
+                      <a:r>
+                        <a:rPr lang="en-US" sz="1800" b="1" dirty="0">
+                          <a:latin typeface="Courier New" panose="02070309020205020404" pitchFamily="49" charset="0"/>
+                          <a:cs typeface="Courier New" panose="02070309020205020404" pitchFamily="49" charset="0"/>
+                        </a:rPr>
+                        <a:t>(n - 1, k - 1) * n // k</a:t>
                       </a:r>
                       <a:endParaRPr lang="pt-BR" sz="1800" b="1" dirty="0">
                         <a:latin typeface="Courier New" panose="02070309020205020404" pitchFamily="49" charset="0"/>
@@ -10948,7 +11048,7 @@
           <p:nvPr>
             <p:extLst>
               <p:ext uri="{D42A27DB-BD31-4B8C-83A1-F6EECF244321}">
-                <p14:modId xmlns:p14="http://schemas.microsoft.com/office/powerpoint/2010/main" val="3503122360"/>
+                <p14:modId xmlns:p14="http://schemas.microsoft.com/office/powerpoint/2010/main" val="2015212558"/>
               </p:ext>
             </p:extLst>
           </p:nvPr>
@@ -11166,7 +11266,7 @@
                           <a:latin typeface="Courier New" panose="02070309020205020404" pitchFamily="49" charset="0"/>
                           <a:cs typeface="Courier New" panose="02070309020205020404" pitchFamily="49" charset="0"/>
                         </a:rPr>
-                        <a:t>          print("Leaf:", tree)</a:t>
+                        <a:t>          print('Leaf:', tree)</a:t>
                       </a:r>
                     </a:p>
                     <a:p>
@@ -16373,7 +16473,7 @@
                             </p:stCondLst>
                             <p:childTnLst>
                               <p:par>
-                                <p:cTn id="5" presetID="10" presetClass="entr" presetSubtype="0" fill="hold" grpId="0" nodeType="clickEffect">
+                                <p:cTn id="5" presetID="10" presetClass="entr" presetSubtype="0" fill="hold" nodeType="clickEffect">
                                   <p:stCondLst>
                                     <p:cond delay="0"/>
                                   </p:stCondLst>
@@ -16381,6 +16481,112 @@
                                     <p:set>
                                       <p:cBhvr>
                                         <p:cTn id="6" dur="1" fill="hold">
+                                          <p:stCondLst>
+                                            <p:cond delay="0"/>
+                                          </p:stCondLst>
+                                        </p:cTn>
+                                        <p:tgtEl>
+                                          <p:spTgt spid="23"/>
+                                        </p:tgtEl>
+                                        <p:attrNameLst>
+                                          <p:attrName>style.visibility</p:attrName>
+                                        </p:attrNameLst>
+                                      </p:cBhvr>
+                                      <p:to>
+                                        <p:strVal val="visible"/>
+                                      </p:to>
+                                    </p:set>
+                                    <p:animEffect transition="in" filter="fade">
+                                      <p:cBhvr>
+                                        <p:cTn id="7" dur="500"/>
+                                        <p:tgtEl>
+                                          <p:spTgt spid="23"/>
+                                        </p:tgtEl>
+                                      </p:cBhvr>
+                                    </p:animEffect>
+                                  </p:childTnLst>
+                                </p:cTn>
+                              </p:par>
+                            </p:childTnLst>
+                          </p:cTn>
+                        </p:par>
+                      </p:childTnLst>
+                    </p:cTn>
+                  </p:par>
+                  <p:par>
+                    <p:cTn id="8" fill="hold">
+                      <p:stCondLst>
+                        <p:cond delay="indefinite"/>
+                      </p:stCondLst>
+                      <p:childTnLst>
+                        <p:par>
+                          <p:cTn id="9" fill="hold">
+                            <p:stCondLst>
+                              <p:cond delay="0"/>
+                            </p:stCondLst>
+                            <p:childTnLst>
+                              <p:par>
+                                <p:cTn id="10" presetID="10" presetClass="entr" presetSubtype="0" fill="hold" nodeType="clickEffect">
+                                  <p:stCondLst>
+                                    <p:cond delay="0"/>
+                                  </p:stCondLst>
+                                  <p:childTnLst>
+                                    <p:set>
+                                      <p:cBhvr>
+                                        <p:cTn id="11" dur="1" fill="hold">
+                                          <p:stCondLst>
+                                            <p:cond delay="0"/>
+                                          </p:stCondLst>
+                                        </p:cTn>
+                                        <p:tgtEl>
+                                          <p:spTgt spid="29"/>
+                                        </p:tgtEl>
+                                        <p:attrNameLst>
+                                          <p:attrName>style.visibility</p:attrName>
+                                        </p:attrNameLst>
+                                      </p:cBhvr>
+                                      <p:to>
+                                        <p:strVal val="visible"/>
+                                      </p:to>
+                                    </p:set>
+                                    <p:animEffect transition="in" filter="fade">
+                                      <p:cBhvr>
+                                        <p:cTn id="12" dur="500"/>
+                                        <p:tgtEl>
+                                          <p:spTgt spid="29"/>
+                                        </p:tgtEl>
+                                      </p:cBhvr>
+                                    </p:animEffect>
+                                  </p:childTnLst>
+                                </p:cTn>
+                              </p:par>
+                            </p:childTnLst>
+                          </p:cTn>
+                        </p:par>
+                      </p:childTnLst>
+                    </p:cTn>
+                  </p:par>
+                  <p:par>
+                    <p:cTn id="13" fill="hold">
+                      <p:stCondLst>
+                        <p:cond delay="indefinite"/>
+                      </p:stCondLst>
+                      <p:childTnLst>
+                        <p:par>
+                          <p:cTn id="14" fill="hold">
+                            <p:stCondLst>
+                              <p:cond delay="0"/>
+                            </p:stCondLst>
+                            <p:childTnLst>
+                              <p:par>
+                                <p:cTn id="15" presetID="10" presetClass="entr" presetSubtype="0" fill="hold" grpId="0" nodeType="clickEffect">
+                                  <p:stCondLst>
+                                    <p:cond delay="0"/>
+                                  </p:stCondLst>
+                                  <p:childTnLst>
+                                    <p:set>
+                                      <p:cBhvr>
+                                        <p:cTn id="16" dur="1" fill="hold">
                                           <p:stCondLst>
                                             <p:cond delay="0"/>
                                           </p:stCondLst>
@@ -16398,7 +16604,7 @@
                                     </p:set>
                                     <p:animEffect transition="in" filter="fade">
                                       <p:cBhvr>
-                                        <p:cTn id="7" dur="500"/>
+                                        <p:cTn id="17" dur="500"/>
                                         <p:tgtEl>
                                           <p:spTgt spid="8"/>
                                         </p:tgtEl>
@@ -16408,14 +16614,14 @@
                                 </p:cTn>
                               </p:par>
                               <p:par>
-                                <p:cTn id="8" presetID="10" presetClass="entr" presetSubtype="0" fill="hold" grpId="0" nodeType="withEffect">
+                                <p:cTn id="18" presetID="10" presetClass="entr" presetSubtype="0" fill="hold" grpId="0" nodeType="withEffect">
                                   <p:stCondLst>
                                     <p:cond delay="0"/>
                                   </p:stCondLst>
                                   <p:childTnLst>
                                     <p:set>
                                       <p:cBhvr>
-                                        <p:cTn id="9" dur="1" fill="hold">
+                                        <p:cTn id="19" dur="1" fill="hold">
                                           <p:stCondLst>
                                             <p:cond delay="0"/>
                                           </p:stCondLst>
@@ -16433,115 +16639,9 @@
                                     </p:set>
                                     <p:animEffect transition="in" filter="fade">
                                       <p:cBhvr>
-                                        <p:cTn id="10" dur="500"/>
+                                        <p:cTn id="20" dur="500"/>
                                         <p:tgtEl>
                                           <p:spTgt spid="9"/>
-                                        </p:tgtEl>
-                                      </p:cBhvr>
-                                    </p:animEffect>
-                                  </p:childTnLst>
-                                </p:cTn>
-                              </p:par>
-                            </p:childTnLst>
-                          </p:cTn>
-                        </p:par>
-                      </p:childTnLst>
-                    </p:cTn>
-                  </p:par>
-                  <p:par>
-                    <p:cTn id="11" fill="hold">
-                      <p:stCondLst>
-                        <p:cond delay="indefinite"/>
-                      </p:stCondLst>
-                      <p:childTnLst>
-                        <p:par>
-                          <p:cTn id="12" fill="hold">
-                            <p:stCondLst>
-                              <p:cond delay="0"/>
-                            </p:stCondLst>
-                            <p:childTnLst>
-                              <p:par>
-                                <p:cTn id="13" presetID="10" presetClass="entr" presetSubtype="0" fill="hold" nodeType="clickEffect">
-                                  <p:stCondLst>
-                                    <p:cond delay="0"/>
-                                  </p:stCondLst>
-                                  <p:childTnLst>
-                                    <p:set>
-                                      <p:cBhvr>
-                                        <p:cTn id="14" dur="1" fill="hold">
-                                          <p:stCondLst>
-                                            <p:cond delay="0"/>
-                                          </p:stCondLst>
-                                        </p:cTn>
-                                        <p:tgtEl>
-                                          <p:spTgt spid="23"/>
-                                        </p:tgtEl>
-                                        <p:attrNameLst>
-                                          <p:attrName>style.visibility</p:attrName>
-                                        </p:attrNameLst>
-                                      </p:cBhvr>
-                                      <p:to>
-                                        <p:strVal val="visible"/>
-                                      </p:to>
-                                    </p:set>
-                                    <p:animEffect transition="in" filter="fade">
-                                      <p:cBhvr>
-                                        <p:cTn id="15" dur="500"/>
-                                        <p:tgtEl>
-                                          <p:spTgt spid="23"/>
-                                        </p:tgtEl>
-                                      </p:cBhvr>
-                                    </p:animEffect>
-                                  </p:childTnLst>
-                                </p:cTn>
-                              </p:par>
-                            </p:childTnLst>
-                          </p:cTn>
-                        </p:par>
-                      </p:childTnLst>
-                    </p:cTn>
-                  </p:par>
-                  <p:par>
-                    <p:cTn id="16" fill="hold">
-                      <p:stCondLst>
-                        <p:cond delay="indefinite"/>
-                      </p:stCondLst>
-                      <p:childTnLst>
-                        <p:par>
-                          <p:cTn id="17" fill="hold">
-                            <p:stCondLst>
-                              <p:cond delay="0"/>
-                            </p:stCondLst>
-                            <p:childTnLst>
-                              <p:par>
-                                <p:cTn id="18" presetID="10" presetClass="entr" presetSubtype="0" fill="hold" nodeType="clickEffect">
-                                  <p:stCondLst>
-                                    <p:cond delay="0"/>
-                                  </p:stCondLst>
-                                  <p:childTnLst>
-                                    <p:set>
-                                      <p:cBhvr>
-                                        <p:cTn id="19" dur="1" fill="hold">
-                                          <p:stCondLst>
-                                            <p:cond delay="0"/>
-                                          </p:stCondLst>
-                                        </p:cTn>
-                                        <p:tgtEl>
-                                          <p:spTgt spid="29"/>
-                                        </p:tgtEl>
-                                        <p:attrNameLst>
-                                          <p:attrName>style.visibility</p:attrName>
-                                        </p:attrNameLst>
-                                      </p:cBhvr>
-                                      <p:to>
-                                        <p:strVal val="visible"/>
-                                      </p:to>
-                                    </p:set>
-                                    <p:animEffect transition="in" filter="fade">
-                                      <p:cBhvr>
-                                        <p:cTn id="20" dur="500"/>
-                                        <p:tgtEl>
-                                          <p:spTgt spid="29"/>
                                         </p:tgtEl>
                                       </p:cBhvr>
                                     </p:animEffect>

--- a/ipsa/slides/recursion.pptx
+++ b/ipsa/slides/recursion.pptx
@@ -133,268 +133,8 @@
 </p:presentation>
 </file>
 
-<file path=ppt/revisionInfo.xml><?xml version="1.0" encoding="utf-8"?>
-<p1510:revInfo xmlns:a="http://schemas.openxmlformats.org/drawingml/2006/main" xmlns:r="http://schemas.openxmlformats.org/officeDocument/2006/relationships" xmlns:p1510="http://schemas.microsoft.com/office/powerpoint/2015/10/main">
-  <p1510:revLst>
-    <p1510:client id="{C2D62179-613D-4612-B99D-80773BC59D82}" v="2" dt="2024-02-26T08:09:34.899"/>
-  </p1510:revLst>
-</p1510:revInfo>
-</file>
-
 <file path=ppt/changesInfos/changesInfo1.xml><?xml version="1.0" encoding="utf-8"?>
 <pc:chgInfo xmlns:a="http://schemas.openxmlformats.org/drawingml/2006/main" xmlns:r="http://schemas.openxmlformats.org/officeDocument/2006/relationships" xmlns:ac="http://schemas.microsoft.com/office/drawing/2013/main/command" xmlns:pc="http://schemas.microsoft.com/office/powerpoint/2013/main/command">
-  <pc:docChgLst>
-    <pc:chgData name="Gerth Stølting Brodal" userId="04ef4784-6591-4f86-a140-f5c3b108582a" providerId="ADAL" clId="{1469466D-464E-4DC8-B62D-B95481E21BC1}"/>
-    <pc:docChg chg="undo custSel addSld delSld modSld">
-      <pc:chgData name="Gerth Stølting Brodal" userId="04ef4784-6591-4f86-a140-f5c3b108582a" providerId="ADAL" clId="{1469466D-464E-4DC8-B62D-B95481E21BC1}" dt="2022-04-06T04:59:21.138" v="837" actId="20577"/>
-      <pc:docMkLst>
-        <pc:docMk/>
-      </pc:docMkLst>
-      <pc:sldChg chg="modSp mod">
-        <pc:chgData name="Gerth Stølting Brodal" userId="04ef4784-6591-4f86-a140-f5c3b108582a" providerId="ADAL" clId="{1469466D-464E-4DC8-B62D-B95481E21BC1}" dt="2022-04-05T19:48:08.321" v="190" actId="20577"/>
-        <pc:sldMkLst>
-          <pc:docMk/>
-          <pc:sldMk cId="1177245852" sldId="590"/>
-        </pc:sldMkLst>
-        <pc:graphicFrameChg chg="modGraphic">
-          <ac:chgData name="Gerth Stølting Brodal" userId="04ef4784-6591-4f86-a140-f5c3b108582a" providerId="ADAL" clId="{1469466D-464E-4DC8-B62D-B95481E21BC1}" dt="2022-04-05T19:48:08.321" v="190" actId="20577"/>
-          <ac:graphicFrameMkLst>
-            <pc:docMk/>
-            <pc:sldMk cId="1177245852" sldId="590"/>
-            <ac:graphicFrameMk id="4" creationId="{00000000-0000-0000-0000-000000000000}"/>
-          </ac:graphicFrameMkLst>
-        </pc:graphicFrameChg>
-      </pc:sldChg>
-      <pc:sldChg chg="modSp mod">
-        <pc:chgData name="Gerth Stølting Brodal" userId="04ef4784-6591-4f86-a140-f5c3b108582a" providerId="ADAL" clId="{1469466D-464E-4DC8-B62D-B95481E21BC1}" dt="2022-04-05T19:48:23.681" v="192" actId="20577"/>
-        <pc:sldMkLst>
-          <pc:docMk/>
-          <pc:sldMk cId="1526489455" sldId="592"/>
-        </pc:sldMkLst>
-        <pc:graphicFrameChg chg="modGraphic">
-          <ac:chgData name="Gerth Stølting Brodal" userId="04ef4784-6591-4f86-a140-f5c3b108582a" providerId="ADAL" clId="{1469466D-464E-4DC8-B62D-B95481E21BC1}" dt="2022-04-05T19:48:23.681" v="192" actId="20577"/>
-          <ac:graphicFrameMkLst>
-            <pc:docMk/>
-            <pc:sldMk cId="1526489455" sldId="592"/>
-            <ac:graphicFrameMk id="4" creationId="{00000000-0000-0000-0000-000000000000}"/>
-          </ac:graphicFrameMkLst>
-        </pc:graphicFrameChg>
-      </pc:sldChg>
-      <pc:sldChg chg="modSp mod">
-        <pc:chgData name="Gerth Stølting Brodal" userId="04ef4784-6591-4f86-a140-f5c3b108582a" providerId="ADAL" clId="{1469466D-464E-4DC8-B62D-B95481E21BC1}" dt="2022-04-05T19:48:28.682" v="193" actId="6549"/>
-        <pc:sldMkLst>
-          <pc:docMk/>
-          <pc:sldMk cId="3354709852" sldId="593"/>
-        </pc:sldMkLst>
-        <pc:graphicFrameChg chg="modGraphic">
-          <ac:chgData name="Gerth Stølting Brodal" userId="04ef4784-6591-4f86-a140-f5c3b108582a" providerId="ADAL" clId="{1469466D-464E-4DC8-B62D-B95481E21BC1}" dt="2022-04-05T19:48:28.682" v="193" actId="6549"/>
-          <ac:graphicFrameMkLst>
-            <pc:docMk/>
-            <pc:sldMk cId="3354709852" sldId="593"/>
-            <ac:graphicFrameMk id="4" creationId="{00000000-0000-0000-0000-000000000000}"/>
-          </ac:graphicFrameMkLst>
-        </pc:graphicFrameChg>
-      </pc:sldChg>
-      <pc:sldChg chg="modSp mod">
-        <pc:chgData name="Gerth Stølting Brodal" userId="04ef4784-6591-4f86-a140-f5c3b108582a" providerId="ADAL" clId="{1469466D-464E-4DC8-B62D-B95481E21BC1}" dt="2022-04-05T19:48:34.575" v="194" actId="20577"/>
-        <pc:sldMkLst>
-          <pc:docMk/>
-          <pc:sldMk cId="3608860866" sldId="599"/>
-        </pc:sldMkLst>
-        <pc:graphicFrameChg chg="modGraphic">
-          <ac:chgData name="Gerth Stølting Brodal" userId="04ef4784-6591-4f86-a140-f5c3b108582a" providerId="ADAL" clId="{1469466D-464E-4DC8-B62D-B95481E21BC1}" dt="2022-04-05T19:48:34.575" v="194" actId="20577"/>
-          <ac:graphicFrameMkLst>
-            <pc:docMk/>
-            <pc:sldMk cId="3608860866" sldId="599"/>
-            <ac:graphicFrameMk id="5" creationId="{00000000-0000-0000-0000-000000000000}"/>
-          </ac:graphicFrameMkLst>
-        </pc:graphicFrameChg>
-      </pc:sldChg>
-      <pc:sldChg chg="del">
-        <pc:chgData name="Gerth Stølting Brodal" userId="04ef4784-6591-4f86-a140-f5c3b108582a" providerId="ADAL" clId="{1469466D-464E-4DC8-B62D-B95481E21BC1}" dt="2022-04-05T16:59:31.022" v="0" actId="47"/>
-        <pc:sldMkLst>
-          <pc:docMk/>
-          <pc:sldMk cId="1041664159" sldId="603"/>
-        </pc:sldMkLst>
-      </pc:sldChg>
-      <pc:sldChg chg="addSp delSp modSp new mod addAnim delAnim modAnim modNotesTx">
-        <pc:chgData name="Gerth Stølting Brodal" userId="04ef4784-6591-4f86-a140-f5c3b108582a" providerId="ADAL" clId="{1469466D-464E-4DC8-B62D-B95481E21BC1}" dt="2022-04-06T04:59:21.138" v="837" actId="20577"/>
-        <pc:sldMkLst>
-          <pc:docMk/>
-          <pc:sldMk cId="1429464979" sldId="608"/>
-        </pc:sldMkLst>
-        <pc:spChg chg="mod">
-          <ac:chgData name="Gerth Stølting Brodal" userId="04ef4784-6591-4f86-a140-f5c3b108582a" providerId="ADAL" clId="{1469466D-464E-4DC8-B62D-B95481E21BC1}" dt="2022-04-06T04:56:44.157" v="711" actId="20577"/>
-          <ac:spMkLst>
-            <pc:docMk/>
-            <pc:sldMk cId="1429464979" sldId="608"/>
-            <ac:spMk id="2" creationId="{16900BCC-51B6-40D8-AC04-CD22C1F85DE7}"/>
-          </ac:spMkLst>
-        </pc:spChg>
-        <pc:spChg chg="del">
-          <ac:chgData name="Gerth Stølting Brodal" userId="04ef4784-6591-4f86-a140-f5c3b108582a" providerId="ADAL" clId="{1469466D-464E-4DC8-B62D-B95481E21BC1}" dt="2022-04-05T19:38:05.275" v="73" actId="478"/>
-          <ac:spMkLst>
-            <pc:docMk/>
-            <pc:sldMk cId="1429464979" sldId="608"/>
-            <ac:spMk id="3" creationId="{82C9A732-E1D7-4953-BF9E-C0E944EA63CD}"/>
-          </ac:spMkLst>
-        </pc:spChg>
-        <pc:spChg chg="add del">
-          <ac:chgData name="Gerth Stølting Brodal" userId="04ef4784-6591-4f86-a140-f5c3b108582a" providerId="ADAL" clId="{1469466D-464E-4DC8-B62D-B95481E21BC1}" dt="2022-04-05T19:19:33.179" v="26" actId="22"/>
-          <ac:spMkLst>
-            <pc:docMk/>
-            <pc:sldMk cId="1429464979" sldId="608"/>
-            <ac:spMk id="5" creationId="{229B5CAA-1913-4F6B-AFD8-4DAA644DA73C}"/>
-          </ac:spMkLst>
-        </pc:spChg>
-        <pc:spChg chg="add del">
-          <ac:chgData name="Gerth Stølting Brodal" userId="04ef4784-6591-4f86-a140-f5c3b108582a" providerId="ADAL" clId="{1469466D-464E-4DC8-B62D-B95481E21BC1}" dt="2022-04-05T19:38:30.926" v="75" actId="22"/>
-          <ac:spMkLst>
-            <pc:docMk/>
-            <pc:sldMk cId="1429464979" sldId="608"/>
-            <ac:spMk id="8" creationId="{525265F7-9054-4F90-BBBD-B808837B35E0}"/>
-          </ac:spMkLst>
-        </pc:spChg>
-        <pc:spChg chg="add del mod">
-          <ac:chgData name="Gerth Stølting Brodal" userId="04ef4784-6591-4f86-a140-f5c3b108582a" providerId="ADAL" clId="{1469466D-464E-4DC8-B62D-B95481E21BC1}" dt="2022-04-05T19:45:56.350" v="185" actId="478"/>
-          <ac:spMkLst>
-            <pc:docMk/>
-            <pc:sldMk cId="1429464979" sldId="608"/>
-            <ac:spMk id="11" creationId="{7E239562-5154-44FE-943A-11D463375896}"/>
-          </ac:spMkLst>
-        </pc:spChg>
-        <pc:spChg chg="add mod">
-          <ac:chgData name="Gerth Stølting Brodal" userId="04ef4784-6591-4f86-a140-f5c3b108582a" providerId="ADAL" clId="{1469466D-464E-4DC8-B62D-B95481E21BC1}" dt="2022-04-06T04:58:14.938" v="732" actId="20577"/>
-          <ac:spMkLst>
-            <pc:docMk/>
-            <pc:sldMk cId="1429464979" sldId="608"/>
-            <ac:spMk id="12" creationId="{AC01858C-058C-406E-9809-010A1986214A}"/>
-          </ac:spMkLst>
-        </pc:spChg>
-        <pc:graphicFrameChg chg="add mod modGraphic">
-          <ac:chgData name="Gerth Stølting Brodal" userId="04ef4784-6591-4f86-a140-f5c3b108582a" providerId="ADAL" clId="{1469466D-464E-4DC8-B62D-B95481E21BC1}" dt="2022-04-05T20:17:38.677" v="544" actId="20577"/>
-          <ac:graphicFrameMkLst>
-            <pc:docMk/>
-            <pc:sldMk cId="1429464979" sldId="608"/>
-            <ac:graphicFrameMk id="6" creationId="{430153D5-9894-4E26-A759-6BEE34861823}"/>
-          </ac:graphicFrameMkLst>
-        </pc:graphicFrameChg>
-        <pc:graphicFrameChg chg="add mod modGraphic">
-          <ac:chgData name="Gerth Stølting Brodal" userId="04ef4784-6591-4f86-a140-f5c3b108582a" providerId="ADAL" clId="{1469466D-464E-4DC8-B62D-B95481E21BC1}" dt="2022-04-05T20:15:34.773" v="535" actId="207"/>
-          <ac:graphicFrameMkLst>
-            <pc:docMk/>
-            <pc:sldMk cId="1429464979" sldId="608"/>
-            <ac:graphicFrameMk id="9" creationId="{6B920E13-B858-4396-9BA7-39071AB1F606}"/>
-          </ac:graphicFrameMkLst>
-        </pc:graphicFrameChg>
-      </pc:sldChg>
-    </pc:docChg>
-  </pc:docChgLst>
-  <pc:docChgLst>
-    <pc:chgData name="Gerth Stølting Brodal" userId="04ef4784-6591-4f86-a140-f5c3b108582a" providerId="ADAL" clId="{C2D62179-613D-4612-B99D-80773BC59D82}"/>
-    <pc:docChg chg="undo custSel modSld">
-      <pc:chgData name="Gerth Stølting Brodal" userId="04ef4784-6591-4f86-a140-f5c3b108582a" providerId="ADAL" clId="{C2D62179-613D-4612-B99D-80773BC59D82}" dt="2024-02-26T08:09:34.899" v="90"/>
-      <pc:docMkLst>
-        <pc:docMk/>
-      </pc:docMkLst>
-      <pc:sldChg chg="modNotesTx">
-        <pc:chgData name="Gerth Stølting Brodal" userId="04ef4784-6591-4f86-a140-f5c3b108582a" providerId="ADAL" clId="{C2D62179-613D-4612-B99D-80773BC59D82}" dt="2024-02-26T08:07:05.182" v="89" actId="6549"/>
-        <pc:sldMkLst>
-          <pc:docMk/>
-          <pc:sldMk cId="567584679" sldId="587"/>
-        </pc:sldMkLst>
-      </pc:sldChg>
-      <pc:sldChg chg="modSp mod">
-        <pc:chgData name="Gerth Stølting Brodal" userId="04ef4784-6591-4f86-a140-f5c3b108582a" providerId="ADAL" clId="{C2D62179-613D-4612-B99D-80773BC59D82}" dt="2024-02-26T07:51:58.368" v="82" actId="207"/>
-        <pc:sldMkLst>
-          <pc:docMk/>
-          <pc:sldMk cId="1526489455" sldId="592"/>
-        </pc:sldMkLst>
-        <pc:graphicFrameChg chg="modGraphic">
-          <ac:chgData name="Gerth Stølting Brodal" userId="04ef4784-6591-4f86-a140-f5c3b108582a" providerId="ADAL" clId="{C2D62179-613D-4612-B99D-80773BC59D82}" dt="2024-02-26T07:51:58.368" v="82" actId="207"/>
-          <ac:graphicFrameMkLst>
-            <pc:docMk/>
-            <pc:sldMk cId="1526489455" sldId="592"/>
-            <ac:graphicFrameMk id="4" creationId="{00000000-0000-0000-0000-000000000000}"/>
-          </ac:graphicFrameMkLst>
-        </pc:graphicFrameChg>
-      </pc:sldChg>
-      <pc:sldChg chg="modSp mod modNotesTx">
-        <pc:chgData name="Gerth Stølting Brodal" userId="04ef4784-6591-4f86-a140-f5c3b108582a" providerId="ADAL" clId="{C2D62179-613D-4612-B99D-80773BC59D82}" dt="2024-02-26T07:52:13.521" v="85" actId="207"/>
-        <pc:sldMkLst>
-          <pc:docMk/>
-          <pc:sldMk cId="3354709852" sldId="593"/>
-        </pc:sldMkLst>
-        <pc:graphicFrameChg chg="modGraphic">
-          <ac:chgData name="Gerth Stølting Brodal" userId="04ef4784-6591-4f86-a140-f5c3b108582a" providerId="ADAL" clId="{C2D62179-613D-4612-B99D-80773BC59D82}" dt="2024-02-26T07:52:13.521" v="85" actId="207"/>
-          <ac:graphicFrameMkLst>
-            <pc:docMk/>
-            <pc:sldMk cId="3354709852" sldId="593"/>
-            <ac:graphicFrameMk id="4" creationId="{00000000-0000-0000-0000-000000000000}"/>
-          </ac:graphicFrameMkLst>
-        </pc:graphicFrameChg>
-      </pc:sldChg>
-      <pc:sldChg chg="modSp">
-        <pc:chgData name="Gerth Stølting Brodal" userId="04ef4784-6591-4f86-a140-f5c3b108582a" providerId="ADAL" clId="{C2D62179-613D-4612-B99D-80773BC59D82}" dt="2024-02-21T08:44:28.631" v="0" actId="6549"/>
-        <pc:sldMkLst>
-          <pc:docMk/>
-          <pc:sldMk cId="3149368856" sldId="596"/>
-        </pc:sldMkLst>
-        <pc:spChg chg="mod">
-          <ac:chgData name="Gerth Stølting Brodal" userId="04ef4784-6591-4f86-a140-f5c3b108582a" providerId="ADAL" clId="{C2D62179-613D-4612-B99D-80773BC59D82}" dt="2024-02-21T08:44:28.631" v="0" actId="6549"/>
-          <ac:spMkLst>
-            <pc:docMk/>
-            <pc:sldMk cId="3149368856" sldId="596"/>
-            <ac:spMk id="3" creationId="{00000000-0000-0000-0000-000000000000}"/>
-          </ac:spMkLst>
-        </pc:spChg>
-      </pc:sldChg>
-      <pc:sldChg chg="modSp mod">
-        <pc:chgData name="Gerth Stølting Brodal" userId="04ef4784-6591-4f86-a140-f5c3b108582a" providerId="ADAL" clId="{C2D62179-613D-4612-B99D-80773BC59D82}" dt="2024-02-21T09:00:15.555" v="64" actId="313"/>
-        <pc:sldMkLst>
-          <pc:docMk/>
-          <pc:sldMk cId="2518119805" sldId="601"/>
-        </pc:sldMkLst>
-        <pc:graphicFrameChg chg="modGraphic">
-          <ac:chgData name="Gerth Stølting Brodal" userId="04ef4784-6591-4f86-a140-f5c3b108582a" providerId="ADAL" clId="{C2D62179-613D-4612-B99D-80773BC59D82}" dt="2024-02-21T09:00:15.555" v="64" actId="313"/>
-          <ac:graphicFrameMkLst>
-            <pc:docMk/>
-            <pc:sldMk cId="2518119805" sldId="601"/>
-            <ac:graphicFrameMk id="4" creationId="{00000000-0000-0000-0000-000000000000}"/>
-          </ac:graphicFrameMkLst>
-        </pc:graphicFrameChg>
-      </pc:sldChg>
-      <pc:sldChg chg="modSp mod">
-        <pc:chgData name="Gerth Stølting Brodal" userId="04ef4784-6591-4f86-a140-f5c3b108582a" providerId="ADAL" clId="{C2D62179-613D-4612-B99D-80773BC59D82}" dt="2024-02-25T19:04:53.683" v="76" actId="6549"/>
-        <pc:sldMkLst>
-          <pc:docMk/>
-          <pc:sldMk cId="1045497289" sldId="602"/>
-        </pc:sldMkLst>
-        <pc:graphicFrameChg chg="modGraphic">
-          <ac:chgData name="Gerth Stølting Brodal" userId="04ef4784-6591-4f86-a140-f5c3b108582a" providerId="ADAL" clId="{C2D62179-613D-4612-B99D-80773BC59D82}" dt="2024-02-25T19:04:53.683" v="76" actId="6549"/>
-          <ac:graphicFrameMkLst>
-            <pc:docMk/>
-            <pc:sldMk cId="1045497289" sldId="602"/>
-            <ac:graphicFrameMk id="4" creationId="{00000000-0000-0000-0000-000000000000}"/>
-          </ac:graphicFrameMkLst>
-        </pc:graphicFrameChg>
-      </pc:sldChg>
-      <pc:sldChg chg="modAnim">
-        <pc:chgData name="Gerth Stølting Brodal" userId="04ef4784-6591-4f86-a140-f5c3b108582a" providerId="ADAL" clId="{C2D62179-613D-4612-B99D-80773BC59D82}" dt="2024-02-26T08:09:34.899" v="90"/>
-        <pc:sldMkLst>
-          <pc:docMk/>
-          <pc:sldMk cId="1220840155" sldId="606"/>
-        </pc:sldMkLst>
-      </pc:sldChg>
-      <pc:sldChg chg="modNotesTx">
-        <pc:chgData name="Gerth Stølting Brodal" userId="04ef4784-6591-4f86-a140-f5c3b108582a" providerId="ADAL" clId="{C2D62179-613D-4612-B99D-80773BC59D82}" dt="2024-02-21T08:56:09.842" v="15" actId="20577"/>
-        <pc:sldMkLst>
-          <pc:docMk/>
-          <pc:sldMk cId="1429464979" sldId="608"/>
-        </pc:sldMkLst>
-      </pc:sldChg>
-    </pc:docChg>
-  </pc:docChgLst>
   <pc:docChgLst>
     <pc:chgData name="Gerth Stølting Brodal" userId="04ef4784-6591-4f86-a140-f5c3b108582a" providerId="ADAL" clId="{9197687F-18F0-42D4-9B72-DE14A28EAE5C}"/>
     <pc:docChg chg="undo custSel addSld delSld modSld">
@@ -415,30 +155,6 @@
           <pc:docMk/>
           <pc:sldMk cId="2445053109" sldId="589"/>
         </pc:sldMkLst>
-        <pc:graphicFrameChg chg="modGraphic">
-          <ac:chgData name="Gerth Stølting Brodal" userId="04ef4784-6591-4f86-a140-f5c3b108582a" providerId="ADAL" clId="{9197687F-18F0-42D4-9B72-DE14A28EAE5C}" dt="2023-03-12T12:55:25.236" v="1461" actId="207"/>
-          <ac:graphicFrameMkLst>
-            <pc:docMk/>
-            <pc:sldMk cId="2445053109" sldId="589"/>
-            <ac:graphicFrameMk id="4" creationId="{00000000-0000-0000-0000-000000000000}"/>
-          </ac:graphicFrameMkLst>
-        </pc:graphicFrameChg>
-        <pc:graphicFrameChg chg="modGraphic">
-          <ac:chgData name="Gerth Stølting Brodal" userId="04ef4784-6591-4f86-a140-f5c3b108582a" providerId="ADAL" clId="{9197687F-18F0-42D4-9B72-DE14A28EAE5C}" dt="2023-03-12T12:55:32.125" v="1462" actId="207"/>
-          <ac:graphicFrameMkLst>
-            <pc:docMk/>
-            <pc:sldMk cId="2445053109" sldId="589"/>
-            <ac:graphicFrameMk id="8" creationId="{00000000-0000-0000-0000-000000000000}"/>
-          </ac:graphicFrameMkLst>
-        </pc:graphicFrameChg>
-        <pc:graphicFrameChg chg="modGraphic">
-          <ac:chgData name="Gerth Stølting Brodal" userId="04ef4784-6591-4f86-a140-f5c3b108582a" providerId="ADAL" clId="{9197687F-18F0-42D4-9B72-DE14A28EAE5C}" dt="2023-03-12T12:55:18.110" v="1460" actId="207"/>
-          <ac:graphicFrameMkLst>
-            <pc:docMk/>
-            <pc:sldMk cId="2445053109" sldId="589"/>
-            <ac:graphicFrameMk id="9" creationId="{00000000-0000-0000-0000-000000000000}"/>
-          </ac:graphicFrameMkLst>
-        </pc:graphicFrameChg>
       </pc:sldChg>
       <pc:sldChg chg="modSp mod">
         <pc:chgData name="Gerth Stølting Brodal" userId="04ef4784-6591-4f86-a140-f5c3b108582a" providerId="ADAL" clId="{9197687F-18F0-42D4-9B72-DE14A28EAE5C}" dt="2023-03-12T12:56:11.529" v="1466" actId="207"/>
@@ -446,14 +162,6 @@
           <pc:docMk/>
           <pc:sldMk cId="1177245852" sldId="590"/>
         </pc:sldMkLst>
-        <pc:graphicFrameChg chg="modGraphic">
-          <ac:chgData name="Gerth Stølting Brodal" userId="04ef4784-6591-4f86-a140-f5c3b108582a" providerId="ADAL" clId="{9197687F-18F0-42D4-9B72-DE14A28EAE5C}" dt="2023-03-12T12:56:11.529" v="1466" actId="207"/>
-          <ac:graphicFrameMkLst>
-            <pc:docMk/>
-            <pc:sldMk cId="1177245852" sldId="590"/>
-            <ac:graphicFrameMk id="4" creationId="{00000000-0000-0000-0000-000000000000}"/>
-          </ac:graphicFrameMkLst>
-        </pc:graphicFrameChg>
       </pc:sldChg>
       <pc:sldChg chg="modSp mod">
         <pc:chgData name="Gerth Stølting Brodal" userId="04ef4784-6591-4f86-a140-f5c3b108582a" providerId="ADAL" clId="{9197687F-18F0-42D4-9B72-DE14A28EAE5C}" dt="2023-02-22T10:34:41.254" v="392" actId="1037"/>
@@ -461,46 +169,6 @@
           <pc:docMk/>
           <pc:sldMk cId="930238539" sldId="595"/>
         </pc:sldMkLst>
-        <pc:spChg chg="mod">
-          <ac:chgData name="Gerth Stølting Brodal" userId="04ef4784-6591-4f86-a140-f5c3b108582a" providerId="ADAL" clId="{9197687F-18F0-42D4-9B72-DE14A28EAE5C}" dt="2023-02-22T10:34:35.046" v="389" actId="1035"/>
-          <ac:spMkLst>
-            <pc:docMk/>
-            <pc:sldMk cId="930238539" sldId="595"/>
-            <ac:spMk id="2" creationId="{00000000-0000-0000-0000-000000000000}"/>
-          </ac:spMkLst>
-        </pc:spChg>
-        <pc:spChg chg="mod">
-          <ac:chgData name="Gerth Stølting Brodal" userId="04ef4784-6591-4f86-a140-f5c3b108582a" providerId="ADAL" clId="{9197687F-18F0-42D4-9B72-DE14A28EAE5C}" dt="2023-02-22T10:34:28.323" v="373" actId="1035"/>
-          <ac:spMkLst>
-            <pc:docMk/>
-            <pc:sldMk cId="930238539" sldId="595"/>
-            <ac:spMk id="80" creationId="{00000000-0000-0000-0000-000000000000}"/>
-          </ac:spMkLst>
-        </pc:spChg>
-        <pc:spChg chg="mod">
-          <ac:chgData name="Gerth Stølting Brodal" userId="04ef4784-6591-4f86-a140-f5c3b108582a" providerId="ADAL" clId="{9197687F-18F0-42D4-9B72-DE14A28EAE5C}" dt="2023-02-22T10:34:41.254" v="392" actId="1037"/>
-          <ac:spMkLst>
-            <pc:docMk/>
-            <pc:sldMk cId="930238539" sldId="595"/>
-            <ac:spMk id="81" creationId="{00000000-0000-0000-0000-000000000000}"/>
-          </ac:spMkLst>
-        </pc:spChg>
-        <pc:grpChg chg="mod">
-          <ac:chgData name="Gerth Stølting Brodal" userId="04ef4784-6591-4f86-a140-f5c3b108582a" providerId="ADAL" clId="{9197687F-18F0-42D4-9B72-DE14A28EAE5C}" dt="2023-02-22T10:34:28.323" v="373" actId="1035"/>
-          <ac:grpSpMkLst>
-            <pc:docMk/>
-            <pc:sldMk cId="930238539" sldId="595"/>
-            <ac:grpSpMk id="79" creationId="{00000000-0000-0000-0000-000000000000}"/>
-          </ac:grpSpMkLst>
-        </pc:grpChg>
-        <pc:graphicFrameChg chg="modGraphic">
-          <ac:chgData name="Gerth Stølting Brodal" userId="04ef4784-6591-4f86-a140-f5c3b108582a" providerId="ADAL" clId="{9197687F-18F0-42D4-9B72-DE14A28EAE5C}" dt="2023-02-22T10:33:59.482" v="344" actId="14100"/>
-          <ac:graphicFrameMkLst>
-            <pc:docMk/>
-            <pc:sldMk cId="930238539" sldId="595"/>
-            <ac:graphicFrameMk id="4" creationId="{00000000-0000-0000-0000-000000000000}"/>
-          </ac:graphicFrameMkLst>
-        </pc:graphicFrameChg>
       </pc:sldChg>
       <pc:sldChg chg="modSp mod">
         <pc:chgData name="Gerth Stølting Brodal" userId="04ef4784-6591-4f86-a140-f5c3b108582a" providerId="ADAL" clId="{9197687F-18F0-42D4-9B72-DE14A28EAE5C}" dt="2023-03-12T12:55:12.552" v="1459" actId="207"/>
@@ -508,14 +176,6 @@
           <pc:docMk/>
           <pc:sldMk cId="345092261" sldId="598"/>
         </pc:sldMkLst>
-        <pc:graphicFrameChg chg="modGraphic">
-          <ac:chgData name="Gerth Stølting Brodal" userId="04ef4784-6591-4f86-a140-f5c3b108582a" providerId="ADAL" clId="{9197687F-18F0-42D4-9B72-DE14A28EAE5C}" dt="2023-03-12T12:55:12.552" v="1459" actId="207"/>
-          <ac:graphicFrameMkLst>
-            <pc:docMk/>
-            <pc:sldMk cId="345092261" sldId="598"/>
-            <ac:graphicFrameMk id="4" creationId="{00000000-0000-0000-0000-000000000000}"/>
-          </ac:graphicFrameMkLst>
-        </pc:graphicFrameChg>
       </pc:sldChg>
       <pc:sldChg chg="addSp delSp modSp mod modAnim modNotesTx">
         <pc:chgData name="Gerth Stølting Brodal" userId="04ef4784-6591-4f86-a140-f5c3b108582a" providerId="ADAL" clId="{9197687F-18F0-42D4-9B72-DE14A28EAE5C}" dt="2023-03-12T12:18:57.373" v="1328" actId="1035"/>
@@ -523,246 +183,6 @@
           <pc:docMk/>
           <pc:sldMk cId="1220840155" sldId="606"/>
         </pc:sldMkLst>
-        <pc:spChg chg="mod">
-          <ac:chgData name="Gerth Stølting Brodal" userId="04ef4784-6591-4f86-a140-f5c3b108582a" providerId="ADAL" clId="{9197687F-18F0-42D4-9B72-DE14A28EAE5C}" dt="2023-03-12T12:08:50.778" v="665" actId="1076"/>
-          <ac:spMkLst>
-            <pc:docMk/>
-            <pc:sldMk cId="1220840155" sldId="606"/>
-            <ac:spMk id="2" creationId="{00000000-0000-0000-0000-000000000000}"/>
-          </ac:spMkLst>
-        </pc:spChg>
-        <pc:spChg chg="mod">
-          <ac:chgData name="Gerth Stølting Brodal" userId="04ef4784-6591-4f86-a140-f5c3b108582a" providerId="ADAL" clId="{9197687F-18F0-42D4-9B72-DE14A28EAE5C}" dt="2023-03-12T12:18:57.373" v="1328" actId="1035"/>
-          <ac:spMkLst>
-            <pc:docMk/>
-            <pc:sldMk cId="1220840155" sldId="606"/>
-            <ac:spMk id="8" creationId="{00000000-0000-0000-0000-000000000000}"/>
-          </ac:spMkLst>
-        </pc:spChg>
-        <pc:spChg chg="mod">
-          <ac:chgData name="Gerth Stølting Brodal" userId="04ef4784-6591-4f86-a140-f5c3b108582a" providerId="ADAL" clId="{9197687F-18F0-42D4-9B72-DE14A28EAE5C}" dt="2023-03-12T12:08:48.019" v="664" actId="1037"/>
-          <ac:spMkLst>
-            <pc:docMk/>
-            <pc:sldMk cId="1220840155" sldId="606"/>
-            <ac:spMk id="9" creationId="{00000000-0000-0000-0000-000000000000}"/>
-          </ac:spMkLst>
-        </pc:spChg>
-        <pc:spChg chg="add mod">
-          <ac:chgData name="Gerth Stølting Brodal" userId="04ef4784-6591-4f86-a140-f5c3b108582a" providerId="ADAL" clId="{9197687F-18F0-42D4-9B72-DE14A28EAE5C}" dt="2023-03-12T12:13:50.311" v="1282" actId="1035"/>
-          <ac:spMkLst>
-            <pc:docMk/>
-            <pc:sldMk cId="1220840155" sldId="606"/>
-            <ac:spMk id="18" creationId="{8D1D5184-0C00-6938-B81E-0C5FFAD29939}"/>
-          </ac:spMkLst>
-        </pc:spChg>
-        <pc:spChg chg="add mod">
-          <ac:chgData name="Gerth Stølting Brodal" userId="04ef4784-6591-4f86-a140-f5c3b108582a" providerId="ADAL" clId="{9197687F-18F0-42D4-9B72-DE14A28EAE5C}" dt="2023-03-12T12:11:42.842" v="846" actId="1036"/>
-          <ac:spMkLst>
-            <pc:docMk/>
-            <pc:sldMk cId="1220840155" sldId="606"/>
-            <ac:spMk id="19" creationId="{7968F901-48B5-CB67-7347-E429F43F22EA}"/>
-          </ac:spMkLst>
-        </pc:spChg>
-        <pc:spChg chg="add mod">
-          <ac:chgData name="Gerth Stølting Brodal" userId="04ef4784-6591-4f86-a140-f5c3b108582a" providerId="ADAL" clId="{9197687F-18F0-42D4-9B72-DE14A28EAE5C}" dt="2023-03-12T12:11:35.778" v="808" actId="1035"/>
-          <ac:spMkLst>
-            <pc:docMk/>
-            <pc:sldMk cId="1220840155" sldId="606"/>
-            <ac:spMk id="20" creationId="{8838C3B9-AADE-D63B-697D-4E45B535B8FC}"/>
-          </ac:spMkLst>
-        </pc:spChg>
-        <pc:spChg chg="add mod">
-          <ac:chgData name="Gerth Stølting Brodal" userId="04ef4784-6591-4f86-a140-f5c3b108582a" providerId="ADAL" clId="{9197687F-18F0-42D4-9B72-DE14A28EAE5C}" dt="2023-03-12T12:14:00.114" v="1285" actId="1036"/>
-          <ac:spMkLst>
-            <pc:docMk/>
-            <pc:sldMk cId="1220840155" sldId="606"/>
-            <ac:spMk id="21" creationId="{7AE58AD1-43A6-1F54-1977-A32C9793999A}"/>
-          </ac:spMkLst>
-        </pc:spChg>
-        <pc:spChg chg="add mod">
-          <ac:chgData name="Gerth Stølting Brodal" userId="04ef4784-6591-4f86-a140-f5c3b108582a" providerId="ADAL" clId="{9197687F-18F0-42D4-9B72-DE14A28EAE5C}" dt="2023-03-12T12:11:22.999" v="762" actId="1035"/>
-          <ac:spMkLst>
-            <pc:docMk/>
-            <pc:sldMk cId="1220840155" sldId="606"/>
-            <ac:spMk id="22" creationId="{CFE19717-7A93-FF85-6223-8CB3086F933F}"/>
-          </ac:spMkLst>
-        </pc:spChg>
-        <pc:spChg chg="mod">
-          <ac:chgData name="Gerth Stølting Brodal" userId="04ef4784-6591-4f86-a140-f5c3b108582a" providerId="ADAL" clId="{9197687F-18F0-42D4-9B72-DE14A28EAE5C}" dt="2023-03-12T12:09:07.862" v="667"/>
-          <ac:spMkLst>
-            <pc:docMk/>
-            <pc:sldMk cId="1220840155" sldId="606"/>
-            <ac:spMk id="24" creationId="{FAD0D07C-EFD3-4852-DB40-7BE03ECD38AA}"/>
-          </ac:spMkLst>
-        </pc:spChg>
-        <pc:spChg chg="mod">
-          <ac:chgData name="Gerth Stølting Brodal" userId="04ef4784-6591-4f86-a140-f5c3b108582a" providerId="ADAL" clId="{9197687F-18F0-42D4-9B72-DE14A28EAE5C}" dt="2023-03-12T12:09:07.862" v="667"/>
-          <ac:spMkLst>
-            <pc:docMk/>
-            <pc:sldMk cId="1220840155" sldId="606"/>
-            <ac:spMk id="25" creationId="{84116969-B436-AC74-8FA4-DEB548E716E4}"/>
-          </ac:spMkLst>
-        </pc:spChg>
-        <pc:spChg chg="mod">
-          <ac:chgData name="Gerth Stølting Brodal" userId="04ef4784-6591-4f86-a140-f5c3b108582a" providerId="ADAL" clId="{9197687F-18F0-42D4-9B72-DE14A28EAE5C}" dt="2023-03-12T12:09:07.862" v="667"/>
-          <ac:spMkLst>
-            <pc:docMk/>
-            <pc:sldMk cId="1220840155" sldId="606"/>
-            <ac:spMk id="26" creationId="{E8CE2A34-7D74-EF7F-CB7E-3BE9AED10AD2}"/>
-          </ac:spMkLst>
-        </pc:spChg>
-        <pc:spChg chg="mod">
-          <ac:chgData name="Gerth Stølting Brodal" userId="04ef4784-6591-4f86-a140-f5c3b108582a" providerId="ADAL" clId="{9197687F-18F0-42D4-9B72-DE14A28EAE5C}" dt="2023-03-12T12:12:01.076" v="881" actId="1035"/>
-          <ac:spMkLst>
-            <pc:docMk/>
-            <pc:sldMk cId="1220840155" sldId="606"/>
-            <ac:spMk id="27" creationId="{2B9E923D-62F8-9064-2199-01A8343F301E}"/>
-          </ac:spMkLst>
-        </pc:spChg>
-        <pc:spChg chg="mod">
-          <ac:chgData name="Gerth Stølting Brodal" userId="04ef4784-6591-4f86-a140-f5c3b108582a" providerId="ADAL" clId="{9197687F-18F0-42D4-9B72-DE14A28EAE5C}" dt="2023-03-12T12:09:07.862" v="667"/>
-          <ac:spMkLst>
-            <pc:docMk/>
-            <pc:sldMk cId="1220840155" sldId="606"/>
-            <ac:spMk id="28" creationId="{F268ECAA-87AB-E4D8-2C85-DBFB88D70D62}"/>
-          </ac:spMkLst>
-        </pc:spChg>
-        <pc:spChg chg="mod">
-          <ac:chgData name="Gerth Stølting Brodal" userId="04ef4784-6591-4f86-a140-f5c3b108582a" providerId="ADAL" clId="{9197687F-18F0-42D4-9B72-DE14A28EAE5C}" dt="2023-03-12T12:14:20.842" v="1299" actId="1036"/>
-          <ac:spMkLst>
-            <pc:docMk/>
-            <pc:sldMk cId="1220840155" sldId="606"/>
-            <ac:spMk id="30" creationId="{43B9E54F-0284-4A96-5123-870496AC4656}"/>
-          </ac:spMkLst>
-        </pc:spChg>
-        <pc:spChg chg="mod">
-          <ac:chgData name="Gerth Stølting Brodal" userId="04ef4784-6591-4f86-a140-f5c3b108582a" providerId="ADAL" clId="{9197687F-18F0-42D4-9B72-DE14A28EAE5C}" dt="2023-03-12T12:14:24.720" v="1300" actId="1037"/>
-          <ac:spMkLst>
-            <pc:docMk/>
-            <pc:sldMk cId="1220840155" sldId="606"/>
-            <ac:spMk id="31" creationId="{E6331490-728F-276F-BEE2-30DA2A391F6C}"/>
-          </ac:spMkLst>
-        </pc:spChg>
-        <pc:spChg chg="mod">
-          <ac:chgData name="Gerth Stølting Brodal" userId="04ef4784-6591-4f86-a140-f5c3b108582a" providerId="ADAL" clId="{9197687F-18F0-42D4-9B72-DE14A28EAE5C}" dt="2023-03-12T12:13:02.409" v="1079" actId="1037"/>
-          <ac:spMkLst>
-            <pc:docMk/>
-            <pc:sldMk cId="1220840155" sldId="606"/>
-            <ac:spMk id="32" creationId="{81C6D4D5-F851-A56D-5187-6647B0513855}"/>
-          </ac:spMkLst>
-        </pc:spChg>
-        <pc:spChg chg="mod">
-          <ac:chgData name="Gerth Stølting Brodal" userId="04ef4784-6591-4f86-a140-f5c3b108582a" providerId="ADAL" clId="{9197687F-18F0-42D4-9B72-DE14A28EAE5C}" dt="2023-03-12T12:12:53.640" v="1033" actId="1037"/>
-          <ac:spMkLst>
-            <pc:docMk/>
-            <pc:sldMk cId="1220840155" sldId="606"/>
-            <ac:spMk id="33" creationId="{62056A9F-68AB-33EA-F2F0-3A19A9A37752}"/>
-          </ac:spMkLst>
-        </pc:spChg>
-        <pc:spChg chg="mod">
-          <ac:chgData name="Gerth Stølting Brodal" userId="04ef4784-6591-4f86-a140-f5c3b108582a" providerId="ADAL" clId="{9197687F-18F0-42D4-9B72-DE14A28EAE5C}" dt="2023-03-12T12:13:10.829" v="1134" actId="1038"/>
-          <ac:spMkLst>
-            <pc:docMk/>
-            <pc:sldMk cId="1220840155" sldId="606"/>
-            <ac:spMk id="34" creationId="{3B544454-7884-9807-F7B5-887C11C398F2}"/>
-          </ac:spMkLst>
-        </pc:spChg>
-        <pc:spChg chg="add mod">
-          <ac:chgData name="Gerth Stølting Brodal" userId="04ef4784-6591-4f86-a140-f5c3b108582a" providerId="ADAL" clId="{9197687F-18F0-42D4-9B72-DE14A28EAE5C}" dt="2023-03-12T12:15:49.616" v="1318" actId="20577"/>
-          <ac:spMkLst>
-            <pc:docMk/>
-            <pc:sldMk cId="1220840155" sldId="606"/>
-            <ac:spMk id="36" creationId="{CD3190C1-BF03-65B4-0588-CD8D1B8827ED}"/>
-          </ac:spMkLst>
-        </pc:spChg>
-        <pc:grpChg chg="del mod">
-          <ac:chgData name="Gerth Stølting Brodal" userId="04ef4784-6591-4f86-a140-f5c3b108582a" providerId="ADAL" clId="{9197687F-18F0-42D4-9B72-DE14A28EAE5C}" dt="2023-03-12T12:13:38.918" v="1261" actId="478"/>
-          <ac:grpSpMkLst>
-            <pc:docMk/>
-            <pc:sldMk cId="1220840155" sldId="606"/>
-            <ac:grpSpMk id="10" creationId="{BDE896E9-67DA-4BF6-A480-25E4E3273B8B}"/>
-          </ac:grpSpMkLst>
-        </pc:grpChg>
-        <pc:grpChg chg="add mod">
-          <ac:chgData name="Gerth Stølting Brodal" userId="04ef4784-6591-4f86-a140-f5c3b108582a" providerId="ADAL" clId="{9197687F-18F0-42D4-9B72-DE14A28EAE5C}" dt="2023-03-12T12:12:07.254" v="905" actId="1036"/>
-          <ac:grpSpMkLst>
-            <pc:docMk/>
-            <pc:sldMk cId="1220840155" sldId="606"/>
-            <ac:grpSpMk id="23" creationId="{36CEAD96-9D62-1624-E0E3-E0380D0AB46F}"/>
-          </ac:grpSpMkLst>
-        </pc:grpChg>
-        <pc:grpChg chg="add mod">
-          <ac:chgData name="Gerth Stølting Brodal" userId="04ef4784-6591-4f86-a140-f5c3b108582a" providerId="ADAL" clId="{9197687F-18F0-42D4-9B72-DE14A28EAE5C}" dt="2023-03-12T12:14:11.981" v="1294" actId="1036"/>
-          <ac:grpSpMkLst>
-            <pc:docMk/>
-            <pc:sldMk cId="1220840155" sldId="606"/>
-            <ac:grpSpMk id="29" creationId="{03E1D210-3CF0-C9C7-FE43-5FAC6652BC07}"/>
-          </ac:grpSpMkLst>
-        </pc:grpChg>
-        <pc:graphicFrameChg chg="add mod">
-          <ac:chgData name="Gerth Stølting Brodal" userId="04ef4784-6591-4f86-a140-f5c3b108582a" providerId="ADAL" clId="{9197687F-18F0-42D4-9B72-DE14A28EAE5C}" dt="2023-02-22T08:26:22.986" v="32"/>
-          <ac:graphicFrameMkLst>
-            <pc:docMk/>
-            <pc:sldMk cId="1220840155" sldId="606"/>
-            <ac:graphicFrameMk id="3" creationId="{7362E841-AEEF-44FA-AE72-54DCD9AF3B7D}"/>
-          </ac:graphicFrameMkLst>
-        </pc:graphicFrameChg>
-        <pc:graphicFrameChg chg="mod modGraphic">
-          <ac:chgData name="Gerth Stølting Brodal" userId="04ef4784-6591-4f86-a140-f5c3b108582a" providerId="ADAL" clId="{9197687F-18F0-42D4-9B72-DE14A28EAE5C}" dt="2023-03-12T12:18:47.032" v="1322" actId="20577"/>
-          <ac:graphicFrameMkLst>
-            <pc:docMk/>
-            <pc:sldMk cId="1220840155" sldId="606"/>
-            <ac:graphicFrameMk id="4" creationId="{00000000-0000-0000-0000-000000000000}"/>
-          </ac:graphicFrameMkLst>
-        </pc:graphicFrameChg>
-        <pc:picChg chg="add mod">
-          <ac:chgData name="Gerth Stølting Brodal" userId="04ef4784-6591-4f86-a140-f5c3b108582a" providerId="ADAL" clId="{9197687F-18F0-42D4-9B72-DE14A28EAE5C}" dt="2023-03-12T12:13:50.311" v="1282" actId="1035"/>
-          <ac:picMkLst>
-            <pc:docMk/>
-            <pc:sldMk cId="1220840155" sldId="606"/>
-            <ac:picMk id="3" creationId="{3EB86994-CC7E-5907-4B27-9169C9B154B5}"/>
-          </ac:picMkLst>
-        </pc:picChg>
-        <pc:picChg chg="add mod">
-          <ac:chgData name="Gerth Stølting Brodal" userId="04ef4784-6591-4f86-a140-f5c3b108582a" providerId="ADAL" clId="{9197687F-18F0-42D4-9B72-DE14A28EAE5C}" dt="2023-03-12T12:11:42.842" v="846" actId="1036"/>
-          <ac:picMkLst>
-            <pc:docMk/>
-            <pc:sldMk cId="1220840155" sldId="606"/>
-            <ac:picMk id="5" creationId="{3736BDD6-D026-9035-B946-C90C5DE71E68}"/>
-          </ac:picMkLst>
-        </pc:picChg>
-        <pc:picChg chg="add mod">
-          <ac:chgData name="Gerth Stølting Brodal" userId="04ef4784-6591-4f86-a140-f5c3b108582a" providerId="ADAL" clId="{9197687F-18F0-42D4-9B72-DE14A28EAE5C}" dt="2023-03-12T12:11:35.778" v="808" actId="1035"/>
-          <ac:picMkLst>
-            <pc:docMk/>
-            <pc:sldMk cId="1220840155" sldId="606"/>
-            <ac:picMk id="6" creationId="{1AF5380C-AE1D-547E-2C81-E4F3617302A8}"/>
-          </ac:picMkLst>
-        </pc:picChg>
-        <pc:picChg chg="del mod">
-          <ac:chgData name="Gerth Stølting Brodal" userId="04ef4784-6591-4f86-a140-f5c3b108582a" providerId="ADAL" clId="{9197687F-18F0-42D4-9B72-DE14A28EAE5C}" dt="2023-03-12T12:13:31.832" v="1260" actId="478"/>
-          <ac:picMkLst>
-            <pc:docMk/>
-            <pc:sldMk cId="1220840155" sldId="606"/>
-            <ac:picMk id="7" creationId="{00000000-0000-0000-0000-000000000000}"/>
-          </ac:picMkLst>
-        </pc:picChg>
-        <pc:picChg chg="add mod">
-          <ac:chgData name="Gerth Stølting Brodal" userId="04ef4784-6591-4f86-a140-f5c3b108582a" providerId="ADAL" clId="{9197687F-18F0-42D4-9B72-DE14A28EAE5C}" dt="2023-03-12T12:14:00.114" v="1285" actId="1036"/>
-          <ac:picMkLst>
-            <pc:docMk/>
-            <pc:sldMk cId="1220840155" sldId="606"/>
-            <ac:picMk id="16" creationId="{90563BCC-3D90-389B-09FB-4553A3ED7F57}"/>
-          </ac:picMkLst>
-        </pc:picChg>
-        <pc:picChg chg="add mod">
-          <ac:chgData name="Gerth Stølting Brodal" userId="04ef4784-6591-4f86-a140-f5c3b108582a" providerId="ADAL" clId="{9197687F-18F0-42D4-9B72-DE14A28EAE5C}" dt="2023-03-12T12:11:22.999" v="762" actId="1035"/>
-          <ac:picMkLst>
-            <pc:docMk/>
-            <pc:sldMk cId="1220840155" sldId="606"/>
-            <ac:picMk id="17" creationId="{D43B16EC-1057-D885-A77A-BCD9CCE0CDC0}"/>
-          </ac:picMkLst>
-        </pc:picChg>
       </pc:sldChg>
       <pc:sldChg chg="addSp delSp add del mod">
         <pc:chgData name="Gerth Stølting Brodal" userId="04ef4784-6591-4f86-a140-f5c3b108582a" providerId="ADAL" clId="{9197687F-18F0-42D4-9B72-DE14A28EAE5C}" dt="2023-03-12T12:19:02.197" v="1329" actId="47"/>
@@ -770,14 +190,6 @@
           <pc:docMk/>
           <pc:sldMk cId="3107987302" sldId="607"/>
         </pc:sldMkLst>
-        <pc:spChg chg="add del">
-          <ac:chgData name="Gerth Stølting Brodal" userId="04ef4784-6591-4f86-a140-f5c3b108582a" providerId="ADAL" clId="{9197687F-18F0-42D4-9B72-DE14A28EAE5C}" dt="2023-03-12T12:15:31.217" v="1304" actId="22"/>
-          <ac:spMkLst>
-            <pc:docMk/>
-            <pc:sldMk cId="3107987302" sldId="607"/>
-            <ac:spMk id="7" creationId="{F28267A2-A99A-5AD0-90CD-3653031C980B}"/>
-          </ac:spMkLst>
-        </pc:spChg>
       </pc:sldChg>
       <pc:sldChg chg="addSp delSp modSp add mod delAnim modNotesTx">
         <pc:chgData name="Gerth Stølting Brodal" userId="04ef4784-6591-4f86-a140-f5c3b108582a" providerId="ADAL" clId="{9197687F-18F0-42D4-9B72-DE14A28EAE5C}" dt="2023-02-26T21:36:02.884" v="606" actId="20577"/>
@@ -785,118 +197,6 @@
           <pc:docMk/>
           <pc:sldMk cId="398569820" sldId="609"/>
         </pc:sldMkLst>
-        <pc:spChg chg="mod">
-          <ac:chgData name="Gerth Stølting Brodal" userId="04ef4784-6591-4f86-a140-f5c3b108582a" providerId="ADAL" clId="{9197687F-18F0-42D4-9B72-DE14A28EAE5C}" dt="2023-02-22T09:31:16.668" v="334" actId="20577"/>
-          <ac:spMkLst>
-            <pc:docMk/>
-            <pc:sldMk cId="398569820" sldId="609"/>
-            <ac:spMk id="2" creationId="{00000000-0000-0000-0000-000000000000}"/>
-          </ac:spMkLst>
-        </pc:spChg>
-        <pc:spChg chg="add mod">
-          <ac:chgData name="Gerth Stølting Brodal" userId="04ef4784-6591-4f86-a140-f5c3b108582a" providerId="ADAL" clId="{9197687F-18F0-42D4-9B72-DE14A28EAE5C}" dt="2023-02-22T09:02:23.828" v="84" actId="1076"/>
-          <ac:spMkLst>
-            <pc:docMk/>
-            <pc:sldMk cId="398569820" sldId="609"/>
-            <ac:spMk id="5" creationId="{2541C217-2EC0-DD57-6EEE-F934237B9178}"/>
-          </ac:spMkLst>
-        </pc:spChg>
-        <pc:spChg chg="del">
-          <ac:chgData name="Gerth Stølting Brodal" userId="04ef4784-6591-4f86-a140-f5c3b108582a" providerId="ADAL" clId="{9197687F-18F0-42D4-9B72-DE14A28EAE5C}" dt="2023-02-22T08:27:58.751" v="40" actId="478"/>
-          <ac:spMkLst>
-            <pc:docMk/>
-            <pc:sldMk cId="398569820" sldId="609"/>
-            <ac:spMk id="8" creationId="{00000000-0000-0000-0000-000000000000}"/>
-          </ac:spMkLst>
-        </pc:spChg>
-        <pc:spChg chg="del">
-          <ac:chgData name="Gerth Stølting Brodal" userId="04ef4784-6591-4f86-a140-f5c3b108582a" providerId="ADAL" clId="{9197687F-18F0-42D4-9B72-DE14A28EAE5C}" dt="2023-02-22T08:27:56.914" v="39" actId="478"/>
-          <ac:spMkLst>
-            <pc:docMk/>
-            <pc:sldMk cId="398569820" sldId="609"/>
-            <ac:spMk id="9" creationId="{00000000-0000-0000-0000-000000000000}"/>
-          </ac:spMkLst>
-        </pc:spChg>
-        <pc:spChg chg="add mod">
-          <ac:chgData name="Gerth Stølting Brodal" userId="04ef4784-6591-4f86-a140-f5c3b108582a" providerId="ADAL" clId="{9197687F-18F0-42D4-9B72-DE14A28EAE5C}" dt="2023-02-22T09:26:35.752" v="182" actId="1037"/>
-          <ac:spMkLst>
-            <pc:docMk/>
-            <pc:sldMk cId="398569820" sldId="609"/>
-            <ac:spMk id="21" creationId="{1C11BD08-50AA-9CA2-657B-6D921A637146}"/>
-          </ac:spMkLst>
-        </pc:spChg>
-        <pc:spChg chg="add mod">
-          <ac:chgData name="Gerth Stølting Brodal" userId="04ef4784-6591-4f86-a140-f5c3b108582a" providerId="ADAL" clId="{9197687F-18F0-42D4-9B72-DE14A28EAE5C}" dt="2023-02-22T09:23:53.446" v="145" actId="1038"/>
-          <ac:spMkLst>
-            <pc:docMk/>
-            <pc:sldMk cId="398569820" sldId="609"/>
-            <ac:spMk id="22" creationId="{4FFDE4CD-FE19-AD67-DE79-062811FC6D9E}"/>
-          </ac:spMkLst>
-        </pc:spChg>
-        <pc:spChg chg="add mod">
-          <ac:chgData name="Gerth Stølting Brodal" userId="04ef4784-6591-4f86-a140-f5c3b108582a" providerId="ADAL" clId="{9197687F-18F0-42D4-9B72-DE14A28EAE5C}" dt="2023-02-22T09:26:32.379" v="178" actId="1035"/>
-          <ac:spMkLst>
-            <pc:docMk/>
-            <pc:sldMk cId="398569820" sldId="609"/>
-            <ac:spMk id="23" creationId="{EE91BB49-DC71-D43F-A921-10D69472B25C}"/>
-          </ac:spMkLst>
-        </pc:spChg>
-        <pc:grpChg chg="del mod">
-          <ac:chgData name="Gerth Stølting Brodal" userId="04ef4784-6591-4f86-a140-f5c3b108582a" providerId="ADAL" clId="{9197687F-18F0-42D4-9B72-DE14A28EAE5C}" dt="2023-02-22T09:23:01.298" v="114" actId="478"/>
-          <ac:grpSpMkLst>
-            <pc:docMk/>
-            <pc:sldMk cId="398569820" sldId="609"/>
-            <ac:grpSpMk id="10" creationId="{BDE896E9-67DA-4BF6-A480-25E4E3273B8B}"/>
-          </ac:grpSpMkLst>
-        </pc:grpChg>
-        <pc:graphicFrameChg chg="mod modGraphic">
-          <ac:chgData name="Gerth Stølting Brodal" userId="04ef4784-6591-4f86-a140-f5c3b108582a" providerId="ADAL" clId="{9197687F-18F0-42D4-9B72-DE14A28EAE5C}" dt="2023-02-26T21:36:02.884" v="606" actId="20577"/>
-          <ac:graphicFrameMkLst>
-            <pc:docMk/>
-            <pc:sldMk cId="398569820" sldId="609"/>
-            <ac:graphicFrameMk id="4" creationId="{00000000-0000-0000-0000-000000000000}"/>
-          </ac:graphicFrameMkLst>
-        </pc:graphicFrameChg>
-        <pc:picChg chg="del">
-          <ac:chgData name="Gerth Stølting Brodal" userId="04ef4784-6591-4f86-a140-f5c3b108582a" providerId="ADAL" clId="{9197687F-18F0-42D4-9B72-DE14A28EAE5C}" dt="2023-02-22T09:03:58.625" v="91" actId="478"/>
-          <ac:picMkLst>
-            <pc:docMk/>
-            <pc:sldMk cId="398569820" sldId="609"/>
-            <ac:picMk id="7" creationId="{00000000-0000-0000-0000-000000000000}"/>
-          </ac:picMkLst>
-        </pc:picChg>
-        <pc:picChg chg="add del mod">
-          <ac:chgData name="Gerth Stølting Brodal" userId="04ef4784-6591-4f86-a140-f5c3b108582a" providerId="ADAL" clId="{9197687F-18F0-42D4-9B72-DE14A28EAE5C}" dt="2023-02-22T09:05:31.798" v="99" actId="478"/>
-          <ac:picMkLst>
-            <pc:docMk/>
-            <pc:sldMk cId="398569820" sldId="609"/>
-            <ac:picMk id="16" creationId="{8747843A-8FAB-81C9-56AD-50D1038BCA13}"/>
-          </ac:picMkLst>
-        </pc:picChg>
-        <pc:picChg chg="add del mod">
-          <ac:chgData name="Gerth Stølting Brodal" userId="04ef4784-6591-4f86-a140-f5c3b108582a" providerId="ADAL" clId="{9197687F-18F0-42D4-9B72-DE14A28EAE5C}" dt="2023-02-22T09:22:49.817" v="111" actId="478"/>
-          <ac:picMkLst>
-            <pc:docMk/>
-            <pc:sldMk cId="398569820" sldId="609"/>
-            <ac:picMk id="18" creationId="{7E4FFE26-5496-FF32-75FF-5533AA57AAC6}"/>
-          </ac:picMkLst>
-        </pc:picChg>
-        <pc:picChg chg="add del mod">
-          <ac:chgData name="Gerth Stølting Brodal" userId="04ef4784-6591-4f86-a140-f5c3b108582a" providerId="ADAL" clId="{9197687F-18F0-42D4-9B72-DE14A28EAE5C}" dt="2023-02-22T09:25:37.925" v="160" actId="478"/>
-          <ac:picMkLst>
-            <pc:docMk/>
-            <pc:sldMk cId="398569820" sldId="609"/>
-            <ac:picMk id="20" creationId="{239C1094-BFA8-7E26-7C51-DEC84B2278C9}"/>
-          </ac:picMkLst>
-        </pc:picChg>
-        <pc:picChg chg="add mod ord">
-          <ac:chgData name="Gerth Stølting Brodal" userId="04ef4784-6591-4f86-a140-f5c3b108582a" providerId="ADAL" clId="{9197687F-18F0-42D4-9B72-DE14A28EAE5C}" dt="2023-02-22T09:26:19.244" v="173" actId="1076"/>
-          <ac:picMkLst>
-            <pc:docMk/>
-            <pc:sldMk cId="398569820" sldId="609"/>
-            <ac:picMk id="25" creationId="{120A0AC3-F8A0-3764-F5E9-C62D222FC5B3}"/>
-          </ac:picMkLst>
-        </pc:picChg>
       </pc:sldChg>
       <pc:sldChg chg="addSp delSp modSp new mod modAnim modNotesTx">
         <pc:chgData name="Gerth Stølting Brodal" userId="04ef4784-6591-4f86-a140-f5c3b108582a" providerId="ADAL" clId="{9197687F-18F0-42D4-9B72-DE14A28EAE5C}" dt="2023-03-13T07:46:31.855" v="2459" actId="20577"/>
@@ -904,232 +204,6 @@
           <pc:docMk/>
           <pc:sldMk cId="3874947569" sldId="610"/>
         </pc:sldMkLst>
-        <pc:spChg chg="mod">
-          <ac:chgData name="Gerth Stølting Brodal" userId="04ef4784-6591-4f86-a140-f5c3b108582a" providerId="ADAL" clId="{9197687F-18F0-42D4-9B72-DE14A28EAE5C}" dt="2023-03-12T13:44:45.478" v="2190" actId="6549"/>
-          <ac:spMkLst>
-            <pc:docMk/>
-            <pc:sldMk cId="3874947569" sldId="610"/>
-            <ac:spMk id="2" creationId="{8A7D887A-477E-5547-4340-E05CE57BD2FF}"/>
-          </ac:spMkLst>
-        </pc:spChg>
-        <pc:spChg chg="del">
-          <ac:chgData name="Gerth Stølting Brodal" userId="04ef4784-6591-4f86-a140-f5c3b108582a" providerId="ADAL" clId="{9197687F-18F0-42D4-9B72-DE14A28EAE5C}" dt="2023-03-12T12:47:58.595" v="1387" actId="478"/>
-          <ac:spMkLst>
-            <pc:docMk/>
-            <pc:sldMk cId="3874947569" sldId="610"/>
-            <ac:spMk id="3" creationId="{A76ED7C7-63E7-F03A-5B11-27548D1E1D96}"/>
-          </ac:spMkLst>
-        </pc:spChg>
-        <pc:spChg chg="add del mod">
-          <ac:chgData name="Gerth Stølting Brodal" userId="04ef4784-6591-4f86-a140-f5c3b108582a" providerId="ADAL" clId="{9197687F-18F0-42D4-9B72-DE14A28EAE5C}" dt="2023-03-12T13:04:59.102" v="1516" actId="478"/>
-          <ac:spMkLst>
-            <pc:docMk/>
-            <pc:sldMk cId="3874947569" sldId="610"/>
-            <ac:spMk id="5" creationId="{ABCCF17E-0B44-A779-88CD-A049D9DE7990}"/>
-          </ac:spMkLst>
-        </pc:spChg>
-        <pc:spChg chg="add mod">
-          <ac:chgData name="Gerth Stølting Brodal" userId="04ef4784-6591-4f86-a140-f5c3b108582a" providerId="ADAL" clId="{9197687F-18F0-42D4-9B72-DE14A28EAE5C}" dt="2023-03-13T07:46:31.855" v="2459" actId="20577"/>
-          <ac:spMkLst>
-            <pc:docMk/>
-            <pc:sldMk cId="3874947569" sldId="610"/>
-            <ac:spMk id="5" creationId="{C1A056DD-7942-DC13-82F0-C8F8674A5A1E}"/>
-          </ac:spMkLst>
-        </pc:spChg>
-        <pc:spChg chg="add del mod">
-          <ac:chgData name="Gerth Stølting Brodal" userId="04ef4784-6591-4f86-a140-f5c3b108582a" providerId="ADAL" clId="{9197687F-18F0-42D4-9B72-DE14A28EAE5C}" dt="2023-03-12T13:33:19.845" v="2097" actId="403"/>
-          <ac:spMkLst>
-            <pc:docMk/>
-            <pc:sldMk cId="3874947569" sldId="610"/>
-            <ac:spMk id="7" creationId="{466F199C-B196-A43F-39AB-8BD5282B5F33}"/>
-          </ac:spMkLst>
-        </pc:spChg>
-        <pc:spChg chg="add del mod">
-          <ac:chgData name="Gerth Stølting Brodal" userId="04ef4784-6591-4f86-a140-f5c3b108582a" providerId="ADAL" clId="{9197687F-18F0-42D4-9B72-DE14A28EAE5C}" dt="2023-03-12T13:05:10.078" v="1521"/>
-          <ac:spMkLst>
-            <pc:docMk/>
-            <pc:sldMk cId="3874947569" sldId="610"/>
-            <ac:spMk id="8" creationId="{5F1919F6-67BA-401A-CB3F-68CC72326325}"/>
-          </ac:spMkLst>
-        </pc:spChg>
-        <pc:graphicFrameChg chg="add mod modGraphic">
-          <ac:chgData name="Gerth Stølting Brodal" userId="04ef4784-6591-4f86-a140-f5c3b108582a" providerId="ADAL" clId="{9197687F-18F0-42D4-9B72-DE14A28EAE5C}" dt="2023-03-13T07:46:04.120" v="2445" actId="1076"/>
-          <ac:graphicFrameMkLst>
-            <pc:docMk/>
-            <pc:sldMk cId="3874947569" sldId="610"/>
-            <ac:graphicFrameMk id="4" creationId="{565B82F5-449A-5B10-740F-0B39EBF86426}"/>
-          </ac:graphicFrameMkLst>
-        </pc:graphicFrameChg>
-      </pc:sldChg>
-    </pc:docChg>
-  </pc:docChgLst>
-  <pc:docChgLst>
-    <pc:chgData name="Gerth Stølting Brodal" userId="04ef4784-6591-4f86-a140-f5c3b108582a" providerId="ADAL" clId="{1F324BB6-B43F-4994-A32E-C009FE83786F}"/>
-    <pc:docChg chg="undo custSel modSld">
-      <pc:chgData name="Gerth Stølting Brodal" userId="04ef4784-6591-4f86-a140-f5c3b108582a" providerId="ADAL" clId="{1F324BB6-B43F-4994-A32E-C009FE83786F}" dt="2021-02-25T21:48:23.855" v="336" actId="20577"/>
-      <pc:docMkLst>
-        <pc:docMk/>
-      </pc:docMkLst>
-      <pc:sldChg chg="modNotesTx">
-        <pc:chgData name="Gerth Stølting Brodal" userId="04ef4784-6591-4f86-a140-f5c3b108582a" providerId="ADAL" clId="{1F324BB6-B43F-4994-A32E-C009FE83786F}" dt="2021-02-25T21:48:23.855" v="336" actId="20577"/>
-        <pc:sldMkLst>
-          <pc:docMk/>
-          <pc:sldMk cId="567584679" sldId="587"/>
-        </pc:sldMkLst>
-      </pc:sldChg>
-      <pc:sldChg chg="modSp">
-        <pc:chgData name="Gerth Stølting Brodal" userId="04ef4784-6591-4f86-a140-f5c3b108582a" providerId="ADAL" clId="{1F324BB6-B43F-4994-A32E-C009FE83786F}" dt="2021-02-25T21:32:18.494" v="135" actId="20577"/>
-        <pc:sldMkLst>
-          <pc:docMk/>
-          <pc:sldMk cId="3354709852" sldId="593"/>
-        </pc:sldMkLst>
-        <pc:spChg chg="mod">
-          <ac:chgData name="Gerth Stølting Brodal" userId="04ef4784-6591-4f86-a140-f5c3b108582a" providerId="ADAL" clId="{1F324BB6-B43F-4994-A32E-C009FE83786F}" dt="2021-02-25T21:32:18.494" v="135" actId="20577"/>
-          <ac:spMkLst>
-            <pc:docMk/>
-            <pc:sldMk cId="3354709852" sldId="593"/>
-            <ac:spMk id="3" creationId="{00000000-0000-0000-0000-000000000000}"/>
-          </ac:spMkLst>
-        </pc:spChg>
-      </pc:sldChg>
-      <pc:sldChg chg="addSp modSp mod modAnim">
-        <pc:chgData name="Gerth Stølting Brodal" userId="04ef4784-6591-4f86-a140-f5c3b108582a" providerId="ADAL" clId="{1F324BB6-B43F-4994-A32E-C009FE83786F}" dt="2021-02-25T21:19:54.304" v="129"/>
-        <pc:sldMkLst>
-          <pc:docMk/>
-          <pc:sldMk cId="345092261" sldId="598"/>
-        </pc:sldMkLst>
-        <pc:spChg chg="add mod">
-          <ac:chgData name="Gerth Stølting Brodal" userId="04ef4784-6591-4f86-a140-f5c3b108582a" providerId="ADAL" clId="{1F324BB6-B43F-4994-A32E-C009FE83786F}" dt="2021-02-25T21:19:47.928" v="128" actId="1076"/>
-          <ac:spMkLst>
-            <pc:docMk/>
-            <pc:sldMk cId="345092261" sldId="598"/>
-            <ac:spMk id="3" creationId="{C46E9671-7052-4F22-AFFE-4B31A74DBB92}"/>
-          </ac:spMkLst>
-        </pc:spChg>
-        <pc:spChg chg="add mod">
-          <ac:chgData name="Gerth Stølting Brodal" userId="04ef4784-6591-4f86-a140-f5c3b108582a" providerId="ADAL" clId="{1F324BB6-B43F-4994-A32E-C009FE83786F}" dt="2021-02-25T21:19:40.022" v="127" actId="571"/>
-          <ac:spMkLst>
-            <pc:docMk/>
-            <pc:sldMk cId="345092261" sldId="598"/>
-            <ac:spMk id="7" creationId="{A13F79F4-1122-4BD8-ABEA-5F753924411C}"/>
-          </ac:spMkLst>
-        </pc:spChg>
-      </pc:sldChg>
-      <pc:sldChg chg="addSp delSp modSp mod modAnim">
-        <pc:chgData name="Gerth Stølting Brodal" userId="04ef4784-6591-4f86-a140-f5c3b108582a" providerId="ADAL" clId="{1F324BB6-B43F-4994-A32E-C009FE83786F}" dt="2021-02-25T19:30:51.449" v="64" actId="1076"/>
-        <pc:sldMkLst>
-          <pc:docMk/>
-          <pc:sldMk cId="3608860866" sldId="599"/>
-        </pc:sldMkLst>
-        <pc:spChg chg="add del mod">
-          <ac:chgData name="Gerth Stølting Brodal" userId="04ef4784-6591-4f86-a140-f5c3b108582a" providerId="ADAL" clId="{1F324BB6-B43F-4994-A32E-C009FE83786F}" dt="2021-02-25T19:27:15.876" v="1"/>
-          <ac:spMkLst>
-            <pc:docMk/>
-            <pc:sldMk cId="3608860866" sldId="599"/>
-            <ac:spMk id="7" creationId="{1F1ACDC4-40F8-4156-8D9B-8BF61627A8B4}"/>
-          </ac:spMkLst>
-        </pc:spChg>
-        <pc:spChg chg="add del mod">
-          <ac:chgData name="Gerth Stølting Brodal" userId="04ef4784-6591-4f86-a140-f5c3b108582a" providerId="ADAL" clId="{1F324BB6-B43F-4994-A32E-C009FE83786F}" dt="2021-02-25T19:27:57.946" v="8"/>
-          <ac:spMkLst>
-            <pc:docMk/>
-            <pc:sldMk cId="3608860866" sldId="599"/>
-            <ac:spMk id="8" creationId="{522DA59D-99F7-433E-A4C6-357A6A786636}"/>
-          </ac:spMkLst>
-        </pc:spChg>
-        <pc:graphicFrameChg chg="add mod modGraphic">
-          <ac:chgData name="Gerth Stølting Brodal" userId="04ef4784-6591-4f86-a140-f5c3b108582a" providerId="ADAL" clId="{1F324BB6-B43F-4994-A32E-C009FE83786F}" dt="2021-02-25T19:30:51.449" v="64" actId="1076"/>
-          <ac:graphicFrameMkLst>
-            <pc:docMk/>
-            <pc:sldMk cId="3608860866" sldId="599"/>
-            <ac:graphicFrameMk id="9" creationId="{4A9AFBE2-ED33-413C-B3AB-4F117126A0AF}"/>
-          </ac:graphicFrameMkLst>
-        </pc:graphicFrameChg>
-      </pc:sldChg>
-      <pc:sldChg chg="addSp modSp mod">
-        <pc:chgData name="Gerth Stølting Brodal" userId="04ef4784-6591-4f86-a140-f5c3b108582a" providerId="ADAL" clId="{1F324BB6-B43F-4994-A32E-C009FE83786F}" dt="2021-02-25T21:39:51.129" v="285" actId="1076"/>
-        <pc:sldMkLst>
-          <pc:docMk/>
-          <pc:sldMk cId="2518119805" sldId="601"/>
-        </pc:sldMkLst>
-        <pc:spChg chg="add mod">
-          <ac:chgData name="Gerth Stølting Brodal" userId="04ef4784-6591-4f86-a140-f5c3b108582a" providerId="ADAL" clId="{1F324BB6-B43F-4994-A32E-C009FE83786F}" dt="2021-02-25T21:39:51.129" v="285" actId="1076"/>
-          <ac:spMkLst>
-            <pc:docMk/>
-            <pc:sldMk cId="2518119805" sldId="601"/>
-            <ac:spMk id="5" creationId="{EC500E2C-2DBB-4718-912E-C47C1F4AD9E1}"/>
-          </ac:spMkLst>
-        </pc:spChg>
-      </pc:sldChg>
-      <pc:sldChg chg="addSp modSp mod modAnim">
-        <pc:chgData name="Gerth Stølting Brodal" userId="04ef4784-6591-4f86-a140-f5c3b108582a" providerId="ADAL" clId="{1F324BB6-B43F-4994-A32E-C009FE83786F}" dt="2021-02-25T20:00:17.712" v="114" actId="1035"/>
-        <pc:sldMkLst>
-          <pc:docMk/>
-          <pc:sldMk cId="1220840155" sldId="606"/>
-        </pc:sldMkLst>
-        <pc:spChg chg="mod">
-          <ac:chgData name="Gerth Stølting Brodal" userId="04ef4784-6591-4f86-a140-f5c3b108582a" providerId="ADAL" clId="{1F324BB6-B43F-4994-A32E-C009FE83786F}" dt="2021-02-25T19:57:32.025" v="87" actId="1036"/>
-          <ac:spMkLst>
-            <pc:docMk/>
-            <pc:sldMk cId="1220840155" sldId="606"/>
-            <ac:spMk id="11" creationId="{82C487F2-6355-4B77-AF2A-8C818637B87D}"/>
-          </ac:spMkLst>
-        </pc:spChg>
-        <pc:spChg chg="mod">
-          <ac:chgData name="Gerth Stølting Brodal" userId="04ef4784-6591-4f86-a140-f5c3b108582a" providerId="ADAL" clId="{1F324BB6-B43F-4994-A32E-C009FE83786F}" dt="2021-02-25T19:57:38.892" v="91" actId="1035"/>
-          <ac:spMkLst>
-            <pc:docMk/>
-            <pc:sldMk cId="1220840155" sldId="606"/>
-            <ac:spMk id="12" creationId="{4970697C-7C6C-4D71-8F07-939FCCFC48E4}"/>
-          </ac:spMkLst>
-        </pc:spChg>
-        <pc:spChg chg="mod">
-          <ac:chgData name="Gerth Stølting Brodal" userId="04ef4784-6591-4f86-a140-f5c3b108582a" providerId="ADAL" clId="{1F324BB6-B43F-4994-A32E-C009FE83786F}" dt="2021-02-25T20:00:17.712" v="114" actId="1035"/>
-          <ac:spMkLst>
-            <pc:docMk/>
-            <pc:sldMk cId="1220840155" sldId="606"/>
-            <ac:spMk id="13" creationId="{563CC9C7-E5C7-4D47-B82F-7E6D2BF9C4EE}"/>
-          </ac:spMkLst>
-        </pc:spChg>
-        <pc:spChg chg="mod">
-          <ac:chgData name="Gerth Stølting Brodal" userId="04ef4784-6591-4f86-a140-f5c3b108582a" providerId="ADAL" clId="{1F324BB6-B43F-4994-A32E-C009FE83786F}" dt="2021-02-25T19:57:53.607" v="100" actId="1036"/>
-          <ac:spMkLst>
-            <pc:docMk/>
-            <pc:sldMk cId="1220840155" sldId="606"/>
-            <ac:spMk id="14" creationId="{033EE1FA-4FDB-4546-9494-30CF3185FFD2}"/>
-          </ac:spMkLst>
-        </pc:spChg>
-        <pc:spChg chg="mod">
-          <ac:chgData name="Gerth Stølting Brodal" userId="04ef4784-6591-4f86-a140-f5c3b108582a" providerId="ADAL" clId="{1F324BB6-B43F-4994-A32E-C009FE83786F}" dt="2021-02-25T20:00:10.984" v="111" actId="1035"/>
-          <ac:spMkLst>
-            <pc:docMk/>
-            <pc:sldMk cId="1220840155" sldId="606"/>
-            <ac:spMk id="15" creationId="{128DA2F3-3A35-45F2-A76B-37AF84D9992D}"/>
-          </ac:spMkLst>
-        </pc:spChg>
-        <pc:grpChg chg="add mod">
-          <ac:chgData name="Gerth Stølting Brodal" userId="04ef4784-6591-4f86-a140-f5c3b108582a" providerId="ADAL" clId="{1F324BB6-B43F-4994-A32E-C009FE83786F}" dt="2021-02-25T19:51:48.478" v="68" actId="1076"/>
-          <ac:grpSpMkLst>
-            <pc:docMk/>
-            <pc:sldMk cId="1220840155" sldId="606"/>
-            <ac:grpSpMk id="10" creationId="{BDE896E9-67DA-4BF6-A480-25E4E3273B8B}"/>
-          </ac:grpSpMkLst>
-        </pc:grpChg>
-      </pc:sldChg>
-      <pc:sldChg chg="modSp mod">
-        <pc:chgData name="Gerth Stølting Brodal" userId="04ef4784-6591-4f86-a140-f5c3b108582a" providerId="ADAL" clId="{1F324BB6-B43F-4994-A32E-C009FE83786F}" dt="2021-02-25T19:51:37.967" v="66" actId="1076"/>
-        <pc:sldMkLst>
-          <pc:docMk/>
-          <pc:sldMk cId="3107987302" sldId="607"/>
-        </pc:sldMkLst>
-        <pc:grpChg chg="mod">
-          <ac:chgData name="Gerth Stølting Brodal" userId="04ef4784-6591-4f86-a140-f5c3b108582a" providerId="ADAL" clId="{1F324BB6-B43F-4994-A32E-C009FE83786F}" dt="2021-02-25T19:51:37.967" v="66" actId="1076"/>
-          <ac:grpSpMkLst>
-            <pc:docMk/>
-            <pc:sldMk cId="3107987302" sldId="607"/>
-            <ac:grpSpMk id="22" creationId="{00000000-0000-0000-0000-000000000000}"/>
-          </ac:grpSpMkLst>
-        </pc:grpChg>
       </pc:sldChg>
     </pc:docChg>
   </pc:docChgLst>
@@ -1160,20 +234,224 @@
           <pc:docMk/>
           <pc:sldMk cId="1045497289" sldId="602"/>
         </pc:sldMkLst>
-        <pc:spChg chg="add mod">
-          <ac:chgData name="Gerth Stølting Brodal" userId="04ef4784-6591-4f86-a140-f5c3b108582a" providerId="ADAL" clId="{326A0C18-D6A9-4FD3-B28F-B5526EB98DFC}" dt="2022-02-22T22:24:09.065" v="2" actId="1076"/>
-          <ac:spMkLst>
-            <pc:docMk/>
-            <pc:sldMk cId="1045497289" sldId="602"/>
-            <ac:spMk id="6" creationId="{75B12BBD-3B40-4DDA-BECE-F7ECC213EEB2}"/>
-          </ac:spMkLst>
-        </pc:spChg>
       </pc:sldChg>
       <pc:sldChg chg="modNotesTx">
         <pc:chgData name="Gerth Stølting Brodal" userId="04ef4784-6591-4f86-a140-f5c3b108582a" providerId="ADAL" clId="{326A0C18-D6A9-4FD3-B28F-B5526EB98DFC}" dt="2022-02-22T22:30:56.835" v="169" actId="20577"/>
         <pc:sldMkLst>
           <pc:docMk/>
           <pc:sldMk cId="2526829614" sldId="605"/>
+        </pc:sldMkLst>
+      </pc:sldChg>
+    </pc:docChg>
+  </pc:docChgLst>
+  <pc:docChgLst>
+    <pc:chgData name="Gerth Stølting Brodal" userId="04ef4784-6591-4f86-a140-f5c3b108582a" providerId="ADAL" clId="{15423D16-B30F-4DAE-B86A-7A9C21301905}"/>
+    <pc:docChg chg="undo custSel modSld">
+      <pc:chgData name="Gerth Stølting Brodal" userId="04ef4784-6591-4f86-a140-f5c3b108582a" providerId="ADAL" clId="{15423D16-B30F-4DAE-B86A-7A9C21301905}" dt="2025-02-23T19:49:46.719" v="127" actId="20577"/>
+      <pc:docMkLst>
+        <pc:docMk/>
+      </pc:docMkLst>
+      <pc:sldChg chg="modNotesTx">
+        <pc:chgData name="Gerth Stølting Brodal" userId="04ef4784-6591-4f86-a140-f5c3b108582a" providerId="ADAL" clId="{15423D16-B30F-4DAE-B86A-7A9C21301905}" dt="2025-02-23T19:30:48.235" v="54" actId="20577"/>
+        <pc:sldMkLst>
+          <pc:docMk/>
+          <pc:sldMk cId="3149368856" sldId="596"/>
+        </pc:sldMkLst>
+      </pc:sldChg>
+      <pc:sldChg chg="modNotesTx">
+        <pc:chgData name="Gerth Stølting Brodal" userId="04ef4784-6591-4f86-a140-f5c3b108582a" providerId="ADAL" clId="{15423D16-B30F-4DAE-B86A-7A9C21301905}" dt="2025-02-23T19:49:46.719" v="127" actId="20577"/>
+        <pc:sldMkLst>
+          <pc:docMk/>
+          <pc:sldMk cId="398569820" sldId="609"/>
+        </pc:sldMkLst>
+      </pc:sldChg>
+      <pc:sldChg chg="modSp mod">
+        <pc:chgData name="Gerth Stølting Brodal" userId="04ef4784-6591-4f86-a140-f5c3b108582a" providerId="ADAL" clId="{15423D16-B30F-4DAE-B86A-7A9C21301905}" dt="2025-02-23T19:37:00.902" v="55" actId="20577"/>
+        <pc:sldMkLst>
+          <pc:docMk/>
+          <pc:sldMk cId="3874947569" sldId="610"/>
+        </pc:sldMkLst>
+        <pc:spChg chg="mod">
+          <ac:chgData name="Gerth Stølting Brodal" userId="04ef4784-6591-4f86-a140-f5c3b108582a" providerId="ADAL" clId="{15423D16-B30F-4DAE-B86A-7A9C21301905}" dt="2025-02-23T19:37:00.902" v="55" actId="20577"/>
+          <ac:spMkLst>
+            <pc:docMk/>
+            <pc:sldMk cId="3874947569" sldId="610"/>
+            <ac:spMk id="5" creationId="{C1A056DD-7942-DC13-82F0-C8F8674A5A1E}"/>
+          </ac:spMkLst>
+        </pc:spChg>
+      </pc:sldChg>
+    </pc:docChg>
+  </pc:docChgLst>
+  <pc:docChgLst>
+    <pc:chgData name="Gerth Stølting Brodal" userId="04ef4784-6591-4f86-a140-f5c3b108582a" providerId="ADAL" clId="{1469466D-464E-4DC8-B62D-B95481E21BC1}"/>
+    <pc:docChg chg="undo custSel addSld delSld modSld">
+      <pc:chgData name="Gerth Stølting Brodal" userId="04ef4784-6591-4f86-a140-f5c3b108582a" providerId="ADAL" clId="{1469466D-464E-4DC8-B62D-B95481E21BC1}" dt="2022-04-06T04:59:21.138" v="837" actId="20577"/>
+      <pc:docMkLst>
+        <pc:docMk/>
+      </pc:docMkLst>
+      <pc:sldChg chg="modSp mod">
+        <pc:chgData name="Gerth Stølting Brodal" userId="04ef4784-6591-4f86-a140-f5c3b108582a" providerId="ADAL" clId="{1469466D-464E-4DC8-B62D-B95481E21BC1}" dt="2022-04-05T19:48:08.321" v="190" actId="20577"/>
+        <pc:sldMkLst>
+          <pc:docMk/>
+          <pc:sldMk cId="1177245852" sldId="590"/>
+        </pc:sldMkLst>
+      </pc:sldChg>
+      <pc:sldChg chg="modSp mod">
+        <pc:chgData name="Gerth Stølting Brodal" userId="04ef4784-6591-4f86-a140-f5c3b108582a" providerId="ADAL" clId="{1469466D-464E-4DC8-B62D-B95481E21BC1}" dt="2022-04-05T19:48:23.681" v="192" actId="20577"/>
+        <pc:sldMkLst>
+          <pc:docMk/>
+          <pc:sldMk cId="1526489455" sldId="592"/>
+        </pc:sldMkLst>
+      </pc:sldChg>
+      <pc:sldChg chg="modSp mod">
+        <pc:chgData name="Gerth Stølting Brodal" userId="04ef4784-6591-4f86-a140-f5c3b108582a" providerId="ADAL" clId="{1469466D-464E-4DC8-B62D-B95481E21BC1}" dt="2022-04-05T19:48:28.682" v="193" actId="6549"/>
+        <pc:sldMkLst>
+          <pc:docMk/>
+          <pc:sldMk cId="3354709852" sldId="593"/>
+        </pc:sldMkLst>
+      </pc:sldChg>
+      <pc:sldChg chg="modSp mod">
+        <pc:chgData name="Gerth Stølting Brodal" userId="04ef4784-6591-4f86-a140-f5c3b108582a" providerId="ADAL" clId="{1469466D-464E-4DC8-B62D-B95481E21BC1}" dt="2022-04-05T19:48:34.575" v="194" actId="20577"/>
+        <pc:sldMkLst>
+          <pc:docMk/>
+          <pc:sldMk cId="3608860866" sldId="599"/>
+        </pc:sldMkLst>
+      </pc:sldChg>
+      <pc:sldChg chg="del">
+        <pc:chgData name="Gerth Stølting Brodal" userId="04ef4784-6591-4f86-a140-f5c3b108582a" providerId="ADAL" clId="{1469466D-464E-4DC8-B62D-B95481E21BC1}" dt="2022-04-05T16:59:31.022" v="0" actId="47"/>
+        <pc:sldMkLst>
+          <pc:docMk/>
+          <pc:sldMk cId="1041664159" sldId="603"/>
+        </pc:sldMkLst>
+      </pc:sldChg>
+      <pc:sldChg chg="addSp delSp modSp new mod addAnim delAnim modAnim modNotesTx">
+        <pc:chgData name="Gerth Stølting Brodal" userId="04ef4784-6591-4f86-a140-f5c3b108582a" providerId="ADAL" clId="{1469466D-464E-4DC8-B62D-B95481E21BC1}" dt="2022-04-06T04:59:21.138" v="837" actId="20577"/>
+        <pc:sldMkLst>
+          <pc:docMk/>
+          <pc:sldMk cId="1429464979" sldId="608"/>
+        </pc:sldMkLst>
+      </pc:sldChg>
+    </pc:docChg>
+  </pc:docChgLst>
+  <pc:docChgLst>
+    <pc:chgData name="Gerth Stølting Brodal" userId="04ef4784-6591-4f86-a140-f5c3b108582a" providerId="ADAL" clId="{C2D62179-613D-4612-B99D-80773BC59D82}"/>
+    <pc:docChg chg="undo custSel modSld">
+      <pc:chgData name="Gerth Stølting Brodal" userId="04ef4784-6591-4f86-a140-f5c3b108582a" providerId="ADAL" clId="{C2D62179-613D-4612-B99D-80773BC59D82}" dt="2024-02-26T08:09:34.899" v="90"/>
+      <pc:docMkLst>
+        <pc:docMk/>
+      </pc:docMkLst>
+      <pc:sldChg chg="modNotesTx">
+        <pc:chgData name="Gerth Stølting Brodal" userId="04ef4784-6591-4f86-a140-f5c3b108582a" providerId="ADAL" clId="{C2D62179-613D-4612-B99D-80773BC59D82}" dt="2024-02-26T08:07:05.182" v="89" actId="6549"/>
+        <pc:sldMkLst>
+          <pc:docMk/>
+          <pc:sldMk cId="567584679" sldId="587"/>
+        </pc:sldMkLst>
+      </pc:sldChg>
+      <pc:sldChg chg="modSp mod">
+        <pc:chgData name="Gerth Stølting Brodal" userId="04ef4784-6591-4f86-a140-f5c3b108582a" providerId="ADAL" clId="{C2D62179-613D-4612-B99D-80773BC59D82}" dt="2024-02-26T07:51:58.368" v="82" actId="207"/>
+        <pc:sldMkLst>
+          <pc:docMk/>
+          <pc:sldMk cId="1526489455" sldId="592"/>
+        </pc:sldMkLst>
+      </pc:sldChg>
+      <pc:sldChg chg="modSp mod modNotesTx">
+        <pc:chgData name="Gerth Stølting Brodal" userId="04ef4784-6591-4f86-a140-f5c3b108582a" providerId="ADAL" clId="{C2D62179-613D-4612-B99D-80773BC59D82}" dt="2024-02-26T07:52:13.521" v="85" actId="207"/>
+        <pc:sldMkLst>
+          <pc:docMk/>
+          <pc:sldMk cId="3354709852" sldId="593"/>
+        </pc:sldMkLst>
+      </pc:sldChg>
+      <pc:sldChg chg="modSp">
+        <pc:chgData name="Gerth Stølting Brodal" userId="04ef4784-6591-4f86-a140-f5c3b108582a" providerId="ADAL" clId="{C2D62179-613D-4612-B99D-80773BC59D82}" dt="2024-02-21T08:44:28.631" v="0" actId="6549"/>
+        <pc:sldMkLst>
+          <pc:docMk/>
+          <pc:sldMk cId="3149368856" sldId="596"/>
+        </pc:sldMkLst>
+      </pc:sldChg>
+      <pc:sldChg chg="modSp mod">
+        <pc:chgData name="Gerth Stølting Brodal" userId="04ef4784-6591-4f86-a140-f5c3b108582a" providerId="ADAL" clId="{C2D62179-613D-4612-B99D-80773BC59D82}" dt="2024-02-21T09:00:15.555" v="64" actId="313"/>
+        <pc:sldMkLst>
+          <pc:docMk/>
+          <pc:sldMk cId="2518119805" sldId="601"/>
+        </pc:sldMkLst>
+      </pc:sldChg>
+      <pc:sldChg chg="modSp mod">
+        <pc:chgData name="Gerth Stølting Brodal" userId="04ef4784-6591-4f86-a140-f5c3b108582a" providerId="ADAL" clId="{C2D62179-613D-4612-B99D-80773BC59D82}" dt="2024-02-25T19:04:53.683" v="76" actId="6549"/>
+        <pc:sldMkLst>
+          <pc:docMk/>
+          <pc:sldMk cId="1045497289" sldId="602"/>
+        </pc:sldMkLst>
+      </pc:sldChg>
+      <pc:sldChg chg="modAnim">
+        <pc:chgData name="Gerth Stølting Brodal" userId="04ef4784-6591-4f86-a140-f5c3b108582a" providerId="ADAL" clId="{C2D62179-613D-4612-B99D-80773BC59D82}" dt="2024-02-26T08:09:34.899" v="90"/>
+        <pc:sldMkLst>
+          <pc:docMk/>
+          <pc:sldMk cId="1220840155" sldId="606"/>
+        </pc:sldMkLst>
+      </pc:sldChg>
+      <pc:sldChg chg="modNotesTx">
+        <pc:chgData name="Gerth Stølting Brodal" userId="04ef4784-6591-4f86-a140-f5c3b108582a" providerId="ADAL" clId="{C2D62179-613D-4612-B99D-80773BC59D82}" dt="2024-02-21T08:56:09.842" v="15" actId="20577"/>
+        <pc:sldMkLst>
+          <pc:docMk/>
+          <pc:sldMk cId="1429464979" sldId="608"/>
+        </pc:sldMkLst>
+      </pc:sldChg>
+    </pc:docChg>
+  </pc:docChgLst>
+  <pc:docChgLst>
+    <pc:chgData name="Gerth Stølting Brodal" userId="04ef4784-6591-4f86-a140-f5c3b108582a" providerId="ADAL" clId="{1F324BB6-B43F-4994-A32E-C009FE83786F}"/>
+    <pc:docChg chg="undo custSel modSld">
+      <pc:chgData name="Gerth Stølting Brodal" userId="04ef4784-6591-4f86-a140-f5c3b108582a" providerId="ADAL" clId="{1F324BB6-B43F-4994-A32E-C009FE83786F}" dt="2021-02-25T21:48:23.855" v="336" actId="20577"/>
+      <pc:docMkLst>
+        <pc:docMk/>
+      </pc:docMkLst>
+      <pc:sldChg chg="modNotesTx">
+        <pc:chgData name="Gerth Stølting Brodal" userId="04ef4784-6591-4f86-a140-f5c3b108582a" providerId="ADAL" clId="{1F324BB6-B43F-4994-A32E-C009FE83786F}" dt="2021-02-25T21:48:23.855" v="336" actId="20577"/>
+        <pc:sldMkLst>
+          <pc:docMk/>
+          <pc:sldMk cId="567584679" sldId="587"/>
+        </pc:sldMkLst>
+      </pc:sldChg>
+      <pc:sldChg chg="modSp">
+        <pc:chgData name="Gerth Stølting Brodal" userId="04ef4784-6591-4f86-a140-f5c3b108582a" providerId="ADAL" clId="{1F324BB6-B43F-4994-A32E-C009FE83786F}" dt="2021-02-25T21:32:18.494" v="135" actId="20577"/>
+        <pc:sldMkLst>
+          <pc:docMk/>
+          <pc:sldMk cId="3354709852" sldId="593"/>
+        </pc:sldMkLst>
+      </pc:sldChg>
+      <pc:sldChg chg="addSp modSp mod modAnim">
+        <pc:chgData name="Gerth Stølting Brodal" userId="04ef4784-6591-4f86-a140-f5c3b108582a" providerId="ADAL" clId="{1F324BB6-B43F-4994-A32E-C009FE83786F}" dt="2021-02-25T21:19:54.304" v="129"/>
+        <pc:sldMkLst>
+          <pc:docMk/>
+          <pc:sldMk cId="345092261" sldId="598"/>
+        </pc:sldMkLst>
+      </pc:sldChg>
+      <pc:sldChg chg="addSp delSp modSp mod modAnim">
+        <pc:chgData name="Gerth Stølting Brodal" userId="04ef4784-6591-4f86-a140-f5c3b108582a" providerId="ADAL" clId="{1F324BB6-B43F-4994-A32E-C009FE83786F}" dt="2021-02-25T19:30:51.449" v="64" actId="1076"/>
+        <pc:sldMkLst>
+          <pc:docMk/>
+          <pc:sldMk cId="3608860866" sldId="599"/>
+        </pc:sldMkLst>
+      </pc:sldChg>
+      <pc:sldChg chg="addSp modSp mod">
+        <pc:chgData name="Gerth Stølting Brodal" userId="04ef4784-6591-4f86-a140-f5c3b108582a" providerId="ADAL" clId="{1F324BB6-B43F-4994-A32E-C009FE83786F}" dt="2021-02-25T21:39:51.129" v="285" actId="1076"/>
+        <pc:sldMkLst>
+          <pc:docMk/>
+          <pc:sldMk cId="2518119805" sldId="601"/>
+        </pc:sldMkLst>
+      </pc:sldChg>
+      <pc:sldChg chg="addSp modSp mod modAnim">
+        <pc:chgData name="Gerth Stølting Brodal" userId="04ef4784-6591-4f86-a140-f5c3b108582a" providerId="ADAL" clId="{1F324BB6-B43F-4994-A32E-C009FE83786F}" dt="2021-02-25T20:00:17.712" v="114" actId="1035"/>
+        <pc:sldMkLst>
+          <pc:docMk/>
+          <pc:sldMk cId="1220840155" sldId="606"/>
+        </pc:sldMkLst>
+      </pc:sldChg>
+      <pc:sldChg chg="modSp mod">
+        <pc:chgData name="Gerth Stølting Brodal" userId="04ef4784-6591-4f86-a140-f5c3b108582a" providerId="ADAL" clId="{1F324BB6-B43F-4994-A32E-C009FE83786F}" dt="2021-02-25T19:51:37.967" v="66" actId="1076"/>
+        <pc:sldMkLst>
+          <pc:docMk/>
+          <pc:sldMk cId="3107987302" sldId="607"/>
         </pc:sldMkLst>
       </pc:sldChg>
     </pc:docChg>
@@ -1263,7 +541,7 @@
           <a:p>
             <a:fld id="{FB1A172F-81D4-4DC4-9113-1DBD56EC3646}" type="datetimeFigureOut">
               <a:rPr lang="en-US" smtClean="0"/>
-              <a:t>2/26/2024</a:t>
+              <a:t>2/23/2025</a:t>
             </a:fld>
             <a:endParaRPr lang="en-US"/>
           </a:p>
@@ -2122,13 +1400,67 @@
             </a:pPr>
             <a:r>
               <a:rPr lang="en-US" dirty="0"/>
-              <a:t>Concatenates list using </a:t>
-            </a:r>
-            <a:r>
-              <a:rPr lang="en-US"/>
-              <a:t>[*] notation</a:t>
-            </a:r>
-            <a:endParaRPr lang="en-US" dirty="0"/>
+              <a:t>Concatenates list using [*] notation</a:t>
+            </a:r>
+          </a:p>
+          <a:p>
+            <a:pPr marL="0" marR="0" lvl="0" indent="0" algn="l" defTabSz="914400" rtl="0" eaLnBrk="1" fontAlgn="auto" latinLnBrk="0" hangingPunct="1">
+              <a:lnSpc>
+                <a:spcPct val="100000"/>
+              </a:lnSpc>
+              <a:spcBef>
+                <a:spcPts val="0"/>
+              </a:spcBef>
+              <a:spcAft>
+                <a:spcPts val="0"/>
+              </a:spcAft>
+              <a:buClrTx/>
+              <a:buSzTx/>
+              <a:buFontTx/>
+              <a:buNone/>
+              <a:tabLst/>
+              <a:defRPr/>
+            </a:pPr>
+            <a:r>
+              <a:rPr lang="en-US" dirty="0" err="1"/>
+              <a:t>plt.axis</a:t>
+            </a:r>
+            <a:r>
+              <a:rPr lang="en-US" dirty="0"/>
+              <a:t>([</a:t>
+            </a:r>
+            <a:r>
+              <a:rPr lang="en-US" dirty="0" err="1"/>
+              <a:t>xmin</a:t>
+            </a:r>
+            <a:r>
+              <a:rPr lang="en-US" dirty="0"/>
+              <a:t>, </a:t>
+            </a:r>
+            <a:r>
+              <a:rPr lang="en-US" dirty="0" err="1"/>
+              <a:t>xmax</a:t>
+            </a:r>
+            <a:r>
+              <a:rPr lang="en-US" dirty="0"/>
+              <a:t>, </a:t>
+            </a:r>
+            <a:r>
+              <a:rPr lang="en-US" dirty="0" err="1"/>
+              <a:t>ymin</a:t>
+            </a:r>
+            <a:r>
+              <a:rPr lang="en-US" dirty="0"/>
+              <a:t>, </a:t>
+            </a:r>
+            <a:r>
+              <a:rPr lang="en-US" dirty="0" err="1"/>
+              <a:t>ymax</a:t>
+            </a:r>
+            <a:r>
+              <a:rPr lang="en-US" dirty="0"/>
+              <a:t>])</a:t>
+            </a:r>
           </a:p>
           <a:p>
             <a:endParaRPr lang="en-US" dirty="0"/>
@@ -3330,7 +2662,7 @@
           <a:p>
             <a:fld id="{0560A9CD-0304-4E0B-9E82-E7E0115DE05B}" type="datetimeFigureOut">
               <a:rPr lang="en-US" smtClean="0"/>
-              <a:t>2/26/2024</a:t>
+              <a:t>2/23/2025</a:t>
             </a:fld>
             <a:endParaRPr lang="en-US"/>
           </a:p>
@@ -3498,7 +2830,7 @@
           <a:p>
             <a:fld id="{0560A9CD-0304-4E0B-9E82-E7E0115DE05B}" type="datetimeFigureOut">
               <a:rPr lang="en-US" smtClean="0"/>
-              <a:t>2/26/2024</a:t>
+              <a:t>2/23/2025</a:t>
             </a:fld>
             <a:endParaRPr lang="en-US"/>
           </a:p>
@@ -3676,7 +3008,7 @@
           <a:p>
             <a:fld id="{0560A9CD-0304-4E0B-9E82-E7E0115DE05B}" type="datetimeFigureOut">
               <a:rPr lang="en-US" smtClean="0"/>
-              <a:t>2/26/2024</a:t>
+              <a:t>2/23/2025</a:t>
             </a:fld>
             <a:endParaRPr lang="en-US"/>
           </a:p>
@@ -3859,7 +3191,7 @@
           <a:p>
             <a:fld id="{0560A9CD-0304-4E0B-9E82-E7E0115DE05B}" type="datetimeFigureOut">
               <a:rPr lang="en-US" smtClean="0"/>
-              <a:t>2/26/2024</a:t>
+              <a:t>2/23/2025</a:t>
             </a:fld>
             <a:endParaRPr lang="en-US"/>
           </a:p>
@@ -4104,7 +3436,7 @@
           <a:p>
             <a:fld id="{0560A9CD-0304-4E0B-9E82-E7E0115DE05B}" type="datetimeFigureOut">
               <a:rPr lang="en-US" smtClean="0"/>
-              <a:t>2/26/2024</a:t>
+              <a:t>2/23/2025</a:t>
             </a:fld>
             <a:endParaRPr lang="en-US"/>
           </a:p>
@@ -4333,7 +3665,7 @@
           <a:p>
             <a:fld id="{0560A9CD-0304-4E0B-9E82-E7E0115DE05B}" type="datetimeFigureOut">
               <a:rPr lang="en-US" smtClean="0"/>
-              <a:t>2/26/2024</a:t>
+              <a:t>2/23/2025</a:t>
             </a:fld>
             <a:endParaRPr lang="en-US"/>
           </a:p>
@@ -4697,7 +4029,7 @@
           <a:p>
             <a:fld id="{0560A9CD-0304-4E0B-9E82-E7E0115DE05B}" type="datetimeFigureOut">
               <a:rPr lang="en-US" smtClean="0"/>
-              <a:t>2/26/2024</a:t>
+              <a:t>2/23/2025</a:t>
             </a:fld>
             <a:endParaRPr lang="en-US"/>
           </a:p>
@@ -4814,7 +4146,7 @@
           <a:p>
             <a:fld id="{0560A9CD-0304-4E0B-9E82-E7E0115DE05B}" type="datetimeFigureOut">
               <a:rPr lang="en-US" smtClean="0"/>
-              <a:t>2/26/2024</a:t>
+              <a:t>2/23/2025</a:t>
             </a:fld>
             <a:endParaRPr lang="en-US"/>
           </a:p>
@@ -4909,7 +4241,7 @@
           <a:p>
             <a:fld id="{0560A9CD-0304-4E0B-9E82-E7E0115DE05B}" type="datetimeFigureOut">
               <a:rPr lang="en-US" smtClean="0"/>
-              <a:t>2/26/2024</a:t>
+              <a:t>2/23/2025</a:t>
             </a:fld>
             <a:endParaRPr lang="en-US"/>
           </a:p>
@@ -5184,7 +4516,7 @@
           <a:p>
             <a:fld id="{0560A9CD-0304-4E0B-9E82-E7E0115DE05B}" type="datetimeFigureOut">
               <a:rPr lang="en-US" smtClean="0"/>
-              <a:t>2/26/2024</a:t>
+              <a:t>2/23/2025</a:t>
             </a:fld>
             <a:endParaRPr lang="en-US"/>
           </a:p>
@@ -5436,7 +4768,7 @@
           <a:p>
             <a:fld id="{0560A9CD-0304-4E0B-9E82-E7E0115DE05B}" type="datetimeFigureOut">
               <a:rPr lang="en-US" smtClean="0"/>
-              <a:t>2/26/2024</a:t>
+              <a:t>2/23/2025</a:t>
             </a:fld>
             <a:endParaRPr lang="en-US"/>
           </a:p>
@@ -5647,7 +4979,7 @@
           <a:p>
             <a:fld id="{0560A9CD-0304-4E0B-9E82-E7E0115DE05B}" type="datetimeFigureOut">
               <a:rPr lang="en-US" smtClean="0"/>
-              <a:t>2/26/2024</a:t>
+              <a:t>2/23/2025</a:t>
             </a:fld>
             <a:endParaRPr lang="en-US"/>
           </a:p>
@@ -31685,7 +31017,7 @@
             </a:r>
             <a:r>
               <a:rPr lang="en-US" dirty="0"/>
-              <a:t>, by Robert C Martin (2009)</a:t>
+              <a:t>, by Robert C. Martin (2009)</a:t>
             </a:r>
             <a:endParaRPr lang="da-DK" dirty="0"/>
           </a:p>

--- a/ipsa/slides/recursion.pptx
+++ b/ipsa/slides/recursion.pptx
@@ -271,14 +271,6 @@
           <pc:docMk/>
           <pc:sldMk cId="3874947569" sldId="610"/>
         </pc:sldMkLst>
-        <pc:spChg chg="mod">
-          <ac:chgData name="Gerth Stølting Brodal" userId="04ef4784-6591-4f86-a140-f5c3b108582a" providerId="ADAL" clId="{15423D16-B30F-4DAE-B86A-7A9C21301905}" dt="2025-02-23T19:37:00.902" v="55" actId="20577"/>
-          <ac:spMkLst>
-            <pc:docMk/>
-            <pc:sldMk cId="3874947569" sldId="610"/>
-            <ac:spMk id="5" creationId="{C1A056DD-7942-DC13-82F0-C8F8674A5A1E}"/>
-          </ac:spMkLst>
-        </pc:spChg>
       </pc:sldChg>
     </pc:docChg>
   </pc:docChgLst>
@@ -456,6 +448,68 @@
       </pc:sldChg>
     </pc:docChg>
   </pc:docChgLst>
+  <pc:docChgLst>
+    <pc:chgData name="Gerth Stølting Brodal" userId="04ef4784-6591-4f86-a140-f5c3b108582a" providerId="ADAL" clId="{27124F44-A0F7-408A-AA2B-2C5136C1DC06}"/>
+    <pc:docChg chg="modSld">
+      <pc:chgData name="Gerth Stølting Brodal" userId="04ef4784-6591-4f86-a140-f5c3b108582a" providerId="ADAL" clId="{27124F44-A0F7-408A-AA2B-2C5136C1DC06}" dt="2025-10-27T18:22:46.227" v="7" actId="962"/>
+      <pc:docMkLst>
+        <pc:docMk/>
+      </pc:docMkLst>
+      <pc:sldChg chg="modSp mod">
+        <pc:chgData name="Gerth Stølting Brodal" userId="04ef4784-6591-4f86-a140-f5c3b108582a" providerId="ADAL" clId="{27124F44-A0F7-408A-AA2B-2C5136C1DC06}" dt="2025-10-27T18:22:19.859" v="1" actId="962"/>
+        <pc:sldMkLst>
+          <pc:docMk/>
+          <pc:sldMk cId="345092261" sldId="598"/>
+        </pc:sldMkLst>
+        <pc:spChg chg="mod">
+          <ac:chgData name="Gerth Stølting Brodal" userId="04ef4784-6591-4f86-a140-f5c3b108582a" providerId="ADAL" clId="{27124F44-A0F7-408A-AA2B-2C5136C1DC06}" dt="2025-10-27T18:22:19.859" v="1" actId="962"/>
+          <ac:spMkLst>
+            <pc:docMk/>
+            <pc:sldMk cId="345092261" sldId="598"/>
+            <ac:spMk id="6" creationId="{00000000-0000-0000-0000-000000000000}"/>
+          </ac:spMkLst>
+        </pc:spChg>
+      </pc:sldChg>
+      <pc:sldChg chg="modSp mod">
+        <pc:chgData name="Gerth Stølting Brodal" userId="04ef4784-6591-4f86-a140-f5c3b108582a" providerId="ADAL" clId="{27124F44-A0F7-408A-AA2B-2C5136C1DC06}" dt="2025-10-27T18:22:39.280" v="5" actId="962"/>
+        <pc:sldMkLst>
+          <pc:docMk/>
+          <pc:sldMk cId="3608860866" sldId="599"/>
+        </pc:sldMkLst>
+        <pc:spChg chg="mod">
+          <ac:chgData name="Gerth Stølting Brodal" userId="04ef4784-6591-4f86-a140-f5c3b108582a" providerId="ADAL" clId="{27124F44-A0F7-408A-AA2B-2C5136C1DC06}" dt="2025-10-27T18:22:26.917" v="3" actId="962"/>
+          <ac:spMkLst>
+            <pc:docMk/>
+            <pc:sldMk cId="3608860866" sldId="599"/>
+            <ac:spMk id="6" creationId="{00000000-0000-0000-0000-000000000000}"/>
+          </ac:spMkLst>
+        </pc:spChg>
+        <pc:graphicFrameChg chg="mod">
+          <ac:chgData name="Gerth Stølting Brodal" userId="04ef4784-6591-4f86-a140-f5c3b108582a" providerId="ADAL" clId="{27124F44-A0F7-408A-AA2B-2C5136C1DC06}" dt="2025-10-27T18:22:39.280" v="5" actId="962"/>
+          <ac:graphicFrameMkLst>
+            <pc:docMk/>
+            <pc:sldMk cId="3608860866" sldId="599"/>
+            <ac:graphicFrameMk id="9" creationId="{4A9AFBE2-ED33-413C-B3AB-4F117126A0AF}"/>
+          </ac:graphicFrameMkLst>
+        </pc:graphicFrameChg>
+      </pc:sldChg>
+      <pc:sldChg chg="modSp mod">
+        <pc:chgData name="Gerth Stølting Brodal" userId="04ef4784-6591-4f86-a140-f5c3b108582a" providerId="ADAL" clId="{27124F44-A0F7-408A-AA2B-2C5136C1DC06}" dt="2025-10-27T18:22:46.227" v="7" actId="962"/>
+        <pc:sldMkLst>
+          <pc:docMk/>
+          <pc:sldMk cId="1045497289" sldId="602"/>
+        </pc:sldMkLst>
+        <pc:spChg chg="mod">
+          <ac:chgData name="Gerth Stølting Brodal" userId="04ef4784-6591-4f86-a140-f5c3b108582a" providerId="ADAL" clId="{27124F44-A0F7-408A-AA2B-2C5136C1DC06}" dt="2025-10-27T18:22:46.227" v="7" actId="962"/>
+          <ac:spMkLst>
+            <pc:docMk/>
+            <pc:sldMk cId="1045497289" sldId="602"/>
+            <ac:spMk id="5" creationId="{00000000-0000-0000-0000-000000000000}"/>
+          </ac:spMkLst>
+        </pc:spChg>
+      </pc:sldChg>
+    </pc:docChg>
+  </pc:docChgLst>
 </pc:chgInfo>
 </file>
 
@@ -541,7 +595,7 @@
           <a:p>
             <a:fld id="{FB1A172F-81D4-4DC4-9113-1DBD56EC3646}" type="datetimeFigureOut">
               <a:rPr lang="en-US" smtClean="0"/>
-              <a:t>2/23/2025</a:t>
+              <a:t>10/27/2025</a:t>
             </a:fld>
             <a:endParaRPr lang="en-US"/>
           </a:p>
@@ -2662,7 +2716,7 @@
           <a:p>
             <a:fld id="{0560A9CD-0304-4E0B-9E82-E7E0115DE05B}" type="datetimeFigureOut">
               <a:rPr lang="en-US" smtClean="0"/>
-              <a:t>2/23/2025</a:t>
+              <a:t>10/27/2025</a:t>
             </a:fld>
             <a:endParaRPr lang="en-US"/>
           </a:p>
@@ -2830,7 +2884,7 @@
           <a:p>
             <a:fld id="{0560A9CD-0304-4E0B-9E82-E7E0115DE05B}" type="datetimeFigureOut">
               <a:rPr lang="en-US" smtClean="0"/>
-              <a:t>2/23/2025</a:t>
+              <a:t>10/27/2025</a:t>
             </a:fld>
             <a:endParaRPr lang="en-US"/>
           </a:p>
@@ -3008,7 +3062,7 @@
           <a:p>
             <a:fld id="{0560A9CD-0304-4E0B-9E82-E7E0115DE05B}" type="datetimeFigureOut">
               <a:rPr lang="en-US" smtClean="0"/>
-              <a:t>2/23/2025</a:t>
+              <a:t>10/27/2025</a:t>
             </a:fld>
             <a:endParaRPr lang="en-US"/>
           </a:p>
@@ -3191,7 +3245,7 @@
           <a:p>
             <a:fld id="{0560A9CD-0304-4E0B-9E82-E7E0115DE05B}" type="datetimeFigureOut">
               <a:rPr lang="en-US" smtClean="0"/>
-              <a:t>2/23/2025</a:t>
+              <a:t>10/27/2025</a:t>
             </a:fld>
             <a:endParaRPr lang="en-US"/>
           </a:p>
@@ -3436,7 +3490,7 @@
           <a:p>
             <a:fld id="{0560A9CD-0304-4E0B-9E82-E7E0115DE05B}" type="datetimeFigureOut">
               <a:rPr lang="en-US" smtClean="0"/>
-              <a:t>2/23/2025</a:t>
+              <a:t>10/27/2025</a:t>
             </a:fld>
             <a:endParaRPr lang="en-US"/>
           </a:p>
@@ -3665,7 +3719,7 @@
           <a:p>
             <a:fld id="{0560A9CD-0304-4E0B-9E82-E7E0115DE05B}" type="datetimeFigureOut">
               <a:rPr lang="en-US" smtClean="0"/>
-              <a:t>2/23/2025</a:t>
+              <a:t>10/27/2025</a:t>
             </a:fld>
             <a:endParaRPr lang="en-US"/>
           </a:p>
@@ -4029,7 +4083,7 @@
           <a:p>
             <a:fld id="{0560A9CD-0304-4E0B-9E82-E7E0115DE05B}" type="datetimeFigureOut">
               <a:rPr lang="en-US" smtClean="0"/>
-              <a:t>2/23/2025</a:t>
+              <a:t>10/27/2025</a:t>
             </a:fld>
             <a:endParaRPr lang="en-US"/>
           </a:p>
@@ -4146,7 +4200,7 @@
           <a:p>
             <a:fld id="{0560A9CD-0304-4E0B-9E82-E7E0115DE05B}" type="datetimeFigureOut">
               <a:rPr lang="en-US" smtClean="0"/>
-              <a:t>2/23/2025</a:t>
+              <a:t>10/27/2025</a:t>
             </a:fld>
             <a:endParaRPr lang="en-US"/>
           </a:p>
@@ -4241,7 +4295,7 @@
           <a:p>
             <a:fld id="{0560A9CD-0304-4E0B-9E82-E7E0115DE05B}" type="datetimeFigureOut">
               <a:rPr lang="en-US" smtClean="0"/>
-              <a:t>2/23/2025</a:t>
+              <a:t>10/27/2025</a:t>
             </a:fld>
             <a:endParaRPr lang="en-US"/>
           </a:p>
@@ -4516,7 +4570,7 @@
           <a:p>
             <a:fld id="{0560A9CD-0304-4E0B-9E82-E7E0115DE05B}" type="datetimeFigureOut">
               <a:rPr lang="en-US" smtClean="0"/>
-              <a:t>2/23/2025</a:t>
+              <a:t>10/27/2025</a:t>
             </a:fld>
             <a:endParaRPr lang="en-US"/>
           </a:p>
@@ -4768,7 +4822,7 @@
           <a:p>
             <a:fld id="{0560A9CD-0304-4E0B-9E82-E7E0115DE05B}" type="datetimeFigureOut">
               <a:rPr lang="en-US" smtClean="0"/>
-              <a:t>2/23/2025</a:t>
+              <a:t>10/27/2025</a:t>
             </a:fld>
             <a:endParaRPr lang="en-US"/>
           </a:p>
@@ -4979,7 +5033,7 @@
           <a:p>
             <a:fld id="{0560A9CD-0304-4E0B-9E82-E7E0115DE05B}" type="datetimeFigureOut">
               <a:rPr lang="en-US" smtClean="0"/>
-              <a:t>2/23/2025</a:t>
+              <a:t>10/27/2025</a:t>
             </a:fld>
             <a:endParaRPr lang="en-US"/>
           </a:p>
@@ -9080,7 +9134,7 @@
       </p:graphicFrame>
       <p:sp>
         <p:nvSpPr>
-          <p:cNvPr id="6" name="Smiley Face 5"/>
+          <p:cNvPr id="6" name="Smiley Face 5" descr="QuizAnswer"/>
           <p:cNvSpPr/>
           <p:nvPr/>
         </p:nvSpPr>
@@ -9133,7 +9187,7 @@
       </p:sp>
       <p:graphicFrame>
         <p:nvGraphicFramePr>
-          <p:cNvPr id="9" name="Table 8">
+          <p:cNvPr id="9" name="Table 8" descr="QuizAnswer">
             <a:extLst>
               <a:ext uri="{FF2B5EF4-FFF2-40B4-BE49-F238E27FC236}">
                 <a16:creationId xmlns:a16="http://schemas.microsoft.com/office/drawing/2014/main" id="{4A9AFBE2-ED33-413C-B3AB-4F117126A0AF}"/>
@@ -9146,7 +9200,7 @@
           <p:nvPr>
             <p:extLst>
               <p:ext uri="{D42A27DB-BD31-4B8C-83A1-F6EECF244321}">
-                <p14:modId xmlns:p14="http://schemas.microsoft.com/office/powerpoint/2010/main" val="3896329625"/>
+                <p14:modId xmlns:p14="http://schemas.microsoft.com/office/powerpoint/2010/main" val="1020056586"/>
               </p:ext>
             </p:extLst>
           </p:nvPr>
@@ -10844,7 +10898,7 @@
       </p:graphicFrame>
       <p:sp>
         <p:nvSpPr>
-          <p:cNvPr id="5" name="Smiley Face 4"/>
+          <p:cNvPr id="5" name="Smiley Face 4" descr="QuizAnswer"/>
           <p:cNvSpPr/>
           <p:nvPr/>
         </p:nvSpPr>
@@ -27012,7 +27066,7 @@
       </p:sp>
       <p:sp>
         <p:nvSpPr>
-          <p:cNvPr id="6" name="Smiley Face 5"/>
+          <p:cNvPr id="6" name="Smiley Face 5" descr="QuizAnswer"/>
           <p:cNvSpPr/>
           <p:nvPr/>
         </p:nvSpPr>
